--- a/Documentation/Project Proposal.pptx
+++ b/Documentation/Project Proposal.pptx
@@ -106,6 +106,11 @@
       </a:defRPr>
     </a:lvl9pPr>
   </p:defaultTextStyle>
+  <p:extLst>
+    <p:ext uri="{EFAFB233-063F-42B5-8137-9DF3F51BA10A}">
+      <p15:sldGuideLst xmlns:p15="http://schemas.microsoft.com/office/powerpoint/2012/main"/>
+    </p:ext>
+  </p:extLst>
 </p:presentation>
 </file>
 
@@ -256,7 +261,7 @@
           <a:p>
             <a:fld id="{663FCB29-2676-426F-A85E-B379AF0D74C8}" type="datetimeFigureOut">
               <a:rPr lang="en-US" smtClean="0"/>
-              <a:t>11/16/2024</a:t>
+              <a:t>11/17/2024</a:t>
             </a:fld>
             <a:endParaRPr lang="en-US"/>
           </a:p>
@@ -454,7 +459,7 @@
           <a:p>
             <a:fld id="{663FCB29-2676-426F-A85E-B379AF0D74C8}" type="datetimeFigureOut">
               <a:rPr lang="en-US" smtClean="0"/>
-              <a:t>11/16/2024</a:t>
+              <a:t>11/17/2024</a:t>
             </a:fld>
             <a:endParaRPr lang="en-US"/>
           </a:p>
@@ -662,7 +667,7 @@
           <a:p>
             <a:fld id="{663FCB29-2676-426F-A85E-B379AF0D74C8}" type="datetimeFigureOut">
               <a:rPr lang="en-US" smtClean="0"/>
-              <a:t>11/16/2024</a:t>
+              <a:t>11/17/2024</a:t>
             </a:fld>
             <a:endParaRPr lang="en-US"/>
           </a:p>
@@ -860,7 +865,7 @@
           <a:p>
             <a:fld id="{663FCB29-2676-426F-A85E-B379AF0D74C8}" type="datetimeFigureOut">
               <a:rPr lang="en-US" smtClean="0"/>
-              <a:t>11/16/2024</a:t>
+              <a:t>11/17/2024</a:t>
             </a:fld>
             <a:endParaRPr lang="en-US"/>
           </a:p>
@@ -1135,7 +1140,7 @@
           <a:p>
             <a:fld id="{663FCB29-2676-426F-A85E-B379AF0D74C8}" type="datetimeFigureOut">
               <a:rPr lang="en-US" smtClean="0"/>
-              <a:t>11/16/2024</a:t>
+              <a:t>11/17/2024</a:t>
             </a:fld>
             <a:endParaRPr lang="en-US"/>
           </a:p>
@@ -1400,7 +1405,7 @@
           <a:p>
             <a:fld id="{663FCB29-2676-426F-A85E-B379AF0D74C8}" type="datetimeFigureOut">
               <a:rPr lang="en-US" smtClean="0"/>
-              <a:t>11/16/2024</a:t>
+              <a:t>11/17/2024</a:t>
             </a:fld>
             <a:endParaRPr lang="en-US"/>
           </a:p>
@@ -1812,7 +1817,7 @@
           <a:p>
             <a:fld id="{663FCB29-2676-426F-A85E-B379AF0D74C8}" type="datetimeFigureOut">
               <a:rPr lang="en-US" smtClean="0"/>
-              <a:t>11/16/2024</a:t>
+              <a:t>11/17/2024</a:t>
             </a:fld>
             <a:endParaRPr lang="en-US"/>
           </a:p>
@@ -1953,7 +1958,7 @@
           <a:p>
             <a:fld id="{663FCB29-2676-426F-A85E-B379AF0D74C8}" type="datetimeFigureOut">
               <a:rPr lang="en-US" smtClean="0"/>
-              <a:t>11/16/2024</a:t>
+              <a:t>11/17/2024</a:t>
             </a:fld>
             <a:endParaRPr lang="en-US"/>
           </a:p>
@@ -2066,7 +2071,7 @@
           <a:p>
             <a:fld id="{663FCB29-2676-426F-A85E-B379AF0D74C8}" type="datetimeFigureOut">
               <a:rPr lang="en-US" smtClean="0"/>
-              <a:t>11/16/2024</a:t>
+              <a:t>11/17/2024</a:t>
             </a:fld>
             <a:endParaRPr lang="en-US"/>
           </a:p>
@@ -2377,7 +2382,7 @@
           <a:p>
             <a:fld id="{663FCB29-2676-426F-A85E-B379AF0D74C8}" type="datetimeFigureOut">
               <a:rPr lang="en-US" smtClean="0"/>
-              <a:t>11/16/2024</a:t>
+              <a:t>11/17/2024</a:t>
             </a:fld>
             <a:endParaRPr lang="en-US"/>
           </a:p>
@@ -2665,7 +2670,7 @@
           <a:p>
             <a:fld id="{663FCB29-2676-426F-A85E-B379AF0D74C8}" type="datetimeFigureOut">
               <a:rPr lang="en-US" smtClean="0"/>
-              <a:t>11/16/2024</a:t>
+              <a:t>11/17/2024</a:t>
             </a:fld>
             <a:endParaRPr lang="en-US"/>
           </a:p>
@@ -2906,7 +2911,7 @@
           <a:p>
             <a:fld id="{663FCB29-2676-426F-A85E-B379AF0D74C8}" type="datetimeFigureOut">
               <a:rPr lang="en-US" smtClean="0"/>
-              <a:t>11/16/2024</a:t>
+              <a:t>11/17/2024</a:t>
             </a:fld>
             <a:endParaRPr lang="en-US"/>
           </a:p>
@@ -3346,7 +3351,7 @@
           <a:p>
             <a:r>
               <a:rPr lang="en-US" dirty="0"/>
-              <a:t>Data Structure Destroyer</a:t>
+              <a:t>Dungeon Destroyer</a:t>
             </a:r>
           </a:p>
         </p:txBody>
@@ -3493,16 +3498,15 @@
                 <a:ea typeface="Calibri" panose="020F0502020204030204" pitchFamily="34" charset="0"/>
                 <a:cs typeface="Times New Roman" panose="02020603050405020304" pitchFamily="18" charset="0"/>
               </a:rPr>
-              <a:t>considering making a turn-based RPG style game called “Data Structure Destroyer” (DSD for short). The main premise of the game is to traverse through the map which will be implemented using a graph, and the player has to battle monsters in turn-base combat. To learn new skills, players must unlock items on the skill tree by solving coding problems similar to </a:t>
-            </a:r>
-            <a:r>
-              <a:rPr lang="en-US" sz="1800" kern="100" dirty="0" err="1">
-                <a:effectLst/>
+              <a:t>considering making a turn-based RPG style game called “</a:t>
+            </a:r>
+            <a:r>
+              <a:rPr lang="en-US" sz="1800" kern="100" dirty="0">
                 <a:latin typeface="Calibri" panose="020F0502020204030204" pitchFamily="34" charset="0"/>
                 <a:ea typeface="Calibri" panose="020F0502020204030204" pitchFamily="34" charset="0"/>
                 <a:cs typeface="Times New Roman" panose="02020603050405020304" pitchFamily="18" charset="0"/>
               </a:rPr>
-              <a:t>Leetcode</a:t>
+              <a:t>Dungeon </a:t>
             </a:r>
             <a:r>
               <a:rPr lang="en-US" sz="1800" kern="100" dirty="0">
@@ -3511,25 +3515,7 @@
                 <a:ea typeface="Calibri" panose="020F0502020204030204" pitchFamily="34" charset="0"/>
                 <a:cs typeface="Times New Roman" panose="02020603050405020304" pitchFamily="18" charset="0"/>
               </a:rPr>
-              <a:t>, and these skills can be upgraded with loot/gold earned from fights. Certain skills will be more effective against certain monsters, and thus, players will have to focus on unlocking different parts of the skill tree to ensure they can pass levels. I was thinking of modeling the skill tree based on concepts found in </a:t>
-            </a:r>
-            <a:r>
-              <a:rPr lang="en-US" sz="1800" kern="100" dirty="0" err="1">
-                <a:effectLst/>
-                <a:latin typeface="Calibri" panose="020F0502020204030204" pitchFamily="34" charset="0"/>
-                <a:ea typeface="Calibri" panose="020F0502020204030204" pitchFamily="34" charset="0"/>
-                <a:cs typeface="Times New Roman" panose="02020603050405020304" pitchFamily="18" charset="0"/>
-              </a:rPr>
-              <a:t>Leetcode’s</a:t>
-            </a:r>
-            <a:r>
-              <a:rPr lang="en-US" sz="1800" kern="100" dirty="0">
-                <a:effectLst/>
-                <a:latin typeface="Calibri" panose="020F0502020204030204" pitchFamily="34" charset="0"/>
-                <a:ea typeface="Calibri" panose="020F0502020204030204" pitchFamily="34" charset="0"/>
-                <a:cs typeface="Times New Roman" panose="02020603050405020304" pitchFamily="18" charset="0"/>
-              </a:rPr>
-              <a:t> Blind 75, but I will limit them to easy and medium problems for this first iteration. Also, user related info will be stored using </a:t>
+              <a:t>Destroyer”. The main premise of the game is to traverse through the map which will be implemented using a graph, and the player has to battle monsters in turn-base combat. To learn new skills, players must unlock items on the skill with loot/gold earned from fights. Certain skills will be more effective against certain monsters, and thus, players will have to focus on unlocking different parts of the skill tree to ensure they can pass levels. Also, user related info will be stored using </a:t>
             </a:r>
             <a:r>
               <a:rPr lang="en-US" sz="1800" kern="100" dirty="0" err="1">
@@ -3547,7 +3533,24 @@
                 <a:ea typeface="Calibri" panose="020F0502020204030204" pitchFamily="34" charset="0"/>
                 <a:cs typeface="Times New Roman" panose="02020603050405020304" pitchFamily="18" charset="0"/>
               </a:rPr>
-              <a:t> and lists. The end goal of the game is to reach the end of the map and defeat the boss. The story is still somewhat incomplete, but these are the general mechanics I would like to implement. </a:t>
+              <a:t> and lists</a:t>
+            </a:r>
+            <a:r>
+              <a:rPr lang="en-US" sz="1800" kern="100" dirty="0">
+                <a:latin typeface="Calibri" panose="020F0502020204030204" pitchFamily="34" charset="0"/>
+                <a:ea typeface="Calibri" panose="020F0502020204030204" pitchFamily="34" charset="0"/>
+                <a:cs typeface="Times New Roman" panose="02020603050405020304" pitchFamily="18" charset="0"/>
+              </a:rPr>
+              <a:t>, and the turn based system between player and ai enemies will be implemented using a queue. </a:t>
+            </a:r>
+            <a:r>
+              <a:rPr lang="en-US" sz="1800" kern="100" dirty="0">
+                <a:effectLst/>
+                <a:latin typeface="Calibri" panose="020F0502020204030204" pitchFamily="34" charset="0"/>
+                <a:ea typeface="Calibri" panose="020F0502020204030204" pitchFamily="34" charset="0"/>
+                <a:cs typeface="Times New Roman" panose="02020603050405020304" pitchFamily="18" charset="0"/>
+              </a:rPr>
+              <a:t>The end goal of the game is to reach the end of the map and defeat the boss. The story is still somewhat incomplete, but these are the general mechanics I would like to implement. </a:t>
             </a:r>
           </a:p>
           <a:p>
@@ -3619,11 +3622,101 @@
           <a:p>
             <a:r>
               <a:rPr lang="en-US" dirty="0"/>
-              <a:t>Ideas for theme/style/world building/UI </a:t>
-            </a:r>
-          </a:p>
-        </p:txBody>
-      </p:sp>
+              <a:t>Initial game &amp; assets</a:t>
+            </a:r>
+          </a:p>
+        </p:txBody>
+      </p:sp>
+      <p:pic>
+        <p:nvPicPr>
+          <p:cNvPr id="4" name="Picture 3">
+            <a:extLst>
+              <a:ext uri="{FF2B5EF4-FFF2-40B4-BE49-F238E27FC236}">
+                <a16:creationId xmlns:a16="http://schemas.microsoft.com/office/drawing/2014/main" id="{9F220634-2A89-1D0D-544C-07B25612FA66}"/>
+              </a:ext>
+            </a:extLst>
+          </p:cNvPr>
+          <p:cNvPicPr>
+            <a:picLocks noChangeAspect="1"/>
+          </p:cNvPicPr>
+          <p:nvPr/>
+        </p:nvPicPr>
+        <p:blipFill>
+          <a:blip r:embed="rId2"/>
+          <a:stretch>
+            <a:fillRect/>
+          </a:stretch>
+        </p:blipFill>
+        <p:spPr>
+          <a:xfrm>
+            <a:off x="1119297" y="1771351"/>
+            <a:ext cx="6338396" cy="4524927"/>
+          </a:xfrm>
+          <a:prstGeom prst="rect">
+            <a:avLst/>
+          </a:prstGeom>
+        </p:spPr>
+      </p:pic>
+      <p:pic>
+        <p:nvPicPr>
+          <p:cNvPr id="6" name="Picture 5">
+            <a:extLst>
+              <a:ext uri="{FF2B5EF4-FFF2-40B4-BE49-F238E27FC236}">
+                <a16:creationId xmlns:a16="http://schemas.microsoft.com/office/drawing/2014/main" id="{C5019AC7-FC12-441A-EC81-0D7CB40A1EAF}"/>
+              </a:ext>
+            </a:extLst>
+          </p:cNvPr>
+          <p:cNvPicPr>
+            <a:picLocks noChangeAspect="1"/>
+          </p:cNvPicPr>
+          <p:nvPr/>
+        </p:nvPicPr>
+        <p:blipFill>
+          <a:blip r:embed="rId3"/>
+          <a:stretch>
+            <a:fillRect/>
+          </a:stretch>
+        </p:blipFill>
+        <p:spPr>
+          <a:xfrm>
+            <a:off x="7761233" y="1758773"/>
+            <a:ext cx="2855674" cy="2182736"/>
+          </a:xfrm>
+          <a:prstGeom prst="rect">
+            <a:avLst/>
+          </a:prstGeom>
+        </p:spPr>
+      </p:pic>
+      <p:pic>
+        <p:nvPicPr>
+          <p:cNvPr id="8" name="Picture 7">
+            <a:extLst>
+              <a:ext uri="{FF2B5EF4-FFF2-40B4-BE49-F238E27FC236}">
+                <a16:creationId xmlns:a16="http://schemas.microsoft.com/office/drawing/2014/main" id="{55D127CC-4E89-0952-99CF-51EFC7996B62}"/>
+              </a:ext>
+            </a:extLst>
+          </p:cNvPr>
+          <p:cNvPicPr>
+            <a:picLocks noChangeAspect="1"/>
+          </p:cNvPicPr>
+          <p:nvPr/>
+        </p:nvPicPr>
+        <p:blipFill>
+          <a:blip r:embed="rId4"/>
+          <a:stretch>
+            <a:fillRect/>
+          </a:stretch>
+        </p:blipFill>
+        <p:spPr>
+          <a:xfrm>
+            <a:off x="7761233" y="3900848"/>
+            <a:ext cx="2855675" cy="2410161"/>
+          </a:xfrm>
+          <a:prstGeom prst="rect">
+            <a:avLst/>
+          </a:prstGeom>
+        </p:spPr>
+      </p:pic>
     </p:spTree>
     <p:extLst>
       <p:ext uri="{BB962C8B-B14F-4D97-AF65-F5344CB8AC3E}">

--- a/Documentation/Project Proposal.pptx
+++ b/Documentation/Project Proposal.pptx
@@ -2,12 +2,15 @@
 <file path=ppt/presentation.xml><?xml version="1.0" encoding="utf-8"?>
 <p:presentation xmlns:a="http://schemas.openxmlformats.org/drawingml/2006/main" xmlns:r="http://schemas.openxmlformats.org/officeDocument/2006/relationships" xmlns:p="http://schemas.openxmlformats.org/presentationml/2006/main" saveSubsetFonts="1">
   <p:sldMasterIdLst>
-    <p:sldMasterId id="2147483648" r:id="rId1"/>
+    <p:sldMasterId id="2147483660" r:id="rId1"/>
   </p:sldMasterIdLst>
   <p:sldIdLst>
     <p:sldId id="256" r:id="rId2"/>
     <p:sldId id="257" r:id="rId3"/>
-    <p:sldId id="258" r:id="rId4"/>
+    <p:sldId id="259" r:id="rId4"/>
+    <p:sldId id="260" r:id="rId5"/>
+    <p:sldId id="262" r:id="rId6"/>
+    <p:sldId id="261" r:id="rId7"/>
   </p:sldIdLst>
   <p:sldSz cx="12192000" cy="6858000"/>
   <p:notesSz cx="6858000" cy="9144000"/>
@@ -15,7 +18,7 @@
     <a:defPPr>
       <a:defRPr lang="en-US"/>
     </a:defPPr>
-    <a:lvl1pPr marL="0" algn="l" defTabSz="914400" rtl="0" eaLnBrk="1" latinLnBrk="0" hangingPunct="1">
+    <a:lvl1pPr marL="0" algn="l" defTabSz="457200" rtl="0" eaLnBrk="1" latinLnBrk="0" hangingPunct="1">
       <a:defRPr sz="1800" kern="1200">
         <a:solidFill>
           <a:schemeClr val="tx1"/>
@@ -25,7 +28,7 @@
         <a:cs typeface="+mn-cs"/>
       </a:defRPr>
     </a:lvl1pPr>
-    <a:lvl2pPr marL="457200" algn="l" defTabSz="914400" rtl="0" eaLnBrk="1" latinLnBrk="0" hangingPunct="1">
+    <a:lvl2pPr marL="457200" algn="l" defTabSz="457200" rtl="0" eaLnBrk="1" latinLnBrk="0" hangingPunct="1">
       <a:defRPr sz="1800" kern="1200">
         <a:solidFill>
           <a:schemeClr val="tx1"/>
@@ -35,7 +38,7 @@
         <a:cs typeface="+mn-cs"/>
       </a:defRPr>
     </a:lvl2pPr>
-    <a:lvl3pPr marL="914400" algn="l" defTabSz="914400" rtl="0" eaLnBrk="1" latinLnBrk="0" hangingPunct="1">
+    <a:lvl3pPr marL="914400" algn="l" defTabSz="457200" rtl="0" eaLnBrk="1" latinLnBrk="0" hangingPunct="1">
       <a:defRPr sz="1800" kern="1200">
         <a:solidFill>
           <a:schemeClr val="tx1"/>
@@ -45,7 +48,7 @@
         <a:cs typeface="+mn-cs"/>
       </a:defRPr>
     </a:lvl3pPr>
-    <a:lvl4pPr marL="1371600" algn="l" defTabSz="914400" rtl="0" eaLnBrk="1" latinLnBrk="0" hangingPunct="1">
+    <a:lvl4pPr marL="1371600" algn="l" defTabSz="457200" rtl="0" eaLnBrk="1" latinLnBrk="0" hangingPunct="1">
       <a:defRPr sz="1800" kern="1200">
         <a:solidFill>
           <a:schemeClr val="tx1"/>
@@ -55,7 +58,7 @@
         <a:cs typeface="+mn-cs"/>
       </a:defRPr>
     </a:lvl4pPr>
-    <a:lvl5pPr marL="1828800" algn="l" defTabSz="914400" rtl="0" eaLnBrk="1" latinLnBrk="0" hangingPunct="1">
+    <a:lvl5pPr marL="1828800" algn="l" defTabSz="457200" rtl="0" eaLnBrk="1" latinLnBrk="0" hangingPunct="1">
       <a:defRPr sz="1800" kern="1200">
         <a:solidFill>
           <a:schemeClr val="tx1"/>
@@ -65,7 +68,7 @@
         <a:cs typeface="+mn-cs"/>
       </a:defRPr>
     </a:lvl5pPr>
-    <a:lvl6pPr marL="2286000" algn="l" defTabSz="914400" rtl="0" eaLnBrk="1" latinLnBrk="0" hangingPunct="1">
+    <a:lvl6pPr marL="2286000" algn="l" defTabSz="457200" rtl="0" eaLnBrk="1" latinLnBrk="0" hangingPunct="1">
       <a:defRPr sz="1800" kern="1200">
         <a:solidFill>
           <a:schemeClr val="tx1"/>
@@ -75,7 +78,7 @@
         <a:cs typeface="+mn-cs"/>
       </a:defRPr>
     </a:lvl6pPr>
-    <a:lvl7pPr marL="2743200" algn="l" defTabSz="914400" rtl="0" eaLnBrk="1" latinLnBrk="0" hangingPunct="1">
+    <a:lvl7pPr marL="2743200" algn="l" defTabSz="457200" rtl="0" eaLnBrk="1" latinLnBrk="0" hangingPunct="1">
       <a:defRPr sz="1800" kern="1200">
         <a:solidFill>
           <a:schemeClr val="tx1"/>
@@ -85,7 +88,7 @@
         <a:cs typeface="+mn-cs"/>
       </a:defRPr>
     </a:lvl7pPr>
-    <a:lvl8pPr marL="3200400" algn="l" defTabSz="914400" rtl="0" eaLnBrk="1" latinLnBrk="0" hangingPunct="1">
+    <a:lvl8pPr marL="3200400" algn="l" defTabSz="457200" rtl="0" eaLnBrk="1" latinLnBrk="0" hangingPunct="1">
       <a:defRPr sz="1800" kern="1200">
         <a:solidFill>
           <a:schemeClr val="tx1"/>
@@ -95,7 +98,7 @@
         <a:cs typeface="+mn-cs"/>
       </a:defRPr>
     </a:lvl8pPr>
-    <a:lvl9pPr marL="3657600" algn="l" defTabSz="914400" rtl="0" eaLnBrk="1" latinLnBrk="0" hangingPunct="1">
+    <a:lvl9pPr marL="3657600" algn="l" defTabSz="457200" rtl="0" eaLnBrk="1" latinLnBrk="0" hangingPunct="1">
       <a:defRPr sz="1800" kern="1200">
         <a:solidFill>
           <a:schemeClr val="tx1"/>
@@ -114,9 +117,3874 @@
 </p:presentation>
 </file>
 
+<file path=ppt/diagrams/colors1.xml><?xml version="1.0" encoding="utf-8"?>
+<dgm:colorsDef xmlns:dgm="http://schemas.openxmlformats.org/drawingml/2006/diagram" xmlns:a="http://schemas.openxmlformats.org/drawingml/2006/main" uniqueId="urn:microsoft.com/office/officeart/2005/8/colors/accent6_2">
+  <dgm:title val=""/>
+  <dgm:desc val=""/>
+  <dgm:catLst>
+    <dgm:cat type="accent6" pri="11200"/>
+  </dgm:catLst>
+  <dgm:styleLbl name="node0">
+    <dgm:fillClrLst meth="repeat">
+      <a:schemeClr val="accent6"/>
+    </dgm:fillClrLst>
+    <dgm:linClrLst meth="repeat">
+      <a:schemeClr val="lt1"/>
+    </dgm:linClrLst>
+    <dgm:effectClrLst/>
+    <dgm:txLinClrLst/>
+    <dgm:txFillClrLst/>
+    <dgm:txEffectClrLst/>
+  </dgm:styleLbl>
+  <dgm:styleLbl name="node1">
+    <dgm:fillClrLst meth="repeat">
+      <a:schemeClr val="accent6"/>
+    </dgm:fillClrLst>
+    <dgm:linClrLst meth="repeat">
+      <a:schemeClr val="lt1"/>
+    </dgm:linClrLst>
+    <dgm:effectClrLst/>
+    <dgm:txLinClrLst/>
+    <dgm:txFillClrLst/>
+    <dgm:txEffectClrLst/>
+  </dgm:styleLbl>
+  <dgm:styleLbl name="alignNode1">
+    <dgm:fillClrLst meth="repeat">
+      <a:schemeClr val="accent6"/>
+    </dgm:fillClrLst>
+    <dgm:linClrLst meth="repeat">
+      <a:schemeClr val="accent6"/>
+    </dgm:linClrLst>
+    <dgm:effectClrLst/>
+    <dgm:txLinClrLst/>
+    <dgm:txFillClrLst/>
+    <dgm:txEffectClrLst/>
+  </dgm:styleLbl>
+  <dgm:styleLbl name="lnNode1">
+    <dgm:fillClrLst meth="repeat">
+      <a:schemeClr val="accent6"/>
+    </dgm:fillClrLst>
+    <dgm:linClrLst meth="repeat">
+      <a:schemeClr val="lt1"/>
+    </dgm:linClrLst>
+    <dgm:effectClrLst/>
+    <dgm:txLinClrLst/>
+    <dgm:txFillClrLst/>
+    <dgm:txEffectClrLst/>
+  </dgm:styleLbl>
+  <dgm:styleLbl name="vennNode1">
+    <dgm:fillClrLst meth="repeat">
+      <a:schemeClr val="accent6">
+        <a:alpha val="50000"/>
+      </a:schemeClr>
+    </dgm:fillClrLst>
+    <dgm:linClrLst meth="repeat">
+      <a:schemeClr val="lt1"/>
+    </dgm:linClrLst>
+    <dgm:effectClrLst/>
+    <dgm:txLinClrLst/>
+    <dgm:txFillClrLst/>
+    <dgm:txEffectClrLst/>
+  </dgm:styleLbl>
+  <dgm:styleLbl name="node2">
+    <dgm:fillClrLst meth="repeat">
+      <a:schemeClr val="accent6"/>
+    </dgm:fillClrLst>
+    <dgm:linClrLst meth="repeat">
+      <a:schemeClr val="lt1"/>
+    </dgm:linClrLst>
+    <dgm:effectClrLst/>
+    <dgm:txLinClrLst/>
+    <dgm:txFillClrLst/>
+    <dgm:txEffectClrLst/>
+  </dgm:styleLbl>
+  <dgm:styleLbl name="node3">
+    <dgm:fillClrLst meth="repeat">
+      <a:schemeClr val="accent6"/>
+    </dgm:fillClrLst>
+    <dgm:linClrLst meth="repeat">
+      <a:schemeClr val="lt1"/>
+    </dgm:linClrLst>
+    <dgm:effectClrLst/>
+    <dgm:txLinClrLst/>
+    <dgm:txFillClrLst/>
+    <dgm:txEffectClrLst/>
+  </dgm:styleLbl>
+  <dgm:styleLbl name="node4">
+    <dgm:fillClrLst meth="repeat">
+      <a:schemeClr val="accent6"/>
+    </dgm:fillClrLst>
+    <dgm:linClrLst meth="repeat">
+      <a:schemeClr val="lt1"/>
+    </dgm:linClrLst>
+    <dgm:effectClrLst/>
+    <dgm:txLinClrLst/>
+    <dgm:txFillClrLst/>
+    <dgm:txEffectClrLst/>
+  </dgm:styleLbl>
+  <dgm:styleLbl name="fgImgPlace1">
+    <dgm:fillClrLst meth="repeat">
+      <a:schemeClr val="accent6">
+        <a:tint val="50000"/>
+      </a:schemeClr>
+    </dgm:fillClrLst>
+    <dgm:linClrLst meth="repeat">
+      <a:schemeClr val="lt1"/>
+    </dgm:linClrLst>
+    <dgm:effectClrLst/>
+    <dgm:txLinClrLst/>
+    <dgm:txFillClrLst meth="repeat">
+      <a:schemeClr val="lt1"/>
+    </dgm:txFillClrLst>
+    <dgm:txEffectClrLst/>
+  </dgm:styleLbl>
+  <dgm:styleLbl name="alignImgPlace1">
+    <dgm:fillClrLst meth="repeat">
+      <a:schemeClr val="accent6">
+        <a:tint val="50000"/>
+      </a:schemeClr>
+    </dgm:fillClrLst>
+    <dgm:linClrLst meth="repeat">
+      <a:schemeClr val="lt1"/>
+    </dgm:linClrLst>
+    <dgm:effectClrLst/>
+    <dgm:txLinClrLst/>
+    <dgm:txFillClrLst meth="repeat">
+      <a:schemeClr val="lt1"/>
+    </dgm:txFillClrLst>
+    <dgm:txEffectClrLst/>
+  </dgm:styleLbl>
+  <dgm:styleLbl name="bgImgPlace1">
+    <dgm:fillClrLst meth="repeat">
+      <a:schemeClr val="accent6">
+        <a:tint val="50000"/>
+      </a:schemeClr>
+    </dgm:fillClrLst>
+    <dgm:linClrLst meth="repeat">
+      <a:schemeClr val="lt1"/>
+    </dgm:linClrLst>
+    <dgm:effectClrLst/>
+    <dgm:txLinClrLst/>
+    <dgm:txFillClrLst meth="repeat">
+      <a:schemeClr val="lt1"/>
+    </dgm:txFillClrLst>
+    <dgm:txEffectClrLst/>
+  </dgm:styleLbl>
+  <dgm:styleLbl name="sibTrans2D1">
+    <dgm:fillClrLst meth="repeat">
+      <a:schemeClr val="accent6">
+        <a:tint val="60000"/>
+      </a:schemeClr>
+    </dgm:fillClrLst>
+    <dgm:linClrLst meth="repeat">
+      <a:schemeClr val="accent6">
+        <a:tint val="60000"/>
+      </a:schemeClr>
+    </dgm:linClrLst>
+    <dgm:effectClrLst/>
+    <dgm:txLinClrLst/>
+    <dgm:txFillClrLst/>
+    <dgm:txEffectClrLst/>
+  </dgm:styleLbl>
+  <dgm:styleLbl name="fgSibTrans2D1">
+    <dgm:fillClrLst meth="repeat">
+      <a:schemeClr val="accent6">
+        <a:tint val="60000"/>
+      </a:schemeClr>
+    </dgm:fillClrLst>
+    <dgm:linClrLst meth="repeat">
+      <a:schemeClr val="accent6">
+        <a:tint val="60000"/>
+      </a:schemeClr>
+    </dgm:linClrLst>
+    <dgm:effectClrLst/>
+    <dgm:txLinClrLst/>
+    <dgm:txFillClrLst/>
+    <dgm:txEffectClrLst/>
+  </dgm:styleLbl>
+  <dgm:styleLbl name="bgSibTrans2D1">
+    <dgm:fillClrLst meth="repeat">
+      <a:schemeClr val="accent6">
+        <a:tint val="60000"/>
+      </a:schemeClr>
+    </dgm:fillClrLst>
+    <dgm:linClrLst meth="repeat">
+      <a:schemeClr val="accent6">
+        <a:tint val="60000"/>
+      </a:schemeClr>
+    </dgm:linClrLst>
+    <dgm:effectClrLst/>
+    <dgm:txLinClrLst/>
+    <dgm:txFillClrLst/>
+    <dgm:txEffectClrLst/>
+  </dgm:styleLbl>
+  <dgm:styleLbl name="sibTrans1D1">
+    <dgm:fillClrLst meth="repeat">
+      <a:schemeClr val="accent6"/>
+    </dgm:fillClrLst>
+    <dgm:linClrLst meth="repeat">
+      <a:schemeClr val="accent6"/>
+    </dgm:linClrLst>
+    <dgm:effectClrLst/>
+    <dgm:txLinClrLst/>
+    <dgm:txFillClrLst meth="repeat">
+      <a:schemeClr val="tx1"/>
+    </dgm:txFillClrLst>
+    <dgm:txEffectClrLst/>
+  </dgm:styleLbl>
+  <dgm:styleLbl name="callout">
+    <dgm:fillClrLst meth="repeat">
+      <a:schemeClr val="accent6"/>
+    </dgm:fillClrLst>
+    <dgm:linClrLst meth="repeat">
+      <a:schemeClr val="accent6">
+        <a:tint val="50000"/>
+      </a:schemeClr>
+    </dgm:linClrLst>
+    <dgm:effectClrLst/>
+    <dgm:txLinClrLst/>
+    <dgm:txFillClrLst meth="repeat">
+      <a:schemeClr val="tx1"/>
+    </dgm:txFillClrLst>
+    <dgm:txEffectClrLst/>
+  </dgm:styleLbl>
+  <dgm:styleLbl name="asst0">
+    <dgm:fillClrLst meth="repeat">
+      <a:schemeClr val="accent6"/>
+    </dgm:fillClrLst>
+    <dgm:linClrLst meth="repeat">
+      <a:schemeClr val="lt1"/>
+    </dgm:linClrLst>
+    <dgm:effectClrLst/>
+    <dgm:txLinClrLst/>
+    <dgm:txFillClrLst/>
+    <dgm:txEffectClrLst/>
+  </dgm:styleLbl>
+  <dgm:styleLbl name="asst1">
+    <dgm:fillClrLst meth="repeat">
+      <a:schemeClr val="accent6"/>
+    </dgm:fillClrLst>
+    <dgm:linClrLst meth="repeat">
+      <a:schemeClr val="lt1"/>
+    </dgm:linClrLst>
+    <dgm:effectClrLst/>
+    <dgm:txLinClrLst/>
+    <dgm:txFillClrLst/>
+    <dgm:txEffectClrLst/>
+  </dgm:styleLbl>
+  <dgm:styleLbl name="asst2">
+    <dgm:fillClrLst meth="repeat">
+      <a:schemeClr val="accent6"/>
+    </dgm:fillClrLst>
+    <dgm:linClrLst meth="repeat">
+      <a:schemeClr val="lt1"/>
+    </dgm:linClrLst>
+    <dgm:effectClrLst/>
+    <dgm:txLinClrLst/>
+    <dgm:txFillClrLst/>
+    <dgm:txEffectClrLst/>
+  </dgm:styleLbl>
+  <dgm:styleLbl name="asst3">
+    <dgm:fillClrLst meth="repeat">
+      <a:schemeClr val="accent6"/>
+    </dgm:fillClrLst>
+    <dgm:linClrLst meth="repeat">
+      <a:schemeClr val="lt1"/>
+    </dgm:linClrLst>
+    <dgm:effectClrLst/>
+    <dgm:txLinClrLst/>
+    <dgm:txFillClrLst/>
+    <dgm:txEffectClrLst/>
+  </dgm:styleLbl>
+  <dgm:styleLbl name="asst4">
+    <dgm:fillClrLst meth="repeat">
+      <a:schemeClr val="accent6"/>
+    </dgm:fillClrLst>
+    <dgm:linClrLst meth="repeat">
+      <a:schemeClr val="lt1"/>
+    </dgm:linClrLst>
+    <dgm:effectClrLst/>
+    <dgm:txLinClrLst/>
+    <dgm:txFillClrLst/>
+    <dgm:txEffectClrLst/>
+  </dgm:styleLbl>
+  <dgm:styleLbl name="parChTrans2D1">
+    <dgm:fillClrLst meth="repeat">
+      <a:schemeClr val="accent6">
+        <a:tint val="60000"/>
+      </a:schemeClr>
+    </dgm:fillClrLst>
+    <dgm:linClrLst meth="repeat">
+      <a:schemeClr val="accent6">
+        <a:tint val="60000"/>
+      </a:schemeClr>
+    </dgm:linClrLst>
+    <dgm:effectClrLst/>
+    <dgm:txLinClrLst/>
+    <dgm:txFillClrLst meth="repeat">
+      <a:schemeClr val="lt1"/>
+    </dgm:txFillClrLst>
+    <dgm:txEffectClrLst/>
+  </dgm:styleLbl>
+  <dgm:styleLbl name="parChTrans2D2">
+    <dgm:fillClrLst meth="repeat">
+      <a:schemeClr val="accent6"/>
+    </dgm:fillClrLst>
+    <dgm:linClrLst meth="repeat">
+      <a:schemeClr val="accent6"/>
+    </dgm:linClrLst>
+    <dgm:effectClrLst/>
+    <dgm:txLinClrLst/>
+    <dgm:txFillClrLst meth="repeat">
+      <a:schemeClr val="lt1"/>
+    </dgm:txFillClrLst>
+    <dgm:txEffectClrLst/>
+  </dgm:styleLbl>
+  <dgm:styleLbl name="parChTrans2D3">
+    <dgm:fillClrLst meth="repeat">
+      <a:schemeClr val="accent6"/>
+    </dgm:fillClrLst>
+    <dgm:linClrLst meth="repeat">
+      <a:schemeClr val="accent6"/>
+    </dgm:linClrLst>
+    <dgm:effectClrLst/>
+    <dgm:txLinClrLst/>
+    <dgm:txFillClrLst meth="repeat">
+      <a:schemeClr val="lt1"/>
+    </dgm:txFillClrLst>
+    <dgm:txEffectClrLst/>
+  </dgm:styleLbl>
+  <dgm:styleLbl name="parChTrans2D4">
+    <dgm:fillClrLst meth="repeat">
+      <a:schemeClr val="accent6"/>
+    </dgm:fillClrLst>
+    <dgm:linClrLst meth="repeat">
+      <a:schemeClr val="accent6"/>
+    </dgm:linClrLst>
+    <dgm:effectClrLst/>
+    <dgm:txLinClrLst/>
+    <dgm:txFillClrLst meth="repeat">
+      <a:schemeClr val="lt1"/>
+    </dgm:txFillClrLst>
+    <dgm:txEffectClrLst/>
+  </dgm:styleLbl>
+  <dgm:styleLbl name="parChTrans1D1">
+    <dgm:fillClrLst meth="repeat">
+      <a:schemeClr val="accent6"/>
+    </dgm:fillClrLst>
+    <dgm:linClrLst meth="repeat">
+      <a:schemeClr val="accent6">
+        <a:shade val="60000"/>
+      </a:schemeClr>
+    </dgm:linClrLst>
+    <dgm:effectClrLst/>
+    <dgm:txLinClrLst/>
+    <dgm:txFillClrLst meth="repeat">
+      <a:schemeClr val="tx1"/>
+    </dgm:txFillClrLst>
+    <dgm:txEffectClrLst/>
+  </dgm:styleLbl>
+  <dgm:styleLbl name="parChTrans1D2">
+    <dgm:fillClrLst meth="repeat">
+      <a:schemeClr val="accent6"/>
+    </dgm:fillClrLst>
+    <dgm:linClrLst meth="repeat">
+      <a:schemeClr val="accent6">
+        <a:shade val="60000"/>
+      </a:schemeClr>
+    </dgm:linClrLst>
+    <dgm:effectClrLst/>
+    <dgm:txLinClrLst/>
+    <dgm:txFillClrLst meth="repeat">
+      <a:schemeClr val="tx1"/>
+    </dgm:txFillClrLst>
+    <dgm:txEffectClrLst/>
+  </dgm:styleLbl>
+  <dgm:styleLbl name="parChTrans1D3">
+    <dgm:fillClrLst meth="repeat">
+      <a:schemeClr val="accent6"/>
+    </dgm:fillClrLst>
+    <dgm:linClrLst meth="repeat">
+      <a:schemeClr val="accent6">
+        <a:shade val="80000"/>
+      </a:schemeClr>
+    </dgm:linClrLst>
+    <dgm:effectClrLst/>
+    <dgm:txLinClrLst/>
+    <dgm:txFillClrLst meth="repeat">
+      <a:schemeClr val="tx1"/>
+    </dgm:txFillClrLst>
+    <dgm:txEffectClrLst/>
+  </dgm:styleLbl>
+  <dgm:styleLbl name="parChTrans1D4">
+    <dgm:fillClrLst meth="repeat">
+      <a:schemeClr val="accent6"/>
+    </dgm:fillClrLst>
+    <dgm:linClrLst meth="repeat">
+      <a:schemeClr val="accent6">
+        <a:shade val="80000"/>
+      </a:schemeClr>
+    </dgm:linClrLst>
+    <dgm:effectClrLst/>
+    <dgm:txLinClrLst/>
+    <dgm:txFillClrLst meth="repeat">
+      <a:schemeClr val="tx1"/>
+    </dgm:txFillClrLst>
+    <dgm:txEffectClrLst/>
+  </dgm:styleLbl>
+  <dgm:styleLbl name="fgAcc1">
+    <dgm:fillClrLst meth="repeat">
+      <a:schemeClr val="lt1">
+        <a:alpha val="90000"/>
+      </a:schemeClr>
+    </dgm:fillClrLst>
+    <dgm:linClrLst meth="repeat">
+      <a:schemeClr val="accent6"/>
+    </dgm:linClrLst>
+    <dgm:effectClrLst/>
+    <dgm:txLinClrLst/>
+    <dgm:txFillClrLst meth="repeat">
+      <a:schemeClr val="dk1"/>
+    </dgm:txFillClrLst>
+    <dgm:txEffectClrLst/>
+  </dgm:styleLbl>
+  <dgm:styleLbl name="conFgAcc1">
+    <dgm:fillClrLst meth="repeat">
+      <a:schemeClr val="lt1">
+        <a:alpha val="90000"/>
+      </a:schemeClr>
+    </dgm:fillClrLst>
+    <dgm:linClrLst meth="repeat">
+      <a:schemeClr val="accent6"/>
+    </dgm:linClrLst>
+    <dgm:effectClrLst/>
+    <dgm:txLinClrLst/>
+    <dgm:txFillClrLst meth="repeat">
+      <a:schemeClr val="dk1"/>
+    </dgm:txFillClrLst>
+    <dgm:txEffectClrLst/>
+  </dgm:styleLbl>
+  <dgm:styleLbl name="alignAcc1">
+    <dgm:fillClrLst meth="repeat">
+      <a:schemeClr val="lt1">
+        <a:alpha val="90000"/>
+      </a:schemeClr>
+    </dgm:fillClrLst>
+    <dgm:linClrLst meth="repeat">
+      <a:schemeClr val="accent6"/>
+    </dgm:linClrLst>
+    <dgm:effectClrLst/>
+    <dgm:txLinClrLst/>
+    <dgm:txFillClrLst meth="repeat">
+      <a:schemeClr val="dk1"/>
+    </dgm:txFillClrLst>
+    <dgm:txEffectClrLst/>
+  </dgm:styleLbl>
+  <dgm:styleLbl name="trAlignAcc1">
+    <dgm:fillClrLst meth="repeat">
+      <a:schemeClr val="lt1">
+        <a:alpha val="40000"/>
+      </a:schemeClr>
+    </dgm:fillClrLst>
+    <dgm:linClrLst meth="repeat">
+      <a:schemeClr val="accent6"/>
+    </dgm:linClrLst>
+    <dgm:effectClrLst/>
+    <dgm:txLinClrLst/>
+    <dgm:txFillClrLst meth="repeat">
+      <a:schemeClr val="dk1"/>
+    </dgm:txFillClrLst>
+    <dgm:txEffectClrLst/>
+  </dgm:styleLbl>
+  <dgm:styleLbl name="bgAcc1">
+    <dgm:fillClrLst meth="repeat">
+      <a:schemeClr val="lt1">
+        <a:alpha val="90000"/>
+      </a:schemeClr>
+    </dgm:fillClrLst>
+    <dgm:linClrLst meth="repeat">
+      <a:schemeClr val="accent6"/>
+    </dgm:linClrLst>
+    <dgm:effectClrLst/>
+    <dgm:txLinClrLst/>
+    <dgm:txFillClrLst meth="repeat">
+      <a:schemeClr val="dk1"/>
+    </dgm:txFillClrLst>
+    <dgm:txEffectClrLst/>
+  </dgm:styleLbl>
+  <dgm:styleLbl name="solidFgAcc1">
+    <dgm:fillClrLst meth="repeat">
+      <a:schemeClr val="lt1"/>
+    </dgm:fillClrLst>
+    <dgm:linClrLst meth="repeat">
+      <a:schemeClr val="accent6"/>
+    </dgm:linClrLst>
+    <dgm:effectClrLst/>
+    <dgm:txLinClrLst/>
+    <dgm:txFillClrLst meth="repeat">
+      <a:schemeClr val="dk1"/>
+    </dgm:txFillClrLst>
+    <dgm:txEffectClrLst/>
+  </dgm:styleLbl>
+  <dgm:styleLbl name="solidAlignAcc1">
+    <dgm:fillClrLst meth="repeat">
+      <a:schemeClr val="lt1"/>
+    </dgm:fillClrLst>
+    <dgm:linClrLst meth="repeat">
+      <a:schemeClr val="accent6"/>
+    </dgm:linClrLst>
+    <dgm:effectClrLst/>
+    <dgm:txLinClrLst/>
+    <dgm:txFillClrLst meth="repeat">
+      <a:schemeClr val="dk1"/>
+    </dgm:txFillClrLst>
+    <dgm:txEffectClrLst/>
+  </dgm:styleLbl>
+  <dgm:styleLbl name="solidBgAcc1">
+    <dgm:fillClrLst meth="repeat">
+      <a:schemeClr val="lt1"/>
+    </dgm:fillClrLst>
+    <dgm:linClrLst meth="repeat">
+      <a:schemeClr val="accent6"/>
+    </dgm:linClrLst>
+    <dgm:effectClrLst/>
+    <dgm:txLinClrLst/>
+    <dgm:txFillClrLst meth="repeat">
+      <a:schemeClr val="dk1"/>
+    </dgm:txFillClrLst>
+    <dgm:txEffectClrLst/>
+  </dgm:styleLbl>
+  <dgm:styleLbl name="fgAccFollowNode1">
+    <dgm:fillClrLst meth="repeat">
+      <a:schemeClr val="accent6">
+        <a:alpha val="90000"/>
+        <a:tint val="40000"/>
+      </a:schemeClr>
+    </dgm:fillClrLst>
+    <dgm:linClrLst meth="repeat">
+      <a:schemeClr val="accent6">
+        <a:alpha val="90000"/>
+        <a:tint val="40000"/>
+      </a:schemeClr>
+    </dgm:linClrLst>
+    <dgm:effectClrLst/>
+    <dgm:txLinClrLst/>
+    <dgm:txFillClrLst meth="repeat">
+      <a:schemeClr val="dk1"/>
+    </dgm:txFillClrLst>
+    <dgm:txEffectClrLst/>
+  </dgm:styleLbl>
+  <dgm:styleLbl name="alignAccFollowNode1">
+    <dgm:fillClrLst meth="repeat">
+      <a:schemeClr val="accent6">
+        <a:alpha val="90000"/>
+        <a:tint val="40000"/>
+      </a:schemeClr>
+    </dgm:fillClrLst>
+    <dgm:linClrLst meth="repeat">
+      <a:schemeClr val="accent6">
+        <a:alpha val="90000"/>
+        <a:tint val="40000"/>
+      </a:schemeClr>
+    </dgm:linClrLst>
+    <dgm:effectClrLst/>
+    <dgm:txLinClrLst/>
+    <dgm:txFillClrLst meth="repeat">
+      <a:schemeClr val="dk1"/>
+    </dgm:txFillClrLst>
+    <dgm:txEffectClrLst/>
+  </dgm:styleLbl>
+  <dgm:styleLbl name="bgAccFollowNode1">
+    <dgm:fillClrLst meth="repeat">
+      <a:schemeClr val="accent6">
+        <a:alpha val="90000"/>
+        <a:tint val="40000"/>
+      </a:schemeClr>
+    </dgm:fillClrLst>
+    <dgm:linClrLst meth="repeat">
+      <a:schemeClr val="accent6">
+        <a:alpha val="90000"/>
+        <a:tint val="40000"/>
+      </a:schemeClr>
+    </dgm:linClrLst>
+    <dgm:effectClrLst/>
+    <dgm:txLinClrLst/>
+    <dgm:txFillClrLst meth="repeat">
+      <a:schemeClr val="dk1"/>
+    </dgm:txFillClrLst>
+    <dgm:txEffectClrLst/>
+  </dgm:styleLbl>
+  <dgm:styleLbl name="fgAcc0">
+    <dgm:fillClrLst meth="repeat">
+      <a:schemeClr val="lt1">
+        <a:alpha val="90000"/>
+      </a:schemeClr>
+    </dgm:fillClrLst>
+    <dgm:linClrLst meth="repeat">
+      <a:schemeClr val="accent6"/>
+    </dgm:linClrLst>
+    <dgm:effectClrLst/>
+    <dgm:txLinClrLst/>
+    <dgm:txFillClrLst meth="repeat">
+      <a:schemeClr val="dk1"/>
+    </dgm:txFillClrLst>
+    <dgm:txEffectClrLst/>
+  </dgm:styleLbl>
+  <dgm:styleLbl name="fgAcc2">
+    <dgm:fillClrLst meth="repeat">
+      <a:schemeClr val="lt1">
+        <a:alpha val="90000"/>
+      </a:schemeClr>
+    </dgm:fillClrLst>
+    <dgm:linClrLst meth="repeat">
+      <a:schemeClr val="accent6"/>
+    </dgm:linClrLst>
+    <dgm:effectClrLst/>
+    <dgm:txLinClrLst/>
+    <dgm:txFillClrLst meth="repeat">
+      <a:schemeClr val="dk1"/>
+    </dgm:txFillClrLst>
+    <dgm:txEffectClrLst/>
+  </dgm:styleLbl>
+  <dgm:styleLbl name="fgAcc3">
+    <dgm:fillClrLst meth="repeat">
+      <a:schemeClr val="lt1">
+        <a:alpha val="90000"/>
+      </a:schemeClr>
+    </dgm:fillClrLst>
+    <dgm:linClrLst meth="repeat">
+      <a:schemeClr val="accent6"/>
+    </dgm:linClrLst>
+    <dgm:effectClrLst/>
+    <dgm:txLinClrLst/>
+    <dgm:txFillClrLst meth="repeat">
+      <a:schemeClr val="dk1"/>
+    </dgm:txFillClrLst>
+    <dgm:txEffectClrLst/>
+  </dgm:styleLbl>
+  <dgm:styleLbl name="fgAcc4">
+    <dgm:fillClrLst meth="repeat">
+      <a:schemeClr val="lt1">
+        <a:alpha val="90000"/>
+      </a:schemeClr>
+    </dgm:fillClrLst>
+    <dgm:linClrLst meth="repeat">
+      <a:schemeClr val="accent6"/>
+    </dgm:linClrLst>
+    <dgm:effectClrLst/>
+    <dgm:txLinClrLst/>
+    <dgm:txFillClrLst meth="repeat">
+      <a:schemeClr val="dk1"/>
+    </dgm:txFillClrLst>
+    <dgm:txEffectClrLst/>
+  </dgm:styleLbl>
+  <dgm:styleLbl name="bgShp">
+    <dgm:fillClrLst meth="repeat">
+      <a:schemeClr val="accent6">
+        <a:tint val="40000"/>
+      </a:schemeClr>
+    </dgm:fillClrLst>
+    <dgm:linClrLst meth="repeat">
+      <a:schemeClr val="accent6"/>
+    </dgm:linClrLst>
+    <dgm:effectClrLst/>
+    <dgm:txLinClrLst/>
+    <dgm:txFillClrLst meth="repeat">
+      <a:schemeClr val="dk1"/>
+    </dgm:txFillClrLst>
+    <dgm:txEffectClrLst/>
+  </dgm:styleLbl>
+  <dgm:styleLbl name="dkBgShp">
+    <dgm:fillClrLst meth="repeat">
+      <a:schemeClr val="accent6">
+        <a:shade val="80000"/>
+      </a:schemeClr>
+    </dgm:fillClrLst>
+    <dgm:linClrLst meth="repeat">
+      <a:schemeClr val="accent6"/>
+    </dgm:linClrLst>
+    <dgm:effectClrLst/>
+    <dgm:txLinClrLst/>
+    <dgm:txFillClrLst meth="repeat">
+      <a:schemeClr val="lt1"/>
+    </dgm:txFillClrLst>
+    <dgm:txEffectClrLst/>
+  </dgm:styleLbl>
+  <dgm:styleLbl name="trBgShp">
+    <dgm:fillClrLst meth="repeat">
+      <a:schemeClr val="accent6">
+        <a:tint val="50000"/>
+        <a:alpha val="40000"/>
+      </a:schemeClr>
+    </dgm:fillClrLst>
+    <dgm:linClrLst meth="repeat">
+      <a:schemeClr val="accent6"/>
+    </dgm:linClrLst>
+    <dgm:effectClrLst/>
+    <dgm:txLinClrLst/>
+    <dgm:txFillClrLst meth="repeat">
+      <a:schemeClr val="lt1"/>
+    </dgm:txFillClrLst>
+    <dgm:txEffectClrLst/>
+  </dgm:styleLbl>
+  <dgm:styleLbl name="fgShp">
+    <dgm:fillClrLst meth="repeat">
+      <a:schemeClr val="accent6">
+        <a:tint val="60000"/>
+      </a:schemeClr>
+    </dgm:fillClrLst>
+    <dgm:linClrLst meth="repeat">
+      <a:schemeClr val="lt1"/>
+    </dgm:linClrLst>
+    <dgm:effectClrLst/>
+    <dgm:txLinClrLst/>
+    <dgm:txFillClrLst meth="repeat">
+      <a:schemeClr val="dk1"/>
+    </dgm:txFillClrLst>
+    <dgm:txEffectClrLst/>
+  </dgm:styleLbl>
+  <dgm:styleLbl name="revTx">
+    <dgm:fillClrLst meth="repeat">
+      <a:schemeClr val="lt1">
+        <a:alpha val="0"/>
+      </a:schemeClr>
+    </dgm:fillClrLst>
+    <dgm:linClrLst meth="repeat">
+      <a:schemeClr val="dk1">
+        <a:alpha val="0"/>
+      </a:schemeClr>
+    </dgm:linClrLst>
+    <dgm:effectClrLst/>
+    <dgm:txLinClrLst/>
+    <dgm:txFillClrLst meth="repeat">
+      <a:schemeClr val="tx1"/>
+    </dgm:txFillClrLst>
+    <dgm:txEffectClrLst/>
+  </dgm:styleLbl>
+</dgm:colorsDef>
+</file>
+
+<file path=ppt/diagrams/data1.xml><?xml version="1.0" encoding="utf-8"?>
+<dgm:dataModel xmlns:dgm="http://schemas.openxmlformats.org/drawingml/2006/diagram" xmlns:a="http://schemas.openxmlformats.org/drawingml/2006/main">
+  <dgm:ptLst>
+    <dgm:pt modelId="{1CAE5AAA-F5B3-4093-918B-9F622B1253C7}" type="doc">
+      <dgm:prSet loTypeId="urn:microsoft.com/office/officeart/2009/layout/CirclePictureHierarchy" loCatId="hierarchy" qsTypeId="urn:microsoft.com/office/officeart/2005/8/quickstyle/simple1" qsCatId="simple" csTypeId="urn:microsoft.com/office/officeart/2005/8/colors/accent6_2" csCatId="accent6" phldr="1"/>
+      <dgm:spPr/>
+      <dgm:t>
+        <a:bodyPr/>
+        <a:lstStyle/>
+        <a:p>
+          <a:endParaRPr lang="en-US"/>
+        </a:p>
+      </dgm:t>
+    </dgm:pt>
+    <dgm:pt modelId="{EE6E13BC-2A9D-44B8-97C4-92FB90B8D2F4}">
+      <dgm:prSet phldrT="[Text]" custT="1"/>
+      <dgm:spPr/>
+      <dgm:t>
+        <a:bodyPr/>
+        <a:lstStyle/>
+        <a:p>
+          <a:r>
+            <a:rPr lang="en-US" sz="1600" dirty="0"/>
+            <a:t>Root</a:t>
+          </a:r>
+        </a:p>
+      </dgm:t>
+    </dgm:pt>
+    <dgm:pt modelId="{9CE24046-CEFF-4A2A-9B01-D653AEA0F6AA}" type="parTrans" cxnId="{033AFA67-B0D9-4D32-B5F3-766D49B4DBF6}">
+      <dgm:prSet/>
+      <dgm:spPr/>
+      <dgm:t>
+        <a:bodyPr/>
+        <a:lstStyle/>
+        <a:p>
+          <a:endParaRPr lang="en-US"/>
+        </a:p>
+      </dgm:t>
+    </dgm:pt>
+    <dgm:pt modelId="{194941C0-F157-4968-BF21-1A7EFA86FEFE}" type="sibTrans" cxnId="{033AFA67-B0D9-4D32-B5F3-766D49B4DBF6}">
+      <dgm:prSet/>
+      <dgm:spPr/>
+      <dgm:t>
+        <a:bodyPr/>
+        <a:lstStyle/>
+        <a:p>
+          <a:endParaRPr lang="en-US"/>
+        </a:p>
+      </dgm:t>
+    </dgm:pt>
+    <dgm:pt modelId="{4E7D870B-96A1-4201-91AE-B982DD8B3E62}">
+      <dgm:prSet phldrT="[Text]" custT="1"/>
+      <dgm:spPr/>
+      <dgm:t>
+        <a:bodyPr/>
+        <a:lstStyle/>
+        <a:p>
+          <a:r>
+            <a:rPr lang="en-US" sz="1600" dirty="0"/>
+            <a:t>Slash</a:t>
+          </a:r>
+        </a:p>
+      </dgm:t>
+    </dgm:pt>
+    <dgm:pt modelId="{AC16F1AC-BFA0-4CA0-8378-34A48471D30C}" type="parTrans" cxnId="{BC0CC619-BC30-4901-9661-DD52D8C7E9E8}">
+      <dgm:prSet/>
+      <dgm:spPr/>
+      <dgm:t>
+        <a:bodyPr/>
+        <a:lstStyle/>
+        <a:p>
+          <a:endParaRPr lang="en-US"/>
+        </a:p>
+      </dgm:t>
+    </dgm:pt>
+    <dgm:pt modelId="{B0BB0B66-9D20-45F9-9FC6-1AEF1388B971}" type="sibTrans" cxnId="{BC0CC619-BC30-4901-9661-DD52D8C7E9E8}">
+      <dgm:prSet/>
+      <dgm:spPr/>
+      <dgm:t>
+        <a:bodyPr/>
+        <a:lstStyle/>
+        <a:p>
+          <a:endParaRPr lang="en-US"/>
+        </a:p>
+      </dgm:t>
+    </dgm:pt>
+    <dgm:pt modelId="{51000F28-7202-4FF9-8095-1D4677121CDE}">
+      <dgm:prSet phldrT="[Text]" custT="1"/>
+      <dgm:spPr/>
+      <dgm:t>
+        <a:bodyPr/>
+        <a:lstStyle/>
+        <a:p>
+          <a:r>
+            <a:rPr lang="en-US" sz="1600" dirty="0"/>
+            <a:t>Hammer</a:t>
+          </a:r>
+        </a:p>
+      </dgm:t>
+    </dgm:pt>
+    <dgm:pt modelId="{6217FD9D-AC8F-4E52-A1A9-64E1CC7BB2F3}" type="parTrans" cxnId="{76EA031F-B17D-493C-B498-3AB599EA0D7C}">
+      <dgm:prSet/>
+      <dgm:spPr/>
+      <dgm:t>
+        <a:bodyPr/>
+        <a:lstStyle/>
+        <a:p>
+          <a:endParaRPr lang="en-US"/>
+        </a:p>
+      </dgm:t>
+    </dgm:pt>
+    <dgm:pt modelId="{1E65B8BE-8588-4B51-982B-127C91A1E40A}" type="sibTrans" cxnId="{76EA031F-B17D-493C-B498-3AB599EA0D7C}">
+      <dgm:prSet/>
+      <dgm:spPr/>
+      <dgm:t>
+        <a:bodyPr/>
+        <a:lstStyle/>
+        <a:p>
+          <a:endParaRPr lang="en-US"/>
+        </a:p>
+      </dgm:t>
+    </dgm:pt>
+    <dgm:pt modelId="{B7DBAF4D-6999-4A2E-8975-287E5404E1EE}">
+      <dgm:prSet phldrT="[Text]" custT="1"/>
+      <dgm:spPr/>
+      <dgm:t>
+        <a:bodyPr/>
+        <a:lstStyle/>
+        <a:p>
+          <a:r>
+            <a:rPr lang="en-US" sz="1600" dirty="0"/>
+            <a:t>Sweeping edge</a:t>
+          </a:r>
+        </a:p>
+      </dgm:t>
+    </dgm:pt>
+    <dgm:pt modelId="{450BCA9F-0917-4296-81B3-08866D124CB6}" type="parTrans" cxnId="{407542F4-855B-4061-B0B4-2CE4FB1C68F7}">
+      <dgm:prSet/>
+      <dgm:spPr/>
+      <dgm:t>
+        <a:bodyPr/>
+        <a:lstStyle/>
+        <a:p>
+          <a:endParaRPr lang="en-US"/>
+        </a:p>
+      </dgm:t>
+    </dgm:pt>
+    <dgm:pt modelId="{B0C646C6-4145-4B7C-891B-06840C3CF33C}" type="sibTrans" cxnId="{407542F4-855B-4061-B0B4-2CE4FB1C68F7}">
+      <dgm:prSet/>
+      <dgm:spPr/>
+      <dgm:t>
+        <a:bodyPr/>
+        <a:lstStyle/>
+        <a:p>
+          <a:endParaRPr lang="en-US"/>
+        </a:p>
+      </dgm:t>
+    </dgm:pt>
+    <dgm:pt modelId="{44CAD7DF-AAAB-4BD5-A953-79F1ACE9F058}">
+      <dgm:prSet phldrT="[Text]" custT="1"/>
+      <dgm:spPr/>
+      <dgm:t>
+        <a:bodyPr/>
+        <a:lstStyle/>
+        <a:p>
+          <a:r>
+            <a:rPr lang="en-US" sz="1600" dirty="0"/>
+            <a:t>Shield</a:t>
+          </a:r>
+        </a:p>
+      </dgm:t>
+    </dgm:pt>
+    <dgm:pt modelId="{A56E63A4-E154-456B-98D9-0BCCE5AFE0D8}" type="parTrans" cxnId="{F00C11B2-AA47-4C60-B776-A95BD34284F2}">
+      <dgm:prSet/>
+      <dgm:spPr/>
+      <dgm:t>
+        <a:bodyPr/>
+        <a:lstStyle/>
+        <a:p>
+          <a:endParaRPr lang="en-US"/>
+        </a:p>
+      </dgm:t>
+    </dgm:pt>
+    <dgm:pt modelId="{0857C38D-8F37-46CF-8396-9805496EDABC}" type="sibTrans" cxnId="{F00C11B2-AA47-4C60-B776-A95BD34284F2}">
+      <dgm:prSet/>
+      <dgm:spPr/>
+      <dgm:t>
+        <a:bodyPr/>
+        <a:lstStyle/>
+        <a:p>
+          <a:endParaRPr lang="en-US"/>
+        </a:p>
+      </dgm:t>
+    </dgm:pt>
+    <dgm:pt modelId="{0A2916EC-7727-4F51-B9AF-23246CD63774}">
+      <dgm:prSet phldrT="[Text]" custT="1"/>
+      <dgm:spPr/>
+      <dgm:t>
+        <a:bodyPr/>
+        <a:lstStyle/>
+        <a:p>
+          <a:r>
+            <a:rPr lang="en-US" sz="1600" dirty="0"/>
+            <a:t>None</a:t>
+          </a:r>
+        </a:p>
+      </dgm:t>
+    </dgm:pt>
+    <dgm:pt modelId="{761C2B21-78B3-4C97-8AC8-95F647E67183}" type="parTrans" cxnId="{7AEB84BD-2676-4047-B118-67BA3EA567FC}">
+      <dgm:prSet/>
+      <dgm:spPr/>
+      <dgm:t>
+        <a:bodyPr/>
+        <a:lstStyle/>
+        <a:p>
+          <a:endParaRPr lang="en-US"/>
+        </a:p>
+      </dgm:t>
+    </dgm:pt>
+    <dgm:pt modelId="{DF86E112-2931-4760-A118-923021DDD94D}" type="sibTrans" cxnId="{7AEB84BD-2676-4047-B118-67BA3EA567FC}">
+      <dgm:prSet/>
+      <dgm:spPr/>
+      <dgm:t>
+        <a:bodyPr/>
+        <a:lstStyle/>
+        <a:p>
+          <a:endParaRPr lang="en-US"/>
+        </a:p>
+      </dgm:t>
+    </dgm:pt>
+    <dgm:pt modelId="{A2403E65-0481-4DB3-9BAB-DD6DE4C9E7C1}" type="pres">
+      <dgm:prSet presAssocID="{1CAE5AAA-F5B3-4093-918B-9F622B1253C7}" presName="hierChild1" presStyleCnt="0">
+        <dgm:presLayoutVars>
+          <dgm:chPref val="1"/>
+          <dgm:dir/>
+          <dgm:animOne val="branch"/>
+          <dgm:animLvl val="lvl"/>
+          <dgm:resizeHandles/>
+        </dgm:presLayoutVars>
+      </dgm:prSet>
+      <dgm:spPr/>
+    </dgm:pt>
+    <dgm:pt modelId="{34E7DBAA-B3BD-490F-832F-106F363F2BD1}" type="pres">
+      <dgm:prSet presAssocID="{EE6E13BC-2A9D-44B8-97C4-92FB90B8D2F4}" presName="hierRoot1" presStyleCnt="0"/>
+      <dgm:spPr/>
+    </dgm:pt>
+    <dgm:pt modelId="{E15030C2-378E-4632-858A-55F9DB688285}" type="pres">
+      <dgm:prSet presAssocID="{EE6E13BC-2A9D-44B8-97C4-92FB90B8D2F4}" presName="composite" presStyleCnt="0"/>
+      <dgm:spPr/>
+    </dgm:pt>
+    <dgm:pt modelId="{69B07B9A-3AFB-4061-ADFA-3C6D2D76D84A}" type="pres">
+      <dgm:prSet presAssocID="{EE6E13BC-2A9D-44B8-97C4-92FB90B8D2F4}" presName="image" presStyleLbl="node0" presStyleIdx="0" presStyleCnt="1"/>
+      <dgm:spPr/>
+    </dgm:pt>
+    <dgm:pt modelId="{9924660B-F71E-4FC1-983E-3FB24D37EB4B}" type="pres">
+      <dgm:prSet presAssocID="{EE6E13BC-2A9D-44B8-97C4-92FB90B8D2F4}" presName="text" presStyleLbl="revTx" presStyleIdx="0" presStyleCnt="6">
+        <dgm:presLayoutVars>
+          <dgm:chPref val="3"/>
+        </dgm:presLayoutVars>
+      </dgm:prSet>
+      <dgm:spPr/>
+    </dgm:pt>
+    <dgm:pt modelId="{68AFF4F6-C1B7-4D73-95D1-002C28CEC3F4}" type="pres">
+      <dgm:prSet presAssocID="{EE6E13BC-2A9D-44B8-97C4-92FB90B8D2F4}" presName="hierChild2" presStyleCnt="0"/>
+      <dgm:spPr/>
+    </dgm:pt>
+    <dgm:pt modelId="{20D433FA-BCE0-4842-81DE-E2A971DC67F6}" type="pres">
+      <dgm:prSet presAssocID="{AC16F1AC-BFA0-4CA0-8378-34A48471D30C}" presName="Name10" presStyleLbl="parChTrans1D2" presStyleIdx="0" presStyleCnt="2"/>
+      <dgm:spPr/>
+    </dgm:pt>
+    <dgm:pt modelId="{B49AB504-4EF1-4946-9885-7E81B151798E}" type="pres">
+      <dgm:prSet presAssocID="{4E7D870B-96A1-4201-91AE-B982DD8B3E62}" presName="hierRoot2" presStyleCnt="0"/>
+      <dgm:spPr/>
+    </dgm:pt>
+    <dgm:pt modelId="{10BE24EC-81E4-4B97-BF6A-7B27FE3A932C}" type="pres">
+      <dgm:prSet presAssocID="{4E7D870B-96A1-4201-91AE-B982DD8B3E62}" presName="composite2" presStyleCnt="0"/>
+      <dgm:spPr/>
+    </dgm:pt>
+    <dgm:pt modelId="{A683C0AB-3321-4200-A1F0-E18A80BF4DDF}" type="pres">
+      <dgm:prSet presAssocID="{4E7D870B-96A1-4201-91AE-B982DD8B3E62}" presName="image2" presStyleLbl="node2" presStyleIdx="0" presStyleCnt="2"/>
+      <dgm:spPr>
+        <a:blipFill>
+          <a:blip xmlns:r="http://schemas.openxmlformats.org/officeDocument/2006/relationships" r:embed="rId1">
+            <a:extLst>
+              <a:ext uri="{28A0092B-C50C-407E-A947-70E740481C1C}">
+                <a14:useLocalDpi xmlns:a14="http://schemas.microsoft.com/office/drawing/2010/main" val="0"/>
+              </a:ext>
+            </a:extLst>
+          </a:blip>
+          <a:srcRect/>
+          <a:stretch>
+            <a:fillRect/>
+          </a:stretch>
+        </a:blipFill>
+      </dgm:spPr>
+    </dgm:pt>
+    <dgm:pt modelId="{E1302F56-8149-487D-8425-7B8E2AB57AE6}" type="pres">
+      <dgm:prSet presAssocID="{4E7D870B-96A1-4201-91AE-B982DD8B3E62}" presName="text2" presStyleLbl="revTx" presStyleIdx="1" presStyleCnt="6">
+        <dgm:presLayoutVars>
+          <dgm:chPref val="3"/>
+        </dgm:presLayoutVars>
+      </dgm:prSet>
+      <dgm:spPr/>
+    </dgm:pt>
+    <dgm:pt modelId="{3B1DD847-A385-4D04-952D-F854C86B92E7}" type="pres">
+      <dgm:prSet presAssocID="{4E7D870B-96A1-4201-91AE-B982DD8B3E62}" presName="hierChild3" presStyleCnt="0"/>
+      <dgm:spPr/>
+    </dgm:pt>
+    <dgm:pt modelId="{8643EBBD-398A-4860-BA1E-F84DB66D4A05}" type="pres">
+      <dgm:prSet presAssocID="{6217FD9D-AC8F-4E52-A1A9-64E1CC7BB2F3}" presName="Name17" presStyleLbl="parChTrans1D3" presStyleIdx="0" presStyleCnt="3"/>
+      <dgm:spPr/>
+    </dgm:pt>
+    <dgm:pt modelId="{0913F70E-3274-4601-945A-5458D1425CA2}" type="pres">
+      <dgm:prSet presAssocID="{51000F28-7202-4FF9-8095-1D4677121CDE}" presName="hierRoot3" presStyleCnt="0"/>
+      <dgm:spPr/>
+    </dgm:pt>
+    <dgm:pt modelId="{A2C8F9C7-D18B-4F90-8CAF-07C64C8EA82C}" type="pres">
+      <dgm:prSet presAssocID="{51000F28-7202-4FF9-8095-1D4677121CDE}" presName="composite3" presStyleCnt="0"/>
+      <dgm:spPr/>
+    </dgm:pt>
+    <dgm:pt modelId="{4C895340-6DE7-43EE-BBF4-4B028FA27D37}" type="pres">
+      <dgm:prSet presAssocID="{51000F28-7202-4FF9-8095-1D4677121CDE}" presName="image3" presStyleLbl="node3" presStyleIdx="0" presStyleCnt="3"/>
+      <dgm:spPr>
+        <a:blipFill>
+          <a:blip xmlns:r="http://schemas.openxmlformats.org/officeDocument/2006/relationships" r:embed="rId2">
+            <a:extLst>
+              <a:ext uri="{96DAC541-7B7A-43D3-8B79-37D633B846F1}">
+                <asvg:svgBlip xmlns:asvg="http://schemas.microsoft.com/office/drawing/2016/SVG/main" r:embed="rId3"/>
+              </a:ext>
+            </a:extLst>
+          </a:blip>
+          <a:srcRect/>
+          <a:stretch>
+            <a:fillRect/>
+          </a:stretch>
+        </a:blipFill>
+      </dgm:spPr>
+    </dgm:pt>
+    <dgm:pt modelId="{7ECE6B30-DB29-403E-B8DD-6F7CCCCDBD75}" type="pres">
+      <dgm:prSet presAssocID="{51000F28-7202-4FF9-8095-1D4677121CDE}" presName="text3" presStyleLbl="revTx" presStyleIdx="2" presStyleCnt="6">
+        <dgm:presLayoutVars>
+          <dgm:chPref val="3"/>
+        </dgm:presLayoutVars>
+      </dgm:prSet>
+      <dgm:spPr/>
+    </dgm:pt>
+    <dgm:pt modelId="{23F487AD-B482-49BD-816D-C3192BC290B4}" type="pres">
+      <dgm:prSet presAssocID="{51000F28-7202-4FF9-8095-1D4677121CDE}" presName="hierChild4" presStyleCnt="0"/>
+      <dgm:spPr/>
+    </dgm:pt>
+    <dgm:pt modelId="{60962319-FCF7-403A-900B-615EF5EDD081}" type="pres">
+      <dgm:prSet presAssocID="{450BCA9F-0917-4296-81B3-08866D124CB6}" presName="Name17" presStyleLbl="parChTrans1D3" presStyleIdx="1" presStyleCnt="3"/>
+      <dgm:spPr/>
+    </dgm:pt>
+    <dgm:pt modelId="{21A89886-3F43-47FD-B1F9-E9FF27CED98A}" type="pres">
+      <dgm:prSet presAssocID="{B7DBAF4D-6999-4A2E-8975-287E5404E1EE}" presName="hierRoot3" presStyleCnt="0"/>
+      <dgm:spPr/>
+    </dgm:pt>
+    <dgm:pt modelId="{7000CFD3-0CF6-4700-9755-58300304B1B6}" type="pres">
+      <dgm:prSet presAssocID="{B7DBAF4D-6999-4A2E-8975-287E5404E1EE}" presName="composite3" presStyleCnt="0"/>
+      <dgm:spPr/>
+    </dgm:pt>
+    <dgm:pt modelId="{C3A539DE-8F8C-4719-900B-8F7927466912}" type="pres">
+      <dgm:prSet presAssocID="{B7DBAF4D-6999-4A2E-8975-287E5404E1EE}" presName="image3" presStyleLbl="node3" presStyleIdx="1" presStyleCnt="3"/>
+      <dgm:spPr>
+        <a:blipFill>
+          <a:blip xmlns:r="http://schemas.openxmlformats.org/officeDocument/2006/relationships" r:embed="rId4">
+            <a:extLst>
+              <a:ext uri="{28A0092B-C50C-407E-A947-70E740481C1C}">
+                <a14:useLocalDpi xmlns:a14="http://schemas.microsoft.com/office/drawing/2010/main" val="0"/>
+              </a:ext>
+            </a:extLst>
+          </a:blip>
+          <a:srcRect/>
+          <a:stretch>
+            <a:fillRect t="-21000" b="-21000"/>
+          </a:stretch>
+        </a:blipFill>
+      </dgm:spPr>
+    </dgm:pt>
+    <dgm:pt modelId="{2FFB5A23-CFCE-4D1C-8492-DDC88AED0514}" type="pres">
+      <dgm:prSet presAssocID="{B7DBAF4D-6999-4A2E-8975-287E5404E1EE}" presName="text3" presStyleLbl="revTx" presStyleIdx="3" presStyleCnt="6">
+        <dgm:presLayoutVars>
+          <dgm:chPref val="3"/>
+        </dgm:presLayoutVars>
+      </dgm:prSet>
+      <dgm:spPr/>
+    </dgm:pt>
+    <dgm:pt modelId="{8B89E3E9-5C1F-4720-A572-83BD55904218}" type="pres">
+      <dgm:prSet presAssocID="{B7DBAF4D-6999-4A2E-8975-287E5404E1EE}" presName="hierChild4" presStyleCnt="0"/>
+      <dgm:spPr/>
+    </dgm:pt>
+    <dgm:pt modelId="{C6FD2A9A-7FA5-4652-AC43-FA486E882B6A}" type="pres">
+      <dgm:prSet presAssocID="{A56E63A4-E154-456B-98D9-0BCCE5AFE0D8}" presName="Name10" presStyleLbl="parChTrans1D2" presStyleIdx="1" presStyleCnt="2"/>
+      <dgm:spPr/>
+    </dgm:pt>
+    <dgm:pt modelId="{8E5FB5BD-F729-4872-A49E-F8E55CC49CDB}" type="pres">
+      <dgm:prSet presAssocID="{44CAD7DF-AAAB-4BD5-A953-79F1ACE9F058}" presName="hierRoot2" presStyleCnt="0"/>
+      <dgm:spPr/>
+    </dgm:pt>
+    <dgm:pt modelId="{A6249718-0A9D-4353-8A85-8A578D8CDED1}" type="pres">
+      <dgm:prSet presAssocID="{44CAD7DF-AAAB-4BD5-A953-79F1ACE9F058}" presName="composite2" presStyleCnt="0"/>
+      <dgm:spPr/>
+    </dgm:pt>
+    <dgm:pt modelId="{FB4312BC-C8CC-43D5-BFB6-7AB3972A09D9}" type="pres">
+      <dgm:prSet presAssocID="{44CAD7DF-AAAB-4BD5-A953-79F1ACE9F058}" presName="image2" presStyleLbl="node2" presStyleIdx="1" presStyleCnt="2"/>
+      <dgm:spPr>
+        <a:blipFill>
+          <a:blip xmlns:r="http://schemas.openxmlformats.org/officeDocument/2006/relationships" r:embed="rId5">
+            <a:extLst>
+              <a:ext uri="{28A0092B-C50C-407E-A947-70E740481C1C}">
+                <a14:useLocalDpi xmlns:a14="http://schemas.microsoft.com/office/drawing/2010/main" val="0"/>
+              </a:ext>
+            </a:extLst>
+          </a:blip>
+          <a:srcRect/>
+          <a:stretch>
+            <a:fillRect l="-6000" r="-6000"/>
+          </a:stretch>
+        </a:blipFill>
+      </dgm:spPr>
+    </dgm:pt>
+    <dgm:pt modelId="{338A9773-841F-4134-86E3-522B8598C56F}" type="pres">
+      <dgm:prSet presAssocID="{44CAD7DF-AAAB-4BD5-A953-79F1ACE9F058}" presName="text2" presStyleLbl="revTx" presStyleIdx="4" presStyleCnt="6">
+        <dgm:presLayoutVars>
+          <dgm:chPref val="3"/>
+        </dgm:presLayoutVars>
+      </dgm:prSet>
+      <dgm:spPr/>
+    </dgm:pt>
+    <dgm:pt modelId="{FCE0B04A-27C9-4869-91D3-DFDF965D3C70}" type="pres">
+      <dgm:prSet presAssocID="{44CAD7DF-AAAB-4BD5-A953-79F1ACE9F058}" presName="hierChild3" presStyleCnt="0"/>
+      <dgm:spPr/>
+    </dgm:pt>
+    <dgm:pt modelId="{ABA5E69C-C848-4937-95B6-AF805A91AF6E}" type="pres">
+      <dgm:prSet presAssocID="{761C2B21-78B3-4C97-8AC8-95F647E67183}" presName="Name17" presStyleLbl="parChTrans1D3" presStyleIdx="2" presStyleCnt="3"/>
+      <dgm:spPr/>
+    </dgm:pt>
+    <dgm:pt modelId="{6F7A6795-F4CB-4887-A5EF-2DB5EDF4F44D}" type="pres">
+      <dgm:prSet presAssocID="{0A2916EC-7727-4F51-B9AF-23246CD63774}" presName="hierRoot3" presStyleCnt="0"/>
+      <dgm:spPr/>
+    </dgm:pt>
+    <dgm:pt modelId="{0EBB64E4-79FB-4F0C-8B26-AAD3E732EEBB}" type="pres">
+      <dgm:prSet presAssocID="{0A2916EC-7727-4F51-B9AF-23246CD63774}" presName="composite3" presStyleCnt="0"/>
+      <dgm:spPr/>
+    </dgm:pt>
+    <dgm:pt modelId="{277E236C-85DC-4EA6-9D73-032BFED71BF1}" type="pres">
+      <dgm:prSet presAssocID="{0A2916EC-7727-4F51-B9AF-23246CD63774}" presName="image3" presStyleLbl="node3" presStyleIdx="2" presStyleCnt="3"/>
+      <dgm:spPr/>
+    </dgm:pt>
+    <dgm:pt modelId="{10E3B4A4-A7D6-4B87-AC12-B258CFDD1AB9}" type="pres">
+      <dgm:prSet presAssocID="{0A2916EC-7727-4F51-B9AF-23246CD63774}" presName="text3" presStyleLbl="revTx" presStyleIdx="5" presStyleCnt="6">
+        <dgm:presLayoutVars>
+          <dgm:chPref val="3"/>
+        </dgm:presLayoutVars>
+      </dgm:prSet>
+      <dgm:spPr/>
+    </dgm:pt>
+    <dgm:pt modelId="{E133266A-648B-4C51-859B-4F46A3333A5C}" type="pres">
+      <dgm:prSet presAssocID="{0A2916EC-7727-4F51-B9AF-23246CD63774}" presName="hierChild4" presStyleCnt="0"/>
+      <dgm:spPr/>
+    </dgm:pt>
+  </dgm:ptLst>
+  <dgm:cxnLst>
+    <dgm:cxn modelId="{69CE5D03-D45F-4934-BFD8-806D5B9A72EB}" type="presOf" srcId="{44CAD7DF-AAAB-4BD5-A953-79F1ACE9F058}" destId="{338A9773-841F-4134-86E3-522B8598C56F}" srcOrd="0" destOrd="0" presId="urn:microsoft.com/office/officeart/2009/layout/CirclePictureHierarchy"/>
+    <dgm:cxn modelId="{8C882618-05BF-4CBC-887A-CA1C6B1D9059}" type="presOf" srcId="{4E7D870B-96A1-4201-91AE-B982DD8B3E62}" destId="{E1302F56-8149-487D-8425-7B8E2AB57AE6}" srcOrd="0" destOrd="0" presId="urn:microsoft.com/office/officeart/2009/layout/CirclePictureHierarchy"/>
+    <dgm:cxn modelId="{BC0CC619-BC30-4901-9661-DD52D8C7E9E8}" srcId="{EE6E13BC-2A9D-44B8-97C4-92FB90B8D2F4}" destId="{4E7D870B-96A1-4201-91AE-B982DD8B3E62}" srcOrd="0" destOrd="0" parTransId="{AC16F1AC-BFA0-4CA0-8378-34A48471D30C}" sibTransId="{B0BB0B66-9D20-45F9-9FC6-1AEF1388B971}"/>
+    <dgm:cxn modelId="{76EA031F-B17D-493C-B498-3AB599EA0D7C}" srcId="{4E7D870B-96A1-4201-91AE-B982DD8B3E62}" destId="{51000F28-7202-4FF9-8095-1D4677121CDE}" srcOrd="0" destOrd="0" parTransId="{6217FD9D-AC8F-4E52-A1A9-64E1CC7BB2F3}" sibTransId="{1E65B8BE-8588-4B51-982B-127C91A1E40A}"/>
+    <dgm:cxn modelId="{880C3D3D-8089-4AD7-97DD-7940DC858504}" type="presOf" srcId="{6217FD9D-AC8F-4E52-A1A9-64E1CC7BB2F3}" destId="{8643EBBD-398A-4860-BA1E-F84DB66D4A05}" srcOrd="0" destOrd="0" presId="urn:microsoft.com/office/officeart/2009/layout/CirclePictureHierarchy"/>
+    <dgm:cxn modelId="{D28BCB66-6F1F-4131-9887-BBED89C21BBD}" type="presOf" srcId="{1CAE5AAA-F5B3-4093-918B-9F622B1253C7}" destId="{A2403E65-0481-4DB3-9BAB-DD6DE4C9E7C1}" srcOrd="0" destOrd="0" presId="urn:microsoft.com/office/officeart/2009/layout/CirclePictureHierarchy"/>
+    <dgm:cxn modelId="{033AFA67-B0D9-4D32-B5F3-766D49B4DBF6}" srcId="{1CAE5AAA-F5B3-4093-918B-9F622B1253C7}" destId="{EE6E13BC-2A9D-44B8-97C4-92FB90B8D2F4}" srcOrd="0" destOrd="0" parTransId="{9CE24046-CEFF-4A2A-9B01-D653AEA0F6AA}" sibTransId="{194941C0-F157-4968-BF21-1A7EFA86FEFE}"/>
+    <dgm:cxn modelId="{C346FB4E-8BA3-4390-B3E4-CCA9568C094B}" type="presOf" srcId="{761C2B21-78B3-4C97-8AC8-95F647E67183}" destId="{ABA5E69C-C848-4937-95B6-AF805A91AF6E}" srcOrd="0" destOrd="0" presId="urn:microsoft.com/office/officeart/2009/layout/CirclePictureHierarchy"/>
+    <dgm:cxn modelId="{D7D2CA58-08C2-4C27-8497-482DC6A4C270}" type="presOf" srcId="{AC16F1AC-BFA0-4CA0-8378-34A48471D30C}" destId="{20D433FA-BCE0-4842-81DE-E2A971DC67F6}" srcOrd="0" destOrd="0" presId="urn:microsoft.com/office/officeart/2009/layout/CirclePictureHierarchy"/>
+    <dgm:cxn modelId="{EAD13B7B-2F00-4941-B0F9-4EF530863274}" type="presOf" srcId="{51000F28-7202-4FF9-8095-1D4677121CDE}" destId="{7ECE6B30-DB29-403E-B8DD-6F7CCCCDBD75}" srcOrd="0" destOrd="0" presId="urn:microsoft.com/office/officeart/2009/layout/CirclePictureHierarchy"/>
+    <dgm:cxn modelId="{FC0C617E-15BB-4C72-8B0D-3989A79281D8}" type="presOf" srcId="{B7DBAF4D-6999-4A2E-8975-287E5404E1EE}" destId="{2FFB5A23-CFCE-4D1C-8492-DDC88AED0514}" srcOrd="0" destOrd="0" presId="urn:microsoft.com/office/officeart/2009/layout/CirclePictureHierarchy"/>
+    <dgm:cxn modelId="{A6FE8298-CDED-418A-AADB-5CC6E34A6A3B}" type="presOf" srcId="{EE6E13BC-2A9D-44B8-97C4-92FB90B8D2F4}" destId="{9924660B-F71E-4FC1-983E-3FB24D37EB4B}" srcOrd="0" destOrd="0" presId="urn:microsoft.com/office/officeart/2009/layout/CirclePictureHierarchy"/>
+    <dgm:cxn modelId="{F00C11B2-AA47-4C60-B776-A95BD34284F2}" srcId="{EE6E13BC-2A9D-44B8-97C4-92FB90B8D2F4}" destId="{44CAD7DF-AAAB-4BD5-A953-79F1ACE9F058}" srcOrd="1" destOrd="0" parTransId="{A56E63A4-E154-456B-98D9-0BCCE5AFE0D8}" sibTransId="{0857C38D-8F37-46CF-8396-9805496EDABC}"/>
+    <dgm:cxn modelId="{E79FEEB2-0765-4C9F-A060-90C9947812E2}" type="presOf" srcId="{0A2916EC-7727-4F51-B9AF-23246CD63774}" destId="{10E3B4A4-A7D6-4B87-AC12-B258CFDD1AB9}" srcOrd="0" destOrd="0" presId="urn:microsoft.com/office/officeart/2009/layout/CirclePictureHierarchy"/>
+    <dgm:cxn modelId="{9A172FB9-E304-4BE0-AB5A-41234E4C4387}" type="presOf" srcId="{450BCA9F-0917-4296-81B3-08866D124CB6}" destId="{60962319-FCF7-403A-900B-615EF5EDD081}" srcOrd="0" destOrd="0" presId="urn:microsoft.com/office/officeart/2009/layout/CirclePictureHierarchy"/>
+    <dgm:cxn modelId="{7AEB84BD-2676-4047-B118-67BA3EA567FC}" srcId="{44CAD7DF-AAAB-4BD5-A953-79F1ACE9F058}" destId="{0A2916EC-7727-4F51-B9AF-23246CD63774}" srcOrd="0" destOrd="0" parTransId="{761C2B21-78B3-4C97-8AC8-95F647E67183}" sibTransId="{DF86E112-2931-4760-A118-923021DDD94D}"/>
+    <dgm:cxn modelId="{407542F4-855B-4061-B0B4-2CE4FB1C68F7}" srcId="{4E7D870B-96A1-4201-91AE-B982DD8B3E62}" destId="{B7DBAF4D-6999-4A2E-8975-287E5404E1EE}" srcOrd="1" destOrd="0" parTransId="{450BCA9F-0917-4296-81B3-08866D124CB6}" sibTransId="{B0C646C6-4145-4B7C-891B-06840C3CF33C}"/>
+    <dgm:cxn modelId="{88CE9BF9-503C-496A-AF22-598E893FF00B}" type="presOf" srcId="{A56E63A4-E154-456B-98D9-0BCCE5AFE0D8}" destId="{C6FD2A9A-7FA5-4652-AC43-FA486E882B6A}" srcOrd="0" destOrd="0" presId="urn:microsoft.com/office/officeart/2009/layout/CirclePictureHierarchy"/>
+    <dgm:cxn modelId="{743318D7-4E75-4EA8-BBD2-7F6D3E62C82E}" type="presParOf" srcId="{A2403E65-0481-4DB3-9BAB-DD6DE4C9E7C1}" destId="{34E7DBAA-B3BD-490F-832F-106F363F2BD1}" srcOrd="0" destOrd="0" presId="urn:microsoft.com/office/officeart/2009/layout/CirclePictureHierarchy"/>
+    <dgm:cxn modelId="{7CC6A583-4FC7-4040-9553-2BE96D1B6590}" type="presParOf" srcId="{34E7DBAA-B3BD-490F-832F-106F363F2BD1}" destId="{E15030C2-378E-4632-858A-55F9DB688285}" srcOrd="0" destOrd="0" presId="urn:microsoft.com/office/officeart/2009/layout/CirclePictureHierarchy"/>
+    <dgm:cxn modelId="{CDA8658C-0AAC-49C1-AB77-1BC1B208732F}" type="presParOf" srcId="{E15030C2-378E-4632-858A-55F9DB688285}" destId="{69B07B9A-3AFB-4061-ADFA-3C6D2D76D84A}" srcOrd="0" destOrd="0" presId="urn:microsoft.com/office/officeart/2009/layout/CirclePictureHierarchy"/>
+    <dgm:cxn modelId="{0AE4A50E-F58B-40F4-8752-78C4B2E130D8}" type="presParOf" srcId="{E15030C2-378E-4632-858A-55F9DB688285}" destId="{9924660B-F71E-4FC1-983E-3FB24D37EB4B}" srcOrd="1" destOrd="0" presId="urn:microsoft.com/office/officeart/2009/layout/CirclePictureHierarchy"/>
+    <dgm:cxn modelId="{B93DD2CB-8509-4C20-83F1-1C39D156EF17}" type="presParOf" srcId="{34E7DBAA-B3BD-490F-832F-106F363F2BD1}" destId="{68AFF4F6-C1B7-4D73-95D1-002C28CEC3F4}" srcOrd="1" destOrd="0" presId="urn:microsoft.com/office/officeart/2009/layout/CirclePictureHierarchy"/>
+    <dgm:cxn modelId="{FB379E83-AB15-410C-9D9B-67D144BCDF6B}" type="presParOf" srcId="{68AFF4F6-C1B7-4D73-95D1-002C28CEC3F4}" destId="{20D433FA-BCE0-4842-81DE-E2A971DC67F6}" srcOrd="0" destOrd="0" presId="urn:microsoft.com/office/officeart/2009/layout/CirclePictureHierarchy"/>
+    <dgm:cxn modelId="{70E18324-902D-4134-8102-13D65CABBE9D}" type="presParOf" srcId="{68AFF4F6-C1B7-4D73-95D1-002C28CEC3F4}" destId="{B49AB504-4EF1-4946-9885-7E81B151798E}" srcOrd="1" destOrd="0" presId="urn:microsoft.com/office/officeart/2009/layout/CirclePictureHierarchy"/>
+    <dgm:cxn modelId="{8CDAE372-C633-466A-A057-88216008EC8B}" type="presParOf" srcId="{B49AB504-4EF1-4946-9885-7E81B151798E}" destId="{10BE24EC-81E4-4B97-BF6A-7B27FE3A932C}" srcOrd="0" destOrd="0" presId="urn:microsoft.com/office/officeart/2009/layout/CirclePictureHierarchy"/>
+    <dgm:cxn modelId="{F91B7194-B7F3-40FF-9C51-06848A400EE6}" type="presParOf" srcId="{10BE24EC-81E4-4B97-BF6A-7B27FE3A932C}" destId="{A683C0AB-3321-4200-A1F0-E18A80BF4DDF}" srcOrd="0" destOrd="0" presId="urn:microsoft.com/office/officeart/2009/layout/CirclePictureHierarchy"/>
+    <dgm:cxn modelId="{9A3AA88D-4EE4-41FA-88AB-C18C3448FB5A}" type="presParOf" srcId="{10BE24EC-81E4-4B97-BF6A-7B27FE3A932C}" destId="{E1302F56-8149-487D-8425-7B8E2AB57AE6}" srcOrd="1" destOrd="0" presId="urn:microsoft.com/office/officeart/2009/layout/CirclePictureHierarchy"/>
+    <dgm:cxn modelId="{CB708EF0-97E6-49C3-8017-C72284AA3D47}" type="presParOf" srcId="{B49AB504-4EF1-4946-9885-7E81B151798E}" destId="{3B1DD847-A385-4D04-952D-F854C86B92E7}" srcOrd="1" destOrd="0" presId="urn:microsoft.com/office/officeart/2009/layout/CirclePictureHierarchy"/>
+    <dgm:cxn modelId="{DE0BE4D4-E9BA-4B77-AE10-8A7A06D9A86C}" type="presParOf" srcId="{3B1DD847-A385-4D04-952D-F854C86B92E7}" destId="{8643EBBD-398A-4860-BA1E-F84DB66D4A05}" srcOrd="0" destOrd="0" presId="urn:microsoft.com/office/officeart/2009/layout/CirclePictureHierarchy"/>
+    <dgm:cxn modelId="{C304B355-3E39-45AF-84F6-4422F440A261}" type="presParOf" srcId="{3B1DD847-A385-4D04-952D-F854C86B92E7}" destId="{0913F70E-3274-4601-945A-5458D1425CA2}" srcOrd="1" destOrd="0" presId="urn:microsoft.com/office/officeart/2009/layout/CirclePictureHierarchy"/>
+    <dgm:cxn modelId="{C51B0AC5-796F-4C52-885D-16BC901D2916}" type="presParOf" srcId="{0913F70E-3274-4601-945A-5458D1425CA2}" destId="{A2C8F9C7-D18B-4F90-8CAF-07C64C8EA82C}" srcOrd="0" destOrd="0" presId="urn:microsoft.com/office/officeart/2009/layout/CirclePictureHierarchy"/>
+    <dgm:cxn modelId="{3F0A800E-0500-40E8-8153-5BE77810D1A6}" type="presParOf" srcId="{A2C8F9C7-D18B-4F90-8CAF-07C64C8EA82C}" destId="{4C895340-6DE7-43EE-BBF4-4B028FA27D37}" srcOrd="0" destOrd="0" presId="urn:microsoft.com/office/officeart/2009/layout/CirclePictureHierarchy"/>
+    <dgm:cxn modelId="{49FD4114-897D-42A6-84C7-CA3C19A6D9D1}" type="presParOf" srcId="{A2C8F9C7-D18B-4F90-8CAF-07C64C8EA82C}" destId="{7ECE6B30-DB29-403E-B8DD-6F7CCCCDBD75}" srcOrd="1" destOrd="0" presId="urn:microsoft.com/office/officeart/2009/layout/CirclePictureHierarchy"/>
+    <dgm:cxn modelId="{BA92863F-9645-4CCA-8177-586D0D666130}" type="presParOf" srcId="{0913F70E-3274-4601-945A-5458D1425CA2}" destId="{23F487AD-B482-49BD-816D-C3192BC290B4}" srcOrd="1" destOrd="0" presId="urn:microsoft.com/office/officeart/2009/layout/CirclePictureHierarchy"/>
+    <dgm:cxn modelId="{FA22DC41-2801-4071-8AD0-51F43FB07BC9}" type="presParOf" srcId="{3B1DD847-A385-4D04-952D-F854C86B92E7}" destId="{60962319-FCF7-403A-900B-615EF5EDD081}" srcOrd="2" destOrd="0" presId="urn:microsoft.com/office/officeart/2009/layout/CirclePictureHierarchy"/>
+    <dgm:cxn modelId="{D8DD8A1D-643D-4ED1-80C3-4D258B10EFC6}" type="presParOf" srcId="{3B1DD847-A385-4D04-952D-F854C86B92E7}" destId="{21A89886-3F43-47FD-B1F9-E9FF27CED98A}" srcOrd="3" destOrd="0" presId="urn:microsoft.com/office/officeart/2009/layout/CirclePictureHierarchy"/>
+    <dgm:cxn modelId="{5CD2BE04-6162-46CE-970A-ACD0A7419A58}" type="presParOf" srcId="{21A89886-3F43-47FD-B1F9-E9FF27CED98A}" destId="{7000CFD3-0CF6-4700-9755-58300304B1B6}" srcOrd="0" destOrd="0" presId="urn:microsoft.com/office/officeart/2009/layout/CirclePictureHierarchy"/>
+    <dgm:cxn modelId="{8CC9E4D4-A176-404E-933B-255237E6A4FF}" type="presParOf" srcId="{7000CFD3-0CF6-4700-9755-58300304B1B6}" destId="{C3A539DE-8F8C-4719-900B-8F7927466912}" srcOrd="0" destOrd="0" presId="urn:microsoft.com/office/officeart/2009/layout/CirclePictureHierarchy"/>
+    <dgm:cxn modelId="{C463F837-CB84-43CC-B637-8A7307BA54BF}" type="presParOf" srcId="{7000CFD3-0CF6-4700-9755-58300304B1B6}" destId="{2FFB5A23-CFCE-4D1C-8492-DDC88AED0514}" srcOrd="1" destOrd="0" presId="urn:microsoft.com/office/officeart/2009/layout/CirclePictureHierarchy"/>
+    <dgm:cxn modelId="{DAF56B51-1A48-46D9-8195-B47048D17254}" type="presParOf" srcId="{21A89886-3F43-47FD-B1F9-E9FF27CED98A}" destId="{8B89E3E9-5C1F-4720-A572-83BD55904218}" srcOrd="1" destOrd="0" presId="urn:microsoft.com/office/officeart/2009/layout/CirclePictureHierarchy"/>
+    <dgm:cxn modelId="{1721A540-3A8A-4D24-A25C-484EA3F3253D}" type="presParOf" srcId="{68AFF4F6-C1B7-4D73-95D1-002C28CEC3F4}" destId="{C6FD2A9A-7FA5-4652-AC43-FA486E882B6A}" srcOrd="2" destOrd="0" presId="urn:microsoft.com/office/officeart/2009/layout/CirclePictureHierarchy"/>
+    <dgm:cxn modelId="{10ABD798-F9A4-4971-B1B8-6252C8A1015A}" type="presParOf" srcId="{68AFF4F6-C1B7-4D73-95D1-002C28CEC3F4}" destId="{8E5FB5BD-F729-4872-A49E-F8E55CC49CDB}" srcOrd="3" destOrd="0" presId="urn:microsoft.com/office/officeart/2009/layout/CirclePictureHierarchy"/>
+    <dgm:cxn modelId="{77AD0A75-DB31-45A7-A215-F1F857B5A185}" type="presParOf" srcId="{8E5FB5BD-F729-4872-A49E-F8E55CC49CDB}" destId="{A6249718-0A9D-4353-8A85-8A578D8CDED1}" srcOrd="0" destOrd="0" presId="urn:microsoft.com/office/officeart/2009/layout/CirclePictureHierarchy"/>
+    <dgm:cxn modelId="{C773132B-2085-4E70-B05A-EB1390EF1BE4}" type="presParOf" srcId="{A6249718-0A9D-4353-8A85-8A578D8CDED1}" destId="{FB4312BC-C8CC-43D5-BFB6-7AB3972A09D9}" srcOrd="0" destOrd="0" presId="urn:microsoft.com/office/officeart/2009/layout/CirclePictureHierarchy"/>
+    <dgm:cxn modelId="{A21F6D50-DA51-4786-9933-2127CE9709EC}" type="presParOf" srcId="{A6249718-0A9D-4353-8A85-8A578D8CDED1}" destId="{338A9773-841F-4134-86E3-522B8598C56F}" srcOrd="1" destOrd="0" presId="urn:microsoft.com/office/officeart/2009/layout/CirclePictureHierarchy"/>
+    <dgm:cxn modelId="{0720E995-4F7E-414F-912B-38F330243FED}" type="presParOf" srcId="{8E5FB5BD-F729-4872-A49E-F8E55CC49CDB}" destId="{FCE0B04A-27C9-4869-91D3-DFDF965D3C70}" srcOrd="1" destOrd="0" presId="urn:microsoft.com/office/officeart/2009/layout/CirclePictureHierarchy"/>
+    <dgm:cxn modelId="{4F383335-796C-435C-B3B5-3E2E17425849}" type="presParOf" srcId="{FCE0B04A-27C9-4869-91D3-DFDF965D3C70}" destId="{ABA5E69C-C848-4937-95B6-AF805A91AF6E}" srcOrd="0" destOrd="0" presId="urn:microsoft.com/office/officeart/2009/layout/CirclePictureHierarchy"/>
+    <dgm:cxn modelId="{470A445D-B6D7-434D-8636-5E31EFF9EFB6}" type="presParOf" srcId="{FCE0B04A-27C9-4869-91D3-DFDF965D3C70}" destId="{6F7A6795-F4CB-4887-A5EF-2DB5EDF4F44D}" srcOrd="1" destOrd="0" presId="urn:microsoft.com/office/officeart/2009/layout/CirclePictureHierarchy"/>
+    <dgm:cxn modelId="{502B6840-AC7F-4AEB-9699-C1950EBA0583}" type="presParOf" srcId="{6F7A6795-F4CB-4887-A5EF-2DB5EDF4F44D}" destId="{0EBB64E4-79FB-4F0C-8B26-AAD3E732EEBB}" srcOrd="0" destOrd="0" presId="urn:microsoft.com/office/officeart/2009/layout/CirclePictureHierarchy"/>
+    <dgm:cxn modelId="{DFF8657F-6BE1-4AFB-B781-003AD2883900}" type="presParOf" srcId="{0EBB64E4-79FB-4F0C-8B26-AAD3E732EEBB}" destId="{277E236C-85DC-4EA6-9D73-032BFED71BF1}" srcOrd="0" destOrd="0" presId="urn:microsoft.com/office/officeart/2009/layout/CirclePictureHierarchy"/>
+    <dgm:cxn modelId="{97A84B39-706C-42D6-B0E1-9359ECC8E88E}" type="presParOf" srcId="{0EBB64E4-79FB-4F0C-8B26-AAD3E732EEBB}" destId="{10E3B4A4-A7D6-4B87-AC12-B258CFDD1AB9}" srcOrd="1" destOrd="0" presId="urn:microsoft.com/office/officeart/2009/layout/CirclePictureHierarchy"/>
+    <dgm:cxn modelId="{1BEB2B2C-F92D-4715-BF36-B1C27D59DB8C}" type="presParOf" srcId="{6F7A6795-F4CB-4887-A5EF-2DB5EDF4F44D}" destId="{E133266A-648B-4C51-859B-4F46A3333A5C}" srcOrd="1" destOrd="0" presId="urn:microsoft.com/office/officeart/2009/layout/CirclePictureHierarchy"/>
+  </dgm:cxnLst>
+  <dgm:bg/>
+  <dgm:whole/>
+  <dgm:extLst>
+    <a:ext uri="http://schemas.microsoft.com/office/drawing/2008/diagram">
+      <dsp:dataModelExt xmlns:dsp="http://schemas.microsoft.com/office/drawing/2008/diagram" relId="rId6" minVer="http://schemas.openxmlformats.org/drawingml/2006/diagram"/>
+    </a:ext>
+  </dgm:extLst>
+</dgm:dataModel>
+</file>
+
+<file path=ppt/diagrams/drawing1.xml><?xml version="1.0" encoding="utf-8"?>
+<dsp:drawing xmlns:dgm="http://schemas.openxmlformats.org/drawingml/2006/diagram" xmlns:dsp="http://schemas.microsoft.com/office/drawing/2008/diagram" xmlns:a="http://schemas.openxmlformats.org/drawingml/2006/main">
+  <dsp:spTree>
+    <dsp:nvGrpSpPr>
+      <dsp:cNvPr id="0" name=""/>
+      <dsp:cNvGrpSpPr/>
+    </dsp:nvGrpSpPr>
+    <dsp:grpSpPr/>
+    <dsp:sp modelId="{ABA5E69C-C848-4937-95B6-AF805A91AF6E}">
+      <dsp:nvSpPr>
+        <dsp:cNvPr id="0" name=""/>
+        <dsp:cNvSpPr/>
+      </dsp:nvSpPr>
+      <dsp:spPr>
+        <a:xfrm>
+          <a:off x="4454091" y="1841992"/>
+          <a:ext cx="91440" cy="236240"/>
+        </a:xfrm>
+        <a:custGeom>
+          <a:avLst/>
+          <a:gdLst/>
+          <a:ahLst/>
+          <a:cxnLst/>
+          <a:rect l="0" t="0" r="0" b="0"/>
+          <a:pathLst>
+            <a:path>
+              <a:moveTo>
+                <a:pt x="45720" y="0"/>
+              </a:moveTo>
+              <a:lnTo>
+                <a:pt x="45720" y="236240"/>
+              </a:lnTo>
+            </a:path>
+          </a:pathLst>
+        </a:custGeom>
+        <a:noFill/>
+        <a:ln w="13970" cap="flat" cmpd="sng" algn="ctr">
+          <a:solidFill>
+            <a:schemeClr val="accent6">
+              <a:shade val="80000"/>
+              <a:hueOff val="0"/>
+              <a:satOff val="0"/>
+              <a:lumOff val="0"/>
+              <a:alphaOff val="0"/>
+            </a:schemeClr>
+          </a:solidFill>
+          <a:prstDash val="solid"/>
+        </a:ln>
+        <a:effectLst/>
+      </dsp:spPr>
+      <dsp:style>
+        <a:lnRef idx="2">
+          <a:scrgbClr r="0" g="0" b="0"/>
+        </a:lnRef>
+        <a:fillRef idx="0">
+          <a:scrgbClr r="0" g="0" b="0"/>
+        </a:fillRef>
+        <a:effectRef idx="0">
+          <a:scrgbClr r="0" g="0" b="0"/>
+        </a:effectRef>
+        <a:fontRef idx="minor"/>
+      </dsp:style>
+    </dsp:sp>
+    <dsp:sp modelId="{C6FD2A9A-7FA5-4652-AC43-FA486E882B6A}">
+      <dsp:nvSpPr>
+        <dsp:cNvPr id="0" name=""/>
+        <dsp:cNvSpPr/>
+      </dsp:nvSpPr>
+      <dsp:spPr>
+        <a:xfrm>
+          <a:off x="2953000" y="855784"/>
+          <a:ext cx="1546810" cy="236240"/>
+        </a:xfrm>
+        <a:custGeom>
+          <a:avLst/>
+          <a:gdLst/>
+          <a:ahLst/>
+          <a:cxnLst/>
+          <a:rect l="0" t="0" r="0" b="0"/>
+          <a:pathLst>
+            <a:path>
+              <a:moveTo>
+                <a:pt x="0" y="0"/>
+              </a:moveTo>
+              <a:lnTo>
+                <a:pt x="0" y="119057"/>
+              </a:lnTo>
+              <a:lnTo>
+                <a:pt x="1546810" y="119057"/>
+              </a:lnTo>
+              <a:lnTo>
+                <a:pt x="1546810" y="236240"/>
+              </a:lnTo>
+            </a:path>
+          </a:pathLst>
+        </a:custGeom>
+        <a:noFill/>
+        <a:ln w="13970" cap="flat" cmpd="sng" algn="ctr">
+          <a:solidFill>
+            <a:schemeClr val="accent6">
+              <a:shade val="60000"/>
+              <a:hueOff val="0"/>
+              <a:satOff val="0"/>
+              <a:lumOff val="0"/>
+              <a:alphaOff val="0"/>
+            </a:schemeClr>
+          </a:solidFill>
+          <a:prstDash val="solid"/>
+        </a:ln>
+        <a:effectLst/>
+      </dsp:spPr>
+      <dsp:style>
+        <a:lnRef idx="2">
+          <a:scrgbClr r="0" g="0" b="0"/>
+        </a:lnRef>
+        <a:fillRef idx="0">
+          <a:scrgbClr r="0" g="0" b="0"/>
+        </a:fillRef>
+        <a:effectRef idx="0">
+          <a:scrgbClr r="0" g="0" b="0"/>
+        </a:effectRef>
+        <a:fontRef idx="minor"/>
+      </dsp:style>
+    </dsp:sp>
+    <dsp:sp modelId="{60962319-FCF7-403A-900B-615EF5EDD081}">
+      <dsp:nvSpPr>
+        <dsp:cNvPr id="0" name=""/>
+        <dsp:cNvSpPr/>
+      </dsp:nvSpPr>
+      <dsp:spPr>
+        <a:xfrm>
+          <a:off x="1406190" y="1841992"/>
+          <a:ext cx="1031206" cy="236240"/>
+        </a:xfrm>
+        <a:custGeom>
+          <a:avLst/>
+          <a:gdLst/>
+          <a:ahLst/>
+          <a:cxnLst/>
+          <a:rect l="0" t="0" r="0" b="0"/>
+          <a:pathLst>
+            <a:path>
+              <a:moveTo>
+                <a:pt x="0" y="0"/>
+              </a:moveTo>
+              <a:lnTo>
+                <a:pt x="0" y="119057"/>
+              </a:lnTo>
+              <a:lnTo>
+                <a:pt x="1031206" y="119057"/>
+              </a:lnTo>
+              <a:lnTo>
+                <a:pt x="1031206" y="236240"/>
+              </a:lnTo>
+            </a:path>
+          </a:pathLst>
+        </a:custGeom>
+        <a:noFill/>
+        <a:ln w="13970" cap="flat" cmpd="sng" algn="ctr">
+          <a:solidFill>
+            <a:schemeClr val="accent6">
+              <a:shade val="80000"/>
+              <a:hueOff val="0"/>
+              <a:satOff val="0"/>
+              <a:lumOff val="0"/>
+              <a:alphaOff val="0"/>
+            </a:schemeClr>
+          </a:solidFill>
+          <a:prstDash val="solid"/>
+        </a:ln>
+        <a:effectLst/>
+      </dsp:spPr>
+      <dsp:style>
+        <a:lnRef idx="2">
+          <a:scrgbClr r="0" g="0" b="0"/>
+        </a:lnRef>
+        <a:fillRef idx="0">
+          <a:scrgbClr r="0" g="0" b="0"/>
+        </a:fillRef>
+        <a:effectRef idx="0">
+          <a:scrgbClr r="0" g="0" b="0"/>
+        </a:effectRef>
+        <a:fontRef idx="minor"/>
+      </dsp:style>
+    </dsp:sp>
+    <dsp:sp modelId="{8643EBBD-398A-4860-BA1E-F84DB66D4A05}">
+      <dsp:nvSpPr>
+        <dsp:cNvPr id="0" name=""/>
+        <dsp:cNvSpPr/>
+      </dsp:nvSpPr>
+      <dsp:spPr>
+        <a:xfrm>
+          <a:off x="374984" y="1841992"/>
+          <a:ext cx="1031206" cy="236240"/>
+        </a:xfrm>
+        <a:custGeom>
+          <a:avLst/>
+          <a:gdLst/>
+          <a:ahLst/>
+          <a:cxnLst/>
+          <a:rect l="0" t="0" r="0" b="0"/>
+          <a:pathLst>
+            <a:path>
+              <a:moveTo>
+                <a:pt x="1031206" y="0"/>
+              </a:moveTo>
+              <a:lnTo>
+                <a:pt x="1031206" y="119057"/>
+              </a:lnTo>
+              <a:lnTo>
+                <a:pt x="0" y="119057"/>
+              </a:lnTo>
+              <a:lnTo>
+                <a:pt x="0" y="236240"/>
+              </a:lnTo>
+            </a:path>
+          </a:pathLst>
+        </a:custGeom>
+        <a:noFill/>
+        <a:ln w="13970" cap="flat" cmpd="sng" algn="ctr">
+          <a:solidFill>
+            <a:schemeClr val="accent6">
+              <a:shade val="80000"/>
+              <a:hueOff val="0"/>
+              <a:satOff val="0"/>
+              <a:lumOff val="0"/>
+              <a:alphaOff val="0"/>
+            </a:schemeClr>
+          </a:solidFill>
+          <a:prstDash val="solid"/>
+        </a:ln>
+        <a:effectLst/>
+      </dsp:spPr>
+      <dsp:style>
+        <a:lnRef idx="2">
+          <a:scrgbClr r="0" g="0" b="0"/>
+        </a:lnRef>
+        <a:fillRef idx="0">
+          <a:scrgbClr r="0" g="0" b="0"/>
+        </a:fillRef>
+        <a:effectRef idx="0">
+          <a:scrgbClr r="0" g="0" b="0"/>
+        </a:effectRef>
+        <a:fontRef idx="minor"/>
+      </dsp:style>
+    </dsp:sp>
+    <dsp:sp modelId="{20D433FA-BCE0-4842-81DE-E2A971DC67F6}">
+      <dsp:nvSpPr>
+        <dsp:cNvPr id="0" name=""/>
+        <dsp:cNvSpPr/>
+      </dsp:nvSpPr>
+      <dsp:spPr>
+        <a:xfrm>
+          <a:off x="1406190" y="855784"/>
+          <a:ext cx="1546810" cy="236240"/>
+        </a:xfrm>
+        <a:custGeom>
+          <a:avLst/>
+          <a:gdLst/>
+          <a:ahLst/>
+          <a:cxnLst/>
+          <a:rect l="0" t="0" r="0" b="0"/>
+          <a:pathLst>
+            <a:path>
+              <a:moveTo>
+                <a:pt x="1546810" y="0"/>
+              </a:moveTo>
+              <a:lnTo>
+                <a:pt x="1546810" y="119057"/>
+              </a:lnTo>
+              <a:lnTo>
+                <a:pt x="0" y="119057"/>
+              </a:lnTo>
+              <a:lnTo>
+                <a:pt x="0" y="236240"/>
+              </a:lnTo>
+            </a:path>
+          </a:pathLst>
+        </a:custGeom>
+        <a:noFill/>
+        <a:ln w="13970" cap="flat" cmpd="sng" algn="ctr">
+          <a:solidFill>
+            <a:schemeClr val="accent6">
+              <a:shade val="60000"/>
+              <a:hueOff val="0"/>
+              <a:satOff val="0"/>
+              <a:lumOff val="0"/>
+              <a:alphaOff val="0"/>
+            </a:schemeClr>
+          </a:solidFill>
+          <a:prstDash val="solid"/>
+        </a:ln>
+        <a:effectLst/>
+      </dsp:spPr>
+      <dsp:style>
+        <a:lnRef idx="2">
+          <a:scrgbClr r="0" g="0" b="0"/>
+        </a:lnRef>
+        <a:fillRef idx="0">
+          <a:scrgbClr r="0" g="0" b="0"/>
+        </a:fillRef>
+        <a:effectRef idx="0">
+          <a:scrgbClr r="0" g="0" b="0"/>
+        </a:effectRef>
+        <a:fontRef idx="minor"/>
+      </dsp:style>
+    </dsp:sp>
+    <dsp:sp modelId="{69B07B9A-3AFB-4061-ADFA-3C6D2D76D84A}">
+      <dsp:nvSpPr>
+        <dsp:cNvPr id="0" name=""/>
+        <dsp:cNvSpPr/>
+      </dsp:nvSpPr>
+      <dsp:spPr>
+        <a:xfrm>
+          <a:off x="2578016" y="105815"/>
+          <a:ext cx="749968" cy="749968"/>
+        </a:xfrm>
+        <a:prstGeom prst="ellipse">
+          <a:avLst/>
+        </a:prstGeom>
+        <a:solidFill>
+          <a:schemeClr val="accent6">
+            <a:hueOff val="0"/>
+            <a:satOff val="0"/>
+            <a:lumOff val="0"/>
+            <a:alphaOff val="0"/>
+          </a:schemeClr>
+        </a:solidFill>
+        <a:ln w="13970" cap="flat" cmpd="sng" algn="ctr">
+          <a:solidFill>
+            <a:schemeClr val="lt1">
+              <a:hueOff val="0"/>
+              <a:satOff val="0"/>
+              <a:lumOff val="0"/>
+              <a:alphaOff val="0"/>
+            </a:schemeClr>
+          </a:solidFill>
+          <a:prstDash val="solid"/>
+        </a:ln>
+        <a:effectLst/>
+      </dsp:spPr>
+      <dsp:style>
+        <a:lnRef idx="2">
+          <a:scrgbClr r="0" g="0" b="0"/>
+        </a:lnRef>
+        <a:fillRef idx="1">
+          <a:scrgbClr r="0" g="0" b="0"/>
+        </a:fillRef>
+        <a:effectRef idx="0">
+          <a:scrgbClr r="0" g="0" b="0"/>
+        </a:effectRef>
+        <a:fontRef idx="minor">
+          <a:schemeClr val="lt1"/>
+        </a:fontRef>
+      </dsp:style>
+    </dsp:sp>
+    <dsp:sp modelId="{9924660B-F71E-4FC1-983E-3FB24D37EB4B}">
+      <dsp:nvSpPr>
+        <dsp:cNvPr id="0" name=""/>
+        <dsp:cNvSpPr/>
+      </dsp:nvSpPr>
+      <dsp:spPr>
+        <a:xfrm>
+          <a:off x="3327985" y="103940"/>
+          <a:ext cx="1124952" cy="749968"/>
+        </a:xfrm>
+        <a:prstGeom prst="rect">
+          <a:avLst/>
+        </a:prstGeom>
+        <a:noFill/>
+        <a:ln>
+          <a:noFill/>
+        </a:ln>
+        <a:effectLst/>
+      </dsp:spPr>
+      <dsp:style>
+        <a:lnRef idx="0">
+          <a:scrgbClr r="0" g="0" b="0"/>
+        </a:lnRef>
+        <a:fillRef idx="0">
+          <a:scrgbClr r="0" g="0" b="0"/>
+        </a:fillRef>
+        <a:effectRef idx="0">
+          <a:scrgbClr r="0" g="0" b="0"/>
+        </a:effectRef>
+        <a:fontRef idx="minor"/>
+      </dsp:style>
+      <dsp:txBody>
+        <a:bodyPr spcFirstLastPara="0" vert="horz" wrap="square" lIns="60960" tIns="60960" rIns="60960" bIns="60960" numCol="1" spcCol="1270" anchor="ctr" anchorCtr="0">
+          <a:noAutofit/>
+        </a:bodyPr>
+        <a:lstStyle/>
+        <a:p>
+          <a:pPr marL="0" lvl="0" indent="0" algn="l" defTabSz="711200">
+            <a:lnSpc>
+              <a:spcPct val="90000"/>
+            </a:lnSpc>
+            <a:spcBef>
+              <a:spcPct val="0"/>
+            </a:spcBef>
+            <a:spcAft>
+              <a:spcPct val="35000"/>
+            </a:spcAft>
+            <a:buNone/>
+          </a:pPr>
+          <a:r>
+            <a:rPr lang="en-US" sz="1600" kern="1200" dirty="0"/>
+            <a:t>Root</a:t>
+          </a:r>
+        </a:p>
+      </dsp:txBody>
+      <dsp:txXfrm>
+        <a:off x="3327985" y="103940"/>
+        <a:ext cx="1124952" cy="749968"/>
+      </dsp:txXfrm>
+    </dsp:sp>
+    <dsp:sp modelId="{A683C0AB-3321-4200-A1F0-E18A80BF4DDF}">
+      <dsp:nvSpPr>
+        <dsp:cNvPr id="0" name=""/>
+        <dsp:cNvSpPr/>
+      </dsp:nvSpPr>
+      <dsp:spPr>
+        <a:xfrm>
+          <a:off x="1031206" y="1092024"/>
+          <a:ext cx="749968" cy="749968"/>
+        </a:xfrm>
+        <a:prstGeom prst="ellipse">
+          <a:avLst/>
+        </a:prstGeom>
+        <a:blipFill>
+          <a:blip xmlns:r="http://schemas.openxmlformats.org/officeDocument/2006/relationships" r:embed="rId1">
+            <a:extLst>
+              <a:ext uri="{28A0092B-C50C-407E-A947-70E740481C1C}">
+                <a14:useLocalDpi xmlns:a14="http://schemas.microsoft.com/office/drawing/2010/main" val="0"/>
+              </a:ext>
+            </a:extLst>
+          </a:blip>
+          <a:srcRect/>
+          <a:stretch>
+            <a:fillRect/>
+          </a:stretch>
+        </a:blipFill>
+        <a:ln w="13970" cap="flat" cmpd="sng" algn="ctr">
+          <a:solidFill>
+            <a:schemeClr val="lt1">
+              <a:hueOff val="0"/>
+              <a:satOff val="0"/>
+              <a:lumOff val="0"/>
+              <a:alphaOff val="0"/>
+            </a:schemeClr>
+          </a:solidFill>
+          <a:prstDash val="solid"/>
+        </a:ln>
+        <a:effectLst/>
+      </dsp:spPr>
+      <dsp:style>
+        <a:lnRef idx="2">
+          <a:scrgbClr r="0" g="0" b="0"/>
+        </a:lnRef>
+        <a:fillRef idx="1">
+          <a:scrgbClr r="0" g="0" b="0"/>
+        </a:fillRef>
+        <a:effectRef idx="0">
+          <a:scrgbClr r="0" g="0" b="0"/>
+        </a:effectRef>
+        <a:fontRef idx="minor">
+          <a:schemeClr val="lt1"/>
+        </a:fontRef>
+      </dsp:style>
+    </dsp:sp>
+    <dsp:sp modelId="{E1302F56-8149-487D-8425-7B8E2AB57AE6}">
+      <dsp:nvSpPr>
+        <dsp:cNvPr id="0" name=""/>
+        <dsp:cNvSpPr/>
+      </dsp:nvSpPr>
+      <dsp:spPr>
+        <a:xfrm>
+          <a:off x="1781175" y="1090149"/>
+          <a:ext cx="1124952" cy="749968"/>
+        </a:xfrm>
+        <a:prstGeom prst="rect">
+          <a:avLst/>
+        </a:prstGeom>
+        <a:noFill/>
+        <a:ln>
+          <a:noFill/>
+        </a:ln>
+        <a:effectLst/>
+      </dsp:spPr>
+      <dsp:style>
+        <a:lnRef idx="0">
+          <a:scrgbClr r="0" g="0" b="0"/>
+        </a:lnRef>
+        <a:fillRef idx="0">
+          <a:scrgbClr r="0" g="0" b="0"/>
+        </a:fillRef>
+        <a:effectRef idx="0">
+          <a:scrgbClr r="0" g="0" b="0"/>
+        </a:effectRef>
+        <a:fontRef idx="minor"/>
+      </dsp:style>
+      <dsp:txBody>
+        <a:bodyPr spcFirstLastPara="0" vert="horz" wrap="square" lIns="60960" tIns="60960" rIns="60960" bIns="60960" numCol="1" spcCol="1270" anchor="ctr" anchorCtr="0">
+          <a:noAutofit/>
+        </a:bodyPr>
+        <a:lstStyle/>
+        <a:p>
+          <a:pPr marL="0" lvl="0" indent="0" algn="l" defTabSz="711200">
+            <a:lnSpc>
+              <a:spcPct val="90000"/>
+            </a:lnSpc>
+            <a:spcBef>
+              <a:spcPct val="0"/>
+            </a:spcBef>
+            <a:spcAft>
+              <a:spcPct val="35000"/>
+            </a:spcAft>
+            <a:buNone/>
+          </a:pPr>
+          <a:r>
+            <a:rPr lang="en-US" sz="1600" kern="1200" dirty="0"/>
+            <a:t>Slash</a:t>
+          </a:r>
+        </a:p>
+      </dsp:txBody>
+      <dsp:txXfrm>
+        <a:off x="1781175" y="1090149"/>
+        <a:ext cx="1124952" cy="749968"/>
+      </dsp:txXfrm>
+    </dsp:sp>
+    <dsp:sp modelId="{4C895340-6DE7-43EE-BBF4-4B028FA27D37}">
+      <dsp:nvSpPr>
+        <dsp:cNvPr id="0" name=""/>
+        <dsp:cNvSpPr/>
+      </dsp:nvSpPr>
+      <dsp:spPr>
+        <a:xfrm>
+          <a:off x="0" y="2078232"/>
+          <a:ext cx="749968" cy="749968"/>
+        </a:xfrm>
+        <a:prstGeom prst="ellipse">
+          <a:avLst/>
+        </a:prstGeom>
+        <a:blipFill>
+          <a:blip xmlns:r="http://schemas.openxmlformats.org/officeDocument/2006/relationships" r:embed="rId2">
+            <a:extLst>
+              <a:ext uri="{96DAC541-7B7A-43D3-8B79-37D633B846F1}">
+                <asvg:svgBlip xmlns:asvg="http://schemas.microsoft.com/office/drawing/2016/SVG/main" r:embed="rId3"/>
+              </a:ext>
+            </a:extLst>
+          </a:blip>
+          <a:srcRect/>
+          <a:stretch>
+            <a:fillRect/>
+          </a:stretch>
+        </a:blipFill>
+        <a:ln w="13970" cap="flat" cmpd="sng" algn="ctr">
+          <a:solidFill>
+            <a:schemeClr val="lt1">
+              <a:hueOff val="0"/>
+              <a:satOff val="0"/>
+              <a:lumOff val="0"/>
+              <a:alphaOff val="0"/>
+            </a:schemeClr>
+          </a:solidFill>
+          <a:prstDash val="solid"/>
+        </a:ln>
+        <a:effectLst/>
+      </dsp:spPr>
+      <dsp:style>
+        <a:lnRef idx="2">
+          <a:scrgbClr r="0" g="0" b="0"/>
+        </a:lnRef>
+        <a:fillRef idx="1">
+          <a:scrgbClr r="0" g="0" b="0"/>
+        </a:fillRef>
+        <a:effectRef idx="0">
+          <a:scrgbClr r="0" g="0" b="0"/>
+        </a:effectRef>
+        <a:fontRef idx="minor">
+          <a:schemeClr val="lt1"/>
+        </a:fontRef>
+      </dsp:style>
+    </dsp:sp>
+    <dsp:sp modelId="{7ECE6B30-DB29-403E-B8DD-6F7CCCCDBD75}">
+      <dsp:nvSpPr>
+        <dsp:cNvPr id="0" name=""/>
+        <dsp:cNvSpPr/>
+      </dsp:nvSpPr>
+      <dsp:spPr>
+        <a:xfrm>
+          <a:off x="749968" y="2076357"/>
+          <a:ext cx="1124952" cy="749968"/>
+        </a:xfrm>
+        <a:prstGeom prst="rect">
+          <a:avLst/>
+        </a:prstGeom>
+        <a:noFill/>
+        <a:ln>
+          <a:noFill/>
+        </a:ln>
+        <a:effectLst/>
+      </dsp:spPr>
+      <dsp:style>
+        <a:lnRef idx="0">
+          <a:scrgbClr r="0" g="0" b="0"/>
+        </a:lnRef>
+        <a:fillRef idx="0">
+          <a:scrgbClr r="0" g="0" b="0"/>
+        </a:fillRef>
+        <a:effectRef idx="0">
+          <a:scrgbClr r="0" g="0" b="0"/>
+        </a:effectRef>
+        <a:fontRef idx="minor"/>
+      </dsp:style>
+      <dsp:txBody>
+        <a:bodyPr spcFirstLastPara="0" vert="horz" wrap="square" lIns="60960" tIns="60960" rIns="60960" bIns="60960" numCol="1" spcCol="1270" anchor="ctr" anchorCtr="0">
+          <a:noAutofit/>
+        </a:bodyPr>
+        <a:lstStyle/>
+        <a:p>
+          <a:pPr marL="0" lvl="0" indent="0" algn="l" defTabSz="711200">
+            <a:lnSpc>
+              <a:spcPct val="90000"/>
+            </a:lnSpc>
+            <a:spcBef>
+              <a:spcPct val="0"/>
+            </a:spcBef>
+            <a:spcAft>
+              <a:spcPct val="35000"/>
+            </a:spcAft>
+            <a:buNone/>
+          </a:pPr>
+          <a:r>
+            <a:rPr lang="en-US" sz="1600" kern="1200" dirty="0"/>
+            <a:t>Hammer</a:t>
+          </a:r>
+        </a:p>
+      </dsp:txBody>
+      <dsp:txXfrm>
+        <a:off x="749968" y="2076357"/>
+        <a:ext cx="1124952" cy="749968"/>
+      </dsp:txXfrm>
+    </dsp:sp>
+    <dsp:sp modelId="{C3A539DE-8F8C-4719-900B-8F7927466912}">
+      <dsp:nvSpPr>
+        <dsp:cNvPr id="0" name=""/>
+        <dsp:cNvSpPr/>
+      </dsp:nvSpPr>
+      <dsp:spPr>
+        <a:xfrm>
+          <a:off x="2062413" y="2078232"/>
+          <a:ext cx="749968" cy="749968"/>
+        </a:xfrm>
+        <a:prstGeom prst="ellipse">
+          <a:avLst/>
+        </a:prstGeom>
+        <a:blipFill>
+          <a:blip xmlns:r="http://schemas.openxmlformats.org/officeDocument/2006/relationships" r:embed="rId4">
+            <a:extLst>
+              <a:ext uri="{28A0092B-C50C-407E-A947-70E740481C1C}">
+                <a14:useLocalDpi xmlns:a14="http://schemas.microsoft.com/office/drawing/2010/main" val="0"/>
+              </a:ext>
+            </a:extLst>
+          </a:blip>
+          <a:srcRect/>
+          <a:stretch>
+            <a:fillRect t="-21000" b="-21000"/>
+          </a:stretch>
+        </a:blipFill>
+        <a:ln w="13970" cap="flat" cmpd="sng" algn="ctr">
+          <a:solidFill>
+            <a:schemeClr val="lt1">
+              <a:hueOff val="0"/>
+              <a:satOff val="0"/>
+              <a:lumOff val="0"/>
+              <a:alphaOff val="0"/>
+            </a:schemeClr>
+          </a:solidFill>
+          <a:prstDash val="solid"/>
+        </a:ln>
+        <a:effectLst/>
+      </dsp:spPr>
+      <dsp:style>
+        <a:lnRef idx="2">
+          <a:scrgbClr r="0" g="0" b="0"/>
+        </a:lnRef>
+        <a:fillRef idx="1">
+          <a:scrgbClr r="0" g="0" b="0"/>
+        </a:fillRef>
+        <a:effectRef idx="0">
+          <a:scrgbClr r="0" g="0" b="0"/>
+        </a:effectRef>
+        <a:fontRef idx="minor">
+          <a:schemeClr val="lt1"/>
+        </a:fontRef>
+      </dsp:style>
+    </dsp:sp>
+    <dsp:sp modelId="{2FFB5A23-CFCE-4D1C-8492-DDC88AED0514}">
+      <dsp:nvSpPr>
+        <dsp:cNvPr id="0" name=""/>
+        <dsp:cNvSpPr/>
+      </dsp:nvSpPr>
+      <dsp:spPr>
+        <a:xfrm>
+          <a:off x="2812381" y="2076357"/>
+          <a:ext cx="1124952" cy="749968"/>
+        </a:xfrm>
+        <a:prstGeom prst="rect">
+          <a:avLst/>
+        </a:prstGeom>
+        <a:noFill/>
+        <a:ln>
+          <a:noFill/>
+        </a:ln>
+        <a:effectLst/>
+      </dsp:spPr>
+      <dsp:style>
+        <a:lnRef idx="0">
+          <a:scrgbClr r="0" g="0" b="0"/>
+        </a:lnRef>
+        <a:fillRef idx="0">
+          <a:scrgbClr r="0" g="0" b="0"/>
+        </a:fillRef>
+        <a:effectRef idx="0">
+          <a:scrgbClr r="0" g="0" b="0"/>
+        </a:effectRef>
+        <a:fontRef idx="minor"/>
+      </dsp:style>
+      <dsp:txBody>
+        <a:bodyPr spcFirstLastPara="0" vert="horz" wrap="square" lIns="60960" tIns="60960" rIns="60960" bIns="60960" numCol="1" spcCol="1270" anchor="ctr" anchorCtr="0">
+          <a:noAutofit/>
+        </a:bodyPr>
+        <a:lstStyle/>
+        <a:p>
+          <a:pPr marL="0" lvl="0" indent="0" algn="l" defTabSz="711200">
+            <a:lnSpc>
+              <a:spcPct val="90000"/>
+            </a:lnSpc>
+            <a:spcBef>
+              <a:spcPct val="0"/>
+            </a:spcBef>
+            <a:spcAft>
+              <a:spcPct val="35000"/>
+            </a:spcAft>
+            <a:buNone/>
+          </a:pPr>
+          <a:r>
+            <a:rPr lang="en-US" sz="1600" kern="1200" dirty="0"/>
+            <a:t>Sweeping edge</a:t>
+          </a:r>
+        </a:p>
+      </dsp:txBody>
+      <dsp:txXfrm>
+        <a:off x="2812381" y="2076357"/>
+        <a:ext cx="1124952" cy="749968"/>
+      </dsp:txXfrm>
+    </dsp:sp>
+    <dsp:sp modelId="{FB4312BC-C8CC-43D5-BFB6-7AB3972A09D9}">
+      <dsp:nvSpPr>
+        <dsp:cNvPr id="0" name=""/>
+        <dsp:cNvSpPr/>
+      </dsp:nvSpPr>
+      <dsp:spPr>
+        <a:xfrm>
+          <a:off x="4124826" y="1092024"/>
+          <a:ext cx="749968" cy="749968"/>
+        </a:xfrm>
+        <a:prstGeom prst="ellipse">
+          <a:avLst/>
+        </a:prstGeom>
+        <a:blipFill>
+          <a:blip xmlns:r="http://schemas.openxmlformats.org/officeDocument/2006/relationships" r:embed="rId5">
+            <a:extLst>
+              <a:ext uri="{28A0092B-C50C-407E-A947-70E740481C1C}">
+                <a14:useLocalDpi xmlns:a14="http://schemas.microsoft.com/office/drawing/2010/main" val="0"/>
+              </a:ext>
+            </a:extLst>
+          </a:blip>
+          <a:srcRect/>
+          <a:stretch>
+            <a:fillRect l="-6000" r="-6000"/>
+          </a:stretch>
+        </a:blipFill>
+        <a:ln w="13970" cap="flat" cmpd="sng" algn="ctr">
+          <a:solidFill>
+            <a:schemeClr val="lt1">
+              <a:hueOff val="0"/>
+              <a:satOff val="0"/>
+              <a:lumOff val="0"/>
+              <a:alphaOff val="0"/>
+            </a:schemeClr>
+          </a:solidFill>
+          <a:prstDash val="solid"/>
+        </a:ln>
+        <a:effectLst/>
+      </dsp:spPr>
+      <dsp:style>
+        <a:lnRef idx="2">
+          <a:scrgbClr r="0" g="0" b="0"/>
+        </a:lnRef>
+        <a:fillRef idx="1">
+          <a:scrgbClr r="0" g="0" b="0"/>
+        </a:fillRef>
+        <a:effectRef idx="0">
+          <a:scrgbClr r="0" g="0" b="0"/>
+        </a:effectRef>
+        <a:fontRef idx="minor">
+          <a:schemeClr val="lt1"/>
+        </a:fontRef>
+      </dsp:style>
+    </dsp:sp>
+    <dsp:sp modelId="{338A9773-841F-4134-86E3-522B8598C56F}">
+      <dsp:nvSpPr>
+        <dsp:cNvPr id="0" name=""/>
+        <dsp:cNvSpPr/>
+      </dsp:nvSpPr>
+      <dsp:spPr>
+        <a:xfrm>
+          <a:off x="4874795" y="1090149"/>
+          <a:ext cx="1124952" cy="749968"/>
+        </a:xfrm>
+        <a:prstGeom prst="rect">
+          <a:avLst/>
+        </a:prstGeom>
+        <a:noFill/>
+        <a:ln>
+          <a:noFill/>
+        </a:ln>
+        <a:effectLst/>
+      </dsp:spPr>
+      <dsp:style>
+        <a:lnRef idx="0">
+          <a:scrgbClr r="0" g="0" b="0"/>
+        </a:lnRef>
+        <a:fillRef idx="0">
+          <a:scrgbClr r="0" g="0" b="0"/>
+        </a:fillRef>
+        <a:effectRef idx="0">
+          <a:scrgbClr r="0" g="0" b="0"/>
+        </a:effectRef>
+        <a:fontRef idx="minor"/>
+      </dsp:style>
+      <dsp:txBody>
+        <a:bodyPr spcFirstLastPara="0" vert="horz" wrap="square" lIns="60960" tIns="60960" rIns="60960" bIns="60960" numCol="1" spcCol="1270" anchor="ctr" anchorCtr="0">
+          <a:noAutofit/>
+        </a:bodyPr>
+        <a:lstStyle/>
+        <a:p>
+          <a:pPr marL="0" lvl="0" indent="0" algn="l" defTabSz="711200">
+            <a:lnSpc>
+              <a:spcPct val="90000"/>
+            </a:lnSpc>
+            <a:spcBef>
+              <a:spcPct val="0"/>
+            </a:spcBef>
+            <a:spcAft>
+              <a:spcPct val="35000"/>
+            </a:spcAft>
+            <a:buNone/>
+          </a:pPr>
+          <a:r>
+            <a:rPr lang="en-US" sz="1600" kern="1200" dirty="0"/>
+            <a:t>Shield</a:t>
+          </a:r>
+        </a:p>
+      </dsp:txBody>
+      <dsp:txXfrm>
+        <a:off x="4874795" y="1090149"/>
+        <a:ext cx="1124952" cy="749968"/>
+      </dsp:txXfrm>
+    </dsp:sp>
+    <dsp:sp modelId="{277E236C-85DC-4EA6-9D73-032BFED71BF1}">
+      <dsp:nvSpPr>
+        <dsp:cNvPr id="0" name=""/>
+        <dsp:cNvSpPr/>
+      </dsp:nvSpPr>
+      <dsp:spPr>
+        <a:xfrm>
+          <a:off x="4124826" y="2078232"/>
+          <a:ext cx="749968" cy="749968"/>
+        </a:xfrm>
+        <a:prstGeom prst="ellipse">
+          <a:avLst/>
+        </a:prstGeom>
+        <a:solidFill>
+          <a:schemeClr val="accent6">
+            <a:hueOff val="0"/>
+            <a:satOff val="0"/>
+            <a:lumOff val="0"/>
+            <a:alphaOff val="0"/>
+          </a:schemeClr>
+        </a:solidFill>
+        <a:ln w="13970" cap="flat" cmpd="sng" algn="ctr">
+          <a:solidFill>
+            <a:schemeClr val="lt1">
+              <a:hueOff val="0"/>
+              <a:satOff val="0"/>
+              <a:lumOff val="0"/>
+              <a:alphaOff val="0"/>
+            </a:schemeClr>
+          </a:solidFill>
+          <a:prstDash val="solid"/>
+        </a:ln>
+        <a:effectLst/>
+      </dsp:spPr>
+      <dsp:style>
+        <a:lnRef idx="2">
+          <a:scrgbClr r="0" g="0" b="0"/>
+        </a:lnRef>
+        <a:fillRef idx="1">
+          <a:scrgbClr r="0" g="0" b="0"/>
+        </a:fillRef>
+        <a:effectRef idx="0">
+          <a:scrgbClr r="0" g="0" b="0"/>
+        </a:effectRef>
+        <a:fontRef idx="minor">
+          <a:schemeClr val="lt1"/>
+        </a:fontRef>
+      </dsp:style>
+    </dsp:sp>
+    <dsp:sp modelId="{10E3B4A4-A7D6-4B87-AC12-B258CFDD1AB9}">
+      <dsp:nvSpPr>
+        <dsp:cNvPr id="0" name=""/>
+        <dsp:cNvSpPr/>
+      </dsp:nvSpPr>
+      <dsp:spPr>
+        <a:xfrm>
+          <a:off x="4874795" y="2076357"/>
+          <a:ext cx="1124952" cy="749968"/>
+        </a:xfrm>
+        <a:prstGeom prst="rect">
+          <a:avLst/>
+        </a:prstGeom>
+        <a:noFill/>
+        <a:ln>
+          <a:noFill/>
+        </a:ln>
+        <a:effectLst/>
+      </dsp:spPr>
+      <dsp:style>
+        <a:lnRef idx="0">
+          <a:scrgbClr r="0" g="0" b="0"/>
+        </a:lnRef>
+        <a:fillRef idx="0">
+          <a:scrgbClr r="0" g="0" b="0"/>
+        </a:fillRef>
+        <a:effectRef idx="0">
+          <a:scrgbClr r="0" g="0" b="0"/>
+        </a:effectRef>
+        <a:fontRef idx="minor"/>
+      </dsp:style>
+      <dsp:txBody>
+        <a:bodyPr spcFirstLastPara="0" vert="horz" wrap="square" lIns="60960" tIns="60960" rIns="60960" bIns="60960" numCol="1" spcCol="1270" anchor="ctr" anchorCtr="0">
+          <a:noAutofit/>
+        </a:bodyPr>
+        <a:lstStyle/>
+        <a:p>
+          <a:pPr marL="0" lvl="0" indent="0" algn="l" defTabSz="711200">
+            <a:lnSpc>
+              <a:spcPct val="90000"/>
+            </a:lnSpc>
+            <a:spcBef>
+              <a:spcPct val="0"/>
+            </a:spcBef>
+            <a:spcAft>
+              <a:spcPct val="35000"/>
+            </a:spcAft>
+            <a:buNone/>
+          </a:pPr>
+          <a:r>
+            <a:rPr lang="en-US" sz="1600" kern="1200" dirty="0"/>
+            <a:t>None</a:t>
+          </a:r>
+        </a:p>
+      </dsp:txBody>
+      <dsp:txXfrm>
+        <a:off x="4874795" y="2076357"/>
+        <a:ext cx="1124952" cy="749968"/>
+      </dsp:txXfrm>
+    </dsp:sp>
+  </dsp:spTree>
+</dsp:drawing>
+</file>
+
+<file path=ppt/diagrams/layout1.xml><?xml version="1.0" encoding="utf-8"?>
+<dgm:layoutDef xmlns:dgm="http://schemas.openxmlformats.org/drawingml/2006/diagram" xmlns:a="http://schemas.openxmlformats.org/drawingml/2006/main" uniqueId="urn:microsoft.com/office/officeart/2009/layout/CirclePictureHierarchy">
+  <dgm:title val=""/>
+  <dgm:desc val=""/>
+  <dgm:catLst>
+    <dgm:cat type="hierarchy" pri="1750"/>
+    <dgm:cat type="picture" pri="23000"/>
+    <dgm:cat type="pictureconvert" pri="23000"/>
+  </dgm:catLst>
+  <dgm:sampData>
+    <dgm:dataModel>
+      <dgm:ptLst>
+        <dgm:pt modelId="0" type="doc"/>
+        <dgm:pt modelId="1">
+          <dgm:prSet phldr="1"/>
+        </dgm:pt>
+        <dgm:pt modelId="2">
+          <dgm:prSet phldr="1"/>
+        </dgm:pt>
+        <dgm:pt modelId="21">
+          <dgm:prSet phldr="1"/>
+        </dgm:pt>
+        <dgm:pt modelId="22">
+          <dgm:prSet phldr="1"/>
+        </dgm:pt>
+        <dgm:pt modelId="3">
+          <dgm:prSet phldr="1"/>
+        </dgm:pt>
+        <dgm:pt modelId="31">
+          <dgm:prSet phldr="1"/>
+        </dgm:pt>
+      </dgm:ptLst>
+      <dgm:cxnLst>
+        <dgm:cxn modelId="4" srcId="0" destId="1" srcOrd="0" destOrd="0"/>
+        <dgm:cxn modelId="5" srcId="1" destId="2" srcOrd="0" destOrd="0"/>
+        <dgm:cxn modelId="6" srcId="1" destId="3" srcOrd="1" destOrd="0"/>
+        <dgm:cxn modelId="23" srcId="2" destId="21" srcOrd="0" destOrd="0"/>
+        <dgm:cxn modelId="24" srcId="2" destId="22" srcOrd="1" destOrd="0"/>
+        <dgm:cxn modelId="33" srcId="3" destId="31" srcOrd="0" destOrd="0"/>
+      </dgm:cxnLst>
+      <dgm:bg/>
+      <dgm:whole/>
+    </dgm:dataModel>
+  </dgm:sampData>
+  <dgm:styleData>
+    <dgm:dataModel>
+      <dgm:ptLst>
+        <dgm:pt modelId="0" type="doc"/>
+        <dgm:pt modelId="1"/>
+        <dgm:pt modelId="11"/>
+        <dgm:pt modelId="12"/>
+      </dgm:ptLst>
+      <dgm:cxnLst>
+        <dgm:cxn modelId="2" srcId="0" destId="1" srcOrd="0" destOrd="0"/>
+        <dgm:cxn modelId="13" srcId="1" destId="11" srcOrd="0" destOrd="0"/>
+        <dgm:cxn modelId="14" srcId="1" destId="12" srcOrd="1" destOrd="0"/>
+      </dgm:cxnLst>
+      <dgm:bg/>
+      <dgm:whole/>
+    </dgm:dataModel>
+  </dgm:styleData>
+  <dgm:clrData>
+    <dgm:dataModel>
+      <dgm:ptLst>
+        <dgm:pt modelId="0" type="doc"/>
+        <dgm:pt modelId="1"/>
+        <dgm:pt modelId="2"/>
+        <dgm:pt modelId="21"/>
+        <dgm:pt modelId="211"/>
+        <dgm:pt modelId="3"/>
+        <dgm:pt modelId="31"/>
+        <dgm:pt modelId="311"/>
+      </dgm:ptLst>
+      <dgm:cxnLst>
+        <dgm:cxn modelId="4" srcId="0" destId="1" srcOrd="0" destOrd="0"/>
+        <dgm:cxn modelId="5" srcId="1" destId="2" srcOrd="0" destOrd="0"/>
+        <dgm:cxn modelId="6" srcId="1" destId="3" srcOrd="1" destOrd="0"/>
+        <dgm:cxn modelId="23" srcId="2" destId="21" srcOrd="0" destOrd="0"/>
+        <dgm:cxn modelId="24" srcId="21" destId="211" srcOrd="0" destOrd="0"/>
+        <dgm:cxn modelId="33" srcId="3" destId="31" srcOrd="0" destOrd="0"/>
+        <dgm:cxn modelId="34" srcId="31" destId="311" srcOrd="0" destOrd="0"/>
+      </dgm:cxnLst>
+      <dgm:bg/>
+      <dgm:whole/>
+    </dgm:dataModel>
+  </dgm:clrData>
+  <dgm:layoutNode name="hierChild1">
+    <dgm:varLst>
+      <dgm:chPref val="1"/>
+      <dgm:dir/>
+      <dgm:animOne val="branch"/>
+      <dgm:animLvl val="lvl"/>
+      <dgm:resizeHandles/>
+    </dgm:varLst>
+    <dgm:choose name="Name0">
+      <dgm:if name="Name1" func="var" arg="dir" op="equ" val="norm">
+        <dgm:alg type="hierChild">
+          <dgm:param type="linDir" val="fromL"/>
+        </dgm:alg>
+      </dgm:if>
+      <dgm:else name="Name2">
+        <dgm:alg type="hierChild">
+          <dgm:param type="linDir" val="fromR"/>
+        </dgm:alg>
+      </dgm:else>
+    </dgm:choose>
+    <dgm:shape xmlns:r="http://schemas.openxmlformats.org/officeDocument/2006/relationships" r:blip="">
+      <dgm:adjLst/>
+    </dgm:shape>
+    <dgm:presOf/>
+    <dgm:constrLst>
+      <dgm:constr type="primFontSz" for="des" ptType="node" op="equ" val="65"/>
+      <dgm:constr type="w" for="des" forName="composite" refType="w"/>
+      <dgm:constr type="h" for="des" forName="composite" refType="w" refFor="des" refForName="composite" fact="0.5"/>
+      <dgm:constr type="w" for="des" forName="composite2" refType="w" refFor="des" refForName="composite"/>
+      <dgm:constr type="h" for="des" forName="composite2" refType="h" refFor="des" refForName="composite"/>
+      <dgm:constr type="w" for="des" forName="composite3" refType="w" refFor="des" refForName="composite"/>
+      <dgm:constr type="h" for="des" forName="composite3" refType="h" refFor="des" refForName="composite"/>
+      <dgm:constr type="w" for="des" forName="composite4" refType="w" refFor="des" refForName="composite"/>
+      <dgm:constr type="h" for="des" forName="composite4" refType="h" refFor="des" refForName="composite"/>
+      <dgm:constr type="w" for="des" forName="composite5" refType="w" refFor="des" refForName="composite"/>
+      <dgm:constr type="h" for="des" forName="composite5" refType="h" refFor="des" refForName="composite"/>
+      <dgm:constr type="sibSp" refType="w" refFor="des" refForName="composite" fact="0.1"/>
+      <dgm:constr type="sibSp" for="des" forName="hierChild2" refType="sibSp"/>
+      <dgm:constr type="sibSp" for="des" forName="hierChild3" refType="sibSp"/>
+      <dgm:constr type="sibSp" for="des" forName="hierChild4" refType="sibSp"/>
+      <dgm:constr type="sibSp" for="des" forName="hierChild5" refType="sibSp"/>
+      <dgm:constr type="sibSp" for="des" forName="hierChild6" refType="sibSp"/>
+      <dgm:constr type="sp" for="des" forName="hierRoot1" refType="h" refFor="des" refForName="composite" fact="0.25"/>
+      <dgm:constr type="sp" for="des" forName="hierRoot2" refType="sp" refFor="des" refForName="hierRoot1"/>
+      <dgm:constr type="sp" for="des" forName="hierRoot3" refType="sp" refFor="des" refForName="hierRoot1"/>
+      <dgm:constr type="sp" for="des" forName="hierRoot4" refType="sp" refFor="des" refForName="hierRoot1"/>
+      <dgm:constr type="sp" for="des" forName="hierRoot5" refType="sp" refFor="des" refForName="hierRoot1"/>
+    </dgm:constrLst>
+    <dgm:ruleLst/>
+    <dgm:forEach name="Name3" axis="ch">
+      <dgm:forEach name="Name4" axis="self" ptType="node">
+        <dgm:layoutNode name="hierRoot1">
+          <dgm:alg type="hierRoot"/>
+          <dgm:shape xmlns:r="http://schemas.openxmlformats.org/officeDocument/2006/relationships" r:blip="">
+            <dgm:adjLst/>
+          </dgm:shape>
+          <dgm:presOf/>
+          <dgm:constrLst>
+            <dgm:constr type="bendDist" for="des" ptType="parTrans" refType="sp" fact="0.5"/>
+          </dgm:constrLst>
+          <dgm:ruleLst/>
+          <dgm:layoutNode name="composite">
+            <dgm:alg type="composite"/>
+            <dgm:shape xmlns:r="http://schemas.openxmlformats.org/officeDocument/2006/relationships" r:blip="">
+              <dgm:adjLst/>
+            </dgm:shape>
+            <dgm:presOf/>
+            <dgm:constrLst>
+              <dgm:constr type="h" for="ch" forName="image" refType="h" fact="0.8"/>
+              <dgm:constr type="w" for="ch" forName="image" refType="h" refFor="ch" refForName="image"/>
+              <dgm:constr type="t" for="ch" forName="image" refType="h" fact="0.1"/>
+              <dgm:constr type="l" for="ch" forName="image"/>
+              <dgm:constr type="w" for="ch" forName="text" refType="w" fact="0.6"/>
+              <dgm:constr type="h" for="ch" forName="text" refType="h" fact="0.8"/>
+              <dgm:constr type="t" for="ch" forName="text" refType="w" fact="0.04"/>
+              <dgm:constr type="l" for="ch" forName="text" refType="w" fact="0.4"/>
+            </dgm:constrLst>
+            <dgm:ruleLst/>
+            <dgm:layoutNode name="image" styleLbl="node0">
+              <dgm:alg type="sp"/>
+              <dgm:shape xmlns:r="http://schemas.openxmlformats.org/officeDocument/2006/relationships" type="ellipse" r:blip="" blipPhldr="1">
+                <dgm:adjLst/>
+              </dgm:shape>
+              <dgm:presOf/>
+              <dgm:constrLst/>
+              <dgm:ruleLst/>
+            </dgm:layoutNode>
+            <dgm:layoutNode name="text" styleLbl="revTx">
+              <dgm:varLst>
+                <dgm:chPref val="3"/>
+              </dgm:varLst>
+              <dgm:alg type="tx">
+                <dgm:param type="parTxLTRAlign" val="l"/>
+                <dgm:param type="parTxRTLAlign" val="r"/>
+              </dgm:alg>
+              <dgm:shape xmlns:r="http://schemas.openxmlformats.org/officeDocument/2006/relationships" type="rect" r:blip="">
+                <dgm:adjLst/>
+              </dgm:shape>
+              <dgm:presOf axis="self"/>
+              <dgm:constrLst>
+                <dgm:constr type="tMarg" refType="primFontSz" fact="0.3"/>
+                <dgm:constr type="bMarg" refType="primFontSz" fact="0.3"/>
+                <dgm:constr type="lMarg" refType="primFontSz" fact="0.3"/>
+                <dgm:constr type="rMarg" refType="primFontSz" fact="0.3"/>
+              </dgm:constrLst>
+              <dgm:ruleLst>
+                <dgm:rule type="primFontSz" val="5" fact="NaN" max="NaN"/>
+              </dgm:ruleLst>
+            </dgm:layoutNode>
+          </dgm:layoutNode>
+          <dgm:layoutNode name="hierChild2">
+            <dgm:choose name="Name5">
+              <dgm:if name="Name6" func="var" arg="dir" op="equ" val="norm">
+                <dgm:alg type="hierChild">
+                  <dgm:param type="linDir" val="fromL"/>
+                </dgm:alg>
+              </dgm:if>
+              <dgm:else name="Name7">
+                <dgm:alg type="hierChild">
+                  <dgm:param type="linDir" val="fromR"/>
+                </dgm:alg>
+              </dgm:else>
+            </dgm:choose>
+            <dgm:shape xmlns:r="http://schemas.openxmlformats.org/officeDocument/2006/relationships" r:blip="">
+              <dgm:adjLst/>
+            </dgm:shape>
+            <dgm:presOf/>
+            <dgm:constrLst/>
+            <dgm:ruleLst/>
+            <dgm:forEach name="Name8" axis="ch">
+              <dgm:forEach name="Name9" axis="self" ptType="parTrans" cnt="1">
+                <dgm:layoutNode name="Name10">
+                  <dgm:alg type="conn">
+                    <dgm:param type="dim" val="1D"/>
+                    <dgm:param type="endSty" val="noArr"/>
+                    <dgm:param type="connRout" val="bend"/>
+                    <dgm:param type="bendPt" val="end"/>
+                    <dgm:param type="begPts" val="bCtr"/>
+                    <dgm:param type="endPts" val="tCtr"/>
+                    <dgm:param type="srcNode" val="image"/>
+                    <dgm:param type="dstNode" val="image2"/>
+                  </dgm:alg>
+                  <dgm:shape xmlns:r="http://schemas.openxmlformats.org/officeDocument/2006/relationships" type="conn" r:blip="" zOrderOff="-999">
+                    <dgm:adjLst/>
+                  </dgm:shape>
+                  <dgm:presOf axis="self"/>
+                  <dgm:constrLst>
+                    <dgm:constr type="begPad"/>
+                    <dgm:constr type="endPad"/>
+                  </dgm:constrLst>
+                  <dgm:ruleLst/>
+                </dgm:layoutNode>
+              </dgm:forEach>
+              <dgm:forEach name="Name11" axis="self" ptType="node">
+                <dgm:layoutNode name="hierRoot2">
+                  <dgm:alg type="hierRoot"/>
+                  <dgm:shape xmlns:r="http://schemas.openxmlformats.org/officeDocument/2006/relationships" r:blip="">
+                    <dgm:adjLst/>
+                  </dgm:shape>
+                  <dgm:presOf/>
+                  <dgm:constrLst>
+                    <dgm:constr type="bendDist" for="des" ptType="parTrans" refType="sp" fact="0.5"/>
+                  </dgm:constrLst>
+                  <dgm:ruleLst/>
+                  <dgm:layoutNode name="composite2">
+                    <dgm:alg type="composite"/>
+                    <dgm:shape xmlns:r="http://schemas.openxmlformats.org/officeDocument/2006/relationships" r:blip="">
+                      <dgm:adjLst/>
+                    </dgm:shape>
+                    <dgm:presOf/>
+                    <dgm:constrLst>
+                      <dgm:constr type="h" for="ch" forName="image2" refType="h" fact="0.8"/>
+                      <dgm:constr type="w" for="ch" forName="image2" refType="h" refFor="ch" refForName="image2"/>
+                      <dgm:constr type="t" for="ch" forName="image2" refType="h" fact="0.1"/>
+                      <dgm:constr type="l" for="ch" forName="image2"/>
+                      <dgm:constr type="w" for="ch" forName="text2" refType="w" fact="0.6"/>
+                      <dgm:constr type="h" for="ch" forName="text2" refType="h" fact="0.8"/>
+                      <dgm:constr type="t" for="ch" forName="text2" refType="w" fact="0.04"/>
+                      <dgm:constr type="l" for="ch" forName="text2" refType="w" fact="0.4"/>
+                    </dgm:constrLst>
+                    <dgm:ruleLst/>
+                    <dgm:layoutNode name="image2">
+                      <dgm:alg type="sp"/>
+                      <dgm:shape xmlns:r="http://schemas.openxmlformats.org/officeDocument/2006/relationships" type="ellipse" r:blip="" blipPhldr="1">
+                        <dgm:adjLst/>
+                      </dgm:shape>
+                      <dgm:presOf/>
+                      <dgm:constrLst/>
+                      <dgm:ruleLst/>
+                    </dgm:layoutNode>
+                    <dgm:layoutNode name="text2" styleLbl="revTx">
+                      <dgm:varLst>
+                        <dgm:chPref val="3"/>
+                      </dgm:varLst>
+                      <dgm:alg type="tx">
+                        <dgm:param type="parTxLTRAlign" val="l"/>
+                        <dgm:param type="parTxRTLAlign" val="r"/>
+                      </dgm:alg>
+                      <dgm:shape xmlns:r="http://schemas.openxmlformats.org/officeDocument/2006/relationships" type="rect" r:blip="">
+                        <dgm:adjLst/>
+                      </dgm:shape>
+                      <dgm:presOf axis="self"/>
+                      <dgm:constrLst>
+                        <dgm:constr type="tMarg" refType="primFontSz" fact="0.3"/>
+                        <dgm:constr type="bMarg" refType="primFontSz" fact="0.3"/>
+                        <dgm:constr type="lMarg" refType="primFontSz" fact="0.3"/>
+                        <dgm:constr type="rMarg" refType="primFontSz" fact="0.3"/>
+                      </dgm:constrLst>
+                      <dgm:ruleLst>
+                        <dgm:rule type="primFontSz" val="5" fact="NaN" max="NaN"/>
+                      </dgm:ruleLst>
+                    </dgm:layoutNode>
+                  </dgm:layoutNode>
+                  <dgm:layoutNode name="hierChild3">
+                    <dgm:choose name="Name12">
+                      <dgm:if name="Name13" func="var" arg="dir" op="equ" val="norm">
+                        <dgm:alg type="hierChild">
+                          <dgm:param type="linDir" val="fromL"/>
+                        </dgm:alg>
+                      </dgm:if>
+                      <dgm:else name="Name14">
+                        <dgm:alg type="hierChild">
+                          <dgm:param type="linDir" val="fromR"/>
+                        </dgm:alg>
+                      </dgm:else>
+                    </dgm:choose>
+                    <dgm:shape xmlns:r="http://schemas.openxmlformats.org/officeDocument/2006/relationships" r:blip="">
+                      <dgm:adjLst/>
+                    </dgm:shape>
+                    <dgm:presOf/>
+                    <dgm:constrLst/>
+                    <dgm:ruleLst/>
+                    <dgm:forEach name="Name15" axis="ch">
+                      <dgm:forEach name="Name16" axis="self" ptType="parTrans" cnt="1">
+                        <dgm:layoutNode name="Name17">
+                          <dgm:alg type="conn">
+                            <dgm:param type="dim" val="1D"/>
+                            <dgm:param type="endSty" val="noArr"/>
+                            <dgm:param type="connRout" val="bend"/>
+                            <dgm:param type="bendPt" val="end"/>
+                            <dgm:param type="begPts" val="bCtr"/>
+                            <dgm:param type="endPts" val="tCtr"/>
+                            <dgm:param type="srcNode" val="image2"/>
+                            <dgm:param type="dstNode" val="image3"/>
+                          </dgm:alg>
+                          <dgm:shape xmlns:r="http://schemas.openxmlformats.org/officeDocument/2006/relationships" type="conn" r:blip="" zOrderOff="-999">
+                            <dgm:adjLst/>
+                          </dgm:shape>
+                          <dgm:presOf axis="self"/>
+                          <dgm:constrLst>
+                            <dgm:constr type="begPad"/>
+                            <dgm:constr type="endPad"/>
+                          </dgm:constrLst>
+                          <dgm:ruleLst/>
+                        </dgm:layoutNode>
+                      </dgm:forEach>
+                      <dgm:forEach name="Name18" axis="self" ptType="node">
+                        <dgm:layoutNode name="hierRoot3">
+                          <dgm:alg type="hierRoot"/>
+                          <dgm:shape xmlns:r="http://schemas.openxmlformats.org/officeDocument/2006/relationships" r:blip="">
+                            <dgm:adjLst/>
+                          </dgm:shape>
+                          <dgm:presOf/>
+                          <dgm:constrLst>
+                            <dgm:constr type="bendDist" for="des" ptType="parTrans" refType="sp" fact="0.5"/>
+                          </dgm:constrLst>
+                          <dgm:ruleLst/>
+                          <dgm:layoutNode name="composite3">
+                            <dgm:alg type="composite"/>
+                            <dgm:shape xmlns:r="http://schemas.openxmlformats.org/officeDocument/2006/relationships" r:blip="">
+                              <dgm:adjLst/>
+                            </dgm:shape>
+                            <dgm:presOf/>
+                            <dgm:constrLst>
+                              <dgm:constr type="h" for="ch" forName="image3" refType="h" fact="0.8"/>
+                              <dgm:constr type="w" for="ch" forName="image3" refType="h" refFor="ch" refForName="image3"/>
+                              <dgm:constr type="t" for="ch" forName="image3" refType="h" fact="0.1"/>
+                              <dgm:constr type="l" for="ch" forName="image3"/>
+                              <dgm:constr type="w" for="ch" forName="text3" refType="w" fact="0.6"/>
+                              <dgm:constr type="h" for="ch" forName="text3" refType="h" fact="0.8"/>
+                              <dgm:constr type="t" for="ch" forName="text3" refType="w" fact="0.04"/>
+                              <dgm:constr type="l" for="ch" forName="text3" refType="w" fact="0.4"/>
+                            </dgm:constrLst>
+                            <dgm:ruleLst/>
+                            <dgm:layoutNode name="image3">
+                              <dgm:alg type="sp"/>
+                              <dgm:shape xmlns:r="http://schemas.openxmlformats.org/officeDocument/2006/relationships" type="ellipse" r:blip="" blipPhldr="1">
+                                <dgm:adjLst/>
+                              </dgm:shape>
+                              <dgm:presOf/>
+                              <dgm:constrLst/>
+                              <dgm:ruleLst/>
+                            </dgm:layoutNode>
+                            <dgm:layoutNode name="text3" styleLbl="revTx">
+                              <dgm:varLst>
+                                <dgm:chPref val="3"/>
+                              </dgm:varLst>
+                              <dgm:alg type="tx">
+                                <dgm:param type="parTxLTRAlign" val="l"/>
+                                <dgm:param type="parTxRTLAlign" val="r"/>
+                              </dgm:alg>
+                              <dgm:shape xmlns:r="http://schemas.openxmlformats.org/officeDocument/2006/relationships" type="rect" r:blip="">
+                                <dgm:adjLst/>
+                              </dgm:shape>
+                              <dgm:presOf axis="self"/>
+                              <dgm:constrLst>
+                                <dgm:constr type="tMarg" refType="primFontSz" fact="0.3"/>
+                                <dgm:constr type="bMarg" refType="primFontSz" fact="0.3"/>
+                                <dgm:constr type="lMarg" refType="primFontSz" fact="0.3"/>
+                                <dgm:constr type="rMarg" refType="primFontSz" fact="0.3"/>
+                              </dgm:constrLst>
+                              <dgm:ruleLst>
+                                <dgm:rule type="primFontSz" val="5" fact="NaN" max="NaN"/>
+                              </dgm:ruleLst>
+                            </dgm:layoutNode>
+                          </dgm:layoutNode>
+                          <dgm:layoutNode name="hierChild4">
+                            <dgm:choose name="Name19">
+                              <dgm:if name="Name20" func="var" arg="dir" op="equ" val="norm">
+                                <dgm:alg type="hierChild">
+                                  <dgm:param type="linDir" val="fromL"/>
+                                </dgm:alg>
+                              </dgm:if>
+                              <dgm:else name="Name21">
+                                <dgm:alg type="hierChild">
+                                  <dgm:param type="linDir" val="fromR"/>
+                                </dgm:alg>
+                              </dgm:else>
+                            </dgm:choose>
+                            <dgm:shape xmlns:r="http://schemas.openxmlformats.org/officeDocument/2006/relationships" r:blip="">
+                              <dgm:adjLst/>
+                            </dgm:shape>
+                            <dgm:presOf/>
+                            <dgm:constrLst/>
+                            <dgm:ruleLst/>
+                            <dgm:forEach name="repeat" axis="ch">
+                              <dgm:forEach name="Name22" axis="self" ptType="parTrans" cnt="1">
+                                <dgm:layoutNode name="Name23">
+                                  <dgm:choose name="Name24">
+                                    <dgm:if name="Name25" axis="self" func="depth" op="lte" val="4">
+                                      <dgm:alg type="conn">
+                                        <dgm:param type="dim" val="1D"/>
+                                        <dgm:param type="endSty" val="noArr"/>
+                                        <dgm:param type="connRout" val="bend"/>
+                                        <dgm:param type="bendPt" val="end"/>
+                                        <dgm:param type="begPts" val="bCtr"/>
+                                        <dgm:param type="endPts" val="tCtr"/>
+                                        <dgm:param type="srcNode" val="image3"/>
+                                        <dgm:param type="dstNode" val="image4"/>
+                                      </dgm:alg>
+                                    </dgm:if>
+                                    <dgm:else name="Name26">
+                                      <dgm:alg type="conn">
+                                        <dgm:param type="dim" val="1D"/>
+                                        <dgm:param type="endSty" val="noArr"/>
+                                        <dgm:param type="connRout" val="bend"/>
+                                        <dgm:param type="bendPt" val="end"/>
+                                        <dgm:param type="begPts" val="bCtr"/>
+                                        <dgm:param type="endPts" val="tCtr"/>
+                                        <dgm:param type="srcNode" val="image4"/>
+                                        <dgm:param type="dstNode" val="image4"/>
+                                      </dgm:alg>
+                                    </dgm:else>
+                                  </dgm:choose>
+                                  <dgm:shape xmlns:r="http://schemas.openxmlformats.org/officeDocument/2006/relationships" type="conn" r:blip="" zOrderOff="-999">
+                                    <dgm:adjLst/>
+                                  </dgm:shape>
+                                  <dgm:presOf axis="self"/>
+                                  <dgm:constrLst>
+                                    <dgm:constr type="begPad"/>
+                                    <dgm:constr type="endPad"/>
+                                  </dgm:constrLst>
+                                  <dgm:ruleLst/>
+                                </dgm:layoutNode>
+                              </dgm:forEach>
+                              <dgm:forEach name="Name27" axis="self" ptType="node">
+                                <dgm:layoutNode name="hierRoot4">
+                                  <dgm:alg type="hierRoot"/>
+                                  <dgm:shape xmlns:r="http://schemas.openxmlformats.org/officeDocument/2006/relationships" r:blip="">
+                                    <dgm:adjLst/>
+                                  </dgm:shape>
+                                  <dgm:presOf/>
+                                  <dgm:constrLst>
+                                    <dgm:constr type="bendDist" for="des" ptType="parTrans" refType="sp" fact="0.5"/>
+                                  </dgm:constrLst>
+                                  <dgm:ruleLst/>
+                                  <dgm:layoutNode name="composite4">
+                                    <dgm:alg type="composite"/>
+                                    <dgm:shape xmlns:r="http://schemas.openxmlformats.org/officeDocument/2006/relationships" r:blip="">
+                                      <dgm:adjLst/>
+                                    </dgm:shape>
+                                    <dgm:presOf/>
+                                    <dgm:constrLst>
+                                      <dgm:constr type="h" for="ch" forName="image4" refType="h" fact="0.8"/>
+                                      <dgm:constr type="w" for="ch" forName="image4" refType="h" refFor="ch" refForName="image4"/>
+                                      <dgm:constr type="t" for="ch" forName="image4" refType="h" fact="0.1"/>
+                                      <dgm:constr type="l" for="ch" forName="image4"/>
+                                      <dgm:constr type="w" for="ch" forName="text4" refType="w" fact="0.6"/>
+                                      <dgm:constr type="h" for="ch" forName="text4" refType="h" fact="0.8"/>
+                                      <dgm:constr type="t" for="ch" forName="text4" refType="w" fact="0.04"/>
+                                      <dgm:constr type="l" for="ch" forName="text4" refType="w" fact="0.4"/>
+                                    </dgm:constrLst>
+                                    <dgm:ruleLst/>
+                                    <dgm:layoutNode name="image4">
+                                      <dgm:alg type="sp"/>
+                                      <dgm:shape xmlns:r="http://schemas.openxmlformats.org/officeDocument/2006/relationships" type="ellipse" r:blip="" blipPhldr="1">
+                                        <dgm:adjLst/>
+                                      </dgm:shape>
+                                      <dgm:presOf/>
+                                      <dgm:constrLst/>
+                                      <dgm:ruleLst/>
+                                    </dgm:layoutNode>
+                                    <dgm:layoutNode name="text4" styleLbl="revTx">
+                                      <dgm:varLst>
+                                        <dgm:chPref val="3"/>
+                                      </dgm:varLst>
+                                      <dgm:alg type="tx">
+                                        <dgm:param type="parTxLTRAlign" val="l"/>
+                                        <dgm:param type="parTxRTLAlign" val="r"/>
+                                      </dgm:alg>
+                                      <dgm:shape xmlns:r="http://schemas.openxmlformats.org/officeDocument/2006/relationships" type="rect" r:blip="">
+                                        <dgm:adjLst/>
+                                      </dgm:shape>
+                                      <dgm:presOf axis="self"/>
+                                      <dgm:constrLst>
+                                        <dgm:constr type="tMarg" refType="primFontSz" fact="0.3"/>
+                                        <dgm:constr type="bMarg" refType="primFontSz" fact="0.3"/>
+                                        <dgm:constr type="lMarg" refType="primFontSz" fact="0.3"/>
+                                        <dgm:constr type="rMarg" refType="primFontSz" fact="0.3"/>
+                                      </dgm:constrLst>
+                                      <dgm:ruleLst>
+                                        <dgm:rule type="primFontSz" val="5" fact="NaN" max="NaN"/>
+                                      </dgm:ruleLst>
+                                    </dgm:layoutNode>
+                                  </dgm:layoutNode>
+                                  <dgm:layoutNode name="hierChild5">
+                                    <dgm:choose name="Name28">
+                                      <dgm:if name="Name29" func="var" arg="dir" op="equ" val="norm">
+                                        <dgm:alg type="hierChild">
+                                          <dgm:param type="linDir" val="fromL"/>
+                                        </dgm:alg>
+                                      </dgm:if>
+                                      <dgm:else name="Name30">
+                                        <dgm:alg type="hierChild">
+                                          <dgm:param type="linDir" val="fromR"/>
+                                        </dgm:alg>
+                                      </dgm:else>
+                                    </dgm:choose>
+                                    <dgm:shape xmlns:r="http://schemas.openxmlformats.org/officeDocument/2006/relationships" r:blip="">
+                                      <dgm:adjLst/>
+                                    </dgm:shape>
+                                    <dgm:presOf/>
+                                    <dgm:constrLst/>
+                                    <dgm:ruleLst/>
+                                    <dgm:forEach name="Name31" ref="repeat"/>
+                                  </dgm:layoutNode>
+                                </dgm:layoutNode>
+                              </dgm:forEach>
+                            </dgm:forEach>
+                          </dgm:layoutNode>
+                        </dgm:layoutNode>
+                      </dgm:forEach>
+                    </dgm:forEach>
+                  </dgm:layoutNode>
+                </dgm:layoutNode>
+              </dgm:forEach>
+            </dgm:forEach>
+          </dgm:layoutNode>
+        </dgm:layoutNode>
+      </dgm:forEach>
+    </dgm:forEach>
+  </dgm:layoutNode>
+</dgm:layoutDef>
+</file>
+
+<file path=ppt/diagrams/quickStyle1.xml><?xml version="1.0" encoding="utf-8"?>
+<dgm:styleDef xmlns:dgm="http://schemas.openxmlformats.org/drawingml/2006/diagram" xmlns:a="http://schemas.openxmlformats.org/drawingml/2006/main" uniqueId="urn:microsoft.com/office/officeart/2005/8/quickstyle/simple1">
+  <dgm:title val=""/>
+  <dgm:desc val=""/>
+  <dgm:catLst>
+    <dgm:cat type="simple" pri="10100"/>
+  </dgm:catLst>
+  <dgm:scene3d>
+    <a:camera prst="orthographicFront"/>
+    <a:lightRig rig="threePt" dir="t"/>
+  </dgm:scene3d>
+  <dgm:styleLbl name="node0">
+    <dgm:scene3d>
+      <a:camera prst="orthographicFront"/>
+      <a:lightRig rig="threePt" dir="t"/>
+    </dgm:scene3d>
+    <dgm:sp3d/>
+    <dgm:txPr/>
+    <dgm:style>
+      <a:lnRef idx="2">
+        <a:scrgbClr r="0" g="0" b="0"/>
+      </a:lnRef>
+      <a:fillRef idx="1">
+        <a:scrgbClr r="0" g="0" b="0"/>
+      </a:fillRef>
+      <a:effectRef idx="0">
+        <a:scrgbClr r="0" g="0" b="0"/>
+      </a:effectRef>
+      <a:fontRef idx="minor">
+        <a:schemeClr val="lt1"/>
+      </a:fontRef>
+    </dgm:style>
+  </dgm:styleLbl>
+  <dgm:styleLbl name="lnNode1">
+    <dgm:scene3d>
+      <a:camera prst="orthographicFront"/>
+      <a:lightRig rig="threePt" dir="t"/>
+    </dgm:scene3d>
+    <dgm:sp3d/>
+    <dgm:txPr/>
+    <dgm:style>
+      <a:lnRef idx="2">
+        <a:scrgbClr r="0" g="0" b="0"/>
+      </a:lnRef>
+      <a:fillRef idx="1">
+        <a:scrgbClr r="0" g="0" b="0"/>
+      </a:fillRef>
+      <a:effectRef idx="0">
+        <a:scrgbClr r="0" g="0" b="0"/>
+      </a:effectRef>
+      <a:fontRef idx="minor">
+        <a:schemeClr val="lt1"/>
+      </a:fontRef>
+    </dgm:style>
+  </dgm:styleLbl>
+  <dgm:styleLbl name="vennNode1">
+    <dgm:scene3d>
+      <a:camera prst="orthographicFront"/>
+      <a:lightRig rig="threePt" dir="t"/>
+    </dgm:scene3d>
+    <dgm:sp3d/>
+    <dgm:txPr/>
+    <dgm:style>
+      <a:lnRef idx="2">
+        <a:scrgbClr r="0" g="0" b="0"/>
+      </a:lnRef>
+      <a:fillRef idx="1">
+        <a:scrgbClr r="0" g="0" b="0"/>
+      </a:fillRef>
+      <a:effectRef idx="0">
+        <a:scrgbClr r="0" g="0" b="0"/>
+      </a:effectRef>
+      <a:fontRef idx="minor">
+        <a:schemeClr val="tx1"/>
+      </a:fontRef>
+    </dgm:style>
+  </dgm:styleLbl>
+  <dgm:styleLbl name="alignNode1">
+    <dgm:scene3d>
+      <a:camera prst="orthographicFront"/>
+      <a:lightRig rig="threePt" dir="t"/>
+    </dgm:scene3d>
+    <dgm:sp3d/>
+    <dgm:txPr/>
+    <dgm:style>
+      <a:lnRef idx="2">
+        <a:scrgbClr r="0" g="0" b="0"/>
+      </a:lnRef>
+      <a:fillRef idx="1">
+        <a:scrgbClr r="0" g="0" b="0"/>
+      </a:fillRef>
+      <a:effectRef idx="0">
+        <a:scrgbClr r="0" g="0" b="0"/>
+      </a:effectRef>
+      <a:fontRef idx="minor">
+        <a:schemeClr val="lt1"/>
+      </a:fontRef>
+    </dgm:style>
+  </dgm:styleLbl>
+  <dgm:styleLbl name="node1">
+    <dgm:scene3d>
+      <a:camera prst="orthographicFront"/>
+      <a:lightRig rig="threePt" dir="t"/>
+    </dgm:scene3d>
+    <dgm:sp3d/>
+    <dgm:txPr/>
+    <dgm:style>
+      <a:lnRef idx="2">
+        <a:scrgbClr r="0" g="0" b="0"/>
+      </a:lnRef>
+      <a:fillRef idx="1">
+        <a:scrgbClr r="0" g="0" b="0"/>
+      </a:fillRef>
+      <a:effectRef idx="0">
+        <a:scrgbClr r="0" g="0" b="0"/>
+      </a:effectRef>
+      <a:fontRef idx="minor">
+        <a:schemeClr val="lt1"/>
+      </a:fontRef>
+    </dgm:style>
+  </dgm:styleLbl>
+  <dgm:styleLbl name="node2">
+    <dgm:scene3d>
+      <a:camera prst="orthographicFront"/>
+      <a:lightRig rig="threePt" dir="t"/>
+    </dgm:scene3d>
+    <dgm:sp3d/>
+    <dgm:txPr/>
+    <dgm:style>
+      <a:lnRef idx="2">
+        <a:scrgbClr r="0" g="0" b="0"/>
+      </a:lnRef>
+      <a:fillRef idx="1">
+        <a:scrgbClr r="0" g="0" b="0"/>
+      </a:fillRef>
+      <a:effectRef idx="0">
+        <a:scrgbClr r="0" g="0" b="0"/>
+      </a:effectRef>
+      <a:fontRef idx="minor">
+        <a:schemeClr val="lt1"/>
+      </a:fontRef>
+    </dgm:style>
+  </dgm:styleLbl>
+  <dgm:styleLbl name="node3">
+    <dgm:scene3d>
+      <a:camera prst="orthographicFront"/>
+      <a:lightRig rig="threePt" dir="t"/>
+    </dgm:scene3d>
+    <dgm:sp3d/>
+    <dgm:txPr/>
+    <dgm:style>
+      <a:lnRef idx="2">
+        <a:scrgbClr r="0" g="0" b="0"/>
+      </a:lnRef>
+      <a:fillRef idx="1">
+        <a:scrgbClr r="0" g="0" b="0"/>
+      </a:fillRef>
+      <a:effectRef idx="0">
+        <a:scrgbClr r="0" g="0" b="0"/>
+      </a:effectRef>
+      <a:fontRef idx="minor">
+        <a:schemeClr val="lt1"/>
+      </a:fontRef>
+    </dgm:style>
+  </dgm:styleLbl>
+  <dgm:styleLbl name="node4">
+    <dgm:scene3d>
+      <a:camera prst="orthographicFront"/>
+      <a:lightRig rig="threePt" dir="t"/>
+    </dgm:scene3d>
+    <dgm:sp3d/>
+    <dgm:txPr/>
+    <dgm:style>
+      <a:lnRef idx="2">
+        <a:scrgbClr r="0" g="0" b="0"/>
+      </a:lnRef>
+      <a:fillRef idx="1">
+        <a:scrgbClr r="0" g="0" b="0"/>
+      </a:fillRef>
+      <a:effectRef idx="0">
+        <a:scrgbClr r="0" g="0" b="0"/>
+      </a:effectRef>
+      <a:fontRef idx="minor">
+        <a:schemeClr val="lt1"/>
+      </a:fontRef>
+    </dgm:style>
+  </dgm:styleLbl>
+  <dgm:styleLbl name="fgImgPlace1">
+    <dgm:scene3d>
+      <a:camera prst="orthographicFront"/>
+      <a:lightRig rig="threePt" dir="t"/>
+    </dgm:scene3d>
+    <dgm:sp3d/>
+    <dgm:txPr/>
+    <dgm:style>
+      <a:lnRef idx="2">
+        <a:scrgbClr r="0" g="0" b="0"/>
+      </a:lnRef>
+      <a:fillRef idx="1">
+        <a:scrgbClr r="0" g="0" b="0"/>
+      </a:fillRef>
+      <a:effectRef idx="0">
+        <a:scrgbClr r="0" g="0" b="0"/>
+      </a:effectRef>
+      <a:fontRef idx="minor"/>
+    </dgm:style>
+  </dgm:styleLbl>
+  <dgm:styleLbl name="alignImgPlace1">
+    <dgm:scene3d>
+      <a:camera prst="orthographicFront"/>
+      <a:lightRig rig="threePt" dir="t"/>
+    </dgm:scene3d>
+    <dgm:sp3d/>
+    <dgm:txPr/>
+    <dgm:style>
+      <a:lnRef idx="2">
+        <a:scrgbClr r="0" g="0" b="0"/>
+      </a:lnRef>
+      <a:fillRef idx="1">
+        <a:scrgbClr r="0" g="0" b="0"/>
+      </a:fillRef>
+      <a:effectRef idx="0">
+        <a:scrgbClr r="0" g="0" b="0"/>
+      </a:effectRef>
+      <a:fontRef idx="minor"/>
+    </dgm:style>
+  </dgm:styleLbl>
+  <dgm:styleLbl name="bgImgPlace1">
+    <dgm:scene3d>
+      <a:camera prst="orthographicFront"/>
+      <a:lightRig rig="threePt" dir="t"/>
+    </dgm:scene3d>
+    <dgm:sp3d/>
+    <dgm:txPr/>
+    <dgm:style>
+      <a:lnRef idx="2">
+        <a:scrgbClr r="0" g="0" b="0"/>
+      </a:lnRef>
+      <a:fillRef idx="1">
+        <a:scrgbClr r="0" g="0" b="0"/>
+      </a:fillRef>
+      <a:effectRef idx="0">
+        <a:scrgbClr r="0" g="0" b="0"/>
+      </a:effectRef>
+      <a:fontRef idx="minor"/>
+    </dgm:style>
+  </dgm:styleLbl>
+  <dgm:styleLbl name="sibTrans2D1">
+    <dgm:scene3d>
+      <a:camera prst="orthographicFront"/>
+      <a:lightRig rig="threePt" dir="t"/>
+    </dgm:scene3d>
+    <dgm:sp3d/>
+    <dgm:txPr/>
+    <dgm:style>
+      <a:lnRef idx="0">
+        <a:scrgbClr r="0" g="0" b="0"/>
+      </a:lnRef>
+      <a:fillRef idx="1">
+        <a:scrgbClr r="0" g="0" b="0"/>
+      </a:fillRef>
+      <a:effectRef idx="0">
+        <a:scrgbClr r="0" g="0" b="0"/>
+      </a:effectRef>
+      <a:fontRef idx="minor">
+        <a:schemeClr val="lt1"/>
+      </a:fontRef>
+    </dgm:style>
+  </dgm:styleLbl>
+  <dgm:styleLbl name="fgSibTrans2D1">
+    <dgm:scene3d>
+      <a:camera prst="orthographicFront"/>
+      <a:lightRig rig="threePt" dir="t"/>
+    </dgm:scene3d>
+    <dgm:sp3d/>
+    <dgm:txPr/>
+    <dgm:style>
+      <a:lnRef idx="0">
+        <a:scrgbClr r="0" g="0" b="0"/>
+      </a:lnRef>
+      <a:fillRef idx="1">
+        <a:scrgbClr r="0" g="0" b="0"/>
+      </a:fillRef>
+      <a:effectRef idx="0">
+        <a:scrgbClr r="0" g="0" b="0"/>
+      </a:effectRef>
+      <a:fontRef idx="minor">
+        <a:schemeClr val="lt1"/>
+      </a:fontRef>
+    </dgm:style>
+  </dgm:styleLbl>
+  <dgm:styleLbl name="bgSibTrans2D1">
+    <dgm:scene3d>
+      <a:camera prst="orthographicFront"/>
+      <a:lightRig rig="threePt" dir="t"/>
+    </dgm:scene3d>
+    <dgm:sp3d/>
+    <dgm:txPr/>
+    <dgm:style>
+      <a:lnRef idx="0">
+        <a:scrgbClr r="0" g="0" b="0"/>
+      </a:lnRef>
+      <a:fillRef idx="1">
+        <a:scrgbClr r="0" g="0" b="0"/>
+      </a:fillRef>
+      <a:effectRef idx="0">
+        <a:scrgbClr r="0" g="0" b="0"/>
+      </a:effectRef>
+      <a:fontRef idx="minor">
+        <a:schemeClr val="lt1"/>
+      </a:fontRef>
+    </dgm:style>
+  </dgm:styleLbl>
+  <dgm:styleLbl name="sibTrans1D1">
+    <dgm:scene3d>
+      <a:camera prst="orthographicFront"/>
+      <a:lightRig rig="threePt" dir="t"/>
+    </dgm:scene3d>
+    <dgm:sp3d/>
+    <dgm:txPr/>
+    <dgm:style>
+      <a:lnRef idx="1">
+        <a:scrgbClr r="0" g="0" b="0"/>
+      </a:lnRef>
+      <a:fillRef idx="0">
+        <a:scrgbClr r="0" g="0" b="0"/>
+      </a:fillRef>
+      <a:effectRef idx="0">
+        <a:scrgbClr r="0" g="0" b="0"/>
+      </a:effectRef>
+      <a:fontRef idx="minor"/>
+    </dgm:style>
+  </dgm:styleLbl>
+  <dgm:styleLbl name="callout">
+    <dgm:scene3d>
+      <a:camera prst="orthographicFront"/>
+      <a:lightRig rig="threePt" dir="t"/>
+    </dgm:scene3d>
+    <dgm:sp3d/>
+    <dgm:txPr/>
+    <dgm:style>
+      <a:lnRef idx="2">
+        <a:scrgbClr r="0" g="0" b="0"/>
+      </a:lnRef>
+      <a:fillRef idx="1">
+        <a:scrgbClr r="0" g="0" b="0"/>
+      </a:fillRef>
+      <a:effectRef idx="0">
+        <a:scrgbClr r="0" g="0" b="0"/>
+      </a:effectRef>
+      <a:fontRef idx="minor"/>
+    </dgm:style>
+  </dgm:styleLbl>
+  <dgm:styleLbl name="asst0">
+    <dgm:scene3d>
+      <a:camera prst="orthographicFront"/>
+      <a:lightRig rig="threePt" dir="t"/>
+    </dgm:scene3d>
+    <dgm:sp3d/>
+    <dgm:txPr/>
+    <dgm:style>
+      <a:lnRef idx="2">
+        <a:scrgbClr r="0" g="0" b="0"/>
+      </a:lnRef>
+      <a:fillRef idx="1">
+        <a:scrgbClr r="0" g="0" b="0"/>
+      </a:fillRef>
+      <a:effectRef idx="0">
+        <a:scrgbClr r="0" g="0" b="0"/>
+      </a:effectRef>
+      <a:fontRef idx="minor">
+        <a:schemeClr val="lt1"/>
+      </a:fontRef>
+    </dgm:style>
+  </dgm:styleLbl>
+  <dgm:styleLbl name="asst1">
+    <dgm:scene3d>
+      <a:camera prst="orthographicFront"/>
+      <a:lightRig rig="threePt" dir="t"/>
+    </dgm:scene3d>
+    <dgm:sp3d/>
+    <dgm:txPr/>
+    <dgm:style>
+      <a:lnRef idx="2">
+        <a:scrgbClr r="0" g="0" b="0"/>
+      </a:lnRef>
+      <a:fillRef idx="1">
+        <a:scrgbClr r="0" g="0" b="0"/>
+      </a:fillRef>
+      <a:effectRef idx="0">
+        <a:scrgbClr r="0" g="0" b="0"/>
+      </a:effectRef>
+      <a:fontRef idx="minor">
+        <a:schemeClr val="lt1"/>
+      </a:fontRef>
+    </dgm:style>
+  </dgm:styleLbl>
+  <dgm:styleLbl name="asst2">
+    <dgm:scene3d>
+      <a:camera prst="orthographicFront"/>
+      <a:lightRig rig="threePt" dir="t"/>
+    </dgm:scene3d>
+    <dgm:sp3d/>
+    <dgm:txPr/>
+    <dgm:style>
+      <a:lnRef idx="2">
+        <a:scrgbClr r="0" g="0" b="0"/>
+      </a:lnRef>
+      <a:fillRef idx="1">
+        <a:scrgbClr r="0" g="0" b="0"/>
+      </a:fillRef>
+      <a:effectRef idx="0">
+        <a:scrgbClr r="0" g="0" b="0"/>
+      </a:effectRef>
+      <a:fontRef idx="minor">
+        <a:schemeClr val="lt1"/>
+      </a:fontRef>
+    </dgm:style>
+  </dgm:styleLbl>
+  <dgm:styleLbl name="asst3">
+    <dgm:scene3d>
+      <a:camera prst="orthographicFront"/>
+      <a:lightRig rig="threePt" dir="t"/>
+    </dgm:scene3d>
+    <dgm:sp3d/>
+    <dgm:txPr/>
+    <dgm:style>
+      <a:lnRef idx="2">
+        <a:scrgbClr r="0" g="0" b="0"/>
+      </a:lnRef>
+      <a:fillRef idx="1">
+        <a:scrgbClr r="0" g="0" b="0"/>
+      </a:fillRef>
+      <a:effectRef idx="0">
+        <a:scrgbClr r="0" g="0" b="0"/>
+      </a:effectRef>
+      <a:fontRef idx="minor">
+        <a:schemeClr val="lt1"/>
+      </a:fontRef>
+    </dgm:style>
+  </dgm:styleLbl>
+  <dgm:styleLbl name="asst4">
+    <dgm:scene3d>
+      <a:camera prst="orthographicFront"/>
+      <a:lightRig rig="threePt" dir="t"/>
+    </dgm:scene3d>
+    <dgm:sp3d/>
+    <dgm:txPr/>
+    <dgm:style>
+      <a:lnRef idx="2">
+        <a:scrgbClr r="0" g="0" b="0"/>
+      </a:lnRef>
+      <a:fillRef idx="1">
+        <a:scrgbClr r="0" g="0" b="0"/>
+      </a:fillRef>
+      <a:effectRef idx="0">
+        <a:scrgbClr r="0" g="0" b="0"/>
+      </a:effectRef>
+      <a:fontRef idx="minor">
+        <a:schemeClr val="lt1"/>
+      </a:fontRef>
+    </dgm:style>
+  </dgm:styleLbl>
+  <dgm:styleLbl name="parChTrans2D1">
+    <dgm:scene3d>
+      <a:camera prst="orthographicFront"/>
+      <a:lightRig rig="threePt" dir="t"/>
+    </dgm:scene3d>
+    <dgm:sp3d/>
+    <dgm:txPr/>
+    <dgm:style>
+      <a:lnRef idx="2">
+        <a:scrgbClr r="0" g="0" b="0"/>
+      </a:lnRef>
+      <a:fillRef idx="1">
+        <a:scrgbClr r="0" g="0" b="0"/>
+      </a:fillRef>
+      <a:effectRef idx="0">
+        <a:scrgbClr r="0" g="0" b="0"/>
+      </a:effectRef>
+      <a:fontRef idx="minor">
+        <a:schemeClr val="lt1"/>
+      </a:fontRef>
+    </dgm:style>
+  </dgm:styleLbl>
+  <dgm:styleLbl name="parChTrans2D2">
+    <dgm:scene3d>
+      <a:camera prst="orthographicFront"/>
+      <a:lightRig rig="threePt" dir="t"/>
+    </dgm:scene3d>
+    <dgm:sp3d/>
+    <dgm:txPr/>
+    <dgm:style>
+      <a:lnRef idx="2">
+        <a:scrgbClr r="0" g="0" b="0"/>
+      </a:lnRef>
+      <a:fillRef idx="1">
+        <a:scrgbClr r="0" g="0" b="0"/>
+      </a:fillRef>
+      <a:effectRef idx="0">
+        <a:scrgbClr r="0" g="0" b="0"/>
+      </a:effectRef>
+      <a:fontRef idx="minor">
+        <a:schemeClr val="lt1"/>
+      </a:fontRef>
+    </dgm:style>
+  </dgm:styleLbl>
+  <dgm:styleLbl name="parChTrans2D3">
+    <dgm:scene3d>
+      <a:camera prst="orthographicFront"/>
+      <a:lightRig rig="threePt" dir="t"/>
+    </dgm:scene3d>
+    <dgm:sp3d/>
+    <dgm:txPr/>
+    <dgm:style>
+      <a:lnRef idx="2">
+        <a:scrgbClr r="0" g="0" b="0"/>
+      </a:lnRef>
+      <a:fillRef idx="1">
+        <a:scrgbClr r="0" g="0" b="0"/>
+      </a:fillRef>
+      <a:effectRef idx="0">
+        <a:scrgbClr r="0" g="0" b="0"/>
+      </a:effectRef>
+      <a:fontRef idx="minor">
+        <a:schemeClr val="lt1"/>
+      </a:fontRef>
+    </dgm:style>
+  </dgm:styleLbl>
+  <dgm:styleLbl name="parChTrans2D4">
+    <dgm:scene3d>
+      <a:camera prst="orthographicFront"/>
+      <a:lightRig rig="threePt" dir="t"/>
+    </dgm:scene3d>
+    <dgm:sp3d/>
+    <dgm:txPr/>
+    <dgm:style>
+      <a:lnRef idx="2">
+        <a:scrgbClr r="0" g="0" b="0"/>
+      </a:lnRef>
+      <a:fillRef idx="1">
+        <a:scrgbClr r="0" g="0" b="0"/>
+      </a:fillRef>
+      <a:effectRef idx="0">
+        <a:scrgbClr r="0" g="0" b="0"/>
+      </a:effectRef>
+      <a:fontRef idx="minor">
+        <a:schemeClr val="lt1"/>
+      </a:fontRef>
+    </dgm:style>
+  </dgm:styleLbl>
+  <dgm:styleLbl name="parChTrans1D1">
+    <dgm:scene3d>
+      <a:camera prst="orthographicFront"/>
+      <a:lightRig rig="threePt" dir="t"/>
+    </dgm:scene3d>
+    <dgm:sp3d/>
+    <dgm:txPr/>
+    <dgm:style>
+      <a:lnRef idx="2">
+        <a:scrgbClr r="0" g="0" b="0"/>
+      </a:lnRef>
+      <a:fillRef idx="0">
+        <a:scrgbClr r="0" g="0" b="0"/>
+      </a:fillRef>
+      <a:effectRef idx="0">
+        <a:scrgbClr r="0" g="0" b="0"/>
+      </a:effectRef>
+      <a:fontRef idx="minor"/>
+    </dgm:style>
+  </dgm:styleLbl>
+  <dgm:styleLbl name="parChTrans1D2">
+    <dgm:scene3d>
+      <a:camera prst="orthographicFront"/>
+      <a:lightRig rig="threePt" dir="t"/>
+    </dgm:scene3d>
+    <dgm:sp3d/>
+    <dgm:txPr/>
+    <dgm:style>
+      <a:lnRef idx="2">
+        <a:scrgbClr r="0" g="0" b="0"/>
+      </a:lnRef>
+      <a:fillRef idx="0">
+        <a:scrgbClr r="0" g="0" b="0"/>
+      </a:fillRef>
+      <a:effectRef idx="0">
+        <a:scrgbClr r="0" g="0" b="0"/>
+      </a:effectRef>
+      <a:fontRef idx="minor"/>
+    </dgm:style>
+  </dgm:styleLbl>
+  <dgm:styleLbl name="parChTrans1D3">
+    <dgm:scene3d>
+      <a:camera prst="orthographicFront"/>
+      <a:lightRig rig="threePt" dir="t"/>
+    </dgm:scene3d>
+    <dgm:sp3d/>
+    <dgm:txPr/>
+    <dgm:style>
+      <a:lnRef idx="2">
+        <a:scrgbClr r="0" g="0" b="0"/>
+      </a:lnRef>
+      <a:fillRef idx="0">
+        <a:scrgbClr r="0" g="0" b="0"/>
+      </a:fillRef>
+      <a:effectRef idx="0">
+        <a:scrgbClr r="0" g="0" b="0"/>
+      </a:effectRef>
+      <a:fontRef idx="minor"/>
+    </dgm:style>
+  </dgm:styleLbl>
+  <dgm:styleLbl name="parChTrans1D4">
+    <dgm:scene3d>
+      <a:camera prst="orthographicFront"/>
+      <a:lightRig rig="threePt" dir="t"/>
+    </dgm:scene3d>
+    <dgm:sp3d/>
+    <dgm:txPr/>
+    <dgm:style>
+      <a:lnRef idx="2">
+        <a:scrgbClr r="0" g="0" b="0"/>
+      </a:lnRef>
+      <a:fillRef idx="0">
+        <a:scrgbClr r="0" g="0" b="0"/>
+      </a:fillRef>
+      <a:effectRef idx="0">
+        <a:scrgbClr r="0" g="0" b="0"/>
+      </a:effectRef>
+      <a:fontRef idx="minor"/>
+    </dgm:style>
+  </dgm:styleLbl>
+  <dgm:styleLbl name="fgAcc1">
+    <dgm:scene3d>
+      <a:camera prst="orthographicFront"/>
+      <a:lightRig rig="threePt" dir="t"/>
+    </dgm:scene3d>
+    <dgm:sp3d/>
+    <dgm:txPr/>
+    <dgm:style>
+      <a:lnRef idx="2">
+        <a:scrgbClr r="0" g="0" b="0"/>
+      </a:lnRef>
+      <a:fillRef idx="1">
+        <a:scrgbClr r="0" g="0" b="0"/>
+      </a:fillRef>
+      <a:effectRef idx="0">
+        <a:scrgbClr r="0" g="0" b="0"/>
+      </a:effectRef>
+      <a:fontRef idx="minor"/>
+    </dgm:style>
+  </dgm:styleLbl>
+  <dgm:styleLbl name="conFgAcc1">
+    <dgm:scene3d>
+      <a:camera prst="orthographicFront"/>
+      <a:lightRig rig="threePt" dir="t"/>
+    </dgm:scene3d>
+    <dgm:sp3d/>
+    <dgm:txPr/>
+    <dgm:style>
+      <a:lnRef idx="2">
+        <a:scrgbClr r="0" g="0" b="0"/>
+      </a:lnRef>
+      <a:fillRef idx="1">
+        <a:scrgbClr r="0" g="0" b="0"/>
+      </a:fillRef>
+      <a:effectRef idx="0">
+        <a:scrgbClr r="0" g="0" b="0"/>
+      </a:effectRef>
+      <a:fontRef idx="minor"/>
+    </dgm:style>
+  </dgm:styleLbl>
+  <dgm:styleLbl name="alignAcc1">
+    <dgm:scene3d>
+      <a:camera prst="orthographicFront"/>
+      <a:lightRig rig="threePt" dir="t"/>
+    </dgm:scene3d>
+    <dgm:sp3d/>
+    <dgm:txPr/>
+    <dgm:style>
+      <a:lnRef idx="2">
+        <a:scrgbClr r="0" g="0" b="0"/>
+      </a:lnRef>
+      <a:fillRef idx="1">
+        <a:scrgbClr r="0" g="0" b="0"/>
+      </a:fillRef>
+      <a:effectRef idx="0">
+        <a:scrgbClr r="0" g="0" b="0"/>
+      </a:effectRef>
+      <a:fontRef idx="minor"/>
+    </dgm:style>
+  </dgm:styleLbl>
+  <dgm:styleLbl name="trAlignAcc1">
+    <dgm:scene3d>
+      <a:camera prst="orthographicFront"/>
+      <a:lightRig rig="threePt" dir="t"/>
+    </dgm:scene3d>
+    <dgm:sp3d/>
+    <dgm:txPr/>
+    <dgm:style>
+      <a:lnRef idx="1">
+        <a:scrgbClr r="0" g="0" b="0"/>
+      </a:lnRef>
+      <a:fillRef idx="1">
+        <a:scrgbClr r="0" g="0" b="0"/>
+      </a:fillRef>
+      <a:effectRef idx="0">
+        <a:scrgbClr r="0" g="0" b="0"/>
+      </a:effectRef>
+      <a:fontRef idx="minor"/>
+    </dgm:style>
+  </dgm:styleLbl>
+  <dgm:styleLbl name="bgAcc1">
+    <dgm:scene3d>
+      <a:camera prst="orthographicFront"/>
+      <a:lightRig rig="threePt" dir="t"/>
+    </dgm:scene3d>
+    <dgm:sp3d/>
+    <dgm:txPr/>
+    <dgm:style>
+      <a:lnRef idx="2">
+        <a:scrgbClr r="0" g="0" b="0"/>
+      </a:lnRef>
+      <a:fillRef idx="1">
+        <a:scrgbClr r="0" g="0" b="0"/>
+      </a:fillRef>
+      <a:effectRef idx="0">
+        <a:scrgbClr r="0" g="0" b="0"/>
+      </a:effectRef>
+      <a:fontRef idx="minor"/>
+    </dgm:style>
+  </dgm:styleLbl>
+  <dgm:styleLbl name="solidFgAcc1">
+    <dgm:scene3d>
+      <a:camera prst="orthographicFront"/>
+      <a:lightRig rig="threePt" dir="t"/>
+    </dgm:scene3d>
+    <dgm:sp3d/>
+    <dgm:txPr/>
+    <dgm:style>
+      <a:lnRef idx="2">
+        <a:scrgbClr r="0" g="0" b="0"/>
+      </a:lnRef>
+      <a:fillRef idx="1">
+        <a:scrgbClr r="0" g="0" b="0"/>
+      </a:fillRef>
+      <a:effectRef idx="0">
+        <a:scrgbClr r="0" g="0" b="0"/>
+      </a:effectRef>
+      <a:fontRef idx="minor"/>
+    </dgm:style>
+  </dgm:styleLbl>
+  <dgm:styleLbl name="solidAlignAcc1">
+    <dgm:scene3d>
+      <a:camera prst="orthographicFront"/>
+      <a:lightRig rig="threePt" dir="t"/>
+    </dgm:scene3d>
+    <dgm:sp3d/>
+    <dgm:txPr/>
+    <dgm:style>
+      <a:lnRef idx="2">
+        <a:scrgbClr r="0" g="0" b="0"/>
+      </a:lnRef>
+      <a:fillRef idx="1">
+        <a:scrgbClr r="0" g="0" b="0"/>
+      </a:fillRef>
+      <a:effectRef idx="0">
+        <a:scrgbClr r="0" g="0" b="0"/>
+      </a:effectRef>
+      <a:fontRef idx="minor"/>
+    </dgm:style>
+  </dgm:styleLbl>
+  <dgm:styleLbl name="solidBgAcc1">
+    <dgm:scene3d>
+      <a:camera prst="orthographicFront"/>
+      <a:lightRig rig="threePt" dir="t"/>
+    </dgm:scene3d>
+    <dgm:sp3d/>
+    <dgm:txPr/>
+    <dgm:style>
+      <a:lnRef idx="2">
+        <a:scrgbClr r="0" g="0" b="0"/>
+      </a:lnRef>
+      <a:fillRef idx="1">
+        <a:scrgbClr r="0" g="0" b="0"/>
+      </a:fillRef>
+      <a:effectRef idx="0">
+        <a:scrgbClr r="0" g="0" b="0"/>
+      </a:effectRef>
+      <a:fontRef idx="minor"/>
+    </dgm:style>
+  </dgm:styleLbl>
+  <dgm:styleLbl name="fgAccFollowNode1">
+    <dgm:scene3d>
+      <a:camera prst="orthographicFront"/>
+      <a:lightRig rig="threePt" dir="t"/>
+    </dgm:scene3d>
+    <dgm:sp3d/>
+    <dgm:txPr/>
+    <dgm:style>
+      <a:lnRef idx="2">
+        <a:scrgbClr r="0" g="0" b="0"/>
+      </a:lnRef>
+      <a:fillRef idx="1">
+        <a:scrgbClr r="0" g="0" b="0"/>
+      </a:fillRef>
+      <a:effectRef idx="0">
+        <a:scrgbClr r="0" g="0" b="0"/>
+      </a:effectRef>
+      <a:fontRef idx="minor"/>
+    </dgm:style>
+  </dgm:styleLbl>
+  <dgm:styleLbl name="alignAccFollowNode1">
+    <dgm:scene3d>
+      <a:camera prst="orthographicFront"/>
+      <a:lightRig rig="threePt" dir="t"/>
+    </dgm:scene3d>
+    <dgm:sp3d/>
+    <dgm:txPr/>
+    <dgm:style>
+      <a:lnRef idx="2">
+        <a:scrgbClr r="0" g="0" b="0"/>
+      </a:lnRef>
+      <a:fillRef idx="1">
+        <a:scrgbClr r="0" g="0" b="0"/>
+      </a:fillRef>
+      <a:effectRef idx="0">
+        <a:scrgbClr r="0" g="0" b="0"/>
+      </a:effectRef>
+      <a:fontRef idx="minor"/>
+    </dgm:style>
+  </dgm:styleLbl>
+  <dgm:styleLbl name="bgAccFollowNode1">
+    <dgm:scene3d>
+      <a:camera prst="orthographicFront"/>
+      <a:lightRig rig="threePt" dir="t"/>
+    </dgm:scene3d>
+    <dgm:sp3d/>
+    <dgm:txPr/>
+    <dgm:style>
+      <a:lnRef idx="2">
+        <a:scrgbClr r="0" g="0" b="0"/>
+      </a:lnRef>
+      <a:fillRef idx="1">
+        <a:scrgbClr r="0" g="0" b="0"/>
+      </a:fillRef>
+      <a:effectRef idx="0">
+        <a:scrgbClr r="0" g="0" b="0"/>
+      </a:effectRef>
+      <a:fontRef idx="minor"/>
+    </dgm:style>
+  </dgm:styleLbl>
+  <dgm:styleLbl name="fgAcc0">
+    <dgm:scene3d>
+      <a:camera prst="orthographicFront"/>
+      <a:lightRig rig="threePt" dir="t"/>
+    </dgm:scene3d>
+    <dgm:sp3d/>
+    <dgm:txPr/>
+    <dgm:style>
+      <a:lnRef idx="2">
+        <a:scrgbClr r="0" g="0" b="0"/>
+      </a:lnRef>
+      <a:fillRef idx="1">
+        <a:scrgbClr r="0" g="0" b="0"/>
+      </a:fillRef>
+      <a:effectRef idx="0">
+        <a:scrgbClr r="0" g="0" b="0"/>
+      </a:effectRef>
+      <a:fontRef idx="minor"/>
+    </dgm:style>
+  </dgm:styleLbl>
+  <dgm:styleLbl name="fgAcc2">
+    <dgm:scene3d>
+      <a:camera prst="orthographicFront"/>
+      <a:lightRig rig="threePt" dir="t"/>
+    </dgm:scene3d>
+    <dgm:sp3d/>
+    <dgm:txPr/>
+    <dgm:style>
+      <a:lnRef idx="2">
+        <a:scrgbClr r="0" g="0" b="0"/>
+      </a:lnRef>
+      <a:fillRef idx="1">
+        <a:scrgbClr r="0" g="0" b="0"/>
+      </a:fillRef>
+      <a:effectRef idx="0">
+        <a:scrgbClr r="0" g="0" b="0"/>
+      </a:effectRef>
+      <a:fontRef idx="minor"/>
+    </dgm:style>
+  </dgm:styleLbl>
+  <dgm:styleLbl name="fgAcc3">
+    <dgm:scene3d>
+      <a:camera prst="orthographicFront"/>
+      <a:lightRig rig="threePt" dir="t"/>
+    </dgm:scene3d>
+    <dgm:sp3d/>
+    <dgm:txPr/>
+    <dgm:style>
+      <a:lnRef idx="2">
+        <a:scrgbClr r="0" g="0" b="0"/>
+      </a:lnRef>
+      <a:fillRef idx="1">
+        <a:scrgbClr r="0" g="0" b="0"/>
+      </a:fillRef>
+      <a:effectRef idx="0">
+        <a:scrgbClr r="0" g="0" b="0"/>
+      </a:effectRef>
+      <a:fontRef idx="minor"/>
+    </dgm:style>
+  </dgm:styleLbl>
+  <dgm:styleLbl name="fgAcc4">
+    <dgm:scene3d>
+      <a:camera prst="orthographicFront"/>
+      <a:lightRig rig="threePt" dir="t"/>
+    </dgm:scene3d>
+    <dgm:sp3d/>
+    <dgm:txPr/>
+    <dgm:style>
+      <a:lnRef idx="2">
+        <a:scrgbClr r="0" g="0" b="0"/>
+      </a:lnRef>
+      <a:fillRef idx="1">
+        <a:scrgbClr r="0" g="0" b="0"/>
+      </a:fillRef>
+      <a:effectRef idx="0">
+        <a:scrgbClr r="0" g="0" b="0"/>
+      </a:effectRef>
+      <a:fontRef idx="minor"/>
+    </dgm:style>
+  </dgm:styleLbl>
+  <dgm:styleLbl name="bgShp">
+    <dgm:scene3d>
+      <a:camera prst="orthographicFront"/>
+      <a:lightRig rig="threePt" dir="t"/>
+    </dgm:scene3d>
+    <dgm:sp3d/>
+    <dgm:txPr/>
+    <dgm:style>
+      <a:lnRef idx="0">
+        <a:scrgbClr r="0" g="0" b="0"/>
+      </a:lnRef>
+      <a:fillRef idx="1">
+        <a:scrgbClr r="0" g="0" b="0"/>
+      </a:fillRef>
+      <a:effectRef idx="0">
+        <a:scrgbClr r="0" g="0" b="0"/>
+      </a:effectRef>
+      <a:fontRef idx="minor"/>
+    </dgm:style>
+  </dgm:styleLbl>
+  <dgm:styleLbl name="dkBgShp">
+    <dgm:scene3d>
+      <a:camera prst="orthographicFront"/>
+      <a:lightRig rig="threePt" dir="t"/>
+    </dgm:scene3d>
+    <dgm:sp3d/>
+    <dgm:txPr/>
+    <dgm:style>
+      <a:lnRef idx="0">
+        <a:scrgbClr r="0" g="0" b="0"/>
+      </a:lnRef>
+      <a:fillRef idx="1">
+        <a:scrgbClr r="0" g="0" b="0"/>
+      </a:fillRef>
+      <a:effectRef idx="0">
+        <a:scrgbClr r="0" g="0" b="0"/>
+      </a:effectRef>
+      <a:fontRef idx="minor"/>
+    </dgm:style>
+  </dgm:styleLbl>
+  <dgm:styleLbl name="trBgShp">
+    <dgm:scene3d>
+      <a:camera prst="orthographicFront"/>
+      <a:lightRig rig="threePt" dir="t"/>
+    </dgm:scene3d>
+    <dgm:sp3d/>
+    <dgm:txPr/>
+    <dgm:style>
+      <a:lnRef idx="0">
+        <a:scrgbClr r="0" g="0" b="0"/>
+      </a:lnRef>
+      <a:fillRef idx="1">
+        <a:scrgbClr r="0" g="0" b="0"/>
+      </a:fillRef>
+      <a:effectRef idx="0">
+        <a:scrgbClr r="0" g="0" b="0"/>
+      </a:effectRef>
+      <a:fontRef idx="minor"/>
+    </dgm:style>
+  </dgm:styleLbl>
+  <dgm:styleLbl name="fgShp">
+    <dgm:scene3d>
+      <a:camera prst="orthographicFront"/>
+      <a:lightRig rig="threePt" dir="t"/>
+    </dgm:scene3d>
+    <dgm:sp3d/>
+    <dgm:txPr/>
+    <dgm:style>
+      <a:lnRef idx="2">
+        <a:scrgbClr r="0" g="0" b="0"/>
+      </a:lnRef>
+      <a:fillRef idx="1">
+        <a:scrgbClr r="0" g="0" b="0"/>
+      </a:fillRef>
+      <a:effectRef idx="0">
+        <a:scrgbClr r="0" g="0" b="0"/>
+      </a:effectRef>
+      <a:fontRef idx="minor"/>
+    </dgm:style>
+  </dgm:styleLbl>
+  <dgm:styleLbl name="revTx">
+    <dgm:scene3d>
+      <a:camera prst="orthographicFront"/>
+      <a:lightRig rig="threePt" dir="t"/>
+    </dgm:scene3d>
+    <dgm:sp3d/>
+    <dgm:txPr/>
+    <dgm:style>
+      <a:lnRef idx="0">
+        <a:scrgbClr r="0" g="0" b="0"/>
+      </a:lnRef>
+      <a:fillRef idx="0">
+        <a:scrgbClr r="0" g="0" b="0"/>
+      </a:fillRef>
+      <a:effectRef idx="0">
+        <a:scrgbClr r="0" g="0" b="0"/>
+      </a:effectRef>
+      <a:fontRef idx="minor"/>
+    </dgm:style>
+  </dgm:styleLbl>
+</dgm:styleDef>
+</file>
+
 <file path=ppt/slideLayouts/slideLayout1.xml><?xml version="1.0" encoding="utf-8"?>
-<p:sldLayout xmlns:a="http://schemas.openxmlformats.org/drawingml/2006/main" xmlns:r="http://schemas.openxmlformats.org/officeDocument/2006/relationships" xmlns:p="http://schemas.openxmlformats.org/presentationml/2006/main" type="title" preserve="1">
+<p:sldLayout xmlns:a="http://schemas.openxmlformats.org/drawingml/2006/main" xmlns:r="http://schemas.openxmlformats.org/officeDocument/2006/relationships" xmlns:p="http://schemas.openxmlformats.org/presentationml/2006/main" showMasterSp="0" type="title" preserve="1">
   <p:cSld name="Title Slide">
+    <p:bg>
+      <p:bgPr>
+        <a:solidFill>
+          <a:schemeClr val="bg2">
+            <a:lumMod val="75000"/>
+          </a:schemeClr>
+        </a:solidFill>
+        <a:effectLst/>
+      </p:bgPr>
+    </p:bg>
     <p:spTree>
       <p:nvGrpSpPr>
         <p:cNvPr id="1" name=""/>
@@ -133,13 +4001,7 @@
       </p:grpSpPr>
       <p:sp>
         <p:nvSpPr>
-          <p:cNvPr id="2" name="Title 1">
-            <a:extLst>
-              <a:ext uri="{FF2B5EF4-FFF2-40B4-BE49-F238E27FC236}">
-                <a16:creationId xmlns:a16="http://schemas.microsoft.com/office/drawing/2014/main" id="{BD22002C-6754-D536-2111-AE9F2368AC80}"/>
-              </a:ext>
-            </a:extLst>
-          </p:cNvPr>
+          <p:cNvPr id="2" name="Title 1"/>
           <p:cNvSpPr>
             <a:spLocks noGrp="1"/>
           </p:cNvSpPr>
@@ -149,15 +4011,24 @@
         </p:nvSpPr>
         <p:spPr>
           <a:xfrm>
-            <a:off x="1524000" y="1122363"/>
-            <a:ext cx="9144000" cy="2387600"/>
+            <a:off x="1261872" y="758952"/>
+            <a:ext cx="9418320" cy="4041648"/>
           </a:xfrm>
         </p:spPr>
         <p:txBody>
-          <a:bodyPr anchor="b"/>
+          <a:bodyPr anchor="b">
+            <a:normAutofit/>
+          </a:bodyPr>
           <a:lstStyle>
-            <a:lvl1pPr algn="ctr">
-              <a:defRPr sz="6000"/>
+            <a:lvl1pPr algn="l">
+              <a:lnSpc>
+                <a:spcPct val="85000"/>
+              </a:lnSpc>
+              <a:defRPr sz="7200" baseline="0">
+                <a:solidFill>
+                  <a:schemeClr val="tx1"/>
+                </a:solidFill>
+              </a:defRPr>
             </a:lvl1pPr>
           </a:lstStyle>
           <a:p>
@@ -165,18 +4036,13 @@
               <a:rPr lang="en-US"/>
               <a:t>Click to edit Master title style</a:t>
             </a:r>
+            <a:endParaRPr lang="en-US" dirty="0"/>
           </a:p>
         </p:txBody>
       </p:sp>
       <p:sp>
         <p:nvSpPr>
-          <p:cNvPr id="3" name="Subtitle 2">
-            <a:extLst>
-              <a:ext uri="{FF2B5EF4-FFF2-40B4-BE49-F238E27FC236}">
-                <a16:creationId xmlns:a16="http://schemas.microsoft.com/office/drawing/2014/main" id="{6FE1C5E4-6CE8-7C3E-7329-04803578C6CA}"/>
-              </a:ext>
-            </a:extLst>
-          </p:cNvPr>
+          <p:cNvPr id="3" name="Subtitle 2"/>
           <p:cNvSpPr>
             <a:spLocks noGrp="1"/>
           </p:cNvSpPr>
@@ -186,48 +4052,56 @@
         </p:nvSpPr>
         <p:spPr>
           <a:xfrm>
-            <a:off x="1524000" y="3602038"/>
-            <a:ext cx="9144000" cy="1655762"/>
+            <a:off x="1261872" y="4800600"/>
+            <a:ext cx="9418320" cy="1691640"/>
           </a:xfrm>
         </p:spPr>
         <p:txBody>
-          <a:bodyPr/>
+          <a:bodyPr>
+            <a:normAutofit/>
+          </a:bodyPr>
           <a:lstStyle>
-            <a:lvl1pPr marL="0" indent="0" algn="ctr">
+            <a:lvl1pPr marL="0" indent="0" algn="l">
               <a:buNone/>
-              <a:defRPr sz="2400"/>
+              <a:defRPr sz="2200" baseline="0">
+                <a:solidFill>
+                  <a:schemeClr val="tx1">
+                    <a:lumMod val="75000"/>
+                  </a:schemeClr>
+                </a:solidFill>
+              </a:defRPr>
             </a:lvl1pPr>
             <a:lvl2pPr marL="457200" indent="0" algn="ctr">
               <a:buNone/>
-              <a:defRPr sz="2000"/>
+              <a:defRPr sz="2200"/>
             </a:lvl2pPr>
             <a:lvl3pPr marL="914400" indent="0" algn="ctr">
               <a:buNone/>
-              <a:defRPr sz="1800"/>
+              <a:defRPr sz="2200"/>
             </a:lvl3pPr>
             <a:lvl4pPr marL="1371600" indent="0" algn="ctr">
               <a:buNone/>
-              <a:defRPr sz="1600"/>
+              <a:defRPr sz="2000"/>
             </a:lvl4pPr>
             <a:lvl5pPr marL="1828800" indent="0" algn="ctr">
               <a:buNone/>
-              <a:defRPr sz="1600"/>
+              <a:defRPr sz="2000"/>
             </a:lvl5pPr>
             <a:lvl6pPr marL="2286000" indent="0" algn="ctr">
               <a:buNone/>
-              <a:defRPr sz="1600"/>
+              <a:defRPr sz="2000"/>
             </a:lvl6pPr>
             <a:lvl7pPr marL="2743200" indent="0" algn="ctr">
               <a:buNone/>
-              <a:defRPr sz="1600"/>
+              <a:defRPr sz="2000"/>
             </a:lvl7pPr>
             <a:lvl8pPr marL="3200400" indent="0" algn="ctr">
               <a:buNone/>
-              <a:defRPr sz="1600"/>
+              <a:defRPr sz="2000"/>
             </a:lvl8pPr>
             <a:lvl9pPr marL="3657600" indent="0" algn="ctr">
               <a:buNone/>
-              <a:defRPr sz="1600"/>
+              <a:defRPr sz="2000"/>
             </a:lvl9pPr>
           </a:lstStyle>
           <a:p>
@@ -235,18 +4109,13 @@
               <a:rPr lang="en-US"/>
               <a:t>Click to edit Master subtitle style</a:t>
             </a:r>
+            <a:endParaRPr lang="en-US" dirty="0"/>
           </a:p>
         </p:txBody>
       </p:sp>
       <p:sp>
         <p:nvSpPr>
-          <p:cNvPr id="4" name="Date Placeholder 3">
-            <a:extLst>
-              <a:ext uri="{FF2B5EF4-FFF2-40B4-BE49-F238E27FC236}">
-                <a16:creationId xmlns:a16="http://schemas.microsoft.com/office/drawing/2014/main" id="{266C3DF6-BD37-413B-D369-B41DB48F9BC4}"/>
-              </a:ext>
-            </a:extLst>
-          </p:cNvPr>
+          <p:cNvPr id="4" name="Date Placeholder 3"/>
           <p:cNvSpPr>
             <a:spLocks noGrp="1"/>
           </p:cNvSpPr>
@@ -257,11 +4126,21 @@
         <p:spPr/>
         <p:txBody>
           <a:bodyPr/>
-          <a:lstStyle/>
+          <a:lstStyle>
+            <a:lvl1pPr>
+              <a:defRPr>
+                <a:solidFill>
+                  <a:schemeClr val="tx1">
+                    <a:lumMod val="50000"/>
+                  </a:schemeClr>
+                </a:solidFill>
+              </a:defRPr>
+            </a:lvl1pPr>
+          </a:lstStyle>
           <a:p>
             <a:fld id="{663FCB29-2676-426F-A85E-B379AF0D74C8}" type="datetimeFigureOut">
               <a:rPr lang="en-US" smtClean="0"/>
-              <a:t>11/17/2024</a:t>
+              <a:t>11/24/2024</a:t>
             </a:fld>
             <a:endParaRPr lang="en-US"/>
           </a:p>
@@ -269,13 +4148,7 @@
       </p:sp>
       <p:sp>
         <p:nvSpPr>
-          <p:cNvPr id="5" name="Footer Placeholder 4">
-            <a:extLst>
-              <a:ext uri="{FF2B5EF4-FFF2-40B4-BE49-F238E27FC236}">
-                <a16:creationId xmlns:a16="http://schemas.microsoft.com/office/drawing/2014/main" id="{86AF7133-43FB-6FA1-CBA3-F876B008DF68}"/>
-              </a:ext>
-            </a:extLst>
-          </p:cNvPr>
+          <p:cNvPr id="5" name="Footer Placeholder 4"/>
           <p:cNvSpPr>
             <a:spLocks noGrp="1"/>
           </p:cNvSpPr>
@@ -286,7 +4159,17 @@
         <p:spPr/>
         <p:txBody>
           <a:bodyPr/>
-          <a:lstStyle/>
+          <a:lstStyle>
+            <a:lvl1pPr>
+              <a:defRPr>
+                <a:solidFill>
+                  <a:schemeClr val="tx1">
+                    <a:lumMod val="65000"/>
+                  </a:schemeClr>
+                </a:solidFill>
+              </a:defRPr>
+            </a:lvl1pPr>
+          </a:lstStyle>
           <a:p>
             <a:endParaRPr lang="en-US"/>
           </a:p>
@@ -294,13 +4177,7 @@
       </p:sp>
       <p:sp>
         <p:nvSpPr>
-          <p:cNvPr id="6" name="Slide Number Placeholder 5">
-            <a:extLst>
-              <a:ext uri="{FF2B5EF4-FFF2-40B4-BE49-F238E27FC236}">
-                <a16:creationId xmlns:a16="http://schemas.microsoft.com/office/drawing/2014/main" id="{EB191D28-6E2C-B3D5-1B33-533A8A5AC688}"/>
-              </a:ext>
-            </a:extLst>
-          </p:cNvPr>
+          <p:cNvPr id="6" name="Slide Number Placeholder 5"/>
           <p:cNvSpPr>
             <a:spLocks noGrp="1"/>
           </p:cNvSpPr>
@@ -311,7 +4188,17 @@
         <p:spPr/>
         <p:txBody>
           <a:bodyPr/>
-          <a:lstStyle/>
+          <a:lstStyle>
+            <a:lvl1pPr>
+              <a:defRPr>
+                <a:solidFill>
+                  <a:schemeClr val="tx1">
+                    <a:lumMod val="65000"/>
+                  </a:schemeClr>
+                </a:solidFill>
+              </a:defRPr>
+            </a:lvl1pPr>
+          </a:lstStyle>
           <a:p>
             <a:fld id="{A4E84B07-303D-4DC2-B322-589C04FA8E39}" type="slidenum">
               <a:rPr lang="en-US" smtClean="0"/>
@@ -321,15 +4208,53 @@
           </a:p>
         </p:txBody>
       </p:sp>
+      <p:sp>
+        <p:nvSpPr>
+          <p:cNvPr id="7" name="Rectangle 6"/>
+          <p:cNvSpPr/>
+          <p:nvPr/>
+        </p:nvSpPr>
+        <p:spPr>
+          <a:xfrm>
+            <a:off x="0" y="0"/>
+            <a:ext cx="457200" cy="6858000"/>
+          </a:xfrm>
+          <a:prstGeom prst="rect">
+            <a:avLst/>
+          </a:prstGeom>
+          <a:solidFill>
+            <a:schemeClr val="accent1"/>
+          </a:solidFill>
+          <a:ln>
+            <a:noFill/>
+          </a:ln>
+        </p:spPr>
+        <p:style>
+          <a:lnRef idx="2">
+            <a:schemeClr val="accent1">
+              <a:shade val="50000"/>
+            </a:schemeClr>
+          </a:lnRef>
+          <a:fillRef idx="1">
+            <a:schemeClr val="accent1"/>
+          </a:fillRef>
+          <a:effectRef idx="0">
+            <a:schemeClr val="accent1"/>
+          </a:effectRef>
+          <a:fontRef idx="minor">
+            <a:schemeClr val="lt1"/>
+          </a:fontRef>
+        </p:style>
+      </p:sp>
     </p:spTree>
     <p:extLst>
       <p:ext uri="{BB962C8B-B14F-4D97-AF65-F5344CB8AC3E}">
-        <p14:creationId xmlns:p14="http://schemas.microsoft.com/office/powerpoint/2010/main" val="3616186845"/>
+        <p14:creationId xmlns:p14="http://schemas.microsoft.com/office/powerpoint/2010/main" val="1073085544"/>
       </p:ext>
     </p:extLst>
   </p:cSld>
   <p:clrMapOvr>
-    <a:masterClrMapping/>
+    <a:overrideClrMapping bg1="dk1" tx1="lt1" bg2="dk2" tx2="lt2" accent1="accent1" accent2="accent2" accent3="accent3" accent4="accent4" accent5="accent5" accent6="accent6" hlink="hlink" folHlink="folHlink"/>
   </p:clrMapOvr>
 </p:sldLayout>
 </file>
@@ -353,13 +4278,7 @@
       </p:grpSpPr>
       <p:sp>
         <p:nvSpPr>
-          <p:cNvPr id="2" name="Title 1">
-            <a:extLst>
-              <a:ext uri="{FF2B5EF4-FFF2-40B4-BE49-F238E27FC236}">
-                <a16:creationId xmlns:a16="http://schemas.microsoft.com/office/drawing/2014/main" id="{9C086579-9A98-3412-4627-BEE31805E53F}"/>
-              </a:ext>
-            </a:extLst>
-          </p:cNvPr>
+          <p:cNvPr id="2" name="Title 1"/>
           <p:cNvSpPr>
             <a:spLocks noGrp="1"/>
           </p:cNvSpPr>
@@ -376,18 +4295,13 @@
               <a:rPr lang="en-US"/>
               <a:t>Click to edit Master title style</a:t>
             </a:r>
+            <a:endParaRPr lang="en-US" dirty="0"/>
           </a:p>
         </p:txBody>
       </p:sp>
       <p:sp>
         <p:nvSpPr>
-          <p:cNvPr id="3" name="Vertical Text Placeholder 2">
-            <a:extLst>
-              <a:ext uri="{FF2B5EF4-FFF2-40B4-BE49-F238E27FC236}">
-                <a16:creationId xmlns:a16="http://schemas.microsoft.com/office/drawing/2014/main" id="{7FE102F5-B190-6F83-FE39-AA573DA6FCDC}"/>
-              </a:ext>
-            </a:extLst>
-          </p:cNvPr>
+          <p:cNvPr id="3" name="Vertical Text Placeholder 2"/>
           <p:cNvSpPr>
             <a:spLocks noGrp="1"/>
           </p:cNvSpPr>
@@ -433,18 +4347,13 @@
               <a:rPr lang="en-US"/>
               <a:t>Fifth level</a:t>
             </a:r>
+            <a:endParaRPr lang="en-US" dirty="0"/>
           </a:p>
         </p:txBody>
       </p:sp>
       <p:sp>
         <p:nvSpPr>
-          <p:cNvPr id="4" name="Date Placeholder 3">
-            <a:extLst>
-              <a:ext uri="{FF2B5EF4-FFF2-40B4-BE49-F238E27FC236}">
-                <a16:creationId xmlns:a16="http://schemas.microsoft.com/office/drawing/2014/main" id="{672C4ACD-E097-6732-4A36-0B31627B66EC}"/>
-              </a:ext>
-            </a:extLst>
-          </p:cNvPr>
+          <p:cNvPr id="4" name="Date Placeholder 3"/>
           <p:cNvSpPr>
             <a:spLocks noGrp="1"/>
           </p:cNvSpPr>
@@ -459,7 +4368,7 @@
           <a:p>
             <a:fld id="{663FCB29-2676-426F-A85E-B379AF0D74C8}" type="datetimeFigureOut">
               <a:rPr lang="en-US" smtClean="0"/>
-              <a:t>11/17/2024</a:t>
+              <a:t>11/24/2024</a:t>
             </a:fld>
             <a:endParaRPr lang="en-US"/>
           </a:p>
@@ -467,13 +4376,7 @@
       </p:sp>
       <p:sp>
         <p:nvSpPr>
-          <p:cNvPr id="5" name="Footer Placeholder 4">
-            <a:extLst>
-              <a:ext uri="{FF2B5EF4-FFF2-40B4-BE49-F238E27FC236}">
-                <a16:creationId xmlns:a16="http://schemas.microsoft.com/office/drawing/2014/main" id="{53A533E0-0409-261E-E4C6-7B64D0B4F27F}"/>
-              </a:ext>
-            </a:extLst>
-          </p:cNvPr>
+          <p:cNvPr id="5" name="Footer Placeholder 4"/>
           <p:cNvSpPr>
             <a:spLocks noGrp="1"/>
           </p:cNvSpPr>
@@ -492,13 +4395,7 @@
       </p:sp>
       <p:sp>
         <p:nvSpPr>
-          <p:cNvPr id="6" name="Slide Number Placeholder 5">
-            <a:extLst>
-              <a:ext uri="{FF2B5EF4-FFF2-40B4-BE49-F238E27FC236}">
-                <a16:creationId xmlns:a16="http://schemas.microsoft.com/office/drawing/2014/main" id="{37044683-C878-E024-7C8F-692D6B8AFC33}"/>
-              </a:ext>
-            </a:extLst>
-          </p:cNvPr>
+          <p:cNvPr id="6" name="Slide Number Placeholder 5"/>
           <p:cNvSpPr>
             <a:spLocks noGrp="1"/>
           </p:cNvSpPr>
@@ -522,7 +4419,7 @@
     </p:spTree>
     <p:extLst>
       <p:ext uri="{BB962C8B-B14F-4D97-AF65-F5344CB8AC3E}">
-        <p14:creationId xmlns:p14="http://schemas.microsoft.com/office/powerpoint/2010/main" val="636680849"/>
+        <p14:creationId xmlns:p14="http://schemas.microsoft.com/office/powerpoint/2010/main" val="3116410986"/>
       </p:ext>
     </p:extLst>
   </p:cSld>
@@ -551,13 +4448,7 @@
       </p:grpSpPr>
       <p:sp>
         <p:nvSpPr>
-          <p:cNvPr id="2" name="Vertical Title 1">
-            <a:extLst>
-              <a:ext uri="{FF2B5EF4-FFF2-40B4-BE49-F238E27FC236}">
-                <a16:creationId xmlns:a16="http://schemas.microsoft.com/office/drawing/2014/main" id="{B66D9617-E7DC-A6D7-F873-51FAA3711944}"/>
-              </a:ext>
-            </a:extLst>
-          </p:cNvPr>
+          <p:cNvPr id="2" name="Vertical Title 1"/>
           <p:cNvSpPr>
             <a:spLocks noGrp="1"/>
           </p:cNvSpPr>
@@ -567,8 +4458,8 @@
         </p:nvSpPr>
         <p:spPr>
           <a:xfrm>
-            <a:off x="8724900" y="365125"/>
-            <a:ext cx="2628900" cy="5811838"/>
+            <a:off x="8648700" y="381000"/>
+            <a:ext cx="2476500" cy="5897562"/>
           </a:xfrm>
         </p:spPr>
         <p:txBody>
@@ -579,18 +4470,13 @@
               <a:rPr lang="en-US"/>
               <a:t>Click to edit Master title style</a:t>
             </a:r>
+            <a:endParaRPr lang="en-US" dirty="0"/>
           </a:p>
         </p:txBody>
       </p:sp>
       <p:sp>
         <p:nvSpPr>
-          <p:cNvPr id="3" name="Vertical Text Placeholder 2">
-            <a:extLst>
-              <a:ext uri="{FF2B5EF4-FFF2-40B4-BE49-F238E27FC236}">
-                <a16:creationId xmlns:a16="http://schemas.microsoft.com/office/drawing/2014/main" id="{2E864289-920F-6958-64D0-49D3D7E0D866}"/>
-              </a:ext>
-            </a:extLst>
-          </p:cNvPr>
+          <p:cNvPr id="3" name="Vertical Text Placeholder 2"/>
           <p:cNvSpPr>
             <a:spLocks noGrp="1"/>
           </p:cNvSpPr>
@@ -600,8 +4486,8 @@
         </p:nvSpPr>
         <p:spPr>
           <a:xfrm>
-            <a:off x="838200" y="365125"/>
-            <a:ext cx="7734300" cy="5811838"/>
+            <a:off x="762000" y="381000"/>
+            <a:ext cx="7734300" cy="5897562"/>
           </a:xfrm>
         </p:spPr>
         <p:txBody>
@@ -641,18 +4527,13 @@
               <a:rPr lang="en-US"/>
               <a:t>Fifth level</a:t>
             </a:r>
+            <a:endParaRPr lang="en-US" dirty="0"/>
           </a:p>
         </p:txBody>
       </p:sp>
       <p:sp>
         <p:nvSpPr>
-          <p:cNvPr id="4" name="Date Placeholder 3">
-            <a:extLst>
-              <a:ext uri="{FF2B5EF4-FFF2-40B4-BE49-F238E27FC236}">
-                <a16:creationId xmlns:a16="http://schemas.microsoft.com/office/drawing/2014/main" id="{8470CAEF-EEF9-33F3-3FBD-1451F101CD50}"/>
-              </a:ext>
-            </a:extLst>
-          </p:cNvPr>
+          <p:cNvPr id="4" name="Date Placeholder 3"/>
           <p:cNvSpPr>
             <a:spLocks noGrp="1"/>
           </p:cNvSpPr>
@@ -667,7 +4548,7 @@
           <a:p>
             <a:fld id="{663FCB29-2676-426F-A85E-B379AF0D74C8}" type="datetimeFigureOut">
               <a:rPr lang="en-US" smtClean="0"/>
-              <a:t>11/17/2024</a:t>
+              <a:t>11/24/2024</a:t>
             </a:fld>
             <a:endParaRPr lang="en-US"/>
           </a:p>
@@ -675,13 +4556,7 @@
       </p:sp>
       <p:sp>
         <p:nvSpPr>
-          <p:cNvPr id="5" name="Footer Placeholder 4">
-            <a:extLst>
-              <a:ext uri="{FF2B5EF4-FFF2-40B4-BE49-F238E27FC236}">
-                <a16:creationId xmlns:a16="http://schemas.microsoft.com/office/drawing/2014/main" id="{B38E1D60-9045-7522-F0BE-9337E4625979}"/>
-              </a:ext>
-            </a:extLst>
-          </p:cNvPr>
+          <p:cNvPr id="5" name="Footer Placeholder 4"/>
           <p:cNvSpPr>
             <a:spLocks noGrp="1"/>
           </p:cNvSpPr>
@@ -700,13 +4575,7 @@
       </p:sp>
       <p:sp>
         <p:nvSpPr>
-          <p:cNvPr id="6" name="Slide Number Placeholder 5">
-            <a:extLst>
-              <a:ext uri="{FF2B5EF4-FFF2-40B4-BE49-F238E27FC236}">
-                <a16:creationId xmlns:a16="http://schemas.microsoft.com/office/drawing/2014/main" id="{68AD2062-1978-46FF-B108-DDF05F6A0B84}"/>
-              </a:ext>
-            </a:extLst>
-          </p:cNvPr>
+          <p:cNvPr id="6" name="Slide Number Placeholder 5"/>
           <p:cNvSpPr>
             <a:spLocks noGrp="1"/>
           </p:cNvSpPr>
@@ -730,7 +4599,7 @@
     </p:spTree>
     <p:extLst>
       <p:ext uri="{BB962C8B-B14F-4D97-AF65-F5344CB8AC3E}">
-        <p14:creationId xmlns:p14="http://schemas.microsoft.com/office/powerpoint/2010/main" val="2968391150"/>
+        <p14:creationId xmlns:p14="http://schemas.microsoft.com/office/powerpoint/2010/main" val="1344296304"/>
       </p:ext>
     </p:extLst>
   </p:cSld>
@@ -759,13 +4628,7 @@
       </p:grpSpPr>
       <p:sp>
         <p:nvSpPr>
-          <p:cNvPr id="2" name="Title 1">
-            <a:extLst>
-              <a:ext uri="{FF2B5EF4-FFF2-40B4-BE49-F238E27FC236}">
-                <a16:creationId xmlns:a16="http://schemas.microsoft.com/office/drawing/2014/main" id="{D0AC546E-227C-AF3B-295A-651B187C436A}"/>
-              </a:ext>
-            </a:extLst>
-          </p:cNvPr>
+          <p:cNvPr id="2" name="Title 1"/>
           <p:cNvSpPr>
             <a:spLocks noGrp="1"/>
           </p:cNvSpPr>
@@ -782,18 +4645,13 @@
               <a:rPr lang="en-US"/>
               <a:t>Click to edit Master title style</a:t>
             </a:r>
+            <a:endParaRPr lang="en-US" dirty="0"/>
           </a:p>
         </p:txBody>
       </p:sp>
       <p:sp>
         <p:nvSpPr>
-          <p:cNvPr id="3" name="Content Placeholder 2">
-            <a:extLst>
-              <a:ext uri="{FF2B5EF4-FFF2-40B4-BE49-F238E27FC236}">
-                <a16:creationId xmlns:a16="http://schemas.microsoft.com/office/drawing/2014/main" id="{6C637814-ECB5-9EFD-5D03-694CF2AB1163}"/>
-              </a:ext>
-            </a:extLst>
-          </p:cNvPr>
+          <p:cNvPr id="3" name="Content Placeholder 2"/>
           <p:cNvSpPr>
             <a:spLocks noGrp="1"/>
           </p:cNvSpPr>
@@ -839,18 +4697,13 @@
               <a:rPr lang="en-US"/>
               <a:t>Fifth level</a:t>
             </a:r>
+            <a:endParaRPr lang="en-US" dirty="0"/>
           </a:p>
         </p:txBody>
       </p:sp>
       <p:sp>
         <p:nvSpPr>
-          <p:cNvPr id="4" name="Date Placeholder 3">
-            <a:extLst>
-              <a:ext uri="{FF2B5EF4-FFF2-40B4-BE49-F238E27FC236}">
-                <a16:creationId xmlns:a16="http://schemas.microsoft.com/office/drawing/2014/main" id="{211EAB73-D720-7227-42FF-F341BD9F2248}"/>
-              </a:ext>
-            </a:extLst>
-          </p:cNvPr>
+          <p:cNvPr id="4" name="Date Placeholder 3"/>
           <p:cNvSpPr>
             <a:spLocks noGrp="1"/>
           </p:cNvSpPr>
@@ -865,7 +4718,7 @@
           <a:p>
             <a:fld id="{663FCB29-2676-426F-A85E-B379AF0D74C8}" type="datetimeFigureOut">
               <a:rPr lang="en-US" smtClean="0"/>
-              <a:t>11/17/2024</a:t>
+              <a:t>11/24/2024</a:t>
             </a:fld>
             <a:endParaRPr lang="en-US"/>
           </a:p>
@@ -873,13 +4726,7 @@
       </p:sp>
       <p:sp>
         <p:nvSpPr>
-          <p:cNvPr id="5" name="Footer Placeholder 4">
-            <a:extLst>
-              <a:ext uri="{FF2B5EF4-FFF2-40B4-BE49-F238E27FC236}">
-                <a16:creationId xmlns:a16="http://schemas.microsoft.com/office/drawing/2014/main" id="{FD1A24DB-36D3-EC3C-94DE-A8C3B7D0B5C7}"/>
-              </a:ext>
-            </a:extLst>
-          </p:cNvPr>
+          <p:cNvPr id="5" name="Footer Placeholder 4"/>
           <p:cNvSpPr>
             <a:spLocks noGrp="1"/>
           </p:cNvSpPr>
@@ -898,13 +4745,7 @@
       </p:sp>
       <p:sp>
         <p:nvSpPr>
-          <p:cNvPr id="6" name="Slide Number Placeholder 5">
-            <a:extLst>
-              <a:ext uri="{FF2B5EF4-FFF2-40B4-BE49-F238E27FC236}">
-                <a16:creationId xmlns:a16="http://schemas.microsoft.com/office/drawing/2014/main" id="{8391E879-D151-E147-01AA-0E2B9B026345}"/>
-              </a:ext>
-            </a:extLst>
-          </p:cNvPr>
+          <p:cNvPr id="6" name="Slide Number Placeholder 5"/>
           <p:cNvSpPr>
             <a:spLocks noGrp="1"/>
           </p:cNvSpPr>
@@ -928,7 +4769,7 @@
     </p:spTree>
     <p:extLst>
       <p:ext uri="{BB962C8B-B14F-4D97-AF65-F5344CB8AC3E}">
-        <p14:creationId xmlns:p14="http://schemas.microsoft.com/office/powerpoint/2010/main" val="3709515386"/>
+        <p14:creationId xmlns:p14="http://schemas.microsoft.com/office/powerpoint/2010/main" val="3493177861"/>
       </p:ext>
     </p:extLst>
   </p:cSld>
@@ -957,13 +4798,7 @@
       </p:grpSpPr>
       <p:sp>
         <p:nvSpPr>
-          <p:cNvPr id="2" name="Title 1">
-            <a:extLst>
-              <a:ext uri="{FF2B5EF4-FFF2-40B4-BE49-F238E27FC236}">
-                <a16:creationId xmlns:a16="http://schemas.microsoft.com/office/drawing/2014/main" id="{55A9E6D5-3BD1-2171-23CE-57FE855642B6}"/>
-              </a:ext>
-            </a:extLst>
-          </p:cNvPr>
+          <p:cNvPr id="2" name="Title 1"/>
           <p:cNvSpPr>
             <a:spLocks noGrp="1"/>
           </p:cNvSpPr>
@@ -973,15 +4808,20 @@
         </p:nvSpPr>
         <p:spPr>
           <a:xfrm>
-            <a:off x="831850" y="1709738"/>
-            <a:ext cx="10515600" cy="2852737"/>
+            <a:off x="1261872" y="758952"/>
+            <a:ext cx="9418320" cy="4041648"/>
           </a:xfrm>
         </p:spPr>
         <p:txBody>
-          <a:bodyPr anchor="b"/>
+          <a:bodyPr anchor="b">
+            <a:normAutofit/>
+          </a:bodyPr>
           <a:lstStyle>
             <a:lvl1pPr>
-              <a:defRPr sz="6000"/>
+              <a:lnSpc>
+                <a:spcPct val="85000"/>
+              </a:lnSpc>
+              <a:defRPr sz="7200" b="0"/>
             </a:lvl1pPr>
           </a:lstStyle>
           <a:p>
@@ -989,18 +4829,13 @@
               <a:rPr lang="en-US"/>
               <a:t>Click to edit Master title style</a:t>
             </a:r>
+            <a:endParaRPr lang="en-US" dirty="0"/>
           </a:p>
         </p:txBody>
       </p:sp>
       <p:sp>
         <p:nvSpPr>
-          <p:cNvPr id="3" name="Text Placeholder 2">
-            <a:extLst>
-              <a:ext uri="{FF2B5EF4-FFF2-40B4-BE49-F238E27FC236}">
-                <a16:creationId xmlns:a16="http://schemas.microsoft.com/office/drawing/2014/main" id="{E35BDFB2-1C68-073B-F567-6F61F0F2053A}"/>
-              </a:ext>
-            </a:extLst>
-          </p:cNvPr>
+          <p:cNvPr id="3" name="Text Placeholder 2"/>
           <p:cNvSpPr>
             <a:spLocks noGrp="1"/>
           </p:cNvSpPr>
@@ -1010,26 +4845,29 @@
         </p:nvSpPr>
         <p:spPr>
           <a:xfrm>
-            <a:off x="831850" y="4589463"/>
-            <a:ext cx="10515600" cy="1500187"/>
+            <a:off x="1261872" y="4800600"/>
+            <a:ext cx="9418320" cy="1691640"/>
           </a:xfrm>
         </p:spPr>
         <p:txBody>
-          <a:bodyPr/>
+          <a:bodyPr anchor="t">
+            <a:normAutofit/>
+          </a:bodyPr>
           <a:lstStyle>
             <a:lvl1pPr marL="0" indent="0">
               <a:buNone/>
-              <a:defRPr sz="2400">
+              <a:defRPr sz="2200">
                 <a:solidFill>
                   <a:schemeClr val="tx1">
-                    <a:tint val="75000"/>
+                    <a:lumMod val="65000"/>
+                    <a:lumOff val="35000"/>
                   </a:schemeClr>
                 </a:solidFill>
               </a:defRPr>
             </a:lvl1pPr>
             <a:lvl2pPr marL="457200" indent="0">
               <a:buNone/>
-              <a:defRPr sz="2000">
+              <a:defRPr sz="1800">
                 <a:solidFill>
                   <a:schemeClr val="tx1">
                     <a:tint val="75000"/>
@@ -1039,7 +4877,7 @@
             </a:lvl2pPr>
             <a:lvl3pPr marL="914400" indent="0">
               <a:buNone/>
-              <a:defRPr sz="1800">
+              <a:defRPr sz="1600">
                 <a:solidFill>
                   <a:schemeClr val="tx1">
                     <a:tint val="75000"/>
@@ -1049,7 +4887,7 @@
             </a:lvl3pPr>
             <a:lvl4pPr marL="1371600" indent="0">
               <a:buNone/>
-              <a:defRPr sz="1600">
+              <a:defRPr sz="1400">
                 <a:solidFill>
                   <a:schemeClr val="tx1">
                     <a:tint val="75000"/>
@@ -1059,7 +4897,7 @@
             </a:lvl4pPr>
             <a:lvl5pPr marL="1828800" indent="0">
               <a:buNone/>
-              <a:defRPr sz="1600">
+              <a:defRPr sz="1400">
                 <a:solidFill>
                   <a:schemeClr val="tx1">
                     <a:tint val="75000"/>
@@ -1069,7 +4907,7 @@
             </a:lvl5pPr>
             <a:lvl6pPr marL="2286000" indent="0">
               <a:buNone/>
-              <a:defRPr sz="1600">
+              <a:defRPr sz="1400">
                 <a:solidFill>
                   <a:schemeClr val="tx1">
                     <a:tint val="75000"/>
@@ -1079,7 +4917,7 @@
             </a:lvl6pPr>
             <a:lvl7pPr marL="2743200" indent="0">
               <a:buNone/>
-              <a:defRPr sz="1600">
+              <a:defRPr sz="1400">
                 <a:solidFill>
                   <a:schemeClr val="tx1">
                     <a:tint val="75000"/>
@@ -1089,7 +4927,7 @@
             </a:lvl7pPr>
             <a:lvl8pPr marL="3200400" indent="0">
               <a:buNone/>
-              <a:defRPr sz="1600">
+              <a:defRPr sz="1400">
                 <a:solidFill>
                   <a:schemeClr val="tx1">
                     <a:tint val="75000"/>
@@ -1099,7 +4937,7 @@
             </a:lvl8pPr>
             <a:lvl9pPr marL="3657600" indent="0">
               <a:buNone/>
-              <a:defRPr sz="1600">
+              <a:defRPr sz="1400">
                 <a:solidFill>
                   <a:schemeClr val="tx1">
                     <a:tint val="75000"/>
@@ -1119,13 +4957,7 @@
       </p:sp>
       <p:sp>
         <p:nvSpPr>
-          <p:cNvPr id="4" name="Date Placeholder 3">
-            <a:extLst>
-              <a:ext uri="{FF2B5EF4-FFF2-40B4-BE49-F238E27FC236}">
-                <a16:creationId xmlns:a16="http://schemas.microsoft.com/office/drawing/2014/main" id="{F13EC114-0E65-D670-F854-BDED9A1A0614}"/>
-              </a:ext>
-            </a:extLst>
-          </p:cNvPr>
+          <p:cNvPr id="4" name="Date Placeholder 3"/>
           <p:cNvSpPr>
             <a:spLocks noGrp="1"/>
           </p:cNvSpPr>
@@ -1140,7 +4972,7 @@
           <a:p>
             <a:fld id="{663FCB29-2676-426F-A85E-B379AF0D74C8}" type="datetimeFigureOut">
               <a:rPr lang="en-US" smtClean="0"/>
-              <a:t>11/17/2024</a:t>
+              <a:t>11/24/2024</a:t>
             </a:fld>
             <a:endParaRPr lang="en-US"/>
           </a:p>
@@ -1148,13 +4980,7 @@
       </p:sp>
       <p:sp>
         <p:nvSpPr>
-          <p:cNvPr id="5" name="Footer Placeholder 4">
-            <a:extLst>
-              <a:ext uri="{FF2B5EF4-FFF2-40B4-BE49-F238E27FC236}">
-                <a16:creationId xmlns:a16="http://schemas.microsoft.com/office/drawing/2014/main" id="{605D4112-CCB0-2096-B43E-B0E09CFC2D58}"/>
-              </a:ext>
-            </a:extLst>
-          </p:cNvPr>
+          <p:cNvPr id="5" name="Footer Placeholder 4"/>
           <p:cNvSpPr>
             <a:spLocks noGrp="1"/>
           </p:cNvSpPr>
@@ -1173,13 +4999,7 @@
       </p:sp>
       <p:sp>
         <p:nvSpPr>
-          <p:cNvPr id="6" name="Slide Number Placeholder 5">
-            <a:extLst>
-              <a:ext uri="{FF2B5EF4-FFF2-40B4-BE49-F238E27FC236}">
-                <a16:creationId xmlns:a16="http://schemas.microsoft.com/office/drawing/2014/main" id="{1F81E946-8854-19B6-FFFD-AFEBDA8ECFE1}"/>
-              </a:ext>
-            </a:extLst>
-          </p:cNvPr>
+          <p:cNvPr id="6" name="Slide Number Placeholder 5"/>
           <p:cNvSpPr>
             <a:spLocks noGrp="1"/>
           </p:cNvSpPr>
@@ -1200,10 +5020,48 @@
           </a:p>
         </p:txBody>
       </p:sp>
+      <p:sp>
+        <p:nvSpPr>
+          <p:cNvPr id="7" name="Rectangle 6"/>
+          <p:cNvSpPr/>
+          <p:nvPr/>
+        </p:nvSpPr>
+        <p:spPr>
+          <a:xfrm>
+            <a:off x="0" y="0"/>
+            <a:ext cx="457200" cy="6858000"/>
+          </a:xfrm>
+          <a:prstGeom prst="rect">
+            <a:avLst/>
+          </a:prstGeom>
+          <a:solidFill>
+            <a:schemeClr val="accent1"/>
+          </a:solidFill>
+          <a:ln>
+            <a:noFill/>
+          </a:ln>
+        </p:spPr>
+        <p:style>
+          <a:lnRef idx="2">
+            <a:schemeClr val="accent1">
+              <a:shade val="50000"/>
+            </a:schemeClr>
+          </a:lnRef>
+          <a:fillRef idx="1">
+            <a:schemeClr val="accent1"/>
+          </a:fillRef>
+          <a:effectRef idx="0">
+            <a:schemeClr val="accent1"/>
+          </a:effectRef>
+          <a:fontRef idx="minor">
+            <a:schemeClr val="lt1"/>
+          </a:fontRef>
+        </p:style>
+      </p:sp>
     </p:spTree>
     <p:extLst>
       <p:ext uri="{BB962C8B-B14F-4D97-AF65-F5344CB8AC3E}">
-        <p14:creationId xmlns:p14="http://schemas.microsoft.com/office/powerpoint/2010/main" val="2812934266"/>
+        <p14:creationId xmlns:p14="http://schemas.microsoft.com/office/powerpoint/2010/main" val="224884498"/>
       </p:ext>
     </p:extLst>
   </p:cSld>
@@ -1232,13 +5090,7 @@
       </p:grpSpPr>
       <p:sp>
         <p:nvSpPr>
-          <p:cNvPr id="2" name="Title 1">
-            <a:extLst>
-              <a:ext uri="{FF2B5EF4-FFF2-40B4-BE49-F238E27FC236}">
-                <a16:creationId xmlns:a16="http://schemas.microsoft.com/office/drawing/2014/main" id="{1D8B6133-B1F1-713C-F690-6276B1C76F11}"/>
-              </a:ext>
-            </a:extLst>
-          </p:cNvPr>
+          <p:cNvPr id="2" name="Title 1"/>
           <p:cNvSpPr>
             <a:spLocks noGrp="1"/>
           </p:cNvSpPr>
@@ -1255,18 +5107,13 @@
               <a:rPr lang="en-US"/>
               <a:t>Click to edit Master title style</a:t>
             </a:r>
+            <a:endParaRPr lang="en-US" dirty="0"/>
           </a:p>
         </p:txBody>
       </p:sp>
       <p:sp>
         <p:nvSpPr>
-          <p:cNvPr id="3" name="Content Placeholder 2">
-            <a:extLst>
-              <a:ext uri="{FF2B5EF4-FFF2-40B4-BE49-F238E27FC236}">
-                <a16:creationId xmlns:a16="http://schemas.microsoft.com/office/drawing/2014/main" id="{00C3EED6-FDCD-9825-8870-34347B43C1A6}"/>
-              </a:ext>
-            </a:extLst>
-          </p:cNvPr>
+          <p:cNvPr id="3" name="Content Placeholder 2"/>
           <p:cNvSpPr>
             <a:spLocks noGrp="1"/>
           </p:cNvSpPr>
@@ -1276,13 +5123,41 @@
         </p:nvSpPr>
         <p:spPr>
           <a:xfrm>
-            <a:off x="838200" y="1825625"/>
-            <a:ext cx="5181600" cy="4351338"/>
+            <a:off x="1261872" y="1828800"/>
+            <a:ext cx="4480560" cy="4351337"/>
           </a:xfrm>
         </p:spPr>
         <p:txBody>
           <a:bodyPr/>
-          <a:lstStyle/>
+          <a:lstStyle>
+            <a:lvl1pPr>
+              <a:defRPr sz="1800"/>
+            </a:lvl1pPr>
+            <a:lvl2pPr>
+              <a:defRPr sz="1600"/>
+            </a:lvl2pPr>
+            <a:lvl3pPr>
+              <a:defRPr sz="1400"/>
+            </a:lvl3pPr>
+            <a:lvl4pPr>
+              <a:defRPr sz="1400"/>
+            </a:lvl4pPr>
+            <a:lvl5pPr>
+              <a:defRPr sz="1400"/>
+            </a:lvl5pPr>
+            <a:lvl6pPr>
+              <a:defRPr sz="1400"/>
+            </a:lvl6pPr>
+            <a:lvl7pPr>
+              <a:defRPr sz="1400"/>
+            </a:lvl7pPr>
+            <a:lvl8pPr>
+              <a:defRPr sz="1400"/>
+            </a:lvl8pPr>
+            <a:lvl9pPr>
+              <a:defRPr sz="1400"/>
+            </a:lvl9pPr>
+          </a:lstStyle>
           <a:p>
             <a:pPr lvl="0"/>
             <a:r>
@@ -1317,18 +5192,13 @@
               <a:rPr lang="en-US"/>
               <a:t>Fifth level</a:t>
             </a:r>
+            <a:endParaRPr lang="en-US" dirty="0"/>
           </a:p>
         </p:txBody>
       </p:sp>
       <p:sp>
         <p:nvSpPr>
-          <p:cNvPr id="4" name="Content Placeholder 3">
-            <a:extLst>
-              <a:ext uri="{FF2B5EF4-FFF2-40B4-BE49-F238E27FC236}">
-                <a16:creationId xmlns:a16="http://schemas.microsoft.com/office/drawing/2014/main" id="{593F115B-B38E-069E-64F0-749EAA5913EE}"/>
-              </a:ext>
-            </a:extLst>
-          </p:cNvPr>
+          <p:cNvPr id="4" name="Content Placeholder 3"/>
           <p:cNvSpPr>
             <a:spLocks noGrp="1"/>
           </p:cNvSpPr>
@@ -1338,13 +5208,41 @@
         </p:nvSpPr>
         <p:spPr>
           <a:xfrm>
-            <a:off x="6172200" y="1825625"/>
-            <a:ext cx="5181600" cy="4351338"/>
+            <a:off x="6126480" y="1828800"/>
+            <a:ext cx="4480560" cy="4351337"/>
           </a:xfrm>
         </p:spPr>
         <p:txBody>
           <a:bodyPr/>
-          <a:lstStyle/>
+          <a:lstStyle>
+            <a:lvl1pPr>
+              <a:defRPr sz="1800"/>
+            </a:lvl1pPr>
+            <a:lvl2pPr>
+              <a:defRPr sz="1600"/>
+            </a:lvl2pPr>
+            <a:lvl3pPr>
+              <a:defRPr sz="1400"/>
+            </a:lvl3pPr>
+            <a:lvl4pPr>
+              <a:defRPr sz="1400"/>
+            </a:lvl4pPr>
+            <a:lvl5pPr>
+              <a:defRPr sz="1400"/>
+            </a:lvl5pPr>
+            <a:lvl6pPr>
+              <a:defRPr sz="1400"/>
+            </a:lvl6pPr>
+            <a:lvl7pPr>
+              <a:defRPr sz="1400"/>
+            </a:lvl7pPr>
+            <a:lvl8pPr>
+              <a:defRPr sz="1400"/>
+            </a:lvl8pPr>
+            <a:lvl9pPr>
+              <a:defRPr sz="1400"/>
+            </a:lvl9pPr>
+          </a:lstStyle>
           <a:p>
             <a:pPr lvl="0"/>
             <a:r>
@@ -1379,18 +5277,13 @@
               <a:rPr lang="en-US"/>
               <a:t>Fifth level</a:t>
             </a:r>
+            <a:endParaRPr lang="en-US" dirty="0"/>
           </a:p>
         </p:txBody>
       </p:sp>
       <p:sp>
         <p:nvSpPr>
-          <p:cNvPr id="5" name="Date Placeholder 4">
-            <a:extLst>
-              <a:ext uri="{FF2B5EF4-FFF2-40B4-BE49-F238E27FC236}">
-                <a16:creationId xmlns:a16="http://schemas.microsoft.com/office/drawing/2014/main" id="{03E86D0C-970A-D6C2-8045-1B8E84D46345}"/>
-              </a:ext>
-            </a:extLst>
-          </p:cNvPr>
+          <p:cNvPr id="5" name="Date Placeholder 4"/>
           <p:cNvSpPr>
             <a:spLocks noGrp="1"/>
           </p:cNvSpPr>
@@ -1405,7 +5298,7 @@
           <a:p>
             <a:fld id="{663FCB29-2676-426F-A85E-B379AF0D74C8}" type="datetimeFigureOut">
               <a:rPr lang="en-US" smtClean="0"/>
-              <a:t>11/17/2024</a:t>
+              <a:t>11/24/2024</a:t>
             </a:fld>
             <a:endParaRPr lang="en-US"/>
           </a:p>
@@ -1413,13 +5306,7 @@
       </p:sp>
       <p:sp>
         <p:nvSpPr>
-          <p:cNvPr id="6" name="Footer Placeholder 5">
-            <a:extLst>
-              <a:ext uri="{FF2B5EF4-FFF2-40B4-BE49-F238E27FC236}">
-                <a16:creationId xmlns:a16="http://schemas.microsoft.com/office/drawing/2014/main" id="{5B81BA6C-1B9D-029D-AD87-1CEE1AAC19FE}"/>
-              </a:ext>
-            </a:extLst>
-          </p:cNvPr>
+          <p:cNvPr id="6" name="Footer Placeholder 5"/>
           <p:cNvSpPr>
             <a:spLocks noGrp="1"/>
           </p:cNvSpPr>
@@ -1438,13 +5325,7 @@
       </p:sp>
       <p:sp>
         <p:nvSpPr>
-          <p:cNvPr id="7" name="Slide Number Placeholder 6">
-            <a:extLst>
-              <a:ext uri="{FF2B5EF4-FFF2-40B4-BE49-F238E27FC236}">
-                <a16:creationId xmlns:a16="http://schemas.microsoft.com/office/drawing/2014/main" id="{CD6B7475-6FC7-5DD3-9EC9-5FB48973CF67}"/>
-              </a:ext>
-            </a:extLst>
-          </p:cNvPr>
+          <p:cNvPr id="7" name="Slide Number Placeholder 6"/>
           <p:cNvSpPr>
             <a:spLocks noGrp="1"/>
           </p:cNvSpPr>
@@ -1468,7 +5349,7 @@
     </p:spTree>
     <p:extLst>
       <p:ext uri="{BB962C8B-B14F-4D97-AF65-F5344CB8AC3E}">
-        <p14:creationId xmlns:p14="http://schemas.microsoft.com/office/powerpoint/2010/main" val="2626363054"/>
+        <p14:creationId xmlns:p14="http://schemas.microsoft.com/office/powerpoint/2010/main" val="2271266103"/>
       </p:ext>
     </p:extLst>
   </p:cSld>
@@ -1497,13 +5378,7 @@
       </p:grpSpPr>
       <p:sp>
         <p:nvSpPr>
-          <p:cNvPr id="2" name="Title 1">
-            <a:extLst>
-              <a:ext uri="{FF2B5EF4-FFF2-40B4-BE49-F238E27FC236}">
-                <a16:creationId xmlns:a16="http://schemas.microsoft.com/office/drawing/2014/main" id="{1599DE65-E942-5644-1402-AB925A35BFBB}"/>
-              </a:ext>
-            </a:extLst>
-          </p:cNvPr>
+          <p:cNvPr id="10" name="Title 9"/>
           <p:cNvSpPr>
             <a:spLocks noGrp="1"/>
           </p:cNvSpPr>
@@ -1511,12 +5386,7 @@
             <p:ph type="title"/>
           </p:nvPr>
         </p:nvSpPr>
-        <p:spPr>
-          <a:xfrm>
-            <a:off x="839788" y="365125"/>
-            <a:ext cx="10515600" cy="1325563"/>
-          </a:xfrm>
-        </p:spPr>
+        <p:spPr/>
         <p:txBody>
           <a:bodyPr/>
           <a:lstStyle/>
@@ -1525,18 +5395,13 @@
               <a:rPr lang="en-US"/>
               <a:t>Click to edit Master title style</a:t>
             </a:r>
+            <a:endParaRPr lang="en-US" dirty="0"/>
           </a:p>
         </p:txBody>
       </p:sp>
       <p:sp>
         <p:nvSpPr>
-          <p:cNvPr id="3" name="Text Placeholder 2">
-            <a:extLst>
-              <a:ext uri="{FF2B5EF4-FFF2-40B4-BE49-F238E27FC236}">
-                <a16:creationId xmlns:a16="http://schemas.microsoft.com/office/drawing/2014/main" id="{B075D5EB-16F1-50E8-6A59-AB090CBE1E53}"/>
-              </a:ext>
-            </a:extLst>
-          </p:cNvPr>
+          <p:cNvPr id="3" name="Text Placeholder 2"/>
           <p:cNvSpPr>
             <a:spLocks noGrp="1"/>
           </p:cNvSpPr>
@@ -1546,16 +5411,25 @@
         </p:nvSpPr>
         <p:spPr>
           <a:xfrm>
-            <a:off x="839788" y="1681163"/>
-            <a:ext cx="5157787" cy="823912"/>
+            <a:off x="1261872" y="1713655"/>
+            <a:ext cx="4480560" cy="731520"/>
           </a:xfrm>
         </p:spPr>
         <p:txBody>
-          <a:bodyPr anchor="b"/>
+          <a:bodyPr anchor="b">
+            <a:normAutofit/>
+          </a:bodyPr>
           <a:lstStyle>
             <a:lvl1pPr marL="0" indent="0">
+              <a:spcBef>
+                <a:spcPts val="0"/>
+              </a:spcBef>
               <a:buNone/>
-              <a:defRPr sz="2400" b="1"/>
+              <a:defRPr sz="2000" b="0">
+                <a:solidFill>
+                  <a:schemeClr val="tx2"/>
+                </a:solidFill>
+              </a:defRPr>
             </a:lvl1pPr>
             <a:lvl2pPr marL="457200" indent="0">
               <a:buNone/>
@@ -1601,13 +5475,7 @@
       </p:sp>
       <p:sp>
         <p:nvSpPr>
-          <p:cNvPr id="4" name="Content Placeholder 3">
-            <a:extLst>
-              <a:ext uri="{FF2B5EF4-FFF2-40B4-BE49-F238E27FC236}">
-                <a16:creationId xmlns:a16="http://schemas.microsoft.com/office/drawing/2014/main" id="{7D660C2A-F2E7-72F6-DFD8-365AB06BD8B7}"/>
-              </a:ext>
-            </a:extLst>
-          </p:cNvPr>
+          <p:cNvPr id="4" name="Content Placeholder 3"/>
           <p:cNvSpPr>
             <a:spLocks noGrp="1"/>
           </p:cNvSpPr>
@@ -1617,13 +5485,41 @@
         </p:nvSpPr>
         <p:spPr>
           <a:xfrm>
-            <a:off x="839788" y="2505075"/>
-            <a:ext cx="5157787" cy="3684588"/>
+            <a:off x="1261872" y="2507550"/>
+            <a:ext cx="4480560" cy="3664650"/>
           </a:xfrm>
         </p:spPr>
         <p:txBody>
           <a:bodyPr/>
-          <a:lstStyle/>
+          <a:lstStyle>
+            <a:lvl1pPr>
+              <a:defRPr sz="1800"/>
+            </a:lvl1pPr>
+            <a:lvl2pPr>
+              <a:defRPr sz="1600"/>
+            </a:lvl2pPr>
+            <a:lvl3pPr>
+              <a:defRPr sz="1400"/>
+            </a:lvl3pPr>
+            <a:lvl4pPr>
+              <a:defRPr sz="1400"/>
+            </a:lvl4pPr>
+            <a:lvl5pPr>
+              <a:defRPr sz="1400"/>
+            </a:lvl5pPr>
+            <a:lvl6pPr>
+              <a:defRPr sz="1400"/>
+            </a:lvl6pPr>
+            <a:lvl7pPr>
+              <a:defRPr sz="1400"/>
+            </a:lvl7pPr>
+            <a:lvl8pPr>
+              <a:defRPr sz="1400"/>
+            </a:lvl8pPr>
+            <a:lvl9pPr>
+              <a:defRPr sz="1400"/>
+            </a:lvl9pPr>
+          </a:lstStyle>
           <a:p>
             <a:pPr lvl="0"/>
             <a:r>
@@ -1658,18 +5554,13 @@
               <a:rPr lang="en-US"/>
               <a:t>Fifth level</a:t>
             </a:r>
+            <a:endParaRPr lang="en-US" dirty="0"/>
           </a:p>
         </p:txBody>
       </p:sp>
       <p:sp>
         <p:nvSpPr>
-          <p:cNvPr id="5" name="Text Placeholder 4">
-            <a:extLst>
-              <a:ext uri="{FF2B5EF4-FFF2-40B4-BE49-F238E27FC236}">
-                <a16:creationId xmlns:a16="http://schemas.microsoft.com/office/drawing/2014/main" id="{CD944D26-2EB6-07FD-2CA3-215F837B275D}"/>
-              </a:ext>
-            </a:extLst>
-          </p:cNvPr>
+          <p:cNvPr id="5" name="Text Placeholder 4"/>
           <p:cNvSpPr>
             <a:spLocks noGrp="1"/>
           </p:cNvSpPr>
@@ -1679,16 +5570,31 @@
         </p:nvSpPr>
         <p:spPr>
           <a:xfrm>
-            <a:off x="6172200" y="1681163"/>
-            <a:ext cx="5183188" cy="823912"/>
+            <a:off x="6126480" y="1713655"/>
+            <a:ext cx="4480560" cy="731520"/>
           </a:xfrm>
         </p:spPr>
         <p:txBody>
-          <a:bodyPr anchor="b"/>
+          <a:bodyPr anchor="b">
+            <a:normAutofit/>
+          </a:bodyPr>
           <a:lstStyle>
             <a:lvl1pPr marL="0" indent="0">
+              <a:lnSpc>
+                <a:spcPct val="95000"/>
+              </a:lnSpc>
+              <a:spcBef>
+                <a:spcPts val="0"/>
+              </a:spcBef>
               <a:buNone/>
-              <a:defRPr sz="2400" b="1"/>
+              <a:defRPr lang="en-US" sz="2000" b="0" kern="1200" dirty="0">
+                <a:solidFill>
+                  <a:schemeClr val="tx2"/>
+                </a:solidFill>
+                <a:latin typeface="+mn-lt"/>
+                <a:ea typeface="+mn-ea"/>
+                <a:cs typeface="+mn-cs"/>
+              </a:defRPr>
             </a:lvl1pPr>
             <a:lvl2pPr marL="457200" indent="0">
               <a:buNone/>
@@ -1724,7 +5630,16 @@
             </a:lvl9pPr>
           </a:lstStyle>
           <a:p>
-            <a:pPr lvl="0"/>
+            <a:pPr marL="0" lvl="0" indent="0" algn="l" defTabSz="914400" rtl="0" eaLnBrk="1" latinLnBrk="0" hangingPunct="1">
+              <a:lnSpc>
+                <a:spcPct val="90000"/>
+              </a:lnSpc>
+              <a:spcBef>
+                <a:spcPts val="2000"/>
+              </a:spcBef>
+              <a:buFontTx/>
+              <a:buNone/>
+            </a:pPr>
             <a:r>
               <a:rPr lang="en-US"/>
               <a:t>Click to edit Master text styles</a:t>
@@ -1734,13 +5649,7 @@
       </p:sp>
       <p:sp>
         <p:nvSpPr>
-          <p:cNvPr id="6" name="Content Placeholder 5">
-            <a:extLst>
-              <a:ext uri="{FF2B5EF4-FFF2-40B4-BE49-F238E27FC236}">
-                <a16:creationId xmlns:a16="http://schemas.microsoft.com/office/drawing/2014/main" id="{BF1F977F-5D15-D63F-07FF-81B5197840B4}"/>
-              </a:ext>
-            </a:extLst>
-          </p:cNvPr>
+          <p:cNvPr id="6" name="Content Placeholder 5"/>
           <p:cNvSpPr>
             <a:spLocks noGrp="1"/>
           </p:cNvSpPr>
@@ -1750,13 +5659,41 @@
         </p:nvSpPr>
         <p:spPr>
           <a:xfrm>
-            <a:off x="6172200" y="2505075"/>
-            <a:ext cx="5183188" cy="3684588"/>
+            <a:off x="6126480" y="2507550"/>
+            <a:ext cx="4480560" cy="3664650"/>
           </a:xfrm>
         </p:spPr>
         <p:txBody>
           <a:bodyPr/>
-          <a:lstStyle/>
+          <a:lstStyle>
+            <a:lvl1pPr>
+              <a:defRPr sz="1800"/>
+            </a:lvl1pPr>
+            <a:lvl2pPr>
+              <a:defRPr sz="1600"/>
+            </a:lvl2pPr>
+            <a:lvl3pPr>
+              <a:defRPr sz="1400"/>
+            </a:lvl3pPr>
+            <a:lvl4pPr>
+              <a:defRPr sz="1400"/>
+            </a:lvl4pPr>
+            <a:lvl5pPr>
+              <a:defRPr sz="1400"/>
+            </a:lvl5pPr>
+            <a:lvl6pPr>
+              <a:defRPr sz="1400"/>
+            </a:lvl6pPr>
+            <a:lvl7pPr>
+              <a:defRPr sz="1400"/>
+            </a:lvl7pPr>
+            <a:lvl8pPr>
+              <a:defRPr sz="1400"/>
+            </a:lvl8pPr>
+            <a:lvl9pPr>
+              <a:defRPr sz="1400"/>
+            </a:lvl9pPr>
+          </a:lstStyle>
           <a:p>
             <a:pPr lvl="0"/>
             <a:r>
@@ -1791,18 +5728,13 @@
               <a:rPr lang="en-US"/>
               <a:t>Fifth level</a:t>
             </a:r>
+            <a:endParaRPr lang="en-US" dirty="0"/>
           </a:p>
         </p:txBody>
       </p:sp>
       <p:sp>
         <p:nvSpPr>
-          <p:cNvPr id="7" name="Date Placeholder 6">
-            <a:extLst>
-              <a:ext uri="{FF2B5EF4-FFF2-40B4-BE49-F238E27FC236}">
-                <a16:creationId xmlns:a16="http://schemas.microsoft.com/office/drawing/2014/main" id="{1B59831D-1A13-D98D-3D92-DE7ABAC39AEE}"/>
-              </a:ext>
-            </a:extLst>
-          </p:cNvPr>
+          <p:cNvPr id="7" name="Date Placeholder 6"/>
           <p:cNvSpPr>
             <a:spLocks noGrp="1"/>
           </p:cNvSpPr>
@@ -1817,7 +5749,7 @@
           <a:p>
             <a:fld id="{663FCB29-2676-426F-A85E-B379AF0D74C8}" type="datetimeFigureOut">
               <a:rPr lang="en-US" smtClean="0"/>
-              <a:t>11/17/2024</a:t>
+              <a:t>11/24/2024</a:t>
             </a:fld>
             <a:endParaRPr lang="en-US"/>
           </a:p>
@@ -1825,13 +5757,7 @@
       </p:sp>
       <p:sp>
         <p:nvSpPr>
-          <p:cNvPr id="8" name="Footer Placeholder 7">
-            <a:extLst>
-              <a:ext uri="{FF2B5EF4-FFF2-40B4-BE49-F238E27FC236}">
-                <a16:creationId xmlns:a16="http://schemas.microsoft.com/office/drawing/2014/main" id="{B8936578-7EA0-21AE-1E6E-59989521E24C}"/>
-              </a:ext>
-            </a:extLst>
-          </p:cNvPr>
+          <p:cNvPr id="8" name="Footer Placeholder 7"/>
           <p:cNvSpPr>
             <a:spLocks noGrp="1"/>
           </p:cNvSpPr>
@@ -1850,13 +5776,7 @@
       </p:sp>
       <p:sp>
         <p:nvSpPr>
-          <p:cNvPr id="9" name="Slide Number Placeholder 8">
-            <a:extLst>
-              <a:ext uri="{FF2B5EF4-FFF2-40B4-BE49-F238E27FC236}">
-                <a16:creationId xmlns:a16="http://schemas.microsoft.com/office/drawing/2014/main" id="{7EF5B1DB-B42A-362D-A449-EDA0B9AA36C1}"/>
-              </a:ext>
-            </a:extLst>
-          </p:cNvPr>
+          <p:cNvPr id="9" name="Slide Number Placeholder 8"/>
           <p:cNvSpPr>
             <a:spLocks noGrp="1"/>
           </p:cNvSpPr>
@@ -1880,7 +5800,7 @@
     </p:spTree>
     <p:extLst>
       <p:ext uri="{BB962C8B-B14F-4D97-AF65-F5344CB8AC3E}">
-        <p14:creationId xmlns:p14="http://schemas.microsoft.com/office/powerpoint/2010/main" val="1259435128"/>
+        <p14:creationId xmlns:p14="http://schemas.microsoft.com/office/powerpoint/2010/main" val="3438437524"/>
       </p:ext>
     </p:extLst>
   </p:cSld>
@@ -1909,13 +5829,7 @@
       </p:grpSpPr>
       <p:sp>
         <p:nvSpPr>
-          <p:cNvPr id="2" name="Title 1">
-            <a:extLst>
-              <a:ext uri="{FF2B5EF4-FFF2-40B4-BE49-F238E27FC236}">
-                <a16:creationId xmlns:a16="http://schemas.microsoft.com/office/drawing/2014/main" id="{6D4496D1-C53F-6621-71A9-E8463F7F3A96}"/>
-              </a:ext>
-            </a:extLst>
-          </p:cNvPr>
+          <p:cNvPr id="6" name="Title 5"/>
           <p:cNvSpPr>
             <a:spLocks noGrp="1"/>
           </p:cNvSpPr>
@@ -1932,18 +5846,13 @@
               <a:rPr lang="en-US"/>
               <a:t>Click to edit Master title style</a:t>
             </a:r>
+            <a:endParaRPr lang="en-US" dirty="0"/>
           </a:p>
         </p:txBody>
       </p:sp>
       <p:sp>
         <p:nvSpPr>
-          <p:cNvPr id="3" name="Date Placeholder 2">
-            <a:extLst>
-              <a:ext uri="{FF2B5EF4-FFF2-40B4-BE49-F238E27FC236}">
-                <a16:creationId xmlns:a16="http://schemas.microsoft.com/office/drawing/2014/main" id="{AFC76F34-1033-07E5-119A-EB278A0FCC2C}"/>
-              </a:ext>
-            </a:extLst>
-          </p:cNvPr>
+          <p:cNvPr id="3" name="Date Placeholder 2"/>
           <p:cNvSpPr>
             <a:spLocks noGrp="1"/>
           </p:cNvSpPr>
@@ -1958,7 +5867,7 @@
           <a:p>
             <a:fld id="{663FCB29-2676-426F-A85E-B379AF0D74C8}" type="datetimeFigureOut">
               <a:rPr lang="en-US" smtClean="0"/>
-              <a:t>11/17/2024</a:t>
+              <a:t>11/24/2024</a:t>
             </a:fld>
             <a:endParaRPr lang="en-US"/>
           </a:p>
@@ -1966,13 +5875,7 @@
       </p:sp>
       <p:sp>
         <p:nvSpPr>
-          <p:cNvPr id="4" name="Footer Placeholder 3">
-            <a:extLst>
-              <a:ext uri="{FF2B5EF4-FFF2-40B4-BE49-F238E27FC236}">
-                <a16:creationId xmlns:a16="http://schemas.microsoft.com/office/drawing/2014/main" id="{933DBA8D-3705-F713-543D-7FE76D77B107}"/>
-              </a:ext>
-            </a:extLst>
-          </p:cNvPr>
+          <p:cNvPr id="4" name="Footer Placeholder 3"/>
           <p:cNvSpPr>
             <a:spLocks noGrp="1"/>
           </p:cNvSpPr>
@@ -1991,13 +5894,7 @@
       </p:sp>
       <p:sp>
         <p:nvSpPr>
-          <p:cNvPr id="5" name="Slide Number Placeholder 4">
-            <a:extLst>
-              <a:ext uri="{FF2B5EF4-FFF2-40B4-BE49-F238E27FC236}">
-                <a16:creationId xmlns:a16="http://schemas.microsoft.com/office/drawing/2014/main" id="{5350D42E-56D3-0EB8-2F0C-E6D8C5AF8352}"/>
-              </a:ext>
-            </a:extLst>
-          </p:cNvPr>
+          <p:cNvPr id="5" name="Slide Number Placeholder 4"/>
           <p:cNvSpPr>
             <a:spLocks noGrp="1"/>
           </p:cNvSpPr>
@@ -2021,7 +5918,7 @@
     </p:spTree>
     <p:extLst>
       <p:ext uri="{BB962C8B-B14F-4D97-AF65-F5344CB8AC3E}">
-        <p14:creationId xmlns:p14="http://schemas.microsoft.com/office/powerpoint/2010/main" val="1248712682"/>
+        <p14:creationId xmlns:p14="http://schemas.microsoft.com/office/powerpoint/2010/main" val="1659845013"/>
       </p:ext>
     </p:extLst>
   </p:cSld>
@@ -2050,13 +5947,7 @@
       </p:grpSpPr>
       <p:sp>
         <p:nvSpPr>
-          <p:cNvPr id="2" name="Date Placeholder 1">
-            <a:extLst>
-              <a:ext uri="{FF2B5EF4-FFF2-40B4-BE49-F238E27FC236}">
-                <a16:creationId xmlns:a16="http://schemas.microsoft.com/office/drawing/2014/main" id="{F02718B6-99DF-235D-BF09-DF09F5C59137}"/>
-              </a:ext>
-            </a:extLst>
-          </p:cNvPr>
+          <p:cNvPr id="2" name="Date Placeholder 1"/>
           <p:cNvSpPr>
             <a:spLocks noGrp="1"/>
           </p:cNvSpPr>
@@ -2071,7 +5962,7 @@
           <a:p>
             <a:fld id="{663FCB29-2676-426F-A85E-B379AF0D74C8}" type="datetimeFigureOut">
               <a:rPr lang="en-US" smtClean="0"/>
-              <a:t>11/17/2024</a:t>
+              <a:t>11/24/2024</a:t>
             </a:fld>
             <a:endParaRPr lang="en-US"/>
           </a:p>
@@ -2079,13 +5970,7 @@
       </p:sp>
       <p:sp>
         <p:nvSpPr>
-          <p:cNvPr id="3" name="Footer Placeholder 2">
-            <a:extLst>
-              <a:ext uri="{FF2B5EF4-FFF2-40B4-BE49-F238E27FC236}">
-                <a16:creationId xmlns:a16="http://schemas.microsoft.com/office/drawing/2014/main" id="{7C02C83A-4AC1-A9D8-AA76-A25061278972}"/>
-              </a:ext>
-            </a:extLst>
-          </p:cNvPr>
+          <p:cNvPr id="3" name="Footer Placeholder 2"/>
           <p:cNvSpPr>
             <a:spLocks noGrp="1"/>
           </p:cNvSpPr>
@@ -2104,13 +5989,7 @@
       </p:sp>
       <p:sp>
         <p:nvSpPr>
-          <p:cNvPr id="4" name="Slide Number Placeholder 3">
-            <a:extLst>
-              <a:ext uri="{FF2B5EF4-FFF2-40B4-BE49-F238E27FC236}">
-                <a16:creationId xmlns:a16="http://schemas.microsoft.com/office/drawing/2014/main" id="{B6F97878-0527-6481-C420-E8A668C3F10B}"/>
-              </a:ext>
-            </a:extLst>
-          </p:cNvPr>
+          <p:cNvPr id="4" name="Slide Number Placeholder 3"/>
           <p:cNvSpPr>
             <a:spLocks noGrp="1"/>
           </p:cNvSpPr>
@@ -2134,7 +6013,7 @@
     </p:spTree>
     <p:extLst>
       <p:ext uri="{BB962C8B-B14F-4D97-AF65-F5344CB8AC3E}">
-        <p14:creationId xmlns:p14="http://schemas.microsoft.com/office/powerpoint/2010/main" val="4291511176"/>
+        <p14:creationId xmlns:p14="http://schemas.microsoft.com/office/powerpoint/2010/main" val="1417053896"/>
       </p:ext>
     </p:extLst>
   </p:cSld>
@@ -2163,13 +6042,7 @@
       </p:grpSpPr>
       <p:sp>
         <p:nvSpPr>
-          <p:cNvPr id="2" name="Title 1">
-            <a:extLst>
-              <a:ext uri="{FF2B5EF4-FFF2-40B4-BE49-F238E27FC236}">
-                <a16:creationId xmlns:a16="http://schemas.microsoft.com/office/drawing/2014/main" id="{B0C03C85-04B1-4471-E6BF-A74B2641BDA3}"/>
-              </a:ext>
-            </a:extLst>
-          </p:cNvPr>
+          <p:cNvPr id="2" name="Title 1"/>
           <p:cNvSpPr>
             <a:spLocks noGrp="1"/>
           </p:cNvSpPr>
@@ -2179,15 +6052,17 @@
         </p:nvSpPr>
         <p:spPr>
           <a:xfrm>
-            <a:off x="839788" y="457200"/>
-            <a:ext cx="3932237" cy="1600200"/>
+            <a:off x="841248" y="457200"/>
+            <a:ext cx="3200400" cy="1600197"/>
           </a:xfrm>
         </p:spPr>
         <p:txBody>
-          <a:bodyPr anchor="b"/>
+          <a:bodyPr anchor="b">
+            <a:normAutofit/>
+          </a:bodyPr>
           <a:lstStyle>
             <a:lvl1pPr>
-              <a:defRPr sz="3200"/>
+              <a:defRPr sz="3200" b="0" baseline="0"/>
             </a:lvl1pPr>
           </a:lstStyle>
           <a:p>
@@ -2195,18 +6070,13 @@
               <a:rPr lang="en-US"/>
               <a:t>Click to edit Master title style</a:t>
             </a:r>
+            <a:endParaRPr lang="en-US" dirty="0"/>
           </a:p>
         </p:txBody>
       </p:sp>
       <p:sp>
         <p:nvSpPr>
-          <p:cNvPr id="3" name="Content Placeholder 2">
-            <a:extLst>
-              <a:ext uri="{FF2B5EF4-FFF2-40B4-BE49-F238E27FC236}">
-                <a16:creationId xmlns:a16="http://schemas.microsoft.com/office/drawing/2014/main" id="{797BE263-1023-7DA9-59F3-2FD9833ECA9A}"/>
-              </a:ext>
-            </a:extLst>
-          </p:cNvPr>
+          <p:cNvPr id="3" name="Content Placeholder 2"/>
           <p:cNvSpPr>
             <a:spLocks noGrp="1"/>
           </p:cNvSpPr>
@@ -2216,39 +6086,39 @@
         </p:nvSpPr>
         <p:spPr>
           <a:xfrm>
-            <a:off x="5183188" y="987425"/>
-            <a:ext cx="6172200" cy="4873625"/>
+            <a:off x="4504267" y="685800"/>
+            <a:ext cx="6079066" cy="5486400"/>
           </a:xfrm>
         </p:spPr>
         <p:txBody>
           <a:bodyPr/>
           <a:lstStyle>
             <a:lvl1pPr>
-              <a:defRPr sz="3200"/>
+              <a:defRPr sz="2000"/>
             </a:lvl1pPr>
             <a:lvl2pPr>
-              <a:defRPr sz="2800"/>
+              <a:defRPr sz="1800"/>
             </a:lvl2pPr>
             <a:lvl3pPr>
-              <a:defRPr sz="2400"/>
+              <a:defRPr sz="1600"/>
             </a:lvl3pPr>
             <a:lvl4pPr>
-              <a:defRPr sz="2000"/>
+              <a:defRPr sz="1400"/>
             </a:lvl4pPr>
             <a:lvl5pPr>
-              <a:defRPr sz="2000"/>
+              <a:defRPr sz="1400"/>
             </a:lvl5pPr>
             <a:lvl6pPr>
-              <a:defRPr sz="2000"/>
+              <a:defRPr sz="1400"/>
             </a:lvl6pPr>
             <a:lvl7pPr>
-              <a:defRPr sz="2000"/>
+              <a:defRPr sz="1400"/>
             </a:lvl7pPr>
             <a:lvl8pPr>
-              <a:defRPr sz="2000"/>
+              <a:defRPr sz="1400"/>
             </a:lvl8pPr>
             <a:lvl9pPr>
-              <a:defRPr sz="2000"/>
+              <a:defRPr sz="1400"/>
             </a:lvl9pPr>
           </a:lstStyle>
           <a:p>
@@ -2285,18 +6155,13 @@
               <a:rPr lang="en-US"/>
               <a:t>Fifth level</a:t>
             </a:r>
+            <a:endParaRPr lang="en-US" dirty="0"/>
           </a:p>
         </p:txBody>
       </p:sp>
       <p:sp>
         <p:nvSpPr>
-          <p:cNvPr id="4" name="Text Placeholder 3">
-            <a:extLst>
-              <a:ext uri="{FF2B5EF4-FFF2-40B4-BE49-F238E27FC236}">
-                <a16:creationId xmlns:a16="http://schemas.microsoft.com/office/drawing/2014/main" id="{1AF3DBEC-6704-0588-47FB-CACC07D85D36}"/>
-              </a:ext>
-            </a:extLst>
-          </p:cNvPr>
+          <p:cNvPr id="4" name="Text Placeholder 3"/>
           <p:cNvSpPr>
             <a:spLocks noGrp="1"/>
           </p:cNvSpPr>
@@ -2306,48 +6171,56 @@
         </p:nvSpPr>
         <p:spPr>
           <a:xfrm>
-            <a:off x="839788" y="2057400"/>
-            <a:ext cx="3932237" cy="3811588"/>
+            <a:off x="841248" y="2099734"/>
+            <a:ext cx="3200400" cy="3810001"/>
           </a:xfrm>
         </p:spPr>
         <p:txBody>
-          <a:bodyPr/>
+          <a:bodyPr>
+            <a:normAutofit/>
+          </a:bodyPr>
           <a:lstStyle>
             <a:lvl1pPr marL="0" indent="0">
+              <a:lnSpc>
+                <a:spcPct val="114000"/>
+              </a:lnSpc>
+              <a:spcBef>
+                <a:spcPts val="800"/>
+              </a:spcBef>
               <a:buNone/>
-              <a:defRPr sz="1600"/>
+              <a:defRPr sz="1300"/>
             </a:lvl1pPr>
             <a:lvl2pPr marL="457200" indent="0">
               <a:buNone/>
-              <a:defRPr sz="1400"/>
+              <a:defRPr sz="1200"/>
             </a:lvl2pPr>
             <a:lvl3pPr marL="914400" indent="0">
               <a:buNone/>
-              <a:defRPr sz="1200"/>
+              <a:defRPr sz="1000"/>
             </a:lvl3pPr>
             <a:lvl4pPr marL="1371600" indent="0">
               <a:buNone/>
-              <a:defRPr sz="1000"/>
+              <a:defRPr sz="900"/>
             </a:lvl4pPr>
             <a:lvl5pPr marL="1828800" indent="0">
               <a:buNone/>
-              <a:defRPr sz="1000"/>
+              <a:defRPr sz="900"/>
             </a:lvl5pPr>
             <a:lvl6pPr marL="2286000" indent="0">
               <a:buNone/>
-              <a:defRPr sz="1000"/>
+              <a:defRPr sz="900"/>
             </a:lvl6pPr>
             <a:lvl7pPr marL="2743200" indent="0">
               <a:buNone/>
-              <a:defRPr sz="1000"/>
+              <a:defRPr sz="900"/>
             </a:lvl7pPr>
             <a:lvl8pPr marL="3200400" indent="0">
               <a:buNone/>
-              <a:defRPr sz="1000"/>
+              <a:defRPr sz="900"/>
             </a:lvl8pPr>
             <a:lvl9pPr marL="3657600" indent="0">
               <a:buNone/>
-              <a:defRPr sz="1000"/>
+              <a:defRPr sz="900"/>
             </a:lvl9pPr>
           </a:lstStyle>
           <a:p>
@@ -2361,13 +6234,7 @@
       </p:sp>
       <p:sp>
         <p:nvSpPr>
-          <p:cNvPr id="5" name="Date Placeholder 4">
-            <a:extLst>
-              <a:ext uri="{FF2B5EF4-FFF2-40B4-BE49-F238E27FC236}">
-                <a16:creationId xmlns:a16="http://schemas.microsoft.com/office/drawing/2014/main" id="{E0E1B3AF-4CC1-C327-8D3F-C9C74A4841D6}"/>
-              </a:ext>
-            </a:extLst>
-          </p:cNvPr>
+          <p:cNvPr id="5" name="Date Placeholder 4"/>
           <p:cNvSpPr>
             <a:spLocks noGrp="1"/>
           </p:cNvSpPr>
@@ -2382,7 +6249,7 @@
           <a:p>
             <a:fld id="{663FCB29-2676-426F-A85E-B379AF0D74C8}" type="datetimeFigureOut">
               <a:rPr lang="en-US" smtClean="0"/>
-              <a:t>11/17/2024</a:t>
+              <a:t>11/24/2024</a:t>
             </a:fld>
             <a:endParaRPr lang="en-US"/>
           </a:p>
@@ -2390,13 +6257,7 @@
       </p:sp>
       <p:sp>
         <p:nvSpPr>
-          <p:cNvPr id="6" name="Footer Placeholder 5">
-            <a:extLst>
-              <a:ext uri="{FF2B5EF4-FFF2-40B4-BE49-F238E27FC236}">
-                <a16:creationId xmlns:a16="http://schemas.microsoft.com/office/drawing/2014/main" id="{11E3ED57-1B5E-9DD7-C7FF-453D494F5220}"/>
-              </a:ext>
-            </a:extLst>
-          </p:cNvPr>
+          <p:cNvPr id="6" name="Footer Placeholder 5"/>
           <p:cNvSpPr>
             <a:spLocks noGrp="1"/>
           </p:cNvSpPr>
@@ -2415,13 +6276,7 @@
       </p:sp>
       <p:sp>
         <p:nvSpPr>
-          <p:cNvPr id="7" name="Slide Number Placeholder 6">
-            <a:extLst>
-              <a:ext uri="{FF2B5EF4-FFF2-40B4-BE49-F238E27FC236}">
-                <a16:creationId xmlns:a16="http://schemas.microsoft.com/office/drawing/2014/main" id="{8CB60305-E017-0CAE-1980-365686DC7233}"/>
-              </a:ext>
-            </a:extLst>
-          </p:cNvPr>
+          <p:cNvPr id="7" name="Slide Number Placeholder 6"/>
           <p:cNvSpPr>
             <a:spLocks noGrp="1"/>
           </p:cNvSpPr>
@@ -2445,7 +6300,7 @@
     </p:spTree>
     <p:extLst>
       <p:ext uri="{BB962C8B-B14F-4D97-AF65-F5344CB8AC3E}">
-        <p14:creationId xmlns:p14="http://schemas.microsoft.com/office/powerpoint/2010/main" val="2938256929"/>
+        <p14:creationId xmlns:p14="http://schemas.microsoft.com/office/powerpoint/2010/main" val="1441593687"/>
       </p:ext>
     </p:extLst>
   </p:cSld>
@@ -2474,13 +6329,45 @@
       </p:grpSpPr>
       <p:sp>
         <p:nvSpPr>
-          <p:cNvPr id="2" name="Title 1">
-            <a:extLst>
-              <a:ext uri="{FF2B5EF4-FFF2-40B4-BE49-F238E27FC236}">
-                <a16:creationId xmlns:a16="http://schemas.microsoft.com/office/drawing/2014/main" id="{DD9DDA73-75C9-7B66-BB84-DB95047B5A3A}"/>
-              </a:ext>
-            </a:extLst>
-          </p:cNvPr>
+          <p:cNvPr id="8" name="Rectangle 7"/>
+          <p:cNvSpPr/>
+          <p:nvPr/>
+        </p:nvSpPr>
+        <p:spPr>
+          <a:xfrm>
+            <a:off x="0" y="5105400"/>
+            <a:ext cx="11292840" cy="1752600"/>
+          </a:xfrm>
+          <a:prstGeom prst="rect">
+            <a:avLst/>
+          </a:prstGeom>
+          <a:solidFill>
+            <a:srgbClr val="000000"/>
+          </a:solidFill>
+          <a:ln>
+            <a:noFill/>
+          </a:ln>
+        </p:spPr>
+        <p:style>
+          <a:lnRef idx="2">
+            <a:schemeClr val="accent1">
+              <a:shade val="50000"/>
+            </a:schemeClr>
+          </a:lnRef>
+          <a:fillRef idx="1">
+            <a:schemeClr val="accent1"/>
+          </a:fillRef>
+          <a:effectRef idx="0">
+            <a:schemeClr val="accent1"/>
+          </a:effectRef>
+          <a:fontRef idx="minor">
+            <a:schemeClr val="lt1"/>
+          </a:fontRef>
+        </p:style>
+      </p:sp>
+      <p:sp>
+        <p:nvSpPr>
+          <p:cNvPr id="2" name="Title 1"/>
           <p:cNvSpPr>
             <a:spLocks noGrp="1"/>
           </p:cNvSpPr>
@@ -2490,15 +6377,21 @@
         </p:nvSpPr>
         <p:spPr>
           <a:xfrm>
-            <a:off x="839788" y="457200"/>
-            <a:ext cx="3932237" cy="1600200"/>
+            <a:off x="914400" y="5257800"/>
+            <a:ext cx="9982200" cy="914400"/>
           </a:xfrm>
         </p:spPr>
         <p:txBody>
-          <a:bodyPr anchor="b"/>
+          <a:bodyPr anchor="b">
+            <a:normAutofit/>
+          </a:bodyPr>
           <a:lstStyle>
             <a:lvl1pPr>
-              <a:defRPr sz="3200"/>
+              <a:defRPr sz="2800" b="0">
+                <a:solidFill>
+                  <a:schemeClr val="bg1"/>
+                </a:solidFill>
+              </a:defRPr>
             </a:lvl1pPr>
           </a:lstStyle>
           <a:p>
@@ -2506,20 +6399,15 @@
               <a:rPr lang="en-US"/>
               <a:t>Click to edit Master title style</a:t>
             </a:r>
+            <a:endParaRPr lang="en-US" dirty="0"/>
           </a:p>
         </p:txBody>
       </p:sp>
       <p:sp>
         <p:nvSpPr>
-          <p:cNvPr id="3" name="Picture Placeholder 2">
-            <a:extLst>
-              <a:ext uri="{FF2B5EF4-FFF2-40B4-BE49-F238E27FC236}">
-                <a16:creationId xmlns:a16="http://schemas.microsoft.com/office/drawing/2014/main" id="{F7246F8F-5F67-CF47-2258-170A35329378}"/>
-              </a:ext>
-            </a:extLst>
-          </p:cNvPr>
+          <p:cNvPr id="3" name="Picture Placeholder 2"/>
           <p:cNvSpPr>
-            <a:spLocks noGrp="1"/>
+            <a:spLocks noGrp="1" noChangeAspect="1"/>
           </p:cNvSpPr>
           <p:nvPr>
             <p:ph type="pic" idx="1"/>
@@ -2527,16 +6415,23 @@
         </p:nvSpPr>
         <p:spPr>
           <a:xfrm>
-            <a:off x="5183188" y="987425"/>
-            <a:ext cx="6172200" cy="4873625"/>
+            <a:off x="0" y="0"/>
+            <a:ext cx="11292840" cy="5128923"/>
           </a:xfrm>
+          <a:solidFill>
+            <a:schemeClr val="accent1"/>
+          </a:solidFill>
         </p:spPr>
         <p:txBody>
-          <a:bodyPr/>
+          <a:bodyPr anchor="t"/>
           <a:lstStyle>
             <a:lvl1pPr marL="0" indent="0">
               <a:buNone/>
-              <a:defRPr sz="3200"/>
+              <a:defRPr sz="3200">
+                <a:solidFill>
+                  <a:schemeClr val="bg1"/>
+                </a:solidFill>
+              </a:defRPr>
             </a:lvl1pPr>
             <a:lvl2pPr marL="457200" indent="0">
               <a:buNone/>
@@ -2572,19 +6467,17 @@
             </a:lvl9pPr>
           </a:lstStyle>
           <a:p>
-            <a:endParaRPr lang="en-US"/>
+            <a:r>
+              <a:rPr lang="en-US"/>
+              <a:t>Click icon to add picture</a:t>
+            </a:r>
+            <a:endParaRPr lang="en-US" dirty="0"/>
           </a:p>
         </p:txBody>
       </p:sp>
       <p:sp>
         <p:nvSpPr>
-          <p:cNvPr id="4" name="Text Placeholder 3">
-            <a:extLst>
-              <a:ext uri="{FF2B5EF4-FFF2-40B4-BE49-F238E27FC236}">
-                <a16:creationId xmlns:a16="http://schemas.microsoft.com/office/drawing/2014/main" id="{8E1FE066-8DC0-14BE-C485-E47F5A720169}"/>
-              </a:ext>
-            </a:extLst>
-          </p:cNvPr>
+          <p:cNvPr id="4" name="Text Placeholder 3"/>
           <p:cNvSpPr>
             <a:spLocks noGrp="1"/>
           </p:cNvSpPr>
@@ -2594,48 +6487,62 @@
         </p:nvSpPr>
         <p:spPr>
           <a:xfrm>
-            <a:off x="839788" y="2057400"/>
-            <a:ext cx="3932237" cy="3811588"/>
+            <a:off x="914400" y="6108589"/>
+            <a:ext cx="9982200" cy="597011"/>
           </a:xfrm>
         </p:spPr>
         <p:txBody>
-          <a:bodyPr/>
+          <a:bodyPr>
+            <a:normAutofit/>
+          </a:bodyPr>
           <a:lstStyle>
             <a:lvl1pPr marL="0" indent="0">
+              <a:lnSpc>
+                <a:spcPct val="100000"/>
+              </a:lnSpc>
+              <a:spcBef>
+                <a:spcPts val="800"/>
+              </a:spcBef>
               <a:buNone/>
-              <a:defRPr sz="1600"/>
+              <a:defRPr sz="1300">
+                <a:solidFill>
+                  <a:schemeClr val="bg1">
+                    <a:lumMod val="85000"/>
+                  </a:schemeClr>
+                </a:solidFill>
+              </a:defRPr>
             </a:lvl1pPr>
             <a:lvl2pPr marL="457200" indent="0">
               <a:buNone/>
-              <a:defRPr sz="1400"/>
+              <a:defRPr sz="1200"/>
             </a:lvl2pPr>
             <a:lvl3pPr marL="914400" indent="0">
               <a:buNone/>
-              <a:defRPr sz="1200"/>
+              <a:defRPr sz="1000"/>
             </a:lvl3pPr>
             <a:lvl4pPr marL="1371600" indent="0">
               <a:buNone/>
-              <a:defRPr sz="1000"/>
+              <a:defRPr sz="900"/>
             </a:lvl4pPr>
             <a:lvl5pPr marL="1828800" indent="0">
               <a:buNone/>
-              <a:defRPr sz="1000"/>
+              <a:defRPr sz="900"/>
             </a:lvl5pPr>
             <a:lvl6pPr marL="2286000" indent="0">
               <a:buNone/>
-              <a:defRPr sz="1000"/>
+              <a:defRPr sz="900"/>
             </a:lvl6pPr>
             <a:lvl7pPr marL="2743200" indent="0">
               <a:buNone/>
-              <a:defRPr sz="1000"/>
+              <a:defRPr sz="900"/>
             </a:lvl7pPr>
             <a:lvl8pPr marL="3200400" indent="0">
               <a:buNone/>
-              <a:defRPr sz="1000"/>
+              <a:defRPr sz="900"/>
             </a:lvl8pPr>
             <a:lvl9pPr marL="3657600" indent="0">
               <a:buNone/>
-              <a:defRPr sz="1000"/>
+              <a:defRPr sz="900"/>
             </a:lvl9pPr>
           </a:lstStyle>
           <a:p>
@@ -2649,13 +6556,7 @@
       </p:sp>
       <p:sp>
         <p:nvSpPr>
-          <p:cNvPr id="5" name="Date Placeholder 4">
-            <a:extLst>
-              <a:ext uri="{FF2B5EF4-FFF2-40B4-BE49-F238E27FC236}">
-                <a16:creationId xmlns:a16="http://schemas.microsoft.com/office/drawing/2014/main" id="{A976A5BC-72B5-BE4F-01BD-73C45E9A8171}"/>
-              </a:ext>
-            </a:extLst>
-          </p:cNvPr>
+          <p:cNvPr id="5" name="Date Placeholder 4"/>
           <p:cNvSpPr>
             <a:spLocks noGrp="1"/>
           </p:cNvSpPr>
@@ -2670,7 +6571,7 @@
           <a:p>
             <a:fld id="{663FCB29-2676-426F-A85E-B379AF0D74C8}" type="datetimeFigureOut">
               <a:rPr lang="en-US" smtClean="0"/>
-              <a:t>11/17/2024</a:t>
+              <a:t>11/24/2024</a:t>
             </a:fld>
             <a:endParaRPr lang="en-US"/>
           </a:p>
@@ -2678,13 +6579,7 @@
       </p:sp>
       <p:sp>
         <p:nvSpPr>
-          <p:cNvPr id="6" name="Footer Placeholder 5">
-            <a:extLst>
-              <a:ext uri="{FF2B5EF4-FFF2-40B4-BE49-F238E27FC236}">
-                <a16:creationId xmlns:a16="http://schemas.microsoft.com/office/drawing/2014/main" id="{523BC871-540C-54DA-2217-AF63E88C5E3F}"/>
-              </a:ext>
-            </a:extLst>
-          </p:cNvPr>
+          <p:cNvPr id="6" name="Footer Placeholder 5"/>
           <p:cNvSpPr>
             <a:spLocks noGrp="1"/>
           </p:cNvSpPr>
@@ -2703,13 +6598,7 @@
       </p:sp>
       <p:sp>
         <p:nvSpPr>
-          <p:cNvPr id="7" name="Slide Number Placeholder 6">
-            <a:extLst>
-              <a:ext uri="{FF2B5EF4-FFF2-40B4-BE49-F238E27FC236}">
-                <a16:creationId xmlns:a16="http://schemas.microsoft.com/office/drawing/2014/main" id="{784F5064-66DF-53AB-0B83-257B7D2CA878}"/>
-              </a:ext>
-            </a:extLst>
-          </p:cNvPr>
+          <p:cNvPr id="7" name="Slide Number Placeholder 6"/>
           <p:cNvSpPr>
             <a:spLocks noGrp="1"/>
           </p:cNvSpPr>
@@ -2733,7 +6622,7 @@
     </p:spTree>
     <p:extLst>
       <p:ext uri="{BB962C8B-B14F-4D97-AF65-F5344CB8AC3E}">
-        <p14:creationId xmlns:p14="http://schemas.microsoft.com/office/powerpoint/2010/main" val="4040850863"/>
+        <p14:creationId xmlns:p14="http://schemas.microsoft.com/office/powerpoint/2010/main" val="1091317165"/>
       </p:ext>
     </p:extLst>
   </p:cSld>
@@ -2767,13 +6656,47 @@
       </p:grpSpPr>
       <p:sp>
         <p:nvSpPr>
-          <p:cNvPr id="2" name="Title Placeholder 1">
-            <a:extLst>
-              <a:ext uri="{FF2B5EF4-FFF2-40B4-BE49-F238E27FC236}">
-                <a16:creationId xmlns:a16="http://schemas.microsoft.com/office/drawing/2014/main" id="{59FF4B4B-432D-8512-D9B0-C6E19327ED76}"/>
-              </a:ext>
-            </a:extLst>
-          </p:cNvPr>
+          <p:cNvPr id="7" name="Rectangle 6"/>
+          <p:cNvSpPr/>
+          <p:nvPr/>
+        </p:nvSpPr>
+        <p:spPr>
+          <a:xfrm>
+            <a:off x="11292840" y="0"/>
+            <a:ext cx="914400" cy="6858000"/>
+          </a:xfrm>
+          <a:prstGeom prst="rect">
+            <a:avLst/>
+          </a:prstGeom>
+          <a:solidFill>
+            <a:schemeClr val="tx2">
+              <a:lumMod val="75000"/>
+            </a:schemeClr>
+          </a:solidFill>
+          <a:ln>
+            <a:noFill/>
+          </a:ln>
+        </p:spPr>
+        <p:style>
+          <a:lnRef idx="2">
+            <a:schemeClr val="accent1">
+              <a:shade val="50000"/>
+            </a:schemeClr>
+          </a:lnRef>
+          <a:fillRef idx="1">
+            <a:schemeClr val="accent1"/>
+          </a:fillRef>
+          <a:effectRef idx="0">
+            <a:schemeClr val="accent1"/>
+          </a:effectRef>
+          <a:fontRef idx="minor">
+            <a:schemeClr val="lt1"/>
+          </a:fontRef>
+        </p:style>
+      </p:sp>
+      <p:sp>
+        <p:nvSpPr>
+          <p:cNvPr id="2" name="Title Placeholder 1"/>
           <p:cNvSpPr>
             <a:spLocks noGrp="1"/>
           </p:cNvSpPr>
@@ -2783,15 +6706,15 @@
         </p:nvSpPr>
         <p:spPr>
           <a:xfrm>
-            <a:off x="838200" y="365125"/>
-            <a:ext cx="10515600" cy="1325563"/>
+            <a:off x="1261872" y="365760"/>
+            <a:ext cx="9692640" cy="1325562"/>
           </a:xfrm>
           <a:prstGeom prst="rect">
             <a:avLst/>
           </a:prstGeom>
         </p:spPr>
         <p:txBody>
-          <a:bodyPr vert="horz" lIns="91440" tIns="45720" rIns="91440" bIns="45720" rtlCol="0" anchor="ctr">
+          <a:bodyPr vert="horz" lIns="91440" tIns="45720" rIns="91440" bIns="45720" rtlCol="0" anchor="b">
             <a:normAutofit/>
           </a:bodyPr>
           <a:lstStyle/>
@@ -2800,18 +6723,13 @@
               <a:rPr lang="en-US"/>
               <a:t>Click to edit Master title style</a:t>
             </a:r>
+            <a:endParaRPr lang="en-US" dirty="0"/>
           </a:p>
         </p:txBody>
       </p:sp>
       <p:sp>
         <p:nvSpPr>
-          <p:cNvPr id="3" name="Text Placeholder 2">
-            <a:extLst>
-              <a:ext uri="{FF2B5EF4-FFF2-40B4-BE49-F238E27FC236}">
-                <a16:creationId xmlns:a16="http://schemas.microsoft.com/office/drawing/2014/main" id="{511F65E7-43E4-F1B1-8479-16813CF0C5BC}"/>
-              </a:ext>
-            </a:extLst>
-          </p:cNvPr>
+          <p:cNvPr id="3" name="Text Placeholder 2"/>
           <p:cNvSpPr>
             <a:spLocks noGrp="1"/>
           </p:cNvSpPr>
@@ -2821,8 +6739,8 @@
         </p:nvSpPr>
         <p:spPr>
           <a:xfrm>
-            <a:off x="838200" y="1825625"/>
-            <a:ext cx="10515600" cy="4351338"/>
+            <a:off x="1261872" y="1828800"/>
+            <a:ext cx="8595360" cy="4351337"/>
           </a:xfrm>
           <a:prstGeom prst="rect">
             <a:avLst/>
@@ -2867,18 +6785,13 @@
               <a:rPr lang="en-US"/>
               <a:t>Fifth level</a:t>
             </a:r>
+            <a:endParaRPr lang="en-US" dirty="0"/>
           </a:p>
         </p:txBody>
       </p:sp>
       <p:sp>
         <p:nvSpPr>
-          <p:cNvPr id="4" name="Date Placeholder 3">
-            <a:extLst>
-              <a:ext uri="{FF2B5EF4-FFF2-40B4-BE49-F238E27FC236}">
-                <a16:creationId xmlns:a16="http://schemas.microsoft.com/office/drawing/2014/main" id="{262A0B69-DD96-7FC0-4160-919ABDCB8228}"/>
-              </a:ext>
-            </a:extLst>
-          </p:cNvPr>
+          <p:cNvPr id="4" name="Date Placeholder 3"/>
           <p:cNvSpPr>
             <a:spLocks noGrp="1"/>
           </p:cNvSpPr>
@@ -2887,9 +6800,51 @@
           </p:nvPr>
         </p:nvSpPr>
         <p:spPr>
-          <a:xfrm>
-            <a:off x="838200" y="6356350"/>
-            <a:ext cx="2743200" cy="365125"/>
+          <a:xfrm rot="16200000">
+            <a:off x="10797542" y="998537"/>
+            <a:ext cx="1904999" cy="365125"/>
+          </a:xfrm>
+          <a:prstGeom prst="rect">
+            <a:avLst/>
+          </a:prstGeom>
+        </p:spPr>
+        <p:txBody>
+          <a:bodyPr vert="horz" lIns="91440" tIns="45720" rIns="91440" bIns="45720" rtlCol="0" anchor="ctr"/>
+          <a:lstStyle>
+            <a:lvl1pPr algn="r">
+              <a:defRPr sz="1050" b="0">
+                <a:solidFill>
+                  <a:schemeClr val="tx2">
+                    <a:lumMod val="20000"/>
+                    <a:lumOff val="80000"/>
+                  </a:schemeClr>
+                </a:solidFill>
+              </a:defRPr>
+            </a:lvl1pPr>
+          </a:lstStyle>
+          <a:p>
+            <a:fld id="{663FCB29-2676-426F-A85E-B379AF0D74C8}" type="datetimeFigureOut">
+              <a:rPr lang="en-US" smtClean="0"/>
+              <a:t>11/24/2024</a:t>
+            </a:fld>
+            <a:endParaRPr lang="en-US"/>
+          </a:p>
+        </p:txBody>
+      </p:sp>
+      <p:sp>
+        <p:nvSpPr>
+          <p:cNvPr id="5" name="Footer Placeholder 4"/>
+          <p:cNvSpPr>
+            <a:spLocks noGrp="1"/>
+          </p:cNvSpPr>
+          <p:nvPr>
+            <p:ph type="ftr" sz="quarter" idx="3"/>
+          </p:nvPr>
+        </p:nvSpPr>
+        <p:spPr>
+          <a:xfrm rot="16200000">
+            <a:off x="9959341" y="4046537"/>
+            <a:ext cx="3581400" cy="365125"/>
           </a:xfrm>
           <a:prstGeom prst="rect">
             <a:avLst/>
@@ -2899,76 +6854,24 @@
           <a:bodyPr vert="horz" lIns="91440" tIns="45720" rIns="91440" bIns="45720" rtlCol="0" anchor="ctr"/>
           <a:lstStyle>
             <a:lvl1pPr algn="l">
-              <a:defRPr sz="1200">
+              <a:defRPr sz="1050">
                 <a:solidFill>
-                  <a:schemeClr val="tx1">
-                    <a:tint val="75000"/>
+                  <a:schemeClr val="tx2">
+                    <a:lumMod val="20000"/>
+                    <a:lumOff val="80000"/>
                   </a:schemeClr>
                 </a:solidFill>
               </a:defRPr>
             </a:lvl1pPr>
           </a:lstStyle>
           <a:p>
-            <a:fld id="{663FCB29-2676-426F-A85E-B379AF0D74C8}" type="datetimeFigureOut">
-              <a:rPr lang="en-US" smtClean="0"/>
-              <a:t>11/17/2024</a:t>
-            </a:fld>
             <a:endParaRPr lang="en-US"/>
           </a:p>
         </p:txBody>
       </p:sp>
       <p:sp>
         <p:nvSpPr>
-          <p:cNvPr id="5" name="Footer Placeholder 4">
-            <a:extLst>
-              <a:ext uri="{FF2B5EF4-FFF2-40B4-BE49-F238E27FC236}">
-                <a16:creationId xmlns:a16="http://schemas.microsoft.com/office/drawing/2014/main" id="{3B8984B4-A412-80E3-2059-A5D0D8FCB9AB}"/>
-              </a:ext>
-            </a:extLst>
-          </p:cNvPr>
-          <p:cNvSpPr>
-            <a:spLocks noGrp="1"/>
-          </p:cNvSpPr>
-          <p:nvPr>
-            <p:ph type="ftr" sz="quarter" idx="3"/>
-          </p:nvPr>
-        </p:nvSpPr>
-        <p:spPr>
-          <a:xfrm>
-            <a:off x="4038600" y="6356350"/>
-            <a:ext cx="4114800" cy="365125"/>
-          </a:xfrm>
-          <a:prstGeom prst="rect">
-            <a:avLst/>
-          </a:prstGeom>
-        </p:spPr>
-        <p:txBody>
-          <a:bodyPr vert="horz" lIns="91440" tIns="45720" rIns="91440" bIns="45720" rtlCol="0" anchor="ctr"/>
-          <a:lstStyle>
-            <a:lvl1pPr algn="ctr">
-              <a:defRPr sz="1200">
-                <a:solidFill>
-                  <a:schemeClr val="tx1">
-                    <a:tint val="75000"/>
-                  </a:schemeClr>
-                </a:solidFill>
-              </a:defRPr>
-            </a:lvl1pPr>
-          </a:lstStyle>
-          <a:p>
-            <a:endParaRPr lang="en-US"/>
-          </a:p>
-        </p:txBody>
-      </p:sp>
-      <p:sp>
-        <p:nvSpPr>
-          <p:cNvPr id="6" name="Slide Number Placeholder 5">
-            <a:extLst>
-              <a:ext uri="{FF2B5EF4-FFF2-40B4-BE49-F238E27FC236}">
-                <a16:creationId xmlns:a16="http://schemas.microsoft.com/office/drawing/2014/main" id="{560583BE-E3A3-8997-13DF-724950234D42}"/>
-              </a:ext>
-            </a:extLst>
-          </p:cNvPr>
+          <p:cNvPr id="6" name="Slide Number Placeholder 5"/>
           <p:cNvSpPr>
             <a:spLocks noGrp="1"/>
           </p:cNvSpPr>
@@ -2978,21 +6881,24 @@
         </p:nvSpPr>
         <p:spPr>
           <a:xfrm>
-            <a:off x="8610600" y="6356350"/>
-            <a:ext cx="2743200" cy="365125"/>
+            <a:off x="11292840" y="6172200"/>
+            <a:ext cx="914400" cy="593725"/>
           </a:xfrm>
           <a:prstGeom prst="rect">
             <a:avLst/>
           </a:prstGeom>
         </p:spPr>
         <p:txBody>
-          <a:bodyPr vert="horz" lIns="91440" tIns="45720" rIns="91440" bIns="45720" rtlCol="0" anchor="ctr"/>
+          <a:bodyPr vert="horz" lIns="45720" tIns="45720" rIns="45720" bIns="45720" rtlCol="0" anchor="ctr">
+            <a:normAutofit/>
+          </a:bodyPr>
           <a:lstStyle>
-            <a:lvl1pPr algn="r">
-              <a:defRPr sz="1200">
+            <a:lvl1pPr algn="ctr">
+              <a:defRPr sz="3600">
                 <a:solidFill>
-                  <a:schemeClr val="tx1">
-                    <a:tint val="75000"/>
+                  <a:schemeClr val="tx2">
+                    <a:lumMod val="60000"/>
+                    <a:lumOff val="40000"/>
                   </a:schemeClr>
                 </a:solidFill>
               </a:defRPr>
@@ -3010,23 +6916,23 @@
     </p:spTree>
     <p:extLst>
       <p:ext uri="{BB962C8B-B14F-4D97-AF65-F5344CB8AC3E}">
-        <p14:creationId xmlns:p14="http://schemas.microsoft.com/office/powerpoint/2010/main" val="2190639629"/>
+        <p14:creationId xmlns:p14="http://schemas.microsoft.com/office/powerpoint/2010/main" val="2721446053"/>
       </p:ext>
     </p:extLst>
   </p:cSld>
   <p:clrMap bg1="lt1" tx1="dk1" bg2="lt2" tx2="dk2" accent1="accent1" accent2="accent2" accent3="accent3" accent4="accent4" accent5="accent5" accent6="accent6" hlink="hlink" folHlink="folHlink"/>
   <p:sldLayoutIdLst>
-    <p:sldLayoutId id="2147483649" r:id="rId1"/>
-    <p:sldLayoutId id="2147483650" r:id="rId2"/>
-    <p:sldLayoutId id="2147483651" r:id="rId3"/>
-    <p:sldLayoutId id="2147483652" r:id="rId4"/>
-    <p:sldLayoutId id="2147483653" r:id="rId5"/>
-    <p:sldLayoutId id="2147483654" r:id="rId6"/>
-    <p:sldLayoutId id="2147483655" r:id="rId7"/>
-    <p:sldLayoutId id="2147483656" r:id="rId8"/>
-    <p:sldLayoutId id="2147483657" r:id="rId9"/>
-    <p:sldLayoutId id="2147483658" r:id="rId10"/>
-    <p:sldLayoutId id="2147483659" r:id="rId11"/>
+    <p:sldLayoutId id="2147483661" r:id="rId1"/>
+    <p:sldLayoutId id="2147483662" r:id="rId2"/>
+    <p:sldLayoutId id="2147483663" r:id="rId3"/>
+    <p:sldLayoutId id="2147483664" r:id="rId4"/>
+    <p:sldLayoutId id="2147483665" r:id="rId5"/>
+    <p:sldLayoutId id="2147483666" r:id="rId6"/>
+    <p:sldLayoutId id="2147483667" r:id="rId7"/>
+    <p:sldLayoutId id="2147483668" r:id="rId8"/>
+    <p:sldLayoutId id="2147483669" r:id="rId9"/>
+    <p:sldLayoutId id="2147483670" r:id="rId10"/>
+    <p:sldLayoutId id="2147483671" r:id="rId11"/>
   </p:sldLayoutIdLst>
   <p:txStyles>
     <p:titleStyle>
@@ -3038,7 +6944,7 @@
           <a:spcPct val="0"/>
         </a:spcBef>
         <a:buNone/>
-        <a:defRPr sz="4400" kern="1200">
+        <a:defRPr sz="4400" kern="1200" spc="-50" baseline="0">
           <a:solidFill>
             <a:schemeClr val="tx1"/>
           </a:solidFill>
@@ -3049,16 +6955,23 @@
       </a:lvl1pPr>
     </p:titleStyle>
     <p:bodyStyle>
-      <a:lvl1pPr marL="228600" indent="-228600" algn="l" defTabSz="914400" rtl="0" eaLnBrk="1" latinLnBrk="0" hangingPunct="1">
+      <a:lvl1pPr marL="182880" indent="-182880" algn="l" defTabSz="914400" rtl="0" eaLnBrk="1" latinLnBrk="0" hangingPunct="1">
         <a:lnSpc>
-          <a:spcPct val="90000"/>
+          <a:spcPct val="95000"/>
         </a:lnSpc>
         <a:spcBef>
-          <a:spcPts val="1000"/>
+          <a:spcPts val="1400"/>
         </a:spcBef>
-        <a:buFont typeface="Arial" panose="020B0604020202020204" pitchFamily="34" charset="0"/>
+        <a:spcAft>
+          <a:spcPts val="200"/>
+        </a:spcAft>
+        <a:buClr>
+          <a:schemeClr val="accent1"/>
+        </a:buClr>
+        <a:buSzPct val="80000"/>
+        <a:buFont typeface="Arial" pitchFamily="34" charset="0"/>
         <a:buChar char="•"/>
-        <a:defRPr sz="2800" kern="1200">
+        <a:defRPr sz="1800" kern="1200" spc="10" baseline="0">
           <a:solidFill>
             <a:schemeClr val="tx1"/>
           </a:solidFill>
@@ -3067,144 +6980,216 @@
           <a:cs typeface="+mn-cs"/>
         </a:defRPr>
       </a:lvl1pPr>
-      <a:lvl2pPr marL="685800" indent="-228600" algn="l" defTabSz="914400" rtl="0" eaLnBrk="1" latinLnBrk="0" hangingPunct="1">
+      <a:lvl2pPr marL="457200" indent="-182880" algn="l" defTabSz="914400" rtl="0" eaLnBrk="1" latinLnBrk="0" hangingPunct="1">
         <a:lnSpc>
           <a:spcPct val="90000"/>
         </a:lnSpc>
         <a:spcBef>
-          <a:spcPts val="500"/>
+          <a:spcPts val="300"/>
         </a:spcBef>
-        <a:buFont typeface="Arial" panose="020B0604020202020204" pitchFamily="34" charset="0"/>
-        <a:buChar char="•"/>
-        <a:defRPr sz="2400" kern="1200">
+        <a:spcAft>
+          <a:spcPts val="300"/>
+        </a:spcAft>
+        <a:buClr>
+          <a:schemeClr val="accent1"/>
+        </a:buClr>
+        <a:buFont typeface="Wingdings 2" pitchFamily="18" charset="2"/>
+        <a:buChar char=""/>
+        <a:defRPr sz="1600" kern="1200">
           <a:solidFill>
-            <a:schemeClr val="tx1"/>
+            <a:schemeClr val="tx1">
+              <a:lumMod val="85000"/>
+              <a:lumOff val="15000"/>
+            </a:schemeClr>
           </a:solidFill>
           <a:latin typeface="+mn-lt"/>
           <a:ea typeface="+mn-ea"/>
           <a:cs typeface="+mn-cs"/>
         </a:defRPr>
       </a:lvl2pPr>
-      <a:lvl3pPr marL="1143000" indent="-228600" algn="l" defTabSz="914400" rtl="0" eaLnBrk="1" latinLnBrk="0" hangingPunct="1">
+      <a:lvl3pPr marL="731520" indent="-182880" algn="l" defTabSz="914400" rtl="0" eaLnBrk="1" latinLnBrk="0" hangingPunct="1">
         <a:lnSpc>
           <a:spcPct val="90000"/>
         </a:lnSpc>
         <a:spcBef>
-          <a:spcPts val="500"/>
+          <a:spcPts val="300"/>
         </a:spcBef>
-        <a:buFont typeface="Arial" panose="020B0604020202020204" pitchFamily="34" charset="0"/>
-        <a:buChar char="•"/>
-        <a:defRPr sz="2000" kern="1200">
+        <a:spcAft>
+          <a:spcPts val="300"/>
+        </a:spcAft>
+        <a:buClr>
+          <a:schemeClr val="accent1"/>
+        </a:buClr>
+        <a:buFont typeface="Wingdings 2" pitchFamily="18" charset="2"/>
+        <a:buChar char=""/>
+        <a:defRPr sz="1400" kern="1200">
           <a:solidFill>
-            <a:schemeClr val="tx1"/>
+            <a:schemeClr val="tx1">
+              <a:lumMod val="85000"/>
+              <a:lumOff val="15000"/>
+            </a:schemeClr>
           </a:solidFill>
           <a:latin typeface="+mn-lt"/>
           <a:ea typeface="+mn-ea"/>
           <a:cs typeface="+mn-cs"/>
         </a:defRPr>
       </a:lvl3pPr>
-      <a:lvl4pPr marL="1600200" indent="-228600" algn="l" defTabSz="914400" rtl="0" eaLnBrk="1" latinLnBrk="0" hangingPunct="1">
+      <a:lvl4pPr marL="1005840" indent="-182880" algn="l" defTabSz="914400" rtl="0" eaLnBrk="1" latinLnBrk="0" hangingPunct="1">
         <a:lnSpc>
           <a:spcPct val="90000"/>
         </a:lnSpc>
         <a:spcBef>
-          <a:spcPts val="500"/>
+          <a:spcPts val="300"/>
         </a:spcBef>
-        <a:buFont typeface="Arial" panose="020B0604020202020204" pitchFamily="34" charset="0"/>
-        <a:buChar char="•"/>
-        <a:defRPr sz="1800" kern="1200">
+        <a:spcAft>
+          <a:spcPts val="300"/>
+        </a:spcAft>
+        <a:buClr>
+          <a:schemeClr val="accent1"/>
+        </a:buClr>
+        <a:buFont typeface="Wingdings 2" pitchFamily="18" charset="2"/>
+        <a:buChar char=""/>
+        <a:defRPr sz="1400" kern="1200">
           <a:solidFill>
-            <a:schemeClr val="tx1"/>
+            <a:schemeClr val="tx1">
+              <a:lumMod val="85000"/>
+              <a:lumOff val="15000"/>
+            </a:schemeClr>
           </a:solidFill>
           <a:latin typeface="+mn-lt"/>
           <a:ea typeface="+mn-ea"/>
           <a:cs typeface="+mn-cs"/>
         </a:defRPr>
       </a:lvl4pPr>
-      <a:lvl5pPr marL="2057400" indent="-228600" algn="l" defTabSz="914400" rtl="0" eaLnBrk="1" latinLnBrk="0" hangingPunct="1">
+      <a:lvl5pPr marL="1280160" indent="-182880" algn="l" defTabSz="914400" rtl="0" eaLnBrk="1" latinLnBrk="0" hangingPunct="1">
         <a:lnSpc>
           <a:spcPct val="90000"/>
         </a:lnSpc>
         <a:spcBef>
-          <a:spcPts val="500"/>
+          <a:spcPts val="300"/>
         </a:spcBef>
-        <a:buFont typeface="Arial" panose="020B0604020202020204" pitchFamily="34" charset="0"/>
-        <a:buChar char="•"/>
-        <a:defRPr sz="1800" kern="1200">
+        <a:spcAft>
+          <a:spcPts val="300"/>
+        </a:spcAft>
+        <a:buClr>
+          <a:schemeClr val="accent1"/>
+        </a:buClr>
+        <a:buFont typeface="Wingdings 2" pitchFamily="18" charset="2"/>
+        <a:buChar char=""/>
+        <a:defRPr sz="1400" kern="1200">
           <a:solidFill>
-            <a:schemeClr val="tx1"/>
+            <a:schemeClr val="tx1">
+              <a:lumMod val="85000"/>
+              <a:lumOff val="15000"/>
+            </a:schemeClr>
           </a:solidFill>
           <a:latin typeface="+mn-lt"/>
           <a:ea typeface="+mn-ea"/>
           <a:cs typeface="+mn-cs"/>
         </a:defRPr>
       </a:lvl5pPr>
-      <a:lvl6pPr marL="2514600" indent="-228600" algn="l" defTabSz="914400" rtl="0" eaLnBrk="1" latinLnBrk="0" hangingPunct="1">
+      <a:lvl6pPr marL="1600000" indent="-228600" algn="l" defTabSz="914400" rtl="0" eaLnBrk="1" latinLnBrk="0" hangingPunct="1">
         <a:lnSpc>
           <a:spcPct val="90000"/>
         </a:lnSpc>
         <a:spcBef>
-          <a:spcPts val="500"/>
+          <a:spcPts val="300"/>
         </a:spcBef>
-        <a:buFont typeface="Arial" panose="020B0604020202020204" pitchFamily="34" charset="0"/>
-        <a:buChar char="•"/>
-        <a:defRPr sz="1800" kern="1200">
+        <a:spcAft>
+          <a:spcPts val="300"/>
+        </a:spcAft>
+        <a:buClr>
+          <a:schemeClr val="accent1"/>
+        </a:buClr>
+        <a:buFont typeface="Wingdings 2" pitchFamily="18" charset="2"/>
+        <a:buChar char=""/>
+        <a:defRPr sz="1400" kern="1200">
           <a:solidFill>
-            <a:schemeClr val="tx1"/>
+            <a:schemeClr val="tx1">
+              <a:lumMod val="85000"/>
+              <a:lumOff val="15000"/>
+            </a:schemeClr>
           </a:solidFill>
           <a:latin typeface="+mn-lt"/>
           <a:ea typeface="+mn-ea"/>
           <a:cs typeface="+mn-cs"/>
         </a:defRPr>
       </a:lvl6pPr>
-      <a:lvl7pPr marL="2971800" indent="-228600" algn="l" defTabSz="914400" rtl="0" eaLnBrk="1" latinLnBrk="0" hangingPunct="1">
+      <a:lvl7pPr marL="1900000" indent="-228600" algn="l" defTabSz="914400" rtl="0" eaLnBrk="1" latinLnBrk="0" hangingPunct="1">
         <a:lnSpc>
           <a:spcPct val="90000"/>
         </a:lnSpc>
         <a:spcBef>
-          <a:spcPts val="500"/>
+          <a:spcPts val="300"/>
         </a:spcBef>
-        <a:buFont typeface="Arial" panose="020B0604020202020204" pitchFamily="34" charset="0"/>
-        <a:buChar char="•"/>
-        <a:defRPr sz="1800" kern="1200">
+        <a:spcAft>
+          <a:spcPts val="300"/>
+        </a:spcAft>
+        <a:buClr>
+          <a:schemeClr val="accent1"/>
+        </a:buClr>
+        <a:buFont typeface="Wingdings 2" pitchFamily="18" charset="2"/>
+        <a:buChar char=""/>
+        <a:defRPr sz="1400" kern="1200">
           <a:solidFill>
-            <a:schemeClr val="tx1"/>
+            <a:schemeClr val="tx1">
+              <a:lumMod val="85000"/>
+              <a:lumOff val="15000"/>
+            </a:schemeClr>
           </a:solidFill>
           <a:latin typeface="+mn-lt"/>
           <a:ea typeface="+mn-ea"/>
           <a:cs typeface="+mn-cs"/>
         </a:defRPr>
       </a:lvl7pPr>
-      <a:lvl8pPr marL="3429000" indent="-228600" algn="l" defTabSz="914400" rtl="0" eaLnBrk="1" latinLnBrk="0" hangingPunct="1">
+      <a:lvl8pPr marL="2200000" indent="-228600" algn="l" defTabSz="914400" rtl="0" eaLnBrk="1" latinLnBrk="0" hangingPunct="1">
         <a:lnSpc>
           <a:spcPct val="90000"/>
         </a:lnSpc>
         <a:spcBef>
-          <a:spcPts val="500"/>
+          <a:spcPts val="300"/>
         </a:spcBef>
-        <a:buFont typeface="Arial" panose="020B0604020202020204" pitchFamily="34" charset="0"/>
-        <a:buChar char="•"/>
-        <a:defRPr sz="1800" kern="1200">
+        <a:spcAft>
+          <a:spcPts val="300"/>
+        </a:spcAft>
+        <a:buClr>
+          <a:schemeClr val="accent1"/>
+        </a:buClr>
+        <a:buFont typeface="Wingdings 2" pitchFamily="18" charset="2"/>
+        <a:buChar char=""/>
+        <a:defRPr sz="1400" kern="1200">
           <a:solidFill>
-            <a:schemeClr val="tx1"/>
+            <a:schemeClr val="tx1">
+              <a:lumMod val="85000"/>
+              <a:lumOff val="15000"/>
+            </a:schemeClr>
           </a:solidFill>
           <a:latin typeface="+mn-lt"/>
           <a:ea typeface="+mn-ea"/>
           <a:cs typeface="+mn-cs"/>
         </a:defRPr>
       </a:lvl8pPr>
-      <a:lvl9pPr marL="3886200" indent="-228600" algn="l" defTabSz="914400" rtl="0" eaLnBrk="1" latinLnBrk="0" hangingPunct="1">
+      <a:lvl9pPr marL="2500000" indent="-228600" algn="l" defTabSz="914400" rtl="0" eaLnBrk="1" latinLnBrk="0" hangingPunct="1">
         <a:lnSpc>
           <a:spcPct val="90000"/>
         </a:lnSpc>
         <a:spcBef>
-          <a:spcPts val="500"/>
+          <a:spcPts val="300"/>
         </a:spcBef>
-        <a:buFont typeface="Arial" panose="020B0604020202020204" pitchFamily="34" charset="0"/>
-        <a:buChar char="•"/>
-        <a:defRPr sz="1800" kern="1200">
+        <a:spcAft>
+          <a:spcPts val="300"/>
+        </a:spcAft>
+        <a:buClr>
+          <a:schemeClr val="accent1"/>
+        </a:buClr>
+        <a:buFont typeface="Wingdings 2" pitchFamily="18" charset="2"/>
+        <a:buChar char=""/>
+        <a:defRPr sz="1400" kern="1200">
           <a:solidFill>
-            <a:schemeClr val="tx1"/>
+            <a:schemeClr val="tx1">
+              <a:lumMod val="85000"/>
+              <a:lumOff val="15000"/>
+            </a:schemeClr>
           </a:solidFill>
           <a:latin typeface="+mn-lt"/>
           <a:ea typeface="+mn-ea"/>
@@ -3328,6 +7313,42 @@
           <a:chExt cx="0" cy="0"/>
         </a:xfrm>
       </p:grpSpPr>
+      <p:pic>
+        <p:nvPicPr>
+          <p:cNvPr id="7" name="Picture 6">
+            <a:extLst>
+              <a:ext uri="{FF2B5EF4-FFF2-40B4-BE49-F238E27FC236}">
+                <a16:creationId xmlns:a16="http://schemas.microsoft.com/office/drawing/2014/main" id="{01671259-444A-6977-0F3E-6D46F2C306B4}"/>
+              </a:ext>
+            </a:extLst>
+          </p:cNvPr>
+          <p:cNvPicPr>
+            <a:picLocks noChangeAspect="1"/>
+          </p:cNvPicPr>
+          <p:nvPr/>
+        </p:nvPicPr>
+        <p:blipFill>
+          <a:blip r:embed="rId2">
+            <a:extLst>
+              <a:ext uri="{28A0092B-C50C-407E-A947-70E740481C1C}">
+                <a14:useLocalDpi xmlns:a14="http://schemas.microsoft.com/office/drawing/2010/main" val="0"/>
+              </a:ext>
+            </a:extLst>
+          </a:blip>
+          <a:stretch>
+            <a:fillRect/>
+          </a:stretch>
+        </p:blipFill>
+        <p:spPr>
+          <a:xfrm>
+            <a:off x="879152" y="300924"/>
+            <a:ext cx="10787184" cy="6067791"/>
+          </a:xfrm>
+          <a:prstGeom prst="rect">
+            <a:avLst/>
+          </a:prstGeom>
+        </p:spPr>
+      </p:pic>
       <p:sp>
         <p:nvSpPr>
           <p:cNvPr id="2" name="Title 1">
@@ -3344,9 +7365,16 @@
             <p:ph type="ctrTitle"/>
           </p:nvPr>
         </p:nvSpPr>
-        <p:spPr/>
+        <p:spPr>
+          <a:xfrm>
+            <a:off x="2773680" y="2317749"/>
+            <a:ext cx="9418320" cy="1012371"/>
+          </a:xfrm>
+        </p:spPr>
         <p:txBody>
-          <a:bodyPr/>
+          <a:bodyPr>
+            <a:normAutofit fontScale="90000"/>
+          </a:bodyPr>
           <a:lstStyle/>
           <a:p>
             <a:r>
@@ -3372,21 +7400,38 @@
             <p:ph type="subTitle" idx="1"/>
           </p:nvPr>
         </p:nvSpPr>
-        <p:spPr/>
+        <p:spPr>
+          <a:xfrm>
+            <a:off x="4408417" y="3443659"/>
+            <a:ext cx="9418320" cy="1691640"/>
+          </a:xfrm>
+        </p:spPr>
         <p:txBody>
           <a:bodyPr/>
           <a:lstStyle/>
           <a:p>
             <a:r>
-              <a:rPr lang="en-US" dirty="0"/>
+              <a:rPr lang="en-US" dirty="0">
+                <a:solidFill>
+                  <a:schemeClr val="tx1"/>
+                </a:solidFill>
+              </a:rPr>
               <a:t>Husain </a:t>
             </a:r>
             <a:r>
-              <a:rPr lang="en-US" dirty="0" err="1"/>
+              <a:rPr lang="en-US" dirty="0" err="1">
+                <a:solidFill>
+                  <a:schemeClr val="tx1"/>
+                </a:solidFill>
+              </a:rPr>
               <a:t>Patanwala</a:t>
             </a:r>
             <a:r>
-              <a:rPr lang="en-US" dirty="0"/>
+              <a:rPr lang="en-US" dirty="0">
+                <a:solidFill>
+                  <a:schemeClr val="tx1"/>
+                </a:solidFill>
+              </a:rPr>
               <a:t> (CS210)</a:t>
             </a:r>
           </a:p>
@@ -3408,6 +7453,16 @@
 <file path=ppt/slides/slide2.xml><?xml version="1.0" encoding="utf-8"?>
 <p:sld xmlns:a="http://schemas.openxmlformats.org/drawingml/2006/main" xmlns:r="http://schemas.openxmlformats.org/officeDocument/2006/relationships" xmlns:p="http://schemas.openxmlformats.org/presentationml/2006/main">
   <p:cSld>
+    <p:bg>
+      <p:bgPr>
+        <a:solidFill>
+          <a:schemeClr val="bg1">
+            <a:lumMod val="75000"/>
+          </a:schemeClr>
+        </a:solidFill>
+        <a:effectLst/>
+      </p:bgPr>
+    </p:bg>
     <p:spTree>
       <p:nvGrpSpPr>
         <p:cNvPr id="1" name=""/>
@@ -3438,7 +7493,12 @@
             <p:ph type="title"/>
           </p:nvPr>
         </p:nvSpPr>
-        <p:spPr/>
+        <p:spPr>
+          <a:xfrm>
+            <a:off x="1261872" y="365760"/>
+            <a:ext cx="9692640" cy="1325562"/>
+          </a:xfrm>
+        </p:spPr>
         <p:txBody>
           <a:bodyPr/>
           <a:lstStyle/>
@@ -3466,9 +7526,16 @@
             <p:ph idx="1"/>
           </p:nvPr>
         </p:nvSpPr>
-        <p:spPr/>
+        <p:spPr>
+          <a:xfrm>
+            <a:off x="1261872" y="1828800"/>
+            <a:ext cx="5113528" cy="4351337"/>
+          </a:xfrm>
+        </p:spPr>
         <p:txBody>
-          <a:bodyPr/>
+          <a:bodyPr>
+            <a:normAutofit lnSpcReduction="10000"/>
+          </a:bodyPr>
           <a:lstStyle/>
           <a:p>
             <a:pPr marL="0" indent="0">
@@ -3515,7 +7582,7 @@
                 <a:ea typeface="Calibri" panose="020F0502020204030204" pitchFamily="34" charset="0"/>
                 <a:cs typeface="Times New Roman" panose="02020603050405020304" pitchFamily="18" charset="0"/>
               </a:rPr>
-              <a:t>Destroyer”. The main premise of the game is to traverse through the map which will be implemented using a graph, and the player has to battle monsters in turn-base combat. To learn new skills, players must unlock items on the skill with loot/gold earned from fights. Certain skills will be more effective against certain monsters, and thus, players will have to focus on unlocking different parts of the skill tree to ensure they can pass levels. Also, user related info will be stored using </a:t>
+              <a:t>Destroyer”. The main premise of the game is to traverse through the map which will be implemented using a graph, and the player has to battle monsters in turn-base combat. To learn new skills, players must gain experience and work their way through the map. Certain skills will be more effective against certain monsters, and thus, players will have to focus on unlocking different parts of the skill tree to ensure they can pass levels. Also, user related info will be stored using </a:t>
             </a:r>
             <a:r>
               <a:rPr lang="en-US" sz="1800" kern="100" dirty="0" err="1">
@@ -3569,6 +7636,474 @@
           </a:p>
         </p:txBody>
       </p:sp>
+      <p:sp>
+        <p:nvSpPr>
+          <p:cNvPr id="4" name="Content Placeholder 2">
+            <a:extLst>
+              <a:ext uri="{FF2B5EF4-FFF2-40B4-BE49-F238E27FC236}">
+                <a16:creationId xmlns:a16="http://schemas.microsoft.com/office/drawing/2014/main" id="{A829879C-1F13-FD87-1862-612217896F42}"/>
+              </a:ext>
+            </a:extLst>
+          </p:cNvPr>
+          <p:cNvSpPr txBox="1">
+            <a:spLocks/>
+          </p:cNvSpPr>
+          <p:nvPr/>
+        </p:nvSpPr>
+        <p:spPr>
+          <a:xfrm>
+            <a:off x="6375400" y="1828799"/>
+            <a:ext cx="4420616" cy="4351337"/>
+          </a:xfrm>
+          <a:prstGeom prst="rect">
+            <a:avLst/>
+          </a:prstGeom>
+        </p:spPr>
+        <p:txBody>
+          <a:bodyPr vert="horz" lIns="91440" tIns="45720" rIns="91440" bIns="45720" rtlCol="0">
+            <a:normAutofit fontScale="92500" lnSpcReduction="20000"/>
+          </a:bodyPr>
+          <a:lstStyle>
+            <a:lvl1pPr marL="182880" indent="-182880" algn="l" defTabSz="914400" rtl="0" eaLnBrk="1" latinLnBrk="0" hangingPunct="1">
+              <a:lnSpc>
+                <a:spcPct val="95000"/>
+              </a:lnSpc>
+              <a:spcBef>
+                <a:spcPts val="1400"/>
+              </a:spcBef>
+              <a:spcAft>
+                <a:spcPts val="200"/>
+              </a:spcAft>
+              <a:buClr>
+                <a:schemeClr val="accent1"/>
+              </a:buClr>
+              <a:buSzPct val="80000"/>
+              <a:buFont typeface="Arial" pitchFamily="34" charset="0"/>
+              <a:buChar char="•"/>
+              <a:defRPr sz="1800" kern="1200" spc="10" baseline="0">
+                <a:solidFill>
+                  <a:schemeClr val="tx1"/>
+                </a:solidFill>
+                <a:latin typeface="+mn-lt"/>
+                <a:ea typeface="+mn-ea"/>
+                <a:cs typeface="+mn-cs"/>
+              </a:defRPr>
+            </a:lvl1pPr>
+            <a:lvl2pPr marL="457200" indent="-182880" algn="l" defTabSz="914400" rtl="0" eaLnBrk="1" latinLnBrk="0" hangingPunct="1">
+              <a:lnSpc>
+                <a:spcPct val="90000"/>
+              </a:lnSpc>
+              <a:spcBef>
+                <a:spcPts val="300"/>
+              </a:spcBef>
+              <a:spcAft>
+                <a:spcPts val="300"/>
+              </a:spcAft>
+              <a:buClr>
+                <a:schemeClr val="accent1"/>
+              </a:buClr>
+              <a:buFont typeface="Wingdings 2" pitchFamily="18" charset="2"/>
+              <a:buChar char=""/>
+              <a:defRPr sz="1600" kern="1200">
+                <a:solidFill>
+                  <a:schemeClr val="tx1">
+                    <a:lumMod val="85000"/>
+                    <a:lumOff val="15000"/>
+                  </a:schemeClr>
+                </a:solidFill>
+                <a:latin typeface="+mn-lt"/>
+                <a:ea typeface="+mn-ea"/>
+                <a:cs typeface="+mn-cs"/>
+              </a:defRPr>
+            </a:lvl2pPr>
+            <a:lvl3pPr marL="731520" indent="-182880" algn="l" defTabSz="914400" rtl="0" eaLnBrk="1" latinLnBrk="0" hangingPunct="1">
+              <a:lnSpc>
+                <a:spcPct val="90000"/>
+              </a:lnSpc>
+              <a:spcBef>
+                <a:spcPts val="300"/>
+              </a:spcBef>
+              <a:spcAft>
+                <a:spcPts val="300"/>
+              </a:spcAft>
+              <a:buClr>
+                <a:schemeClr val="accent1"/>
+              </a:buClr>
+              <a:buFont typeface="Wingdings 2" pitchFamily="18" charset="2"/>
+              <a:buChar char=""/>
+              <a:defRPr sz="1400" kern="1200">
+                <a:solidFill>
+                  <a:schemeClr val="tx1">
+                    <a:lumMod val="85000"/>
+                    <a:lumOff val="15000"/>
+                  </a:schemeClr>
+                </a:solidFill>
+                <a:latin typeface="+mn-lt"/>
+                <a:ea typeface="+mn-ea"/>
+                <a:cs typeface="+mn-cs"/>
+              </a:defRPr>
+            </a:lvl3pPr>
+            <a:lvl4pPr marL="1005840" indent="-182880" algn="l" defTabSz="914400" rtl="0" eaLnBrk="1" latinLnBrk="0" hangingPunct="1">
+              <a:lnSpc>
+                <a:spcPct val="90000"/>
+              </a:lnSpc>
+              <a:spcBef>
+                <a:spcPts val="300"/>
+              </a:spcBef>
+              <a:spcAft>
+                <a:spcPts val="300"/>
+              </a:spcAft>
+              <a:buClr>
+                <a:schemeClr val="accent1"/>
+              </a:buClr>
+              <a:buFont typeface="Wingdings 2" pitchFamily="18" charset="2"/>
+              <a:buChar char=""/>
+              <a:defRPr sz="1400" kern="1200">
+                <a:solidFill>
+                  <a:schemeClr val="tx1">
+                    <a:lumMod val="85000"/>
+                    <a:lumOff val="15000"/>
+                  </a:schemeClr>
+                </a:solidFill>
+                <a:latin typeface="+mn-lt"/>
+                <a:ea typeface="+mn-ea"/>
+                <a:cs typeface="+mn-cs"/>
+              </a:defRPr>
+            </a:lvl4pPr>
+            <a:lvl5pPr marL="1280160" indent="-182880" algn="l" defTabSz="914400" rtl="0" eaLnBrk="1" latinLnBrk="0" hangingPunct="1">
+              <a:lnSpc>
+                <a:spcPct val="90000"/>
+              </a:lnSpc>
+              <a:spcBef>
+                <a:spcPts val="300"/>
+              </a:spcBef>
+              <a:spcAft>
+                <a:spcPts val="300"/>
+              </a:spcAft>
+              <a:buClr>
+                <a:schemeClr val="accent1"/>
+              </a:buClr>
+              <a:buFont typeface="Wingdings 2" pitchFamily="18" charset="2"/>
+              <a:buChar char=""/>
+              <a:defRPr sz="1400" kern="1200">
+                <a:solidFill>
+                  <a:schemeClr val="tx1">
+                    <a:lumMod val="85000"/>
+                    <a:lumOff val="15000"/>
+                  </a:schemeClr>
+                </a:solidFill>
+                <a:latin typeface="+mn-lt"/>
+                <a:ea typeface="+mn-ea"/>
+                <a:cs typeface="+mn-cs"/>
+              </a:defRPr>
+            </a:lvl5pPr>
+            <a:lvl6pPr marL="1600000" indent="-228600" algn="l" defTabSz="914400" rtl="0" eaLnBrk="1" latinLnBrk="0" hangingPunct="1">
+              <a:lnSpc>
+                <a:spcPct val="90000"/>
+              </a:lnSpc>
+              <a:spcBef>
+                <a:spcPts val="300"/>
+              </a:spcBef>
+              <a:spcAft>
+                <a:spcPts val="300"/>
+              </a:spcAft>
+              <a:buClr>
+                <a:schemeClr val="accent1"/>
+              </a:buClr>
+              <a:buFont typeface="Wingdings 2" pitchFamily="18" charset="2"/>
+              <a:buChar char=""/>
+              <a:defRPr sz="1400" kern="1200">
+                <a:solidFill>
+                  <a:schemeClr val="tx1">
+                    <a:lumMod val="85000"/>
+                    <a:lumOff val="15000"/>
+                  </a:schemeClr>
+                </a:solidFill>
+                <a:latin typeface="+mn-lt"/>
+                <a:ea typeface="+mn-ea"/>
+                <a:cs typeface="+mn-cs"/>
+              </a:defRPr>
+            </a:lvl6pPr>
+            <a:lvl7pPr marL="1900000" indent="-228600" algn="l" defTabSz="914400" rtl="0" eaLnBrk="1" latinLnBrk="0" hangingPunct="1">
+              <a:lnSpc>
+                <a:spcPct val="90000"/>
+              </a:lnSpc>
+              <a:spcBef>
+                <a:spcPts val="300"/>
+              </a:spcBef>
+              <a:spcAft>
+                <a:spcPts val="300"/>
+              </a:spcAft>
+              <a:buClr>
+                <a:schemeClr val="accent1"/>
+              </a:buClr>
+              <a:buFont typeface="Wingdings 2" pitchFamily="18" charset="2"/>
+              <a:buChar char=""/>
+              <a:defRPr sz="1400" kern="1200">
+                <a:solidFill>
+                  <a:schemeClr val="tx1">
+                    <a:lumMod val="85000"/>
+                    <a:lumOff val="15000"/>
+                  </a:schemeClr>
+                </a:solidFill>
+                <a:latin typeface="+mn-lt"/>
+                <a:ea typeface="+mn-ea"/>
+                <a:cs typeface="+mn-cs"/>
+              </a:defRPr>
+            </a:lvl7pPr>
+            <a:lvl8pPr marL="2200000" indent="-228600" algn="l" defTabSz="914400" rtl="0" eaLnBrk="1" latinLnBrk="0" hangingPunct="1">
+              <a:lnSpc>
+                <a:spcPct val="90000"/>
+              </a:lnSpc>
+              <a:spcBef>
+                <a:spcPts val="300"/>
+              </a:spcBef>
+              <a:spcAft>
+                <a:spcPts val="300"/>
+              </a:spcAft>
+              <a:buClr>
+                <a:schemeClr val="accent1"/>
+              </a:buClr>
+              <a:buFont typeface="Wingdings 2" pitchFamily="18" charset="2"/>
+              <a:buChar char=""/>
+              <a:defRPr sz="1400" kern="1200">
+                <a:solidFill>
+                  <a:schemeClr val="tx1">
+                    <a:lumMod val="85000"/>
+                    <a:lumOff val="15000"/>
+                  </a:schemeClr>
+                </a:solidFill>
+                <a:latin typeface="+mn-lt"/>
+                <a:ea typeface="+mn-ea"/>
+                <a:cs typeface="+mn-cs"/>
+              </a:defRPr>
+            </a:lvl8pPr>
+            <a:lvl9pPr marL="2500000" indent="-228600" algn="l" defTabSz="914400" rtl="0" eaLnBrk="1" latinLnBrk="0" hangingPunct="1">
+              <a:lnSpc>
+                <a:spcPct val="90000"/>
+              </a:lnSpc>
+              <a:spcBef>
+                <a:spcPts val="300"/>
+              </a:spcBef>
+              <a:spcAft>
+                <a:spcPts val="300"/>
+              </a:spcAft>
+              <a:buClr>
+                <a:schemeClr val="accent1"/>
+              </a:buClr>
+              <a:buFont typeface="Wingdings 2" pitchFamily="18" charset="2"/>
+              <a:buChar char=""/>
+              <a:defRPr sz="1400" kern="1200">
+                <a:solidFill>
+                  <a:schemeClr val="tx1">
+                    <a:lumMod val="85000"/>
+                    <a:lumOff val="15000"/>
+                  </a:schemeClr>
+                </a:solidFill>
+                <a:latin typeface="+mn-lt"/>
+                <a:ea typeface="+mn-ea"/>
+                <a:cs typeface="+mn-cs"/>
+              </a:defRPr>
+            </a:lvl9pPr>
+          </a:lstStyle>
+          <a:p>
+            <a:pPr marL="0" indent="0">
+              <a:buFont typeface="Arial" pitchFamily="34" charset="0"/>
+              <a:buNone/>
+            </a:pPr>
+            <a:r>
+              <a:rPr lang="en-US" kern="100" dirty="0">
+                <a:latin typeface="Calibri" panose="020F0502020204030204" pitchFamily="34" charset="0"/>
+                <a:ea typeface="Calibri" panose="020F0502020204030204" pitchFamily="34" charset="0"/>
+                <a:cs typeface="Times New Roman" panose="02020603050405020304" pitchFamily="18" charset="0"/>
+              </a:rPr>
+              <a:t>Data Structures:</a:t>
+            </a:r>
+          </a:p>
+          <a:p>
+            <a:r>
+              <a:rPr lang="en-US" kern="100" dirty="0" err="1">
+                <a:latin typeface="Calibri" panose="020F0502020204030204" pitchFamily="34" charset="0"/>
+                <a:ea typeface="Calibri" panose="020F0502020204030204" pitchFamily="34" charset="0"/>
+                <a:cs typeface="Times New Roman" panose="02020603050405020304" pitchFamily="18" charset="0"/>
+              </a:rPr>
+              <a:t>Hashmap</a:t>
+            </a:r>
+            <a:endParaRPr lang="en-US" kern="100" dirty="0">
+              <a:latin typeface="Calibri" panose="020F0502020204030204" pitchFamily="34" charset="0"/>
+              <a:ea typeface="Calibri" panose="020F0502020204030204" pitchFamily="34" charset="0"/>
+              <a:cs typeface="Times New Roman" panose="02020603050405020304" pitchFamily="18" charset="0"/>
+            </a:endParaRPr>
+          </a:p>
+          <a:p>
+            <a:pPr lvl="1"/>
+            <a:r>
+              <a:rPr lang="en-US" kern="100" dirty="0">
+                <a:latin typeface="Calibri" panose="020F0502020204030204" pitchFamily="34" charset="0"/>
+                <a:ea typeface="Calibri" panose="020F0502020204030204" pitchFamily="34" charset="0"/>
+                <a:cs typeface="Times New Roman" panose="02020603050405020304" pitchFamily="18" charset="0"/>
+              </a:rPr>
+              <a:t>Entity animations </a:t>
+            </a:r>
+          </a:p>
+          <a:p>
+            <a:pPr lvl="1"/>
+            <a:r>
+              <a:rPr lang="en-US" kern="100" dirty="0">
+                <a:latin typeface="Calibri" panose="020F0502020204030204" pitchFamily="34" charset="0"/>
+                <a:ea typeface="Calibri" panose="020F0502020204030204" pitchFamily="34" charset="0"/>
+                <a:cs typeface="Times New Roman" panose="02020603050405020304" pitchFamily="18" charset="0"/>
+              </a:rPr>
+              <a:t>Game colors</a:t>
+            </a:r>
+          </a:p>
+          <a:p>
+            <a:r>
+              <a:rPr lang="en-US" kern="100" dirty="0">
+                <a:latin typeface="Calibri" panose="020F0502020204030204" pitchFamily="34" charset="0"/>
+                <a:ea typeface="Calibri" panose="020F0502020204030204" pitchFamily="34" charset="0"/>
+                <a:cs typeface="Times New Roman" panose="02020603050405020304" pitchFamily="18" charset="0"/>
+              </a:rPr>
+              <a:t>Queue</a:t>
+            </a:r>
+          </a:p>
+          <a:p>
+            <a:pPr lvl="1"/>
+            <a:r>
+              <a:rPr lang="en-US" kern="100" dirty="0">
+                <a:latin typeface="Calibri" panose="020F0502020204030204" pitchFamily="34" charset="0"/>
+                <a:ea typeface="Calibri" panose="020F0502020204030204" pitchFamily="34" charset="0"/>
+                <a:cs typeface="Times New Roman" panose="02020603050405020304" pitchFamily="18" charset="0"/>
+              </a:rPr>
+              <a:t>Each level has a queue to simulate turn based combat</a:t>
+            </a:r>
+          </a:p>
+          <a:p>
+            <a:r>
+              <a:rPr lang="en-US" kern="100" dirty="0">
+                <a:latin typeface="Calibri" panose="020F0502020204030204" pitchFamily="34" charset="0"/>
+                <a:ea typeface="Calibri" panose="020F0502020204030204" pitchFamily="34" charset="0"/>
+                <a:cs typeface="Times New Roman" panose="02020603050405020304" pitchFamily="18" charset="0"/>
+              </a:rPr>
+              <a:t>List</a:t>
+            </a:r>
+          </a:p>
+          <a:p>
+            <a:pPr lvl="1"/>
+            <a:r>
+              <a:rPr lang="en-US" kern="100" dirty="0">
+                <a:latin typeface="Calibri" panose="020F0502020204030204" pitchFamily="34" charset="0"/>
+                <a:ea typeface="Calibri" panose="020F0502020204030204" pitchFamily="34" charset="0"/>
+                <a:cs typeface="Times New Roman" panose="02020603050405020304" pitchFamily="18" charset="0"/>
+              </a:rPr>
+              <a:t>Store frames for each animation sequence</a:t>
+            </a:r>
+          </a:p>
+          <a:p>
+            <a:r>
+              <a:rPr lang="en-US" kern="100" dirty="0">
+                <a:latin typeface="Calibri" panose="020F0502020204030204" pitchFamily="34" charset="0"/>
+                <a:ea typeface="Calibri" panose="020F0502020204030204" pitchFamily="34" charset="0"/>
+                <a:cs typeface="Times New Roman" panose="02020603050405020304" pitchFamily="18" charset="0"/>
+              </a:rPr>
+              <a:t>Tree</a:t>
+            </a:r>
+          </a:p>
+          <a:p>
+            <a:pPr lvl="1"/>
+            <a:r>
+              <a:rPr lang="en-US" kern="100" dirty="0">
+                <a:latin typeface="Calibri" panose="020F0502020204030204" pitchFamily="34" charset="0"/>
+                <a:ea typeface="Calibri" panose="020F0502020204030204" pitchFamily="34" charset="0"/>
+                <a:cs typeface="Times New Roman" panose="02020603050405020304" pitchFamily="18" charset="0"/>
+              </a:rPr>
+              <a:t>A skill tree used to show player progression; new skill will unlock based on level completion</a:t>
+            </a:r>
+          </a:p>
+          <a:p>
+            <a:r>
+              <a:rPr lang="en-US" kern="100" dirty="0">
+                <a:latin typeface="Calibri" panose="020F0502020204030204" pitchFamily="34" charset="0"/>
+                <a:ea typeface="Calibri" panose="020F0502020204030204" pitchFamily="34" charset="0"/>
+                <a:cs typeface="Times New Roman" panose="02020603050405020304" pitchFamily="18" charset="0"/>
+              </a:rPr>
+              <a:t>Graph</a:t>
+            </a:r>
+          </a:p>
+          <a:p>
+            <a:pPr lvl="1"/>
+            <a:r>
+              <a:rPr lang="en-US" kern="100" dirty="0">
+                <a:latin typeface="Calibri" panose="020F0502020204030204" pitchFamily="34" charset="0"/>
+                <a:ea typeface="Calibri" panose="020F0502020204030204" pitchFamily="34" charset="0"/>
+                <a:cs typeface="Times New Roman" panose="02020603050405020304" pitchFamily="18" charset="0"/>
+              </a:rPr>
+              <a:t>Used to represent the map structure </a:t>
+            </a:r>
+          </a:p>
+          <a:p>
+            <a:endParaRPr lang="en-US" dirty="0"/>
+          </a:p>
+        </p:txBody>
+      </p:sp>
+      <p:pic>
+        <p:nvPicPr>
+          <p:cNvPr id="8" name="Picture 7">
+            <a:extLst>
+              <a:ext uri="{FF2B5EF4-FFF2-40B4-BE49-F238E27FC236}">
+                <a16:creationId xmlns:a16="http://schemas.microsoft.com/office/drawing/2014/main" id="{55D127CC-4E89-0952-99CF-51EFC7996B62}"/>
+              </a:ext>
+            </a:extLst>
+          </p:cNvPr>
+          <p:cNvPicPr>
+            <a:picLocks noChangeAspect="1"/>
+          </p:cNvPicPr>
+          <p:nvPr/>
+        </p:nvPicPr>
+        <p:blipFill>
+          <a:blip r:embed="rId2"/>
+          <a:srcRect l="35917" t="25729" r="21952"/>
+          <a:stretch/>
+        </p:blipFill>
+        <p:spPr>
+          <a:xfrm>
+            <a:off x="9779588" y="1224379"/>
+            <a:ext cx="1203158" cy="1790051"/>
+          </a:xfrm>
+          <a:prstGeom prst="rect">
+            <a:avLst/>
+          </a:prstGeom>
+        </p:spPr>
+      </p:pic>
+      <p:pic>
+        <p:nvPicPr>
+          <p:cNvPr id="5" name="Picture 4">
+            <a:extLst>
+              <a:ext uri="{FF2B5EF4-FFF2-40B4-BE49-F238E27FC236}">
+                <a16:creationId xmlns:a16="http://schemas.microsoft.com/office/drawing/2014/main" id="{C5019AC7-FC12-441A-EC81-0D7CB40A1EAF}"/>
+              </a:ext>
+            </a:extLst>
+          </p:cNvPr>
+          <p:cNvPicPr>
+            <a:picLocks noChangeAspect="1"/>
+          </p:cNvPicPr>
+          <p:nvPr/>
+        </p:nvPicPr>
+        <p:blipFill>
+          <a:blip r:embed="rId3"/>
+          <a:srcRect l="25519" t="31056" r="32349"/>
+          <a:stretch/>
+        </p:blipFill>
+        <p:spPr>
+          <a:xfrm>
+            <a:off x="8499428" y="1691322"/>
+            <a:ext cx="1203158" cy="1504872"/>
+          </a:xfrm>
+          <a:prstGeom prst="rect">
+            <a:avLst/>
+          </a:prstGeom>
+        </p:spPr>
+      </p:pic>
     </p:spTree>
     <p:extLst>
       <p:ext uri="{BB962C8B-B14F-4D97-AF65-F5344CB8AC3E}">
@@ -3585,6 +8120,195 @@
 <file path=ppt/slides/slide3.xml><?xml version="1.0" encoding="utf-8"?>
 <p:sld xmlns:a="http://schemas.openxmlformats.org/drawingml/2006/main" xmlns:r="http://schemas.openxmlformats.org/officeDocument/2006/relationships" xmlns:p="http://schemas.openxmlformats.org/presentationml/2006/main">
   <p:cSld>
+    <p:bg>
+      <p:bgPr>
+        <a:solidFill>
+          <a:schemeClr val="bg1">
+            <a:lumMod val="75000"/>
+          </a:schemeClr>
+        </a:solidFill>
+        <a:effectLst/>
+      </p:bgPr>
+    </p:bg>
+    <p:spTree>
+      <p:nvGrpSpPr>
+        <p:cNvPr id="1" name=""/>
+        <p:cNvGrpSpPr/>
+        <p:nvPr/>
+      </p:nvGrpSpPr>
+      <p:grpSpPr>
+        <a:xfrm>
+          <a:off x="0" y="0"/>
+          <a:ext cx="0" cy="0"/>
+          <a:chOff x="0" y="0"/>
+          <a:chExt cx="0" cy="0"/>
+        </a:xfrm>
+      </p:grpSpPr>
+      <p:pic>
+        <p:nvPicPr>
+          <p:cNvPr id="7" name="Picture 6">
+            <a:extLst>
+              <a:ext uri="{FF2B5EF4-FFF2-40B4-BE49-F238E27FC236}">
+                <a16:creationId xmlns:a16="http://schemas.microsoft.com/office/drawing/2014/main" id="{0404F4AB-53ED-D90C-2C68-8F8153C3CF20}"/>
+              </a:ext>
+            </a:extLst>
+          </p:cNvPr>
+          <p:cNvPicPr>
+            <a:picLocks noChangeAspect="1"/>
+          </p:cNvPicPr>
+          <p:nvPr/>
+        </p:nvPicPr>
+        <p:blipFill>
+          <a:blip r:embed="rId2"/>
+          <a:stretch>
+            <a:fillRect/>
+          </a:stretch>
+        </p:blipFill>
+        <p:spPr>
+          <a:xfrm>
+            <a:off x="545431" y="289199"/>
+            <a:ext cx="6114221" cy="3641558"/>
+          </a:xfrm>
+          <a:prstGeom prst="rect">
+            <a:avLst/>
+          </a:prstGeom>
+        </p:spPr>
+      </p:pic>
+      <p:pic>
+        <p:nvPicPr>
+          <p:cNvPr id="11" name="Picture 10">
+            <a:extLst>
+              <a:ext uri="{FF2B5EF4-FFF2-40B4-BE49-F238E27FC236}">
+                <a16:creationId xmlns:a16="http://schemas.microsoft.com/office/drawing/2014/main" id="{5ED25FA4-3B3D-0D28-5941-4DB5093290B4}"/>
+              </a:ext>
+            </a:extLst>
+          </p:cNvPr>
+          <p:cNvPicPr>
+            <a:picLocks noChangeAspect="1"/>
+          </p:cNvPicPr>
+          <p:nvPr/>
+        </p:nvPicPr>
+        <p:blipFill>
+          <a:blip r:embed="rId3"/>
+          <a:stretch>
+            <a:fillRect/>
+          </a:stretch>
+        </p:blipFill>
+        <p:spPr>
+          <a:xfrm>
+            <a:off x="4808792" y="2344735"/>
+            <a:ext cx="6213872" cy="4512824"/>
+          </a:xfrm>
+          <a:prstGeom prst="rect">
+            <a:avLst/>
+          </a:prstGeom>
+        </p:spPr>
+      </p:pic>
+      <p:sp>
+        <p:nvSpPr>
+          <p:cNvPr id="12" name="TextBox 11">
+            <a:extLst>
+              <a:ext uri="{FF2B5EF4-FFF2-40B4-BE49-F238E27FC236}">
+                <a16:creationId xmlns:a16="http://schemas.microsoft.com/office/drawing/2014/main" id="{D9B84830-D18D-B1C1-C546-D200CA27207A}"/>
+              </a:ext>
+            </a:extLst>
+          </p:cNvPr>
+          <p:cNvSpPr txBox="1"/>
+          <p:nvPr/>
+        </p:nvSpPr>
+        <p:spPr>
+          <a:xfrm>
+            <a:off x="7363327" y="1084616"/>
+            <a:ext cx="4076432" cy="369332"/>
+          </a:xfrm>
+          <a:prstGeom prst="rect">
+            <a:avLst/>
+          </a:prstGeom>
+          <a:noFill/>
+        </p:spPr>
+        <p:txBody>
+          <a:bodyPr wrap="square" rtlCol="0">
+            <a:spAutoFit/>
+          </a:bodyPr>
+          <a:lstStyle/>
+          <a:p>
+            <a:r>
+              <a:rPr lang="en-US" dirty="0">
+                <a:sym typeface="Wingdings" panose="05000000000000000000" pitchFamily="2" charset="2"/>
+              </a:rPr>
+              <a:t> </a:t>
+            </a:r>
+            <a:r>
+              <a:rPr lang="en-US" dirty="0"/>
+              <a:t>Main menu function</a:t>
+            </a:r>
+          </a:p>
+        </p:txBody>
+      </p:sp>
+      <p:sp>
+        <p:nvSpPr>
+          <p:cNvPr id="13" name="TextBox 12">
+            <a:extLst>
+              <a:ext uri="{FF2B5EF4-FFF2-40B4-BE49-F238E27FC236}">
+                <a16:creationId xmlns:a16="http://schemas.microsoft.com/office/drawing/2014/main" id="{9B74CCB5-9721-4446-3342-D1A8A9912F26}"/>
+              </a:ext>
+            </a:extLst>
+          </p:cNvPr>
+          <p:cNvSpPr txBox="1"/>
+          <p:nvPr/>
+        </p:nvSpPr>
+        <p:spPr>
+          <a:xfrm>
+            <a:off x="1331494" y="5209492"/>
+            <a:ext cx="4076432" cy="369332"/>
+          </a:xfrm>
+          <a:prstGeom prst="rect">
+            <a:avLst/>
+          </a:prstGeom>
+          <a:noFill/>
+        </p:spPr>
+        <p:txBody>
+          <a:bodyPr wrap="square" rtlCol="0">
+            <a:spAutoFit/>
+          </a:bodyPr>
+          <a:lstStyle/>
+          <a:p>
+            <a:r>
+              <a:rPr lang="en-US" dirty="0">
+                <a:sym typeface="Wingdings" panose="05000000000000000000" pitchFamily="2" charset="2"/>
+              </a:rPr>
+              <a:t>Knight constructor  </a:t>
+            </a:r>
+            <a:endParaRPr lang="en-US" dirty="0"/>
+          </a:p>
+        </p:txBody>
+      </p:sp>
+    </p:spTree>
+    <p:extLst>
+      <p:ext uri="{BB962C8B-B14F-4D97-AF65-F5344CB8AC3E}">
+        <p14:creationId xmlns:p14="http://schemas.microsoft.com/office/powerpoint/2010/main" val="3887201389"/>
+      </p:ext>
+    </p:extLst>
+  </p:cSld>
+  <p:clrMapOvr>
+    <a:masterClrMapping/>
+  </p:clrMapOvr>
+</p:sld>
+</file>
+
+<file path=ppt/slides/slide4.xml><?xml version="1.0" encoding="utf-8"?>
+<p:sld xmlns:a="http://schemas.openxmlformats.org/drawingml/2006/main" xmlns:r="http://schemas.openxmlformats.org/officeDocument/2006/relationships" xmlns:p="http://schemas.openxmlformats.org/presentationml/2006/main">
+  <p:cSld>
+    <p:bg>
+      <p:bgPr>
+        <a:solidFill>
+          <a:schemeClr val="bg1">
+            <a:lumMod val="75000"/>
+          </a:schemeClr>
+        </a:solidFill>
+        <a:effectLst/>
+      </p:bgPr>
+    </p:bg>
     <p:spTree>
       <p:nvGrpSpPr>
         <p:cNvPr id="1" name=""/>
@@ -3604,7 +8328,7 @@
           <p:cNvPr id="2" name="Title 1">
             <a:extLst>
               <a:ext uri="{FF2B5EF4-FFF2-40B4-BE49-F238E27FC236}">
-                <a16:creationId xmlns:a16="http://schemas.microsoft.com/office/drawing/2014/main" id="{ACD027A1-7AF4-8C94-6EE4-46DE593BB918}"/>
+                <a16:creationId xmlns:a16="http://schemas.microsoft.com/office/drawing/2014/main" id="{FA7D63A0-0309-2ACE-B5F1-1F379175528F}"/>
               </a:ext>
             </a:extLst>
           </p:cNvPr>
@@ -3615,24 +8339,29 @@
             <p:ph type="title"/>
           </p:nvPr>
         </p:nvSpPr>
-        <p:spPr/>
+        <p:spPr>
+          <a:xfrm>
+            <a:off x="1261872" y="189298"/>
+            <a:ext cx="9692640" cy="1325562"/>
+          </a:xfrm>
+        </p:spPr>
         <p:txBody>
           <a:bodyPr/>
           <a:lstStyle/>
           <a:p>
             <a:r>
               <a:rPr lang="en-US" dirty="0"/>
-              <a:t>Initial game &amp; assets</a:t>
+              <a:t>GUI Mockups + Progress so Far</a:t>
             </a:r>
           </a:p>
         </p:txBody>
       </p:sp>
       <p:pic>
         <p:nvPicPr>
-          <p:cNvPr id="4" name="Picture 3">
+          <p:cNvPr id="5" name="Picture 4">
             <a:extLst>
               <a:ext uri="{FF2B5EF4-FFF2-40B4-BE49-F238E27FC236}">
-                <a16:creationId xmlns:a16="http://schemas.microsoft.com/office/drawing/2014/main" id="{9F220634-2A89-1D0D-544C-07B25612FA66}"/>
+                <a16:creationId xmlns:a16="http://schemas.microsoft.com/office/drawing/2014/main" id="{DAF72C20-5321-AA9E-47C1-BF39073DA827}"/>
               </a:ext>
             </a:extLst>
           </p:cNvPr>
@@ -3643,14 +8372,13 @@
         </p:nvPicPr>
         <p:blipFill>
           <a:blip r:embed="rId2"/>
-          <a:stretch>
-            <a:fillRect/>
-          </a:stretch>
+          <a:srcRect t="11860"/>
+          <a:stretch/>
         </p:blipFill>
         <p:spPr>
           <a:xfrm>
-            <a:off x="1119297" y="1771351"/>
-            <a:ext cx="6338396" cy="4524927"/>
+            <a:off x="491851" y="1798784"/>
+            <a:ext cx="5104503" cy="3111856"/>
           </a:xfrm>
           <a:prstGeom prst="rect">
             <a:avLst/>
@@ -3659,10 +8387,10 @@
       </p:pic>
       <p:pic>
         <p:nvPicPr>
-          <p:cNvPr id="6" name="Picture 5">
+          <p:cNvPr id="7" name="Picture 6">
             <a:extLst>
               <a:ext uri="{FF2B5EF4-FFF2-40B4-BE49-F238E27FC236}">
-                <a16:creationId xmlns:a16="http://schemas.microsoft.com/office/drawing/2014/main" id="{C5019AC7-FC12-441A-EC81-0D7CB40A1EAF}"/>
+                <a16:creationId xmlns:a16="http://schemas.microsoft.com/office/drawing/2014/main" id="{B962C64B-C894-F1F5-36DA-FBBFDF51765A}"/>
               </a:ext>
             </a:extLst>
           </p:cNvPr>
@@ -3679,48 +8407,935 @@
         </p:blipFill>
         <p:spPr>
           <a:xfrm>
-            <a:off x="7761233" y="1758773"/>
-            <a:ext cx="2855674" cy="2182736"/>
+            <a:off x="6096000" y="1775598"/>
+            <a:ext cx="4748463" cy="3065798"/>
           </a:xfrm>
           <a:prstGeom prst="rect">
             <a:avLst/>
           </a:prstGeom>
         </p:spPr>
       </p:pic>
-      <p:pic>
-        <p:nvPicPr>
-          <p:cNvPr id="8" name="Picture 7">
+      <p:sp>
+        <p:nvSpPr>
+          <p:cNvPr id="8" name="TextBox 7">
             <a:extLst>
               <a:ext uri="{FF2B5EF4-FFF2-40B4-BE49-F238E27FC236}">
-                <a16:creationId xmlns:a16="http://schemas.microsoft.com/office/drawing/2014/main" id="{55D127CC-4E89-0952-99CF-51EFC7996B62}"/>
+                <a16:creationId xmlns:a16="http://schemas.microsoft.com/office/drawing/2014/main" id="{0441C779-4F7D-B72C-1A4A-F5B3729AD3A4}"/>
               </a:ext>
             </a:extLst>
           </p:cNvPr>
-          <p:cNvPicPr>
-            <a:picLocks noChangeAspect="1"/>
-          </p:cNvPicPr>
+          <p:cNvSpPr txBox="1"/>
           <p:nvPr/>
-        </p:nvPicPr>
-        <p:blipFill>
-          <a:blip r:embed="rId4"/>
-          <a:stretch>
-            <a:fillRect/>
-          </a:stretch>
-        </p:blipFill>
+        </p:nvSpPr>
         <p:spPr>
           <a:xfrm>
-            <a:off x="7761233" y="3900848"/>
-            <a:ext cx="2855675" cy="2410161"/>
+            <a:off x="491851" y="5229727"/>
+            <a:ext cx="5104503" cy="923330"/>
           </a:xfrm>
           <a:prstGeom prst="rect">
             <a:avLst/>
           </a:prstGeom>
+          <a:noFill/>
         </p:spPr>
-      </p:pic>
+        <p:txBody>
+          <a:bodyPr wrap="square" rtlCol="0">
+            <a:spAutoFit/>
+          </a:bodyPr>
+          <a:lstStyle/>
+          <a:p>
+            <a:r>
+              <a:rPr lang="en-US" dirty="0"/>
+              <a:t>This is the main menu/start screen of the game. From here you can either view the game map (in progress) or the skill tree (</a:t>
+            </a:r>
+            <a:r>
+              <a:rPr lang="en-US" dirty="0" err="1"/>
+              <a:t>tbd</a:t>
+            </a:r>
+            <a:r>
+              <a:rPr lang="en-US" dirty="0"/>
+              <a:t>). </a:t>
+            </a:r>
+          </a:p>
+        </p:txBody>
+      </p:sp>
+      <p:sp>
+        <p:nvSpPr>
+          <p:cNvPr id="9" name="TextBox 8">
+            <a:extLst>
+              <a:ext uri="{FF2B5EF4-FFF2-40B4-BE49-F238E27FC236}">
+                <a16:creationId xmlns:a16="http://schemas.microsoft.com/office/drawing/2014/main" id="{977FC5B4-C519-9078-DB0E-9ABFF0D9E863}"/>
+              </a:ext>
+            </a:extLst>
+          </p:cNvPr>
+          <p:cNvSpPr txBox="1"/>
+          <p:nvPr/>
+        </p:nvSpPr>
+        <p:spPr>
+          <a:xfrm>
+            <a:off x="6096000" y="5229727"/>
+            <a:ext cx="5104503" cy="1200329"/>
+          </a:xfrm>
+          <a:prstGeom prst="rect">
+            <a:avLst/>
+          </a:prstGeom>
+          <a:noFill/>
+        </p:spPr>
+        <p:txBody>
+          <a:bodyPr wrap="square" rtlCol="0">
+            <a:spAutoFit/>
+          </a:bodyPr>
+          <a:lstStyle/>
+          <a:p>
+            <a:r>
+              <a:rPr lang="en-US" dirty="0"/>
+              <a:t>This is an example of a possible level. The health bars are show in green, and adapt to damage changes. The red buttons are placeholders for attack input (they work btw). </a:t>
+            </a:r>
+          </a:p>
+        </p:txBody>
+      </p:sp>
     </p:spTree>
     <p:extLst>
       <p:ext uri="{BB962C8B-B14F-4D97-AF65-F5344CB8AC3E}">
-        <p14:creationId xmlns:p14="http://schemas.microsoft.com/office/powerpoint/2010/main" val="1028499032"/>
+        <p14:creationId xmlns:p14="http://schemas.microsoft.com/office/powerpoint/2010/main" val="4209410309"/>
+      </p:ext>
+    </p:extLst>
+  </p:cSld>
+  <p:clrMapOvr>
+    <a:masterClrMapping/>
+  </p:clrMapOvr>
+</p:sld>
+</file>
+
+<file path=ppt/slides/slide5.xml><?xml version="1.0" encoding="utf-8"?>
+<p:sld xmlns:a="http://schemas.openxmlformats.org/drawingml/2006/main" xmlns:r="http://schemas.openxmlformats.org/officeDocument/2006/relationships" xmlns:p="http://schemas.openxmlformats.org/presentationml/2006/main">
+  <p:cSld>
+    <p:bg>
+      <p:bgPr>
+        <a:solidFill>
+          <a:schemeClr val="bg1">
+            <a:lumMod val="75000"/>
+          </a:schemeClr>
+        </a:solidFill>
+        <a:effectLst/>
+      </p:bgPr>
+    </p:bg>
+    <p:spTree>
+      <p:nvGrpSpPr>
+        <p:cNvPr id="1" name="">
+          <a:extLst>
+            <a:ext uri="{FF2B5EF4-FFF2-40B4-BE49-F238E27FC236}">
+              <a16:creationId xmlns:a16="http://schemas.microsoft.com/office/drawing/2014/main" id="{D7330BF5-FE8A-8F87-4860-629293A692DE}"/>
+            </a:ext>
+          </a:extLst>
+        </p:cNvPr>
+        <p:cNvGrpSpPr/>
+        <p:nvPr/>
+      </p:nvGrpSpPr>
+      <p:grpSpPr>
+        <a:xfrm>
+          <a:off x="0" y="0"/>
+          <a:ext cx="0" cy="0"/>
+          <a:chOff x="0" y="0"/>
+          <a:chExt cx="0" cy="0"/>
+        </a:xfrm>
+      </p:grpSpPr>
+      <p:sp>
+        <p:nvSpPr>
+          <p:cNvPr id="30" name="TextBox 29">
+            <a:extLst>
+              <a:ext uri="{FF2B5EF4-FFF2-40B4-BE49-F238E27FC236}">
+                <a16:creationId xmlns:a16="http://schemas.microsoft.com/office/drawing/2014/main" id="{2CDAE1BA-01EA-859A-2F53-D8C12864A03B}"/>
+              </a:ext>
+            </a:extLst>
+          </p:cNvPr>
+          <p:cNvSpPr txBox="1"/>
+          <p:nvPr/>
+        </p:nvSpPr>
+        <p:spPr>
+          <a:xfrm>
+            <a:off x="305312" y="1755504"/>
+            <a:ext cx="6210287" cy="3302829"/>
+          </a:xfrm>
+          <a:prstGeom prst="rect">
+            <a:avLst/>
+          </a:prstGeom>
+          <a:solidFill>
+            <a:schemeClr val="accent4">
+              <a:lumMod val="60000"/>
+              <a:lumOff val="40000"/>
+            </a:schemeClr>
+          </a:solidFill>
+        </p:spPr>
+        <p:txBody>
+          <a:bodyPr wrap="square" rtlCol="0">
+            <a:spAutoFit/>
+          </a:bodyPr>
+          <a:lstStyle/>
+          <a:p>
+            <a:endParaRPr lang="en-US" dirty="0"/>
+          </a:p>
+        </p:txBody>
+      </p:sp>
+      <p:sp>
+        <p:nvSpPr>
+          <p:cNvPr id="29" name="TextBox 28">
+            <a:extLst>
+              <a:ext uri="{FF2B5EF4-FFF2-40B4-BE49-F238E27FC236}">
+                <a16:creationId xmlns:a16="http://schemas.microsoft.com/office/drawing/2014/main" id="{DF2013E7-3412-F28B-35A0-88BBA2E19F62}"/>
+              </a:ext>
+            </a:extLst>
+          </p:cNvPr>
+          <p:cNvSpPr txBox="1"/>
+          <p:nvPr/>
+        </p:nvSpPr>
+        <p:spPr>
+          <a:xfrm>
+            <a:off x="7033750" y="1786467"/>
+            <a:ext cx="3909397" cy="3302829"/>
+          </a:xfrm>
+          <a:prstGeom prst="rect">
+            <a:avLst/>
+          </a:prstGeom>
+          <a:solidFill>
+            <a:schemeClr val="accent4">
+              <a:lumMod val="60000"/>
+              <a:lumOff val="40000"/>
+            </a:schemeClr>
+          </a:solidFill>
+        </p:spPr>
+        <p:txBody>
+          <a:bodyPr wrap="square" rtlCol="0">
+            <a:spAutoFit/>
+          </a:bodyPr>
+          <a:lstStyle/>
+          <a:p>
+            <a:endParaRPr lang="en-US" dirty="0"/>
+          </a:p>
+        </p:txBody>
+      </p:sp>
+      <p:sp>
+        <p:nvSpPr>
+          <p:cNvPr id="2" name="Title 1">
+            <a:extLst>
+              <a:ext uri="{FF2B5EF4-FFF2-40B4-BE49-F238E27FC236}">
+                <a16:creationId xmlns:a16="http://schemas.microsoft.com/office/drawing/2014/main" id="{59A3B6A2-A6EB-3BC1-A93D-6EDC0D837A47}"/>
+              </a:ext>
+            </a:extLst>
+          </p:cNvPr>
+          <p:cNvSpPr>
+            <a:spLocks noGrp="1"/>
+          </p:cNvSpPr>
+          <p:nvPr>
+            <p:ph type="title"/>
+          </p:nvPr>
+        </p:nvSpPr>
+        <p:spPr>
+          <a:xfrm>
+            <a:off x="1021242" y="205340"/>
+            <a:ext cx="9692640" cy="1325562"/>
+          </a:xfrm>
+        </p:spPr>
+        <p:txBody>
+          <a:bodyPr/>
+          <a:lstStyle/>
+          <a:p>
+            <a:r>
+              <a:rPr lang="en-US" dirty="0"/>
+              <a:t>GUI Mockups + Progress so Far cont.</a:t>
+            </a:r>
+          </a:p>
+        </p:txBody>
+      </p:sp>
+      <p:graphicFrame>
+        <p:nvGraphicFramePr>
+          <p:cNvPr id="3" name="Diagram 2">
+            <a:extLst>
+              <a:ext uri="{FF2B5EF4-FFF2-40B4-BE49-F238E27FC236}">
+                <a16:creationId xmlns:a16="http://schemas.microsoft.com/office/drawing/2014/main" id="{C8AE787C-379F-131C-BD06-47AAB6AA3B31}"/>
+              </a:ext>
+            </a:extLst>
+          </p:cNvPr>
+          <p:cNvGraphicFramePr/>
+          <p:nvPr>
+            <p:extLst>
+              <p:ext uri="{D42A27DB-BD31-4B8C-83A1-F6EECF244321}">
+                <p14:modId xmlns:p14="http://schemas.microsoft.com/office/powerpoint/2010/main" val="3630738930"/>
+              </p:ext>
+            </p:extLst>
+          </p:nvPr>
+        </p:nvGraphicFramePr>
+        <p:xfrm>
+          <a:off x="401051" y="1802509"/>
+          <a:ext cx="5999748" cy="2932142"/>
+        </p:xfrm>
+        <a:graphic>
+          <a:graphicData uri="http://schemas.openxmlformats.org/drawingml/2006/diagram">
+            <dgm:relIds xmlns:dgm="http://schemas.openxmlformats.org/drawingml/2006/diagram" xmlns:r="http://schemas.openxmlformats.org/officeDocument/2006/relationships" r:dm="rId2" r:lo="rId3" r:qs="rId4" r:cs="rId5"/>
+          </a:graphicData>
+        </a:graphic>
+      </p:graphicFrame>
+      <p:sp>
+        <p:nvSpPr>
+          <p:cNvPr id="10" name="TextBox 9">
+            <a:extLst>
+              <a:ext uri="{FF2B5EF4-FFF2-40B4-BE49-F238E27FC236}">
+                <a16:creationId xmlns:a16="http://schemas.microsoft.com/office/drawing/2014/main" id="{1FBF3BED-81C3-35A1-5561-5DBE3A0EC2D1}"/>
+              </a:ext>
+            </a:extLst>
+          </p:cNvPr>
+          <p:cNvSpPr txBox="1"/>
+          <p:nvPr/>
+        </p:nvSpPr>
+        <p:spPr>
+          <a:xfrm>
+            <a:off x="644251" y="5398169"/>
+            <a:ext cx="5104503" cy="923330"/>
+          </a:xfrm>
+          <a:prstGeom prst="rect">
+            <a:avLst/>
+          </a:prstGeom>
+          <a:noFill/>
+        </p:spPr>
+        <p:txBody>
+          <a:bodyPr wrap="square" rtlCol="0">
+            <a:spAutoFit/>
+          </a:bodyPr>
+          <a:lstStyle/>
+          <a:p>
+            <a:r>
+              <a:rPr lang="en-US" dirty="0"/>
+              <a:t>This is a mockup of the skill tree. What I’m thinking is that for each level you can possibly unlock a new level on the skill tree…</a:t>
+            </a:r>
+          </a:p>
+        </p:txBody>
+      </p:sp>
+      <p:sp>
+        <p:nvSpPr>
+          <p:cNvPr id="4" name="Oval 3">
+            <a:extLst>
+              <a:ext uri="{FF2B5EF4-FFF2-40B4-BE49-F238E27FC236}">
+                <a16:creationId xmlns:a16="http://schemas.microsoft.com/office/drawing/2014/main" id="{0F8E0426-14B3-BED5-2257-6AE99D1A0D86}"/>
+              </a:ext>
+            </a:extLst>
+          </p:cNvPr>
+          <p:cNvSpPr/>
+          <p:nvPr/>
+        </p:nvSpPr>
+        <p:spPr>
+          <a:xfrm>
+            <a:off x="8678779" y="2043139"/>
+            <a:ext cx="619341" cy="619341"/>
+          </a:xfrm>
+          <a:prstGeom prst="ellipse">
+            <a:avLst/>
+          </a:prstGeom>
+        </p:spPr>
+        <p:style>
+          <a:lnRef idx="2">
+            <a:schemeClr val="accent1">
+              <a:shade val="15000"/>
+            </a:schemeClr>
+          </a:lnRef>
+          <a:fillRef idx="1">
+            <a:schemeClr val="accent1"/>
+          </a:fillRef>
+          <a:effectRef idx="0">
+            <a:schemeClr val="accent1"/>
+          </a:effectRef>
+          <a:fontRef idx="minor">
+            <a:schemeClr val="lt1"/>
+          </a:fontRef>
+        </p:style>
+        <p:txBody>
+          <a:bodyPr rtlCol="0" anchor="ctr"/>
+          <a:lstStyle/>
+          <a:p>
+            <a:pPr algn="ctr"/>
+            <a:endParaRPr lang="en-US"/>
+          </a:p>
+        </p:txBody>
+      </p:sp>
+      <p:sp>
+        <p:nvSpPr>
+          <p:cNvPr id="6" name="Oval 5">
+            <a:extLst>
+              <a:ext uri="{FF2B5EF4-FFF2-40B4-BE49-F238E27FC236}">
+                <a16:creationId xmlns:a16="http://schemas.microsoft.com/office/drawing/2014/main" id="{C324CBE3-7DF8-A0A7-2769-AFE120D86252}"/>
+              </a:ext>
+            </a:extLst>
+          </p:cNvPr>
+          <p:cNvSpPr/>
+          <p:nvPr/>
+        </p:nvSpPr>
+        <p:spPr>
+          <a:xfrm>
+            <a:off x="7676148" y="3132220"/>
+            <a:ext cx="619341" cy="619341"/>
+          </a:xfrm>
+          <a:prstGeom prst="ellipse">
+            <a:avLst/>
+          </a:prstGeom>
+        </p:spPr>
+        <p:style>
+          <a:lnRef idx="2">
+            <a:schemeClr val="accent1">
+              <a:shade val="15000"/>
+            </a:schemeClr>
+          </a:lnRef>
+          <a:fillRef idx="1">
+            <a:schemeClr val="accent1"/>
+          </a:fillRef>
+          <a:effectRef idx="0">
+            <a:schemeClr val="accent1"/>
+          </a:effectRef>
+          <a:fontRef idx="minor">
+            <a:schemeClr val="lt1"/>
+          </a:fontRef>
+        </p:style>
+        <p:txBody>
+          <a:bodyPr rtlCol="0" anchor="ctr"/>
+          <a:lstStyle/>
+          <a:p>
+            <a:pPr algn="ctr"/>
+            <a:endParaRPr lang="en-US"/>
+          </a:p>
+        </p:txBody>
+      </p:sp>
+      <p:sp>
+        <p:nvSpPr>
+          <p:cNvPr id="8" name="Oval 7">
+            <a:extLst>
+              <a:ext uri="{FF2B5EF4-FFF2-40B4-BE49-F238E27FC236}">
+                <a16:creationId xmlns:a16="http://schemas.microsoft.com/office/drawing/2014/main" id="{C639C59F-8742-7ABA-3952-C43BB9D7F362}"/>
+              </a:ext>
+            </a:extLst>
+          </p:cNvPr>
+          <p:cNvSpPr/>
+          <p:nvPr/>
+        </p:nvSpPr>
+        <p:spPr>
+          <a:xfrm>
+            <a:off x="9577140" y="3132220"/>
+            <a:ext cx="619341" cy="619341"/>
+          </a:xfrm>
+          <a:prstGeom prst="ellipse">
+            <a:avLst/>
+          </a:prstGeom>
+        </p:spPr>
+        <p:style>
+          <a:lnRef idx="2">
+            <a:schemeClr val="accent1">
+              <a:shade val="15000"/>
+            </a:schemeClr>
+          </a:lnRef>
+          <a:fillRef idx="1">
+            <a:schemeClr val="accent1"/>
+          </a:fillRef>
+          <a:effectRef idx="0">
+            <a:schemeClr val="accent1"/>
+          </a:effectRef>
+          <a:fontRef idx="minor">
+            <a:schemeClr val="lt1"/>
+          </a:fontRef>
+        </p:style>
+        <p:txBody>
+          <a:bodyPr rtlCol="0" anchor="ctr"/>
+          <a:lstStyle/>
+          <a:p>
+            <a:pPr algn="ctr"/>
+            <a:endParaRPr lang="en-US"/>
+          </a:p>
+        </p:txBody>
+      </p:sp>
+      <p:sp>
+        <p:nvSpPr>
+          <p:cNvPr id="9" name="Oval 8">
+            <a:extLst>
+              <a:ext uri="{FF2B5EF4-FFF2-40B4-BE49-F238E27FC236}">
+                <a16:creationId xmlns:a16="http://schemas.microsoft.com/office/drawing/2014/main" id="{7AB79F63-9EB4-BBDC-04DC-AC2C44211395}"/>
+              </a:ext>
+            </a:extLst>
+          </p:cNvPr>
+          <p:cNvSpPr/>
+          <p:nvPr/>
+        </p:nvSpPr>
+        <p:spPr>
+          <a:xfrm>
+            <a:off x="9601207" y="4236237"/>
+            <a:ext cx="619341" cy="619341"/>
+          </a:xfrm>
+          <a:prstGeom prst="ellipse">
+            <a:avLst/>
+          </a:prstGeom>
+        </p:spPr>
+        <p:style>
+          <a:lnRef idx="2">
+            <a:schemeClr val="accent1">
+              <a:shade val="15000"/>
+            </a:schemeClr>
+          </a:lnRef>
+          <a:fillRef idx="1">
+            <a:schemeClr val="accent1"/>
+          </a:fillRef>
+          <a:effectRef idx="0">
+            <a:schemeClr val="accent1"/>
+          </a:effectRef>
+          <a:fontRef idx="minor">
+            <a:schemeClr val="lt1"/>
+          </a:fontRef>
+        </p:style>
+        <p:txBody>
+          <a:bodyPr rtlCol="0" anchor="ctr"/>
+          <a:lstStyle/>
+          <a:p>
+            <a:pPr algn="ctr"/>
+            <a:endParaRPr lang="en-US"/>
+          </a:p>
+        </p:txBody>
+      </p:sp>
+      <p:sp>
+        <p:nvSpPr>
+          <p:cNvPr id="13" name="TextBox 12">
+            <a:extLst>
+              <a:ext uri="{FF2B5EF4-FFF2-40B4-BE49-F238E27FC236}">
+                <a16:creationId xmlns:a16="http://schemas.microsoft.com/office/drawing/2014/main" id="{2852645D-AC55-1C79-9D4C-11754A925262}"/>
+              </a:ext>
+            </a:extLst>
+          </p:cNvPr>
+          <p:cNvSpPr txBox="1"/>
+          <p:nvPr/>
+        </p:nvSpPr>
+        <p:spPr>
+          <a:xfrm>
+            <a:off x="8823158" y="2155252"/>
+            <a:ext cx="619341" cy="369332"/>
+          </a:xfrm>
+          <a:prstGeom prst="rect">
+            <a:avLst/>
+          </a:prstGeom>
+          <a:noFill/>
+        </p:spPr>
+        <p:txBody>
+          <a:bodyPr wrap="square" rtlCol="0">
+            <a:spAutoFit/>
+          </a:bodyPr>
+          <a:lstStyle/>
+          <a:p>
+            <a:r>
+              <a:rPr lang="en-US" dirty="0">
+                <a:solidFill>
+                  <a:schemeClr val="bg1"/>
+                </a:solidFill>
+              </a:rPr>
+              <a:t>1</a:t>
+            </a:r>
+          </a:p>
+        </p:txBody>
+      </p:sp>
+      <p:sp>
+        <p:nvSpPr>
+          <p:cNvPr id="14" name="TextBox 13">
+            <a:extLst>
+              <a:ext uri="{FF2B5EF4-FFF2-40B4-BE49-F238E27FC236}">
+                <a16:creationId xmlns:a16="http://schemas.microsoft.com/office/drawing/2014/main" id="{3C627B32-216B-867C-2A24-9D8EDC3E429F}"/>
+              </a:ext>
+            </a:extLst>
+          </p:cNvPr>
+          <p:cNvSpPr txBox="1"/>
+          <p:nvPr/>
+        </p:nvSpPr>
+        <p:spPr>
+          <a:xfrm>
+            <a:off x="7852609" y="3242197"/>
+            <a:ext cx="619341" cy="369332"/>
+          </a:xfrm>
+          <a:prstGeom prst="rect">
+            <a:avLst/>
+          </a:prstGeom>
+          <a:noFill/>
+        </p:spPr>
+        <p:txBody>
+          <a:bodyPr wrap="square" rtlCol="0">
+            <a:spAutoFit/>
+          </a:bodyPr>
+          <a:lstStyle/>
+          <a:p>
+            <a:r>
+              <a:rPr lang="en-US" dirty="0">
+                <a:solidFill>
+                  <a:schemeClr val="bg1"/>
+                </a:solidFill>
+              </a:rPr>
+              <a:t>2</a:t>
+            </a:r>
+          </a:p>
+        </p:txBody>
+      </p:sp>
+      <p:sp>
+        <p:nvSpPr>
+          <p:cNvPr id="15" name="TextBox 14">
+            <a:extLst>
+              <a:ext uri="{FF2B5EF4-FFF2-40B4-BE49-F238E27FC236}">
+                <a16:creationId xmlns:a16="http://schemas.microsoft.com/office/drawing/2014/main" id="{95415945-10F4-1F80-70AD-7B0582349738}"/>
+              </a:ext>
+            </a:extLst>
+          </p:cNvPr>
+          <p:cNvSpPr txBox="1"/>
+          <p:nvPr/>
+        </p:nvSpPr>
+        <p:spPr>
+          <a:xfrm>
+            <a:off x="9721517" y="3242286"/>
+            <a:ext cx="619341" cy="369332"/>
+          </a:xfrm>
+          <a:prstGeom prst="rect">
+            <a:avLst/>
+          </a:prstGeom>
+          <a:noFill/>
+        </p:spPr>
+        <p:txBody>
+          <a:bodyPr wrap="square" rtlCol="0">
+            <a:spAutoFit/>
+          </a:bodyPr>
+          <a:lstStyle/>
+          <a:p>
+            <a:r>
+              <a:rPr lang="en-US" dirty="0">
+                <a:solidFill>
+                  <a:schemeClr val="bg1"/>
+                </a:solidFill>
+              </a:rPr>
+              <a:t>3</a:t>
+            </a:r>
+          </a:p>
+        </p:txBody>
+      </p:sp>
+      <p:sp>
+        <p:nvSpPr>
+          <p:cNvPr id="16" name="TextBox 15">
+            <a:extLst>
+              <a:ext uri="{FF2B5EF4-FFF2-40B4-BE49-F238E27FC236}">
+                <a16:creationId xmlns:a16="http://schemas.microsoft.com/office/drawing/2014/main" id="{C61DDCD7-2D3D-955A-972D-385936350B05}"/>
+              </a:ext>
+            </a:extLst>
+          </p:cNvPr>
+          <p:cNvSpPr txBox="1"/>
+          <p:nvPr/>
+        </p:nvSpPr>
+        <p:spPr>
+          <a:xfrm>
+            <a:off x="9769644" y="4331006"/>
+            <a:ext cx="619341" cy="369332"/>
+          </a:xfrm>
+          <a:prstGeom prst="rect">
+            <a:avLst/>
+          </a:prstGeom>
+          <a:noFill/>
+        </p:spPr>
+        <p:txBody>
+          <a:bodyPr wrap="square" rtlCol="0">
+            <a:spAutoFit/>
+          </a:bodyPr>
+          <a:lstStyle/>
+          <a:p>
+            <a:r>
+              <a:rPr lang="en-US" dirty="0">
+                <a:solidFill>
+                  <a:schemeClr val="bg1"/>
+                </a:solidFill>
+              </a:rPr>
+              <a:t>4</a:t>
+            </a:r>
+          </a:p>
+        </p:txBody>
+      </p:sp>
+      <p:cxnSp>
+        <p:nvCxnSpPr>
+          <p:cNvPr id="18" name="Straight Connector 17">
+            <a:extLst>
+              <a:ext uri="{FF2B5EF4-FFF2-40B4-BE49-F238E27FC236}">
+                <a16:creationId xmlns:a16="http://schemas.microsoft.com/office/drawing/2014/main" id="{FC50FEB8-DA1F-D9E3-5A1A-C59ABA3E29B9}"/>
+              </a:ext>
+            </a:extLst>
+          </p:cNvPr>
+          <p:cNvCxnSpPr>
+            <a:stCxn id="4" idx="3"/>
+            <a:endCxn id="14" idx="0"/>
+          </p:cNvCxnSpPr>
+          <p:nvPr/>
+        </p:nvCxnSpPr>
+        <p:spPr>
+          <a:xfrm flipH="1">
+            <a:off x="8162280" y="2571780"/>
+            <a:ext cx="607199" cy="670417"/>
+          </a:xfrm>
+          <a:prstGeom prst="line">
+            <a:avLst/>
+          </a:prstGeom>
+        </p:spPr>
+        <p:style>
+          <a:lnRef idx="1">
+            <a:schemeClr val="accent1"/>
+          </a:lnRef>
+          <a:fillRef idx="0">
+            <a:schemeClr val="accent1"/>
+          </a:fillRef>
+          <a:effectRef idx="0">
+            <a:schemeClr val="accent1"/>
+          </a:effectRef>
+          <a:fontRef idx="minor">
+            <a:schemeClr val="tx1"/>
+          </a:fontRef>
+        </p:style>
+      </p:cxnSp>
+      <p:cxnSp>
+        <p:nvCxnSpPr>
+          <p:cNvPr id="20" name="Straight Connector 19">
+            <a:extLst>
+              <a:ext uri="{FF2B5EF4-FFF2-40B4-BE49-F238E27FC236}">
+                <a16:creationId xmlns:a16="http://schemas.microsoft.com/office/drawing/2014/main" id="{E89733EA-4EF2-E517-3023-28CD63B8E95C}"/>
+              </a:ext>
+            </a:extLst>
+          </p:cNvPr>
+          <p:cNvCxnSpPr>
+            <a:stCxn id="4" idx="5"/>
+            <a:endCxn id="8" idx="1"/>
+          </p:cNvCxnSpPr>
+          <p:nvPr/>
+        </p:nvCxnSpPr>
+        <p:spPr>
+          <a:xfrm>
+            <a:off x="9207420" y="2571780"/>
+            <a:ext cx="460420" cy="651140"/>
+          </a:xfrm>
+          <a:prstGeom prst="line">
+            <a:avLst/>
+          </a:prstGeom>
+        </p:spPr>
+        <p:style>
+          <a:lnRef idx="1">
+            <a:schemeClr val="accent1"/>
+          </a:lnRef>
+          <a:fillRef idx="0">
+            <a:schemeClr val="accent1"/>
+          </a:fillRef>
+          <a:effectRef idx="0">
+            <a:schemeClr val="accent1"/>
+          </a:effectRef>
+          <a:fontRef idx="minor">
+            <a:schemeClr val="tx1"/>
+          </a:fontRef>
+        </p:style>
+      </p:cxnSp>
+      <p:cxnSp>
+        <p:nvCxnSpPr>
+          <p:cNvPr id="22" name="Straight Connector 21">
+            <a:extLst>
+              <a:ext uri="{FF2B5EF4-FFF2-40B4-BE49-F238E27FC236}">
+                <a16:creationId xmlns:a16="http://schemas.microsoft.com/office/drawing/2014/main" id="{794FA467-3DBB-D47D-2E68-A6469C69DD8B}"/>
+              </a:ext>
+            </a:extLst>
+          </p:cNvPr>
+          <p:cNvCxnSpPr>
+            <a:stCxn id="8" idx="2"/>
+          </p:cNvCxnSpPr>
+          <p:nvPr/>
+        </p:nvCxnSpPr>
+        <p:spPr>
+          <a:xfrm flipH="1" flipV="1">
+            <a:off x="8295489" y="3429000"/>
+            <a:ext cx="1281651" cy="12891"/>
+          </a:xfrm>
+          <a:prstGeom prst="line">
+            <a:avLst/>
+          </a:prstGeom>
+        </p:spPr>
+        <p:style>
+          <a:lnRef idx="1">
+            <a:schemeClr val="accent1"/>
+          </a:lnRef>
+          <a:fillRef idx="0">
+            <a:schemeClr val="accent1"/>
+          </a:fillRef>
+          <a:effectRef idx="0">
+            <a:schemeClr val="accent1"/>
+          </a:effectRef>
+          <a:fontRef idx="minor">
+            <a:schemeClr val="tx1"/>
+          </a:fontRef>
+        </p:style>
+      </p:cxnSp>
+      <p:cxnSp>
+        <p:nvCxnSpPr>
+          <p:cNvPr id="28" name="Straight Connector 27">
+            <a:extLst>
+              <a:ext uri="{FF2B5EF4-FFF2-40B4-BE49-F238E27FC236}">
+                <a16:creationId xmlns:a16="http://schemas.microsoft.com/office/drawing/2014/main" id="{F04DD06C-A21E-A036-B936-CBE5D5DF18A9}"/>
+              </a:ext>
+            </a:extLst>
+          </p:cNvPr>
+          <p:cNvCxnSpPr>
+            <a:stCxn id="8" idx="4"/>
+            <a:endCxn id="9" idx="0"/>
+          </p:cNvCxnSpPr>
+          <p:nvPr/>
+        </p:nvCxnSpPr>
+        <p:spPr>
+          <a:xfrm>
+            <a:off x="9886811" y="3751561"/>
+            <a:ext cx="24067" cy="484676"/>
+          </a:xfrm>
+          <a:prstGeom prst="line">
+            <a:avLst/>
+          </a:prstGeom>
+        </p:spPr>
+        <p:style>
+          <a:lnRef idx="1">
+            <a:schemeClr val="accent1"/>
+          </a:lnRef>
+          <a:fillRef idx="0">
+            <a:schemeClr val="accent1"/>
+          </a:fillRef>
+          <a:effectRef idx="0">
+            <a:schemeClr val="accent1"/>
+          </a:effectRef>
+          <a:fontRef idx="minor">
+            <a:schemeClr val="tx1"/>
+          </a:fontRef>
+        </p:style>
+      </p:cxnSp>
+      <p:sp>
+        <p:nvSpPr>
+          <p:cNvPr id="31" name="TextBox 30">
+            <a:extLst>
+              <a:ext uri="{FF2B5EF4-FFF2-40B4-BE49-F238E27FC236}">
+                <a16:creationId xmlns:a16="http://schemas.microsoft.com/office/drawing/2014/main" id="{895F9841-50DC-9CF1-817D-BBAA1696DD37}"/>
+              </a:ext>
+            </a:extLst>
+          </p:cNvPr>
+          <p:cNvSpPr txBox="1"/>
+          <p:nvPr/>
+        </p:nvSpPr>
+        <p:spPr>
+          <a:xfrm>
+            <a:off x="6981615" y="5340254"/>
+            <a:ext cx="3909398" cy="1200329"/>
+          </a:xfrm>
+          <a:prstGeom prst="rect">
+            <a:avLst/>
+          </a:prstGeom>
+          <a:noFill/>
+        </p:spPr>
+        <p:txBody>
+          <a:bodyPr wrap="square" rtlCol="0">
+            <a:spAutoFit/>
+          </a:bodyPr>
+          <a:lstStyle/>
+          <a:p>
+            <a:r>
+              <a:rPr lang="en-US" dirty="0"/>
+              <a:t>This is a simple graph, and this is how I want to lay it out. Although, I have to figure out how I’m going to implement it.</a:t>
+            </a:r>
+          </a:p>
+        </p:txBody>
+      </p:sp>
+    </p:spTree>
+    <p:extLst>
+      <p:ext uri="{BB962C8B-B14F-4D97-AF65-F5344CB8AC3E}">
+        <p14:creationId xmlns:p14="http://schemas.microsoft.com/office/powerpoint/2010/main" val="1066830134"/>
+      </p:ext>
+    </p:extLst>
+  </p:cSld>
+  <p:clrMapOvr>
+    <a:masterClrMapping/>
+  </p:clrMapOvr>
+</p:sld>
+</file>
+
+<file path=ppt/slides/slide6.xml><?xml version="1.0" encoding="utf-8"?>
+<p:sld xmlns:a="http://schemas.openxmlformats.org/drawingml/2006/main" xmlns:r="http://schemas.openxmlformats.org/officeDocument/2006/relationships" xmlns:p="http://schemas.openxmlformats.org/presentationml/2006/main">
+  <p:cSld>
+    <p:bg>
+      <p:bgPr>
+        <a:solidFill>
+          <a:schemeClr val="bg1">
+            <a:lumMod val="75000"/>
+          </a:schemeClr>
+        </a:solidFill>
+        <a:effectLst/>
+      </p:bgPr>
+    </p:bg>
+    <p:spTree>
+      <p:nvGrpSpPr>
+        <p:cNvPr id="1" name=""/>
+        <p:cNvGrpSpPr/>
+        <p:nvPr/>
+      </p:nvGrpSpPr>
+      <p:grpSpPr>
+        <a:xfrm>
+          <a:off x="0" y="0"/>
+          <a:ext cx="0" cy="0"/>
+          <a:chOff x="0" y="0"/>
+          <a:chExt cx="0" cy="0"/>
+        </a:xfrm>
+      </p:grpSpPr>
+      <p:sp>
+        <p:nvSpPr>
+          <p:cNvPr id="2" name="Title 1">
+            <a:extLst>
+              <a:ext uri="{FF2B5EF4-FFF2-40B4-BE49-F238E27FC236}">
+                <a16:creationId xmlns:a16="http://schemas.microsoft.com/office/drawing/2014/main" id="{B36CBB07-7C28-66DC-28AA-213BB52EE028}"/>
+              </a:ext>
+            </a:extLst>
+          </p:cNvPr>
+          <p:cNvSpPr>
+            <a:spLocks noGrp="1"/>
+          </p:cNvSpPr>
+          <p:nvPr>
+            <p:ph type="title"/>
+          </p:nvPr>
+        </p:nvSpPr>
+        <p:spPr/>
+        <p:txBody>
+          <a:bodyPr/>
+          <a:lstStyle/>
+          <a:p>
+            <a:r>
+              <a:rPr lang="en-US" dirty="0"/>
+              <a:t>UML</a:t>
+            </a:r>
+          </a:p>
+        </p:txBody>
+      </p:sp>
+      <p:sp>
+        <p:nvSpPr>
+          <p:cNvPr id="3" name="Content Placeholder 2">
+            <a:extLst>
+              <a:ext uri="{FF2B5EF4-FFF2-40B4-BE49-F238E27FC236}">
+                <a16:creationId xmlns:a16="http://schemas.microsoft.com/office/drawing/2014/main" id="{182FB7E3-A78C-ED89-A1E3-07DC3DE894DB}"/>
+              </a:ext>
+            </a:extLst>
+          </p:cNvPr>
+          <p:cNvSpPr>
+            <a:spLocks noGrp="1"/>
+          </p:cNvSpPr>
+          <p:nvPr>
+            <p:ph idx="1"/>
+          </p:nvPr>
+        </p:nvSpPr>
+        <p:spPr/>
+        <p:txBody>
+          <a:bodyPr/>
+          <a:lstStyle/>
+          <a:p>
+            <a:endParaRPr lang="en-US"/>
+          </a:p>
+        </p:txBody>
+      </p:sp>
+    </p:spTree>
+    <p:extLst>
+      <p:ext uri="{BB962C8B-B14F-4D97-AF65-F5344CB8AC3E}">
+        <p14:creationId xmlns:p14="http://schemas.microsoft.com/office/powerpoint/2010/main" val="2156911496"/>
       </p:ext>
     </p:extLst>
   </p:cSld>
@@ -3731,110 +9346,58 @@
 </file>
 
 <file path=ppt/theme/theme1.xml><?xml version="1.0" encoding="utf-8"?>
-<a:theme xmlns:a="http://schemas.openxmlformats.org/drawingml/2006/main" name="Office Theme">
+<a:theme xmlns:a="http://schemas.openxmlformats.org/drawingml/2006/main" name="View">
   <a:themeElements>
-    <a:clrScheme name="Office">
+    <a:clrScheme name="View">
       <a:dk1>
-        <a:sysClr val="windowText" lastClr="000000"/>
+        <a:srgbClr val="000000"/>
       </a:dk1>
       <a:lt1>
-        <a:sysClr val="window" lastClr="FFFFFF"/>
+        <a:srgbClr val="FFFFFF"/>
       </a:lt1>
       <a:dk2>
-        <a:srgbClr val="44546A"/>
+        <a:srgbClr val="46464A"/>
       </a:dk2>
       <a:lt2>
-        <a:srgbClr val="E7E6E6"/>
+        <a:srgbClr val="D6D3CC"/>
       </a:lt2>
       <a:accent1>
-        <a:srgbClr val="4472C4"/>
+        <a:srgbClr val="6F6F74"/>
       </a:accent1>
       <a:accent2>
-        <a:srgbClr val="ED7D31"/>
+        <a:srgbClr val="92A9B9"/>
       </a:accent2>
       <a:accent3>
-        <a:srgbClr val="A5A5A5"/>
+        <a:srgbClr val="A7B789"/>
       </a:accent3>
       <a:accent4>
-        <a:srgbClr val="FFC000"/>
+        <a:srgbClr val="B9A489"/>
       </a:accent4>
       <a:accent5>
-        <a:srgbClr val="5B9BD5"/>
+        <a:srgbClr val="8D6374"/>
       </a:accent5>
       <a:accent6>
-        <a:srgbClr val="70AD47"/>
+        <a:srgbClr val="9B7362"/>
       </a:accent6>
       <a:hlink>
-        <a:srgbClr val="0563C1"/>
+        <a:srgbClr val="67AABF"/>
       </a:hlink>
       <a:folHlink>
-        <a:srgbClr val="954F72"/>
+        <a:srgbClr val="ABAFA5"/>
       </a:folHlink>
     </a:clrScheme>
-    <a:fontScheme name="Office">
+    <a:fontScheme name="View">
       <a:majorFont>
-        <a:latin typeface="Calibri Light" panose="020F0302020204030204"/>
+        <a:latin typeface="Century Schoolbook" panose="02040604050505020304"/>
         <a:ea typeface=""/>
         <a:cs typeface=""/>
-        <a:font script="Jpan" typeface="游ゴシック Light"/>
+        <a:font script="Jpan" typeface="ＭＳ ゴシック"/>
         <a:font script="Hang" typeface="맑은 고딕"/>
-        <a:font script="Hans" typeface="等线 Light"/>
+        <a:font script="Hans" typeface="宋体"/>
         <a:font script="Hant" typeface="新細明體"/>
-        <a:font script="Arab" typeface="Times New Roman"/>
-        <a:font script="Hebr" typeface="Times New Roman"/>
-        <a:font script="Thai" typeface="Angsana New"/>
-        <a:font script="Ethi" typeface="Nyala"/>
-        <a:font script="Beng" typeface="Vrinda"/>
-        <a:font script="Gujr" typeface="Shruti"/>
-        <a:font script="Khmr" typeface="MoolBoran"/>
-        <a:font script="Knda" typeface="Tunga"/>
-        <a:font script="Guru" typeface="Raavi"/>
-        <a:font script="Cans" typeface="Euphemia"/>
-        <a:font script="Cher" typeface="Plantagenet Cherokee"/>
-        <a:font script="Yiii" typeface="Microsoft Yi Baiti"/>
-        <a:font script="Tibt" typeface="Microsoft Himalaya"/>
-        <a:font script="Thaa" typeface="MV Boli"/>
-        <a:font script="Deva" typeface="Mangal"/>
-        <a:font script="Telu" typeface="Gautami"/>
-        <a:font script="Taml" typeface="Latha"/>
-        <a:font script="Syrc" typeface="Estrangelo Edessa"/>
-        <a:font script="Orya" typeface="Kalinga"/>
-        <a:font script="Mlym" typeface="Kartika"/>
-        <a:font script="Laoo" typeface="DokChampa"/>
-        <a:font script="Sinh" typeface="Iskoola Pota"/>
-        <a:font script="Mong" typeface="Mongolian Baiti"/>
-        <a:font script="Viet" typeface="Times New Roman"/>
-        <a:font script="Uigh" typeface="Microsoft Uighur"/>
-        <a:font script="Geor" typeface="Sylfaen"/>
-        <a:font script="Armn" typeface="Arial"/>
-        <a:font script="Bugi" typeface="Leelawadee UI"/>
-        <a:font script="Bopo" typeface="Microsoft JhengHei"/>
-        <a:font script="Java" typeface="Javanese Text"/>
-        <a:font script="Lisu" typeface="Segoe UI"/>
-        <a:font script="Mymr" typeface="Myanmar Text"/>
-        <a:font script="Nkoo" typeface="Ebrima"/>
-        <a:font script="Olck" typeface="Nirmala UI"/>
-        <a:font script="Osma" typeface="Ebrima"/>
-        <a:font script="Phag" typeface="Phagspa"/>
-        <a:font script="Syrn" typeface="Estrangelo Edessa"/>
-        <a:font script="Syrj" typeface="Estrangelo Edessa"/>
-        <a:font script="Syre" typeface="Estrangelo Edessa"/>
-        <a:font script="Sora" typeface="Nirmala UI"/>
-        <a:font script="Tale" typeface="Microsoft Tai Le"/>
-        <a:font script="Talu" typeface="Microsoft New Tai Lue"/>
-        <a:font script="Tfng" typeface="Ebrima"/>
-      </a:majorFont>
-      <a:minorFont>
-        <a:latin typeface="Calibri" panose="020F0502020204030204"/>
-        <a:ea typeface=""/>
-        <a:cs typeface=""/>
-        <a:font script="Jpan" typeface="游ゴシック"/>
-        <a:font script="Hang" typeface="맑은 고딕"/>
-        <a:font script="Hans" typeface="等线"/>
-        <a:font script="Hant" typeface="新細明體"/>
-        <a:font script="Arab" typeface="Arial"/>
-        <a:font script="Hebr" typeface="Arial"/>
-        <a:font script="Thai" typeface="Cordia New"/>
+        <a:font script="Arab" typeface="Tahoma"/>
+        <a:font script="Hebr" typeface="Gisha"/>
+        <a:font script="Thai" typeface="DilleniaUPC"/>
         <a:font script="Ethi" typeface="Nyala"/>
         <a:font script="Beng" typeface="Vrinda"/>
         <a:font script="Gujr" typeface="Shruti"/>
@@ -3855,107 +9418,86 @@
         <a:font script="Laoo" typeface="DokChampa"/>
         <a:font script="Sinh" typeface="Iskoola Pota"/>
         <a:font script="Mong" typeface="Mongolian Baiti"/>
-        <a:font script="Viet" typeface="Arial"/>
+        <a:font script="Viet" typeface="Tahoma"/>
         <a:font script="Uigh" typeface="Microsoft Uighur"/>
         <a:font script="Geor" typeface="Sylfaen"/>
-        <a:font script="Armn" typeface="Arial"/>
-        <a:font script="Bugi" typeface="Leelawadee UI"/>
-        <a:font script="Bopo" typeface="Microsoft JhengHei"/>
-        <a:font script="Java" typeface="Javanese Text"/>
-        <a:font script="Lisu" typeface="Segoe UI"/>
-        <a:font script="Mymr" typeface="Myanmar Text"/>
-        <a:font script="Nkoo" typeface="Ebrima"/>
-        <a:font script="Olck" typeface="Nirmala UI"/>
-        <a:font script="Osma" typeface="Ebrima"/>
-        <a:font script="Phag" typeface="Phagspa"/>
-        <a:font script="Syrn" typeface="Estrangelo Edessa"/>
-        <a:font script="Syrj" typeface="Estrangelo Edessa"/>
-        <a:font script="Syre" typeface="Estrangelo Edessa"/>
-        <a:font script="Sora" typeface="Nirmala UI"/>
-        <a:font script="Tale" typeface="Microsoft Tai Le"/>
-        <a:font script="Talu" typeface="Microsoft New Tai Lue"/>
-        <a:font script="Tfng" typeface="Ebrima"/>
+      </a:majorFont>
+      <a:minorFont>
+        <a:latin typeface="Century Schoolbook" panose="02040604050505020304"/>
+        <a:ea typeface=""/>
+        <a:cs typeface=""/>
+        <a:font script="Jpan" typeface="ＭＳ ゴシック"/>
+        <a:font script="Hang" typeface="맑은 고딕"/>
+        <a:font script="Hans" typeface="宋体"/>
+        <a:font script="Hant" typeface="新細明體"/>
+        <a:font script="Arab" typeface="Tahoma"/>
+        <a:font script="Hebr" typeface="Gisha"/>
+        <a:font script="Thai" typeface="DilleniaUPC"/>
+        <a:font script="Ethi" typeface="Nyala"/>
+        <a:font script="Beng" typeface="Vrinda"/>
+        <a:font script="Gujr" typeface="Shruti"/>
+        <a:font script="Khmr" typeface="DaunPenh"/>
+        <a:font script="Knda" typeface="Tunga"/>
+        <a:font script="Guru" typeface="Raavi"/>
+        <a:font script="Cans" typeface="Euphemia"/>
+        <a:font script="Cher" typeface="Plantagenet Cherokee"/>
+        <a:font script="Yiii" typeface="Microsoft Yi Baiti"/>
+        <a:font script="Tibt" typeface="Microsoft Himalaya"/>
+        <a:font script="Thaa" typeface="MV Boli"/>
+        <a:font script="Deva" typeface="Mangal"/>
+        <a:font script="Telu" typeface="Gautami"/>
+        <a:font script="Taml" typeface="Latha"/>
+        <a:font script="Syrc" typeface="Estrangelo Edessa"/>
+        <a:font script="Orya" typeface="Kalinga"/>
+        <a:font script="Mlym" typeface="Kartika"/>
+        <a:font script="Laoo" typeface="DokChampa"/>
+        <a:font script="Sinh" typeface="Iskoola Pota"/>
+        <a:font script="Mong" typeface="Mongolian Baiti"/>
+        <a:font script="Viet" typeface="Verdana"/>
+        <a:font script="Uigh" typeface="Microsoft Uighur"/>
+        <a:font script="Geor" typeface="Sylfaen"/>
       </a:minorFont>
     </a:fontScheme>
-    <a:fmtScheme name="Office">
+    <a:fmtScheme name="View">
       <a:fillStyleLst>
         <a:solidFill>
           <a:schemeClr val="phClr"/>
         </a:solidFill>
-        <a:gradFill rotWithShape="1">
-          <a:gsLst>
-            <a:gs pos="0">
-              <a:schemeClr val="phClr">
-                <a:lumMod val="110000"/>
-                <a:satMod val="105000"/>
-                <a:tint val="67000"/>
-              </a:schemeClr>
-            </a:gs>
-            <a:gs pos="50000">
-              <a:schemeClr val="phClr">
-                <a:lumMod val="105000"/>
-                <a:satMod val="103000"/>
-                <a:tint val="73000"/>
-              </a:schemeClr>
-            </a:gs>
-            <a:gs pos="100000">
-              <a:schemeClr val="phClr">
-                <a:lumMod val="105000"/>
-                <a:satMod val="109000"/>
-                <a:tint val="81000"/>
-              </a:schemeClr>
-            </a:gs>
-          </a:gsLst>
-          <a:lin ang="5400000" scaled="0"/>
-        </a:gradFill>
-        <a:gradFill rotWithShape="1">
-          <a:gsLst>
-            <a:gs pos="0">
-              <a:schemeClr val="phClr">
-                <a:satMod val="103000"/>
-                <a:lumMod val="102000"/>
-                <a:tint val="94000"/>
-              </a:schemeClr>
-            </a:gs>
-            <a:gs pos="50000">
-              <a:schemeClr val="phClr">
-                <a:satMod val="110000"/>
-                <a:lumMod val="100000"/>
-                <a:shade val="100000"/>
-              </a:schemeClr>
-            </a:gs>
-            <a:gs pos="100000">
-              <a:schemeClr val="phClr">
-                <a:lumMod val="99000"/>
-                <a:satMod val="120000"/>
-                <a:shade val="78000"/>
-              </a:schemeClr>
-            </a:gs>
-          </a:gsLst>
-          <a:lin ang="5400000" scaled="0"/>
-        </a:gradFill>
+        <a:solidFill>
+          <a:schemeClr val="phClr">
+            <a:tint val="60000"/>
+            <a:satMod val="120000"/>
+          </a:schemeClr>
+        </a:solidFill>
+        <a:solidFill>
+          <a:schemeClr val="phClr">
+            <a:shade val="75000"/>
+            <a:satMod val="160000"/>
+          </a:schemeClr>
+        </a:solidFill>
       </a:fillStyleLst>
       <a:lnStyleLst>
-        <a:ln w="6350" cap="flat" cmpd="sng" algn="ctr">
+        <a:ln w="9525" cap="flat" cmpd="sng" algn="ctr">
           <a:solidFill>
             <a:schemeClr val="phClr"/>
           </a:solidFill>
           <a:prstDash val="solid"/>
-          <a:miter lim="800000"/>
         </a:ln>
-        <a:ln w="12700" cap="flat" cmpd="sng" algn="ctr">
+        <a:ln w="13970" cap="flat" cmpd="sng" algn="ctr">
           <a:solidFill>
             <a:schemeClr val="phClr"/>
           </a:solidFill>
           <a:prstDash val="solid"/>
-          <a:miter lim="800000"/>
         </a:ln>
-        <a:ln w="19050" cap="flat" cmpd="sng" algn="ctr">
+        <a:ln w="17145" cap="flat" cmpd="sng" algn="ctr">
           <a:solidFill>
-            <a:schemeClr val="phClr"/>
+            <a:schemeClr val="phClr">
+              <a:shade val="95000"/>
+              <a:alpha val="95000"/>
+              <a:satMod val="150000"/>
+            </a:schemeClr>
           </a:solidFill>
           <a:prstDash val="solid"/>
-          <a:miter lim="800000"/>
         </a:ln>
       </a:lnStyleLst>
       <a:effectStyleLst>
@@ -3963,16 +9505,52 @@
           <a:effectLst/>
         </a:effectStyle>
         <a:effectStyle>
-          <a:effectLst/>
+          <a:effectLst>
+            <a:outerShdw blurRad="50800" dist="15240" dir="5400000" algn="tl" rotWithShape="0">
+              <a:srgbClr val="000000">
+                <a:alpha val="75000"/>
+              </a:srgbClr>
+            </a:outerShdw>
+          </a:effectLst>
+          <a:scene3d>
+            <a:camera prst="orthographicFront">
+              <a:rot lat="0" lon="0" rev="0"/>
+            </a:camera>
+            <a:lightRig rig="brightRoom" dir="tl"/>
+          </a:scene3d>
+          <a:sp3d contourW="9525" prstMaterial="flat">
+            <a:bevelT w="0" h="0" prst="coolSlant"/>
+            <a:contourClr>
+              <a:schemeClr val="phClr">
+                <a:shade val="35000"/>
+                <a:satMod val="130000"/>
+              </a:schemeClr>
+            </a:contourClr>
+          </a:sp3d>
         </a:effectStyle>
         <a:effectStyle>
           <a:effectLst>
-            <a:outerShdw blurRad="57150" dist="19050" dir="5400000" algn="ctr" rotWithShape="0">
+            <a:outerShdw blurRad="76200" dist="25400" dir="5400000" algn="tl" rotWithShape="0">
               <a:srgbClr val="000000">
-                <a:alpha val="63000"/>
+                <a:alpha val="55000"/>
               </a:srgbClr>
             </a:outerShdw>
           </a:effectLst>
+          <a:scene3d>
+            <a:camera prst="orthographicFront">
+              <a:rot lat="0" lon="0" rev="0"/>
+            </a:camera>
+            <a:lightRig rig="brightRoom" dir="tl"/>
+          </a:scene3d>
+          <a:sp3d contourW="19050" prstMaterial="flat">
+            <a:bevelT w="0" h="0" prst="coolSlant"/>
+            <a:contourClr>
+              <a:schemeClr val="phClr">
+                <a:shade val="25000"/>
+                <a:satMod val="140000"/>
+              </a:schemeClr>
+            </a:contourClr>
+          </a:sp3d>
         </a:effectStyle>
       </a:effectStyleLst>
       <a:bgFillStyleLst>
@@ -3989,28 +9567,23 @@
           <a:gsLst>
             <a:gs pos="0">
               <a:schemeClr val="phClr">
-                <a:tint val="93000"/>
-                <a:satMod val="150000"/>
+                <a:tint val="94000"/>
                 <a:shade val="98000"/>
+                <a:satMod val="130000"/>
                 <a:lumMod val="102000"/>
-              </a:schemeClr>
-            </a:gs>
-            <a:gs pos="50000">
-              <a:schemeClr val="phClr">
-                <a:tint val="98000"/>
-                <a:satMod val="130000"/>
-                <a:shade val="90000"/>
-                <a:lumMod val="103000"/>
               </a:schemeClr>
             </a:gs>
             <a:gs pos="100000">
               <a:schemeClr val="phClr">
-                <a:shade val="63000"/>
-                <a:satMod val="120000"/>
+                <a:tint val="98000"/>
+                <a:shade val="78000"/>
+                <a:satMod val="140000"/>
               </a:schemeClr>
             </a:gs>
           </a:gsLst>
-          <a:lin ang="5400000" scaled="0"/>
+          <a:path path="circle">
+            <a:fillToRect l="100000" t="100000" r="100000" b="100000"/>
+          </a:path>
         </a:gradFill>
       </a:bgFillStyleLst>
     </a:fmtScheme>
@@ -4019,7 +9592,7 @@
   <a:extraClrSchemeLst/>
   <a:extLst>
     <a:ext uri="{05A4C25C-085E-4340-85A3-A5531E510DB2}">
-      <thm15:themeFamily xmlns:thm15="http://schemas.microsoft.com/office/thememl/2012/main" name="Office Theme" id="{62F939B6-93AF-4DB8-9C6B-D6C7DFDC589F}" vid="{4A3C46E8-61CC-4603-A589-7422A47A8E4A}"/>
+      <thm15:themeFamily xmlns:thm15="http://schemas.microsoft.com/office/thememl/2012/main" name="View" id="{BA0EB5A6-F2D4-4F82-977B-64ADEE4A2A69}" vid="{3969A8A2-35DB-4E3B-8885-16FD20568674}"/>
     </a:ext>
   </a:extLst>
 </a:theme>

--- a/Documentation/Project Proposal.pptx
+++ b/Documentation/Project Proposal.pptx
@@ -4140,7 +4140,7 @@
           <a:p>
             <a:fld id="{663FCB29-2676-426F-A85E-B379AF0D74C8}" type="datetimeFigureOut">
               <a:rPr lang="en-US" smtClean="0"/>
-              <a:t>11/24/2024</a:t>
+              <a:t>11/25/2024</a:t>
             </a:fld>
             <a:endParaRPr lang="en-US"/>
           </a:p>
@@ -4368,7 +4368,7 @@
           <a:p>
             <a:fld id="{663FCB29-2676-426F-A85E-B379AF0D74C8}" type="datetimeFigureOut">
               <a:rPr lang="en-US" smtClean="0"/>
-              <a:t>11/24/2024</a:t>
+              <a:t>11/25/2024</a:t>
             </a:fld>
             <a:endParaRPr lang="en-US"/>
           </a:p>
@@ -4548,7 +4548,7 @@
           <a:p>
             <a:fld id="{663FCB29-2676-426F-A85E-B379AF0D74C8}" type="datetimeFigureOut">
               <a:rPr lang="en-US" smtClean="0"/>
-              <a:t>11/24/2024</a:t>
+              <a:t>11/25/2024</a:t>
             </a:fld>
             <a:endParaRPr lang="en-US"/>
           </a:p>
@@ -4718,7 +4718,7 @@
           <a:p>
             <a:fld id="{663FCB29-2676-426F-A85E-B379AF0D74C8}" type="datetimeFigureOut">
               <a:rPr lang="en-US" smtClean="0"/>
-              <a:t>11/24/2024</a:t>
+              <a:t>11/25/2024</a:t>
             </a:fld>
             <a:endParaRPr lang="en-US"/>
           </a:p>
@@ -4972,7 +4972,7 @@
           <a:p>
             <a:fld id="{663FCB29-2676-426F-A85E-B379AF0D74C8}" type="datetimeFigureOut">
               <a:rPr lang="en-US" smtClean="0"/>
-              <a:t>11/24/2024</a:t>
+              <a:t>11/25/2024</a:t>
             </a:fld>
             <a:endParaRPr lang="en-US"/>
           </a:p>
@@ -5298,7 +5298,7 @@
           <a:p>
             <a:fld id="{663FCB29-2676-426F-A85E-B379AF0D74C8}" type="datetimeFigureOut">
               <a:rPr lang="en-US" smtClean="0"/>
-              <a:t>11/24/2024</a:t>
+              <a:t>11/25/2024</a:t>
             </a:fld>
             <a:endParaRPr lang="en-US"/>
           </a:p>
@@ -5749,7 +5749,7 @@
           <a:p>
             <a:fld id="{663FCB29-2676-426F-A85E-B379AF0D74C8}" type="datetimeFigureOut">
               <a:rPr lang="en-US" smtClean="0"/>
-              <a:t>11/24/2024</a:t>
+              <a:t>11/25/2024</a:t>
             </a:fld>
             <a:endParaRPr lang="en-US"/>
           </a:p>
@@ -5867,7 +5867,7 @@
           <a:p>
             <a:fld id="{663FCB29-2676-426F-A85E-B379AF0D74C8}" type="datetimeFigureOut">
               <a:rPr lang="en-US" smtClean="0"/>
-              <a:t>11/24/2024</a:t>
+              <a:t>11/25/2024</a:t>
             </a:fld>
             <a:endParaRPr lang="en-US"/>
           </a:p>
@@ -5962,7 +5962,7 @@
           <a:p>
             <a:fld id="{663FCB29-2676-426F-A85E-B379AF0D74C8}" type="datetimeFigureOut">
               <a:rPr lang="en-US" smtClean="0"/>
-              <a:t>11/24/2024</a:t>
+              <a:t>11/25/2024</a:t>
             </a:fld>
             <a:endParaRPr lang="en-US"/>
           </a:p>
@@ -6249,7 +6249,7 @@
           <a:p>
             <a:fld id="{663FCB29-2676-426F-A85E-B379AF0D74C8}" type="datetimeFigureOut">
               <a:rPr lang="en-US" smtClean="0"/>
-              <a:t>11/24/2024</a:t>
+              <a:t>11/25/2024</a:t>
             </a:fld>
             <a:endParaRPr lang="en-US"/>
           </a:p>
@@ -6571,7 +6571,7 @@
           <a:p>
             <a:fld id="{663FCB29-2676-426F-A85E-B379AF0D74C8}" type="datetimeFigureOut">
               <a:rPr lang="en-US" smtClean="0"/>
-              <a:t>11/24/2024</a:t>
+              <a:t>11/25/2024</a:t>
             </a:fld>
             <a:endParaRPr lang="en-US"/>
           </a:p>
@@ -6825,7 +6825,7 @@
           <a:p>
             <a:fld id="{663FCB29-2676-426F-A85E-B379AF0D74C8}" type="datetimeFigureOut">
               <a:rPr lang="en-US" smtClean="0"/>
-              <a:t>11/24/2024</a:t>
+              <a:t>11/25/2024</a:t>
             </a:fld>
             <a:endParaRPr lang="en-US"/>
           </a:p>
@@ -9279,59 +9279,42 @@
           <a:chExt cx="0" cy="0"/>
         </a:xfrm>
       </p:grpSpPr>
-      <p:sp>
-        <p:nvSpPr>
-          <p:cNvPr id="2" name="Title 1">
+      <p:pic>
+        <p:nvPicPr>
+          <p:cNvPr id="7" name="Picture 6">
             <a:extLst>
               <a:ext uri="{FF2B5EF4-FFF2-40B4-BE49-F238E27FC236}">
-                <a16:creationId xmlns:a16="http://schemas.microsoft.com/office/drawing/2014/main" id="{B36CBB07-7C28-66DC-28AA-213BB52EE028}"/>
+                <a16:creationId xmlns:a16="http://schemas.microsoft.com/office/drawing/2014/main" id="{1D196096-B097-901E-B54C-9930C993EC9C}"/>
               </a:ext>
             </a:extLst>
           </p:cNvPr>
-          <p:cNvSpPr>
-            <a:spLocks noGrp="1"/>
-          </p:cNvSpPr>
-          <p:nvPr>
-            <p:ph type="title"/>
-          </p:nvPr>
-        </p:nvSpPr>
-        <p:spPr/>
-        <p:txBody>
-          <a:bodyPr/>
-          <a:lstStyle/>
-          <a:p>
-            <a:r>
-              <a:rPr lang="en-US" dirty="0"/>
-              <a:t>UML</a:t>
-            </a:r>
-          </a:p>
-        </p:txBody>
-      </p:sp>
-      <p:sp>
-        <p:nvSpPr>
-          <p:cNvPr id="3" name="Content Placeholder 2">
+          <p:cNvPicPr>
+            <a:picLocks noChangeAspect="1"/>
+          </p:cNvPicPr>
+          <p:nvPr/>
+        </p:nvPicPr>
+        <p:blipFill>
+          <a:blip r:embed="rId2">
             <a:extLst>
-              <a:ext uri="{FF2B5EF4-FFF2-40B4-BE49-F238E27FC236}">
-                <a16:creationId xmlns:a16="http://schemas.microsoft.com/office/drawing/2014/main" id="{182FB7E3-A78C-ED89-A1E3-07DC3DE894DB}"/>
+              <a:ext uri="{28A0092B-C50C-407E-A947-70E740481C1C}">
+                <a14:useLocalDpi xmlns:a14="http://schemas.microsoft.com/office/drawing/2010/main" val="0"/>
               </a:ext>
             </a:extLst>
-          </p:cNvPr>
-          <p:cNvSpPr>
-            <a:spLocks noGrp="1"/>
-          </p:cNvSpPr>
-          <p:nvPr>
-            <p:ph idx="1"/>
-          </p:nvPr>
-        </p:nvSpPr>
-        <p:spPr/>
-        <p:txBody>
-          <a:bodyPr/>
-          <a:lstStyle/>
-          <a:p>
-            <a:endParaRPr lang="en-US"/>
-          </a:p>
-        </p:txBody>
-      </p:sp>
+          </a:blip>
+          <a:stretch>
+            <a:fillRect/>
+          </a:stretch>
+        </p:blipFill>
+        <p:spPr>
+          <a:xfrm>
+            <a:off x="1121428" y="290146"/>
+            <a:ext cx="9238048" cy="6277707"/>
+          </a:xfrm>
+          <a:prstGeom prst="rect">
+            <a:avLst/>
+          </a:prstGeom>
+        </p:spPr>
+      </p:pic>
     </p:spTree>
     <p:extLst>
       <p:ext uri="{BB962C8B-B14F-4D97-AF65-F5344CB8AC3E}">

--- a/Documentation/Project Proposal.pptx
+++ b/Documentation/Project Proposal.pptx
@@ -11,6 +11,8 @@
     <p:sldId id="260" r:id="rId5"/>
     <p:sldId id="262" r:id="rId6"/>
     <p:sldId id="261" r:id="rId7"/>
+    <p:sldId id="263" r:id="rId8"/>
+    <p:sldId id="264" r:id="rId9"/>
   </p:sldIdLst>
   <p:sldSz cx="12192000" cy="6858000"/>
   <p:notesSz cx="6858000" cy="9144000"/>
@@ -4140,7 +4142,7 @@
           <a:p>
             <a:fld id="{663FCB29-2676-426F-A85E-B379AF0D74C8}" type="datetimeFigureOut">
               <a:rPr lang="en-US" smtClean="0"/>
-              <a:t>11/25/2024</a:t>
+              <a:t>12/1/2024</a:t>
             </a:fld>
             <a:endParaRPr lang="en-US"/>
           </a:p>
@@ -4368,7 +4370,7 @@
           <a:p>
             <a:fld id="{663FCB29-2676-426F-A85E-B379AF0D74C8}" type="datetimeFigureOut">
               <a:rPr lang="en-US" smtClean="0"/>
-              <a:t>11/25/2024</a:t>
+              <a:t>12/1/2024</a:t>
             </a:fld>
             <a:endParaRPr lang="en-US"/>
           </a:p>
@@ -4548,7 +4550,7 @@
           <a:p>
             <a:fld id="{663FCB29-2676-426F-A85E-B379AF0D74C8}" type="datetimeFigureOut">
               <a:rPr lang="en-US" smtClean="0"/>
-              <a:t>11/25/2024</a:t>
+              <a:t>12/1/2024</a:t>
             </a:fld>
             <a:endParaRPr lang="en-US"/>
           </a:p>
@@ -4718,7 +4720,7 @@
           <a:p>
             <a:fld id="{663FCB29-2676-426F-A85E-B379AF0D74C8}" type="datetimeFigureOut">
               <a:rPr lang="en-US" smtClean="0"/>
-              <a:t>11/25/2024</a:t>
+              <a:t>12/1/2024</a:t>
             </a:fld>
             <a:endParaRPr lang="en-US"/>
           </a:p>
@@ -4972,7 +4974,7 @@
           <a:p>
             <a:fld id="{663FCB29-2676-426F-A85E-B379AF0D74C8}" type="datetimeFigureOut">
               <a:rPr lang="en-US" smtClean="0"/>
-              <a:t>11/25/2024</a:t>
+              <a:t>12/1/2024</a:t>
             </a:fld>
             <a:endParaRPr lang="en-US"/>
           </a:p>
@@ -5298,7 +5300,7 @@
           <a:p>
             <a:fld id="{663FCB29-2676-426F-A85E-B379AF0D74C8}" type="datetimeFigureOut">
               <a:rPr lang="en-US" smtClean="0"/>
-              <a:t>11/25/2024</a:t>
+              <a:t>12/1/2024</a:t>
             </a:fld>
             <a:endParaRPr lang="en-US"/>
           </a:p>
@@ -5749,7 +5751,7 @@
           <a:p>
             <a:fld id="{663FCB29-2676-426F-A85E-B379AF0D74C8}" type="datetimeFigureOut">
               <a:rPr lang="en-US" smtClean="0"/>
-              <a:t>11/25/2024</a:t>
+              <a:t>12/1/2024</a:t>
             </a:fld>
             <a:endParaRPr lang="en-US"/>
           </a:p>
@@ -5867,7 +5869,7 @@
           <a:p>
             <a:fld id="{663FCB29-2676-426F-A85E-B379AF0D74C8}" type="datetimeFigureOut">
               <a:rPr lang="en-US" smtClean="0"/>
-              <a:t>11/25/2024</a:t>
+              <a:t>12/1/2024</a:t>
             </a:fld>
             <a:endParaRPr lang="en-US"/>
           </a:p>
@@ -5962,7 +5964,7 @@
           <a:p>
             <a:fld id="{663FCB29-2676-426F-A85E-B379AF0D74C8}" type="datetimeFigureOut">
               <a:rPr lang="en-US" smtClean="0"/>
-              <a:t>11/25/2024</a:t>
+              <a:t>12/1/2024</a:t>
             </a:fld>
             <a:endParaRPr lang="en-US"/>
           </a:p>
@@ -6249,7 +6251,7 @@
           <a:p>
             <a:fld id="{663FCB29-2676-426F-A85E-B379AF0D74C8}" type="datetimeFigureOut">
               <a:rPr lang="en-US" smtClean="0"/>
-              <a:t>11/25/2024</a:t>
+              <a:t>12/1/2024</a:t>
             </a:fld>
             <a:endParaRPr lang="en-US"/>
           </a:p>
@@ -6571,7 +6573,7 @@
           <a:p>
             <a:fld id="{663FCB29-2676-426F-A85E-B379AF0D74C8}" type="datetimeFigureOut">
               <a:rPr lang="en-US" smtClean="0"/>
-              <a:t>11/25/2024</a:t>
+              <a:t>12/1/2024</a:t>
             </a:fld>
             <a:endParaRPr lang="en-US"/>
           </a:p>
@@ -6825,7 +6827,7 @@
           <a:p>
             <a:fld id="{663FCB29-2676-426F-A85E-B379AF0D74C8}" type="datetimeFigureOut">
               <a:rPr lang="en-US" smtClean="0"/>
-              <a:t>11/25/2024</a:t>
+              <a:t>12/1/2024</a:t>
             </a:fld>
             <a:endParaRPr lang="en-US"/>
           </a:p>
@@ -7582,7 +7584,24 @@
                 <a:ea typeface="Calibri" panose="020F0502020204030204" pitchFamily="34" charset="0"/>
                 <a:cs typeface="Times New Roman" panose="02020603050405020304" pitchFamily="18" charset="0"/>
               </a:rPr>
-              <a:t>Destroyer”. The main premise of the game is to traverse through the map which will be implemented using a graph, and the player has to battle monsters in turn-base combat. To learn new skills, players must gain experience and work their way through the map. Certain skills will be more effective against certain monsters, and thus, players will have to focus on unlocking different parts of the skill tree to ensure they can pass levels. Also, user related info will be stored using </a:t>
+              <a:t>Destroyer”. The main premise of the game is to traverse through the map which will be implemented using a graph, and the player has to battle monsters in turn-base combat. To learn new skills, players must gain experience and work their way through the map. Certain skills will be required to </a:t>
+            </a:r>
+            <a:r>
+              <a:rPr lang="en-US" kern="100" dirty="0">
+                <a:latin typeface="Calibri" panose="020F0502020204030204" pitchFamily="34" charset="0"/>
+                <a:ea typeface="Calibri" panose="020F0502020204030204" pitchFamily="34" charset="0"/>
+                <a:cs typeface="Times New Roman" panose="02020603050405020304" pitchFamily="18" charset="0"/>
+              </a:rPr>
+              <a:t>help beat </a:t>
+            </a:r>
+            <a:r>
+              <a:rPr lang="en-US" sz="1800" kern="100" dirty="0">
+                <a:effectLst/>
+                <a:latin typeface="Calibri" panose="020F0502020204030204" pitchFamily="34" charset="0"/>
+                <a:ea typeface="Calibri" panose="020F0502020204030204" pitchFamily="34" charset="0"/>
+                <a:cs typeface="Times New Roman" panose="02020603050405020304" pitchFamily="18" charset="0"/>
+              </a:rPr>
+              <a:t>certain monsters, and thus, players will have to focus on unlocking different parts of the skill tree to ensure they can pass levels. Also, user related info will be stored using </a:t>
             </a:r>
             <a:r>
               <a:rPr lang="en-US" sz="1800" kern="100" dirty="0" err="1">
@@ -9328,6 +9347,372 @@
 </p:sld>
 </file>
 
+<file path=ppt/slides/slide7.xml><?xml version="1.0" encoding="utf-8"?>
+<p:sld xmlns:a="http://schemas.openxmlformats.org/drawingml/2006/main" xmlns:r="http://schemas.openxmlformats.org/officeDocument/2006/relationships" xmlns:p="http://schemas.openxmlformats.org/presentationml/2006/main">
+  <p:cSld>
+    <p:bg>
+      <p:bgPr>
+        <a:solidFill>
+          <a:schemeClr val="bg1">
+            <a:lumMod val="75000"/>
+          </a:schemeClr>
+        </a:solidFill>
+        <a:effectLst/>
+      </p:bgPr>
+    </p:bg>
+    <p:spTree>
+      <p:nvGrpSpPr>
+        <p:cNvPr id="1" name=""/>
+        <p:cNvGrpSpPr/>
+        <p:nvPr/>
+      </p:nvGrpSpPr>
+      <p:grpSpPr>
+        <a:xfrm>
+          <a:off x="0" y="0"/>
+          <a:ext cx="0" cy="0"/>
+          <a:chOff x="0" y="0"/>
+          <a:chExt cx="0" cy="0"/>
+        </a:xfrm>
+      </p:grpSpPr>
+      <p:sp>
+        <p:nvSpPr>
+          <p:cNvPr id="2" name="Title 1">
+            <a:extLst>
+              <a:ext uri="{FF2B5EF4-FFF2-40B4-BE49-F238E27FC236}">
+                <a16:creationId xmlns:a16="http://schemas.microsoft.com/office/drawing/2014/main" id="{A1502DC4-38B6-1CC0-424E-9B0000AD80AB}"/>
+              </a:ext>
+            </a:extLst>
+          </p:cNvPr>
+          <p:cNvSpPr>
+            <a:spLocks noGrp="1"/>
+          </p:cNvSpPr>
+          <p:nvPr>
+            <p:ph type="title"/>
+          </p:nvPr>
+        </p:nvSpPr>
+        <p:spPr>
+          <a:xfrm>
+            <a:off x="1358124" y="-147584"/>
+            <a:ext cx="9692640" cy="1325562"/>
+          </a:xfrm>
+        </p:spPr>
+        <p:txBody>
+          <a:bodyPr/>
+          <a:lstStyle/>
+          <a:p>
+            <a:r>
+              <a:rPr lang="en-US" dirty="0"/>
+              <a:t>GUI Implementation</a:t>
+            </a:r>
+          </a:p>
+        </p:txBody>
+      </p:sp>
+      <p:pic>
+        <p:nvPicPr>
+          <p:cNvPr id="13" name="Content Placeholder 12">
+            <a:extLst>
+              <a:ext uri="{FF2B5EF4-FFF2-40B4-BE49-F238E27FC236}">
+                <a16:creationId xmlns:a16="http://schemas.microsoft.com/office/drawing/2014/main" id="{8F1388E2-B068-F270-FC55-484F7E061223}"/>
+              </a:ext>
+            </a:extLst>
+          </p:cNvPr>
+          <p:cNvPicPr>
+            <a:picLocks noGrp="1" noChangeAspect="1"/>
+          </p:cNvPicPr>
+          <p:nvPr>
+            <p:ph idx="1"/>
+          </p:nvPr>
+        </p:nvPicPr>
+        <p:blipFill>
+          <a:blip r:embed="rId2">
+            <a:extLst>
+              <a:ext uri="{28A0092B-C50C-407E-A947-70E740481C1C}">
+                <a14:useLocalDpi xmlns:a14="http://schemas.microsoft.com/office/drawing/2010/main" val="0"/>
+              </a:ext>
+            </a:extLst>
+          </a:blip>
+          <a:stretch>
+            <a:fillRect/>
+          </a:stretch>
+        </p:blipFill>
+        <p:spPr>
+          <a:xfrm>
+            <a:off x="1453014" y="1551001"/>
+            <a:ext cx="3715566" cy="2469366"/>
+          </a:xfrm>
+        </p:spPr>
+      </p:pic>
+      <p:pic>
+        <p:nvPicPr>
+          <p:cNvPr id="15" name="Picture 14">
+            <a:extLst>
+              <a:ext uri="{FF2B5EF4-FFF2-40B4-BE49-F238E27FC236}">
+                <a16:creationId xmlns:a16="http://schemas.microsoft.com/office/drawing/2014/main" id="{5334AE6D-FB1F-BC15-7182-9CE30936E0DA}"/>
+              </a:ext>
+            </a:extLst>
+          </p:cNvPr>
+          <p:cNvPicPr>
+            <a:picLocks noChangeAspect="1"/>
+          </p:cNvPicPr>
+          <p:nvPr/>
+        </p:nvPicPr>
+        <p:blipFill>
+          <a:blip r:embed="rId3">
+            <a:extLst>
+              <a:ext uri="{28A0092B-C50C-407E-A947-70E740481C1C}">
+                <a14:useLocalDpi xmlns:a14="http://schemas.microsoft.com/office/drawing/2010/main" val="0"/>
+              </a:ext>
+            </a:extLst>
+          </a:blip>
+          <a:stretch>
+            <a:fillRect/>
+          </a:stretch>
+        </p:blipFill>
+        <p:spPr>
+          <a:xfrm>
+            <a:off x="1453014" y="4136720"/>
+            <a:ext cx="3715566" cy="2468639"/>
+          </a:xfrm>
+          <a:prstGeom prst="rect">
+            <a:avLst/>
+          </a:prstGeom>
+        </p:spPr>
+      </p:pic>
+      <p:pic>
+        <p:nvPicPr>
+          <p:cNvPr id="17" name="Picture 16">
+            <a:extLst>
+              <a:ext uri="{FF2B5EF4-FFF2-40B4-BE49-F238E27FC236}">
+                <a16:creationId xmlns:a16="http://schemas.microsoft.com/office/drawing/2014/main" id="{64EC4750-9186-F81F-6730-DD257E8E4234}"/>
+              </a:ext>
+            </a:extLst>
+          </p:cNvPr>
+          <p:cNvPicPr>
+            <a:picLocks noChangeAspect="1"/>
+          </p:cNvPicPr>
+          <p:nvPr/>
+        </p:nvPicPr>
+        <p:blipFill>
+          <a:blip r:embed="rId4">
+            <a:extLst>
+              <a:ext uri="{28A0092B-C50C-407E-A947-70E740481C1C}">
+                <a14:useLocalDpi xmlns:a14="http://schemas.microsoft.com/office/drawing/2010/main" val="0"/>
+              </a:ext>
+            </a:extLst>
+          </a:blip>
+          <a:srcRect l="-102" r="-1278"/>
+          <a:stretch/>
+        </p:blipFill>
+        <p:spPr>
+          <a:xfrm>
+            <a:off x="5293895" y="1551001"/>
+            <a:ext cx="3850105" cy="2469366"/>
+          </a:xfrm>
+          <a:prstGeom prst="rect">
+            <a:avLst/>
+          </a:prstGeom>
+        </p:spPr>
+      </p:pic>
+      <p:pic>
+        <p:nvPicPr>
+          <p:cNvPr id="19" name="Picture 18">
+            <a:extLst>
+              <a:ext uri="{FF2B5EF4-FFF2-40B4-BE49-F238E27FC236}">
+                <a16:creationId xmlns:a16="http://schemas.microsoft.com/office/drawing/2014/main" id="{AFA8A07F-3E0B-96E7-0D37-4FFE2E044B99}"/>
+              </a:ext>
+            </a:extLst>
+          </p:cNvPr>
+          <p:cNvPicPr>
+            <a:picLocks noChangeAspect="1"/>
+          </p:cNvPicPr>
+          <p:nvPr/>
+        </p:nvPicPr>
+        <p:blipFill>
+          <a:blip r:embed="rId5">
+            <a:extLst>
+              <a:ext uri="{28A0092B-C50C-407E-A947-70E740481C1C}">
+                <a14:useLocalDpi xmlns:a14="http://schemas.microsoft.com/office/drawing/2010/main" val="0"/>
+              </a:ext>
+            </a:extLst>
+          </a:blip>
+          <a:srcRect t="3763"/>
+          <a:stretch/>
+        </p:blipFill>
+        <p:spPr>
+          <a:xfrm>
+            <a:off x="5293895" y="4149071"/>
+            <a:ext cx="3850104" cy="2469367"/>
+          </a:xfrm>
+          <a:prstGeom prst="rect">
+            <a:avLst/>
+          </a:prstGeom>
+        </p:spPr>
+      </p:pic>
+    </p:spTree>
+    <p:extLst>
+      <p:ext uri="{BB962C8B-B14F-4D97-AF65-F5344CB8AC3E}">
+        <p14:creationId xmlns:p14="http://schemas.microsoft.com/office/powerpoint/2010/main" val="3743864439"/>
+      </p:ext>
+    </p:extLst>
+  </p:cSld>
+  <p:clrMapOvr>
+    <a:masterClrMapping/>
+  </p:clrMapOvr>
+</p:sld>
+</file>
+
+<file path=ppt/slides/slide8.xml><?xml version="1.0" encoding="utf-8"?>
+<p:sld xmlns:a="http://schemas.openxmlformats.org/drawingml/2006/main" xmlns:r="http://schemas.openxmlformats.org/officeDocument/2006/relationships" xmlns:p="http://schemas.openxmlformats.org/presentationml/2006/main">
+  <p:cSld>
+    <p:bg>
+      <p:bgPr>
+        <a:solidFill>
+          <a:schemeClr val="bg1">
+            <a:lumMod val="75000"/>
+          </a:schemeClr>
+        </a:solidFill>
+        <a:effectLst/>
+      </p:bgPr>
+    </p:bg>
+    <p:spTree>
+      <p:nvGrpSpPr>
+        <p:cNvPr id="1" name=""/>
+        <p:cNvGrpSpPr/>
+        <p:nvPr/>
+      </p:nvGrpSpPr>
+      <p:grpSpPr>
+        <a:xfrm>
+          <a:off x="0" y="0"/>
+          <a:ext cx="0" cy="0"/>
+          <a:chOff x="0" y="0"/>
+          <a:chExt cx="0" cy="0"/>
+        </a:xfrm>
+      </p:grpSpPr>
+      <p:sp>
+        <p:nvSpPr>
+          <p:cNvPr id="2" name="Title 1">
+            <a:extLst>
+              <a:ext uri="{FF2B5EF4-FFF2-40B4-BE49-F238E27FC236}">
+                <a16:creationId xmlns:a16="http://schemas.microsoft.com/office/drawing/2014/main" id="{058190F0-8EA3-1B5C-99D8-F6E6DA0548A3}"/>
+              </a:ext>
+            </a:extLst>
+          </p:cNvPr>
+          <p:cNvSpPr>
+            <a:spLocks noGrp="1"/>
+          </p:cNvSpPr>
+          <p:nvPr>
+            <p:ph type="title"/>
+          </p:nvPr>
+        </p:nvSpPr>
+        <p:spPr>
+          <a:xfrm>
+            <a:off x="417094" y="-259880"/>
+            <a:ext cx="9692640" cy="1325562"/>
+          </a:xfrm>
+        </p:spPr>
+        <p:txBody>
+          <a:bodyPr/>
+          <a:lstStyle/>
+          <a:p>
+            <a:r>
+              <a:rPr lang="en-US" dirty="0">
+                <a:solidFill>
+                  <a:srgbClr val="0070C0"/>
+                </a:solidFill>
+                <a:hlinkClick r:id="rId2">
+                  <a:extLst>
+                    <a:ext uri="{A12FA001-AC4F-418D-AE19-62706E023703}">
+                      <ahyp:hlinkClr xmlns:ahyp="http://schemas.microsoft.com/office/drawing/2018/hyperlinkcolor" val="tx"/>
+                    </a:ext>
+                  </a:extLst>
+                </a:hlinkClick>
+              </a:rPr>
+              <a:t>Code Implementation</a:t>
+            </a:r>
+            <a:r>
+              <a:rPr lang="en-US" dirty="0">
+                <a:solidFill>
+                  <a:srgbClr val="0070C0"/>
+                </a:solidFill>
+              </a:rPr>
+              <a:t> </a:t>
+            </a:r>
+          </a:p>
+        </p:txBody>
+      </p:sp>
+      <p:pic>
+        <p:nvPicPr>
+          <p:cNvPr id="7" name="Picture 6">
+            <a:extLst>
+              <a:ext uri="{FF2B5EF4-FFF2-40B4-BE49-F238E27FC236}">
+                <a16:creationId xmlns:a16="http://schemas.microsoft.com/office/drawing/2014/main" id="{C7DDFF06-7FAF-A63F-BA34-485248AD0059}"/>
+              </a:ext>
+            </a:extLst>
+          </p:cNvPr>
+          <p:cNvPicPr>
+            <a:picLocks noChangeAspect="1"/>
+          </p:cNvPicPr>
+          <p:nvPr/>
+        </p:nvPicPr>
+        <p:blipFill>
+          <a:blip r:embed="rId3"/>
+          <a:stretch>
+            <a:fillRect/>
+          </a:stretch>
+        </p:blipFill>
+        <p:spPr>
+          <a:xfrm>
+            <a:off x="6701819" y="0"/>
+            <a:ext cx="4210591" cy="6858000"/>
+          </a:xfrm>
+          <a:prstGeom prst="rect">
+            <a:avLst/>
+          </a:prstGeom>
+        </p:spPr>
+      </p:pic>
+      <p:pic>
+        <p:nvPicPr>
+          <p:cNvPr id="13" name="Picture 12">
+            <a:extLst>
+              <a:ext uri="{FF2B5EF4-FFF2-40B4-BE49-F238E27FC236}">
+                <a16:creationId xmlns:a16="http://schemas.microsoft.com/office/drawing/2014/main" id="{47E474DC-44C9-7411-6C31-C30D626DD47D}"/>
+              </a:ext>
+            </a:extLst>
+          </p:cNvPr>
+          <p:cNvPicPr>
+            <a:picLocks noChangeAspect="1"/>
+          </p:cNvPicPr>
+          <p:nvPr/>
+        </p:nvPicPr>
+        <p:blipFill>
+          <a:blip r:embed="rId4"/>
+          <a:stretch>
+            <a:fillRect/>
+          </a:stretch>
+        </p:blipFill>
+        <p:spPr>
+          <a:xfrm>
+            <a:off x="417094" y="1194019"/>
+            <a:ext cx="5891061" cy="6858000"/>
+          </a:xfrm>
+          <a:prstGeom prst="rect">
+            <a:avLst/>
+          </a:prstGeom>
+        </p:spPr>
+      </p:pic>
+    </p:spTree>
+    <p:extLst>
+      <p:ext uri="{BB962C8B-B14F-4D97-AF65-F5344CB8AC3E}">
+        <p14:creationId xmlns:p14="http://schemas.microsoft.com/office/powerpoint/2010/main" val="2031491577"/>
+      </p:ext>
+    </p:extLst>
+  </p:cSld>
+  <p:clrMapOvr>
+    <a:masterClrMapping/>
+  </p:clrMapOvr>
+</p:sld>
+</file>
+
 <file path=ppt/theme/theme1.xml><?xml version="1.0" encoding="utf-8"?>
 <a:theme xmlns:a="http://schemas.openxmlformats.org/drawingml/2006/main" name="View">
   <a:themeElements>
